--- a/lecture_notes/chapter2/chapter2.pptx
+++ b/lecture_notes/chapter2/chapter2.pptx
@@ -39,10 +39,10 @@
     <p:sldId id="288" r:id="rId30"/>
     <p:sldId id="289" r:id="rId31"/>
     <p:sldId id="290" r:id="rId32"/>
-    <p:sldId id="292" r:id="rId33"/>
-    <p:sldId id="293" r:id="rId34"/>
-    <p:sldId id="294" r:id="rId35"/>
-    <p:sldId id="295" r:id="rId36"/>
+    <p:sldId id="293" r:id="rId33"/>
+    <p:sldId id="294" r:id="rId34"/>
+    <p:sldId id="295" r:id="rId35"/>
+    <p:sldId id="321" r:id="rId36"/>
     <p:sldId id="297" r:id="rId37"/>
     <p:sldId id="296" r:id="rId38"/>
     <p:sldId id="298" r:id="rId39"/>
@@ -56,10 +56,10 @@
     <p:sldId id="307" r:id="rId47"/>
     <p:sldId id="308" r:id="rId48"/>
     <p:sldId id="310" r:id="rId49"/>
-    <p:sldId id="311" r:id="rId50"/>
-    <p:sldId id="312" r:id="rId51"/>
-    <p:sldId id="314" r:id="rId52"/>
-    <p:sldId id="315" r:id="rId53"/>
+    <p:sldId id="317" r:id="rId50"/>
+    <p:sldId id="319" r:id="rId51"/>
+    <p:sldId id="318" r:id="rId52"/>
+    <p:sldId id="320" r:id="rId53"/>
   </p:sldIdLst>
   <p:sldSz cx="12192000" cy="6858000"/>
   <p:notesSz cx="6858000" cy="9144000"/>
@@ -210,10 +210,10 @@
         </p14:section>
         <p14:section name="Function Arguments" id="{D5B7B87C-998F-4BFD-8E27-D7F7EBF2E10A}">
           <p14:sldIdLst>
-            <p14:sldId id="292"/>
             <p14:sldId id="293"/>
             <p14:sldId id="294"/>
             <p14:sldId id="295"/>
+            <p14:sldId id="321"/>
             <p14:sldId id="297"/>
             <p14:sldId id="296"/>
             <p14:sldId id="298"/>
@@ -231,10 +231,10 @@
             <p14:sldId id="307"/>
             <p14:sldId id="308"/>
             <p14:sldId id="310"/>
-            <p14:sldId id="311"/>
-            <p14:sldId id="312"/>
-            <p14:sldId id="314"/>
-            <p14:sldId id="315"/>
+            <p14:sldId id="317"/>
+            <p14:sldId id="319"/>
+            <p14:sldId id="318"/>
+            <p14:sldId id="320"/>
           </p14:sldIdLst>
         </p14:section>
       </p14:sectionLst>
@@ -249,8 +249,8 @@
 <file path=ppt/revisionInfo.xml><?xml version="1.0" encoding="utf-8"?>
 <p1510:revInfo xmlns:a="http://schemas.openxmlformats.org/drawingml/2006/main" xmlns:r="http://schemas.openxmlformats.org/officeDocument/2006/relationships" xmlns:p1510="http://schemas.microsoft.com/office/powerpoint/2015/10/main">
   <p1510:revLst>
-    <p1510:client id="{A515520A-0FCD-486C-A2CC-7D014497B132}" v="257" dt="2024-09-17T03:56:24.602"/>
-    <p1510:client id="{B9F33DEE-EC52-4B89-A8C8-427ED27EC638}" v="186" dt="2024-09-17T22:22:26.865"/>
+    <p1510:client id="{B9F33DEE-EC52-4B89-A8C8-427ED27EC638}" v="193" dt="2024-09-19T00:59:02.816"/>
+    <p1510:client id="{D9E01E68-3093-4328-BB93-1B8A087A0E58}" v="16" dt="2024-09-18T19:04:20.589"/>
   </p1510:revLst>
 </p1510:revInfo>
 </file>
@@ -258,9 +258,643 @@
 <file path=ppt/changesInfos/changesInfo1.xml><?xml version="1.0" encoding="utf-8"?>
 <pc:chgInfo xmlns:a="http://schemas.openxmlformats.org/drawingml/2006/main" xmlns:r="http://schemas.openxmlformats.org/officeDocument/2006/relationships" xmlns:ac="http://schemas.microsoft.com/office/drawing/2013/main/command" xmlns:pc="http://schemas.microsoft.com/office/powerpoint/2013/main/command">
   <pc:docChgLst>
+    <pc:chgData name="Toby Donaldson" userId="2e6e5431-bb17-4c41-9985-d39c50d83c73" providerId="ADAL" clId="{D9E01E68-3093-4328-BB93-1B8A087A0E58}"/>
+    <pc:docChg chg="undo custSel addSld delSld modSld sldOrd modSection">
+      <pc:chgData name="Toby Donaldson" userId="2e6e5431-bb17-4c41-9985-d39c50d83c73" providerId="ADAL" clId="{D9E01E68-3093-4328-BB93-1B8A087A0E58}" dt="2024-09-18T19:05:20.157" v="516" actId="1076"/>
+      <pc:docMkLst>
+        <pc:docMk/>
+      </pc:docMkLst>
+      <pc:sldChg chg="modTransition">
+        <pc:chgData name="Toby Donaldson" userId="2e6e5431-bb17-4c41-9985-d39c50d83c73" providerId="ADAL" clId="{D9E01E68-3093-4328-BB93-1B8A087A0E58}" dt="2024-09-18T18:26:50.507" v="1"/>
+        <pc:sldMkLst>
+          <pc:docMk/>
+          <pc:sldMk cId="3144938788" sldId="279"/>
+        </pc:sldMkLst>
+      </pc:sldChg>
+      <pc:sldChg chg="modTransition">
+        <pc:chgData name="Toby Donaldson" userId="2e6e5431-bb17-4c41-9985-d39c50d83c73" providerId="ADAL" clId="{D9E01E68-3093-4328-BB93-1B8A087A0E58}" dt="2024-09-18T18:26:50.507" v="1"/>
+        <pc:sldMkLst>
+          <pc:docMk/>
+          <pc:sldMk cId="1423446375" sldId="280"/>
+        </pc:sldMkLst>
+      </pc:sldChg>
+      <pc:sldChg chg="modTransition">
+        <pc:chgData name="Toby Donaldson" userId="2e6e5431-bb17-4c41-9985-d39c50d83c73" providerId="ADAL" clId="{D9E01E68-3093-4328-BB93-1B8A087A0E58}" dt="2024-09-18T18:26:50.507" v="1"/>
+        <pc:sldMkLst>
+          <pc:docMk/>
+          <pc:sldMk cId="4150615350" sldId="281"/>
+        </pc:sldMkLst>
+      </pc:sldChg>
+      <pc:sldChg chg="modTransition">
+        <pc:chgData name="Toby Donaldson" userId="2e6e5431-bb17-4c41-9985-d39c50d83c73" providerId="ADAL" clId="{D9E01E68-3093-4328-BB93-1B8A087A0E58}" dt="2024-09-18T18:26:50.507" v="1"/>
+        <pc:sldMkLst>
+          <pc:docMk/>
+          <pc:sldMk cId="3864837313" sldId="282"/>
+        </pc:sldMkLst>
+      </pc:sldChg>
+      <pc:sldChg chg="modSp mod">
+        <pc:chgData name="Toby Donaldson" userId="2e6e5431-bb17-4c41-9985-d39c50d83c73" providerId="ADAL" clId="{D9E01E68-3093-4328-BB93-1B8A087A0E58}" dt="2024-09-18T18:27:33.601" v="13" actId="20577"/>
+        <pc:sldMkLst>
+          <pc:docMk/>
+          <pc:sldMk cId="976387272" sldId="283"/>
+        </pc:sldMkLst>
+        <pc:spChg chg="mod">
+          <ac:chgData name="Toby Donaldson" userId="2e6e5431-bb17-4c41-9985-d39c50d83c73" providerId="ADAL" clId="{D9E01E68-3093-4328-BB93-1B8A087A0E58}" dt="2024-09-18T18:27:33.601" v="13" actId="20577"/>
+          <ac:spMkLst>
+            <pc:docMk/>
+            <pc:sldMk cId="976387272" sldId="283"/>
+            <ac:spMk id="21" creationId="{D740259B-6CB5-F639-4EA8-154D270E96F9}"/>
+          </ac:spMkLst>
+        </pc:spChg>
+      </pc:sldChg>
+      <pc:sldChg chg="modTransition">
+        <pc:chgData name="Toby Donaldson" userId="2e6e5431-bb17-4c41-9985-d39c50d83c73" providerId="ADAL" clId="{D9E01E68-3093-4328-BB93-1B8A087A0E58}" dt="2024-09-18T18:26:50.507" v="1"/>
+        <pc:sldMkLst>
+          <pc:docMk/>
+          <pc:sldMk cId="899495814" sldId="284"/>
+        </pc:sldMkLst>
+      </pc:sldChg>
+      <pc:sldChg chg="modSp mod">
+        <pc:chgData name="Toby Donaldson" userId="2e6e5431-bb17-4c41-9985-d39c50d83c73" providerId="ADAL" clId="{D9E01E68-3093-4328-BB93-1B8A087A0E58}" dt="2024-09-18T18:27:25.303" v="9" actId="20577"/>
+        <pc:sldMkLst>
+          <pc:docMk/>
+          <pc:sldMk cId="3461707693" sldId="285"/>
+        </pc:sldMkLst>
+        <pc:spChg chg="mod">
+          <ac:chgData name="Toby Donaldson" userId="2e6e5431-bb17-4c41-9985-d39c50d83c73" providerId="ADAL" clId="{D9E01E68-3093-4328-BB93-1B8A087A0E58}" dt="2024-09-18T18:27:25.303" v="9" actId="20577"/>
+          <ac:spMkLst>
+            <pc:docMk/>
+            <pc:sldMk cId="3461707693" sldId="285"/>
+            <ac:spMk id="21" creationId="{D740259B-6CB5-F639-4EA8-154D270E96F9}"/>
+          </ac:spMkLst>
+        </pc:spChg>
+      </pc:sldChg>
+      <pc:sldChg chg="modSp mod">
+        <pc:chgData name="Toby Donaldson" userId="2e6e5431-bb17-4c41-9985-d39c50d83c73" providerId="ADAL" clId="{D9E01E68-3093-4328-BB93-1B8A087A0E58}" dt="2024-09-18T18:27:40.509" v="17" actId="20577"/>
+        <pc:sldMkLst>
+          <pc:docMk/>
+          <pc:sldMk cId="2835686456" sldId="287"/>
+        </pc:sldMkLst>
+        <pc:spChg chg="mod">
+          <ac:chgData name="Toby Donaldson" userId="2e6e5431-bb17-4c41-9985-d39c50d83c73" providerId="ADAL" clId="{D9E01E68-3093-4328-BB93-1B8A087A0E58}" dt="2024-09-18T18:27:40.509" v="17" actId="20577"/>
+          <ac:spMkLst>
+            <pc:docMk/>
+            <pc:sldMk cId="2835686456" sldId="287"/>
+            <ac:spMk id="21" creationId="{D740259B-6CB5-F639-4EA8-154D270E96F9}"/>
+          </ac:spMkLst>
+        </pc:spChg>
+      </pc:sldChg>
+      <pc:sldChg chg="modSp mod">
+        <pc:chgData name="Toby Donaldson" userId="2e6e5431-bb17-4c41-9985-d39c50d83c73" providerId="ADAL" clId="{D9E01E68-3093-4328-BB93-1B8A087A0E58}" dt="2024-09-18T18:27:45.927" v="21" actId="20577"/>
+        <pc:sldMkLst>
+          <pc:docMk/>
+          <pc:sldMk cId="3265458198" sldId="288"/>
+        </pc:sldMkLst>
+        <pc:spChg chg="mod">
+          <ac:chgData name="Toby Donaldson" userId="2e6e5431-bb17-4c41-9985-d39c50d83c73" providerId="ADAL" clId="{D9E01E68-3093-4328-BB93-1B8A087A0E58}" dt="2024-09-18T18:27:45.927" v="21" actId="20577"/>
+          <ac:spMkLst>
+            <pc:docMk/>
+            <pc:sldMk cId="3265458198" sldId="288"/>
+            <ac:spMk id="21" creationId="{D740259B-6CB5-F639-4EA8-154D270E96F9}"/>
+          </ac:spMkLst>
+        </pc:spChg>
+      </pc:sldChg>
+      <pc:sldChg chg="modSp mod">
+        <pc:chgData name="Toby Donaldson" userId="2e6e5431-bb17-4c41-9985-d39c50d83c73" providerId="ADAL" clId="{D9E01E68-3093-4328-BB93-1B8A087A0E58}" dt="2024-09-18T18:27:52.669" v="25" actId="20577"/>
+        <pc:sldMkLst>
+          <pc:docMk/>
+          <pc:sldMk cId="4208034066" sldId="289"/>
+        </pc:sldMkLst>
+        <pc:spChg chg="mod">
+          <ac:chgData name="Toby Donaldson" userId="2e6e5431-bb17-4c41-9985-d39c50d83c73" providerId="ADAL" clId="{D9E01E68-3093-4328-BB93-1B8A087A0E58}" dt="2024-09-18T18:27:52.669" v="25" actId="20577"/>
+          <ac:spMkLst>
+            <pc:docMk/>
+            <pc:sldMk cId="4208034066" sldId="289"/>
+            <ac:spMk id="21" creationId="{D740259B-6CB5-F639-4EA8-154D270E96F9}"/>
+          </ac:spMkLst>
+        </pc:spChg>
+      </pc:sldChg>
+      <pc:sldChg chg="modSp mod">
+        <pc:chgData name="Toby Donaldson" userId="2e6e5431-bb17-4c41-9985-d39c50d83c73" providerId="ADAL" clId="{D9E01E68-3093-4328-BB93-1B8A087A0E58}" dt="2024-09-18T18:27:58.461" v="29" actId="20577"/>
+        <pc:sldMkLst>
+          <pc:docMk/>
+          <pc:sldMk cId="3579788506" sldId="290"/>
+        </pc:sldMkLst>
+        <pc:spChg chg="mod">
+          <ac:chgData name="Toby Donaldson" userId="2e6e5431-bb17-4c41-9985-d39c50d83c73" providerId="ADAL" clId="{D9E01E68-3093-4328-BB93-1B8A087A0E58}" dt="2024-09-18T18:27:58.461" v="29" actId="20577"/>
+          <ac:spMkLst>
+            <pc:docMk/>
+            <pc:sldMk cId="3579788506" sldId="290"/>
+            <ac:spMk id="21" creationId="{D740259B-6CB5-F639-4EA8-154D270E96F9}"/>
+          </ac:spMkLst>
+        </pc:spChg>
+      </pc:sldChg>
+      <pc:sldChg chg="del">
+        <pc:chgData name="Toby Donaldson" userId="2e6e5431-bb17-4c41-9985-d39c50d83c73" providerId="ADAL" clId="{D9E01E68-3093-4328-BB93-1B8A087A0E58}" dt="2024-09-18T18:28:23.150" v="30" actId="2696"/>
+        <pc:sldMkLst>
+          <pc:docMk/>
+          <pc:sldMk cId="3287135454" sldId="292"/>
+        </pc:sldMkLst>
+      </pc:sldChg>
+      <pc:sldChg chg="delSp modSp mod">
+        <pc:chgData name="Toby Donaldson" userId="2e6e5431-bb17-4c41-9985-d39c50d83c73" providerId="ADAL" clId="{D9E01E68-3093-4328-BB93-1B8A087A0E58}" dt="2024-09-18T18:28:58.298" v="41" actId="20577"/>
+        <pc:sldMkLst>
+          <pc:docMk/>
+          <pc:sldMk cId="3231735434" sldId="293"/>
+        </pc:sldMkLst>
+        <pc:spChg chg="mod">
+          <ac:chgData name="Toby Donaldson" userId="2e6e5431-bb17-4c41-9985-d39c50d83c73" providerId="ADAL" clId="{D9E01E68-3093-4328-BB93-1B8A087A0E58}" dt="2024-09-18T18:28:58.298" v="41" actId="20577"/>
+          <ac:spMkLst>
+            <pc:docMk/>
+            <pc:sldMk cId="3231735434" sldId="293"/>
+            <ac:spMk id="3" creationId="{282A2FBA-A14A-54E6-FB37-8B6ACF7815D5}"/>
+          </ac:spMkLst>
+        </pc:spChg>
+        <pc:spChg chg="del">
+          <ac:chgData name="Toby Donaldson" userId="2e6e5431-bb17-4c41-9985-d39c50d83c73" providerId="ADAL" clId="{D9E01E68-3093-4328-BB93-1B8A087A0E58}" dt="2024-09-18T18:28:50.585" v="32" actId="21"/>
+          <ac:spMkLst>
+            <pc:docMk/>
+            <pc:sldMk cId="3231735434" sldId="293"/>
+            <ac:spMk id="5" creationId="{D63A62E8-3DF2-8251-CBDB-1A09A68559D7}"/>
+          </ac:spMkLst>
+        </pc:spChg>
+        <pc:spChg chg="del">
+          <ac:chgData name="Toby Donaldson" userId="2e6e5431-bb17-4c41-9985-d39c50d83c73" providerId="ADAL" clId="{D9E01E68-3093-4328-BB93-1B8A087A0E58}" dt="2024-09-18T18:28:50.585" v="32" actId="21"/>
+          <ac:spMkLst>
+            <pc:docMk/>
+            <pc:sldMk cId="3231735434" sldId="293"/>
+            <ac:spMk id="8" creationId="{7DD5D3D6-7129-8221-FC11-413AC997465C}"/>
+          </ac:spMkLst>
+        </pc:spChg>
+        <pc:cxnChg chg="mod">
+          <ac:chgData name="Toby Donaldson" userId="2e6e5431-bb17-4c41-9985-d39c50d83c73" providerId="ADAL" clId="{D9E01E68-3093-4328-BB93-1B8A087A0E58}" dt="2024-09-18T18:28:54.138" v="36" actId="20577"/>
+          <ac:cxnSpMkLst>
+            <pc:docMk/>
+            <pc:sldMk cId="3231735434" sldId="293"/>
+            <ac:cxnSpMk id="7" creationId="{EA92CB22-633E-A3BD-F8D4-E068DA3B3656}"/>
+          </ac:cxnSpMkLst>
+        </pc:cxnChg>
+      </pc:sldChg>
+      <pc:sldChg chg="modSp mod">
+        <pc:chgData name="Toby Donaldson" userId="2e6e5431-bb17-4c41-9985-d39c50d83c73" providerId="ADAL" clId="{D9E01E68-3093-4328-BB93-1B8A087A0E58}" dt="2024-09-18T18:31:20.286" v="90" actId="20577"/>
+        <pc:sldMkLst>
+          <pc:docMk/>
+          <pc:sldMk cId="3762144442" sldId="304"/>
+        </pc:sldMkLst>
+        <pc:spChg chg="mod">
+          <ac:chgData name="Toby Donaldson" userId="2e6e5431-bb17-4c41-9985-d39c50d83c73" providerId="ADAL" clId="{D9E01E68-3093-4328-BB93-1B8A087A0E58}" dt="2024-09-18T18:31:20.286" v="90" actId="20577"/>
+          <ac:spMkLst>
+            <pc:docMk/>
+            <pc:sldMk cId="3762144442" sldId="304"/>
+            <ac:spMk id="5" creationId="{D00CB93A-3320-C18B-4C74-541FB845D35B}"/>
+          </ac:spMkLst>
+        </pc:spChg>
+        <pc:cxnChg chg="mod">
+          <ac:chgData name="Toby Donaldson" userId="2e6e5431-bb17-4c41-9985-d39c50d83c73" providerId="ADAL" clId="{D9E01E68-3093-4328-BB93-1B8A087A0E58}" dt="2024-09-18T18:30:47.827" v="85" actId="20577"/>
+          <ac:cxnSpMkLst>
+            <pc:docMk/>
+            <pc:sldMk cId="3762144442" sldId="304"/>
+            <ac:cxnSpMk id="8" creationId="{6981BB04-4450-2F6F-4355-503A5A6C203A}"/>
+          </ac:cxnSpMkLst>
+        </pc:cxnChg>
+      </pc:sldChg>
+      <pc:sldChg chg="addSp delSp modSp mod">
+        <pc:chgData name="Toby Donaldson" userId="2e6e5431-bb17-4c41-9985-d39c50d83c73" providerId="ADAL" clId="{D9E01E68-3093-4328-BB93-1B8A087A0E58}" dt="2024-09-18T18:31:39.528" v="92"/>
+        <pc:sldMkLst>
+          <pc:docMk/>
+          <pc:sldMk cId="3098928990" sldId="305"/>
+        </pc:sldMkLst>
+        <pc:spChg chg="del">
+          <ac:chgData name="Toby Donaldson" userId="2e6e5431-bb17-4c41-9985-d39c50d83c73" providerId="ADAL" clId="{D9E01E68-3093-4328-BB93-1B8A087A0E58}" dt="2024-09-18T18:31:33.243" v="91" actId="21"/>
+          <ac:spMkLst>
+            <pc:docMk/>
+            <pc:sldMk cId="3098928990" sldId="305"/>
+            <ac:spMk id="5" creationId="{D00CB93A-3320-C18B-4C74-541FB845D35B}"/>
+          </ac:spMkLst>
+        </pc:spChg>
+        <pc:spChg chg="add mod">
+          <ac:chgData name="Toby Donaldson" userId="2e6e5431-bb17-4c41-9985-d39c50d83c73" providerId="ADAL" clId="{D9E01E68-3093-4328-BB93-1B8A087A0E58}" dt="2024-09-18T18:31:39.528" v="92"/>
+          <ac:spMkLst>
+            <pc:docMk/>
+            <pc:sldMk cId="3098928990" sldId="305"/>
+            <ac:spMk id="12" creationId="{6E24C089-FBD4-4FBE-8C60-4C1F6C0C0E10}"/>
+          </ac:spMkLst>
+        </pc:spChg>
+        <pc:cxnChg chg="mod">
+          <ac:chgData name="Toby Donaldson" userId="2e6e5431-bb17-4c41-9985-d39c50d83c73" providerId="ADAL" clId="{D9E01E68-3093-4328-BB93-1B8A087A0E58}" dt="2024-09-18T18:31:33.243" v="91" actId="21"/>
+          <ac:cxnSpMkLst>
+            <pc:docMk/>
+            <pc:sldMk cId="3098928990" sldId="305"/>
+            <ac:cxnSpMk id="8" creationId="{6981BB04-4450-2F6F-4355-503A5A6C203A}"/>
+          </ac:cxnSpMkLst>
+        </pc:cxnChg>
+      </pc:sldChg>
+      <pc:sldChg chg="addSp delSp modSp mod">
+        <pc:chgData name="Toby Donaldson" userId="2e6e5431-bb17-4c41-9985-d39c50d83c73" providerId="ADAL" clId="{D9E01E68-3093-4328-BB93-1B8A087A0E58}" dt="2024-09-18T18:32:47.435" v="99"/>
+        <pc:sldMkLst>
+          <pc:docMk/>
+          <pc:sldMk cId="2186739661" sldId="306"/>
+        </pc:sldMkLst>
+        <pc:spChg chg="del">
+          <ac:chgData name="Toby Donaldson" userId="2e6e5431-bb17-4c41-9985-d39c50d83c73" providerId="ADAL" clId="{D9E01E68-3093-4328-BB93-1B8A087A0E58}" dt="2024-09-18T18:32:04.287" v="93" actId="21"/>
+          <ac:spMkLst>
+            <pc:docMk/>
+            <pc:sldMk cId="2186739661" sldId="306"/>
+            <ac:spMk id="5" creationId="{D00CB93A-3320-C18B-4C74-541FB845D35B}"/>
+          </ac:spMkLst>
+        </pc:spChg>
+        <pc:spChg chg="add mod">
+          <ac:chgData name="Toby Donaldson" userId="2e6e5431-bb17-4c41-9985-d39c50d83c73" providerId="ADAL" clId="{D9E01E68-3093-4328-BB93-1B8A087A0E58}" dt="2024-09-18T18:32:47.435" v="99"/>
+          <ac:spMkLst>
+            <pc:docMk/>
+            <pc:sldMk cId="2186739661" sldId="306"/>
+            <ac:spMk id="15" creationId="{BE934AA0-733F-CA0C-7880-EABCB78809EA}"/>
+          </ac:spMkLst>
+        </pc:spChg>
+        <pc:cxnChg chg="mod">
+          <ac:chgData name="Toby Donaldson" userId="2e6e5431-bb17-4c41-9985-d39c50d83c73" providerId="ADAL" clId="{D9E01E68-3093-4328-BB93-1B8A087A0E58}" dt="2024-09-18T18:32:04.287" v="93" actId="21"/>
+          <ac:cxnSpMkLst>
+            <pc:docMk/>
+            <pc:sldMk cId="2186739661" sldId="306"/>
+            <ac:cxnSpMk id="8" creationId="{6981BB04-4450-2F6F-4355-503A5A6C203A}"/>
+          </ac:cxnSpMkLst>
+        </pc:cxnChg>
+      </pc:sldChg>
+      <pc:sldChg chg="addSp delSp modSp mod">
+        <pc:chgData name="Toby Donaldson" userId="2e6e5431-bb17-4c41-9985-d39c50d83c73" providerId="ADAL" clId="{D9E01E68-3093-4328-BB93-1B8A087A0E58}" dt="2024-09-18T18:32:49.547" v="100"/>
+        <pc:sldMkLst>
+          <pc:docMk/>
+          <pc:sldMk cId="711128939" sldId="307"/>
+        </pc:sldMkLst>
+        <pc:spChg chg="del">
+          <ac:chgData name="Toby Donaldson" userId="2e6e5431-bb17-4c41-9985-d39c50d83c73" providerId="ADAL" clId="{D9E01E68-3093-4328-BB93-1B8A087A0E58}" dt="2024-09-18T18:32:09.491" v="94" actId="21"/>
+          <ac:spMkLst>
+            <pc:docMk/>
+            <pc:sldMk cId="711128939" sldId="307"/>
+            <ac:spMk id="5" creationId="{D00CB93A-3320-C18B-4C74-541FB845D35B}"/>
+          </ac:spMkLst>
+        </pc:spChg>
+        <pc:spChg chg="add mod">
+          <ac:chgData name="Toby Donaldson" userId="2e6e5431-bb17-4c41-9985-d39c50d83c73" providerId="ADAL" clId="{D9E01E68-3093-4328-BB93-1B8A087A0E58}" dt="2024-09-18T18:32:49.547" v="100"/>
+          <ac:spMkLst>
+            <pc:docMk/>
+            <pc:sldMk cId="711128939" sldId="307"/>
+            <ac:spMk id="6" creationId="{8AED4BCC-5322-034C-4295-990D254C4CB1}"/>
+          </ac:spMkLst>
+        </pc:spChg>
+        <pc:cxnChg chg="mod">
+          <ac:chgData name="Toby Donaldson" userId="2e6e5431-bb17-4c41-9985-d39c50d83c73" providerId="ADAL" clId="{D9E01E68-3093-4328-BB93-1B8A087A0E58}" dt="2024-09-18T18:32:09.491" v="94" actId="21"/>
+          <ac:cxnSpMkLst>
+            <pc:docMk/>
+            <pc:sldMk cId="711128939" sldId="307"/>
+            <ac:cxnSpMk id="8" creationId="{6981BB04-4450-2F6F-4355-503A5A6C203A}"/>
+          </ac:cxnSpMkLst>
+        </pc:cxnChg>
+      </pc:sldChg>
+      <pc:sldChg chg="addSp delSp modSp mod">
+        <pc:chgData name="Toby Donaldson" userId="2e6e5431-bb17-4c41-9985-d39c50d83c73" providerId="ADAL" clId="{D9E01E68-3093-4328-BB93-1B8A087A0E58}" dt="2024-09-18T18:32:52.417" v="101"/>
+        <pc:sldMkLst>
+          <pc:docMk/>
+          <pc:sldMk cId="3381048815" sldId="308"/>
+        </pc:sldMkLst>
+        <pc:spChg chg="del">
+          <ac:chgData name="Toby Donaldson" userId="2e6e5431-bb17-4c41-9985-d39c50d83c73" providerId="ADAL" clId="{D9E01E68-3093-4328-BB93-1B8A087A0E58}" dt="2024-09-18T18:32:17.148" v="95" actId="21"/>
+          <ac:spMkLst>
+            <pc:docMk/>
+            <pc:sldMk cId="3381048815" sldId="308"/>
+            <ac:spMk id="5" creationId="{D00CB93A-3320-C18B-4C74-541FB845D35B}"/>
+          </ac:spMkLst>
+        </pc:spChg>
+        <pc:spChg chg="add mod">
+          <ac:chgData name="Toby Donaldson" userId="2e6e5431-bb17-4c41-9985-d39c50d83c73" providerId="ADAL" clId="{D9E01E68-3093-4328-BB93-1B8A087A0E58}" dt="2024-09-18T18:32:52.417" v="101"/>
+          <ac:spMkLst>
+            <pc:docMk/>
+            <pc:sldMk cId="3381048815" sldId="308"/>
+            <ac:spMk id="6" creationId="{432A2FDA-9F3E-BDA1-7228-3285824944C9}"/>
+          </ac:spMkLst>
+        </pc:spChg>
+        <pc:cxnChg chg="mod">
+          <ac:chgData name="Toby Donaldson" userId="2e6e5431-bb17-4c41-9985-d39c50d83c73" providerId="ADAL" clId="{D9E01E68-3093-4328-BB93-1B8A087A0E58}" dt="2024-09-18T18:32:17.148" v="95" actId="21"/>
+          <ac:cxnSpMkLst>
+            <pc:docMk/>
+            <pc:sldMk cId="3381048815" sldId="308"/>
+            <ac:cxnSpMk id="8" creationId="{6981BB04-4450-2F6F-4355-503A5A6C203A}"/>
+          </ac:cxnSpMkLst>
+        </pc:cxnChg>
+      </pc:sldChg>
+      <pc:sldChg chg="modSp mod">
+        <pc:chgData name="Toby Donaldson" userId="2e6e5431-bb17-4c41-9985-d39c50d83c73" providerId="ADAL" clId="{D9E01E68-3093-4328-BB93-1B8A087A0E58}" dt="2024-09-18T19:03:55.309" v="395" actId="20577"/>
+        <pc:sldMkLst>
+          <pc:docMk/>
+          <pc:sldMk cId="2722314743" sldId="310"/>
+        </pc:sldMkLst>
+        <pc:spChg chg="mod">
+          <ac:chgData name="Toby Donaldson" userId="2e6e5431-bb17-4c41-9985-d39c50d83c73" providerId="ADAL" clId="{D9E01E68-3093-4328-BB93-1B8A087A0E58}" dt="2024-09-18T19:03:55.309" v="395" actId="20577"/>
+          <ac:spMkLst>
+            <pc:docMk/>
+            <pc:sldMk cId="2722314743" sldId="310"/>
+            <ac:spMk id="19" creationId="{083497FF-725C-07A4-B731-4337A7DCB4FE}"/>
+          </ac:spMkLst>
+        </pc:spChg>
+      </pc:sldChg>
+      <pc:sldChg chg="addSp delSp modSp del mod">
+        <pc:chgData name="Toby Donaldson" userId="2e6e5431-bb17-4c41-9985-d39c50d83c73" providerId="ADAL" clId="{D9E01E68-3093-4328-BB93-1B8A087A0E58}" dt="2024-09-18T18:39:42.827" v="185" actId="2696"/>
+        <pc:sldMkLst>
+          <pc:docMk/>
+          <pc:sldMk cId="1234247253" sldId="311"/>
+        </pc:sldMkLst>
+        <pc:spChg chg="del">
+          <ac:chgData name="Toby Donaldson" userId="2e6e5431-bb17-4c41-9985-d39c50d83c73" providerId="ADAL" clId="{D9E01E68-3093-4328-BB93-1B8A087A0E58}" dt="2024-09-18T18:32:25.726" v="96" actId="21"/>
+          <ac:spMkLst>
+            <pc:docMk/>
+            <pc:sldMk cId="1234247253" sldId="311"/>
+            <ac:spMk id="5" creationId="{D00CB93A-3320-C18B-4C74-541FB845D35B}"/>
+          </ac:spMkLst>
+        </pc:spChg>
+        <pc:spChg chg="add mod">
+          <ac:chgData name="Toby Donaldson" userId="2e6e5431-bb17-4c41-9985-d39c50d83c73" providerId="ADAL" clId="{D9E01E68-3093-4328-BB93-1B8A087A0E58}" dt="2024-09-18T18:32:57.255" v="102"/>
+          <ac:spMkLst>
+            <pc:docMk/>
+            <pc:sldMk cId="1234247253" sldId="311"/>
+            <ac:spMk id="6" creationId="{61060C32-3D21-5D71-636D-62F58CE32F99}"/>
+          </ac:spMkLst>
+        </pc:spChg>
+        <pc:spChg chg="mod">
+          <ac:chgData name="Toby Donaldson" userId="2e6e5431-bb17-4c41-9985-d39c50d83c73" providerId="ADAL" clId="{D9E01E68-3093-4328-BB93-1B8A087A0E58}" dt="2024-09-18T18:33:44.707" v="105" actId="113"/>
+          <ac:spMkLst>
+            <pc:docMk/>
+            <pc:sldMk cId="1234247253" sldId="311"/>
+            <ac:spMk id="12" creationId="{431A6EBB-A203-8787-4E34-76813F5D9DB4}"/>
+          </ac:spMkLst>
+        </pc:spChg>
+        <pc:cxnChg chg="mod">
+          <ac:chgData name="Toby Donaldson" userId="2e6e5431-bb17-4c41-9985-d39c50d83c73" providerId="ADAL" clId="{D9E01E68-3093-4328-BB93-1B8A087A0E58}" dt="2024-09-18T18:32:25.726" v="96" actId="21"/>
+          <ac:cxnSpMkLst>
+            <pc:docMk/>
+            <pc:sldMk cId="1234247253" sldId="311"/>
+            <ac:cxnSpMk id="8" creationId="{6981BB04-4450-2F6F-4355-503A5A6C203A}"/>
+          </ac:cxnSpMkLst>
+        </pc:cxnChg>
+      </pc:sldChg>
+      <pc:sldChg chg="addSp delSp modSp del mod">
+        <pc:chgData name="Toby Donaldson" userId="2e6e5431-bb17-4c41-9985-d39c50d83c73" providerId="ADAL" clId="{D9E01E68-3093-4328-BB93-1B8A087A0E58}" dt="2024-09-18T18:39:46.809" v="186" actId="2696"/>
+        <pc:sldMkLst>
+          <pc:docMk/>
+          <pc:sldMk cId="2540764007" sldId="312"/>
+        </pc:sldMkLst>
+        <pc:spChg chg="del">
+          <ac:chgData name="Toby Donaldson" userId="2e6e5431-bb17-4c41-9985-d39c50d83c73" providerId="ADAL" clId="{D9E01E68-3093-4328-BB93-1B8A087A0E58}" dt="2024-09-18T18:32:32.807" v="97" actId="21"/>
+          <ac:spMkLst>
+            <pc:docMk/>
+            <pc:sldMk cId="2540764007" sldId="312"/>
+            <ac:spMk id="5" creationId="{D00CB93A-3320-C18B-4C74-541FB845D35B}"/>
+          </ac:spMkLst>
+        </pc:spChg>
+        <pc:spChg chg="add mod">
+          <ac:chgData name="Toby Donaldson" userId="2e6e5431-bb17-4c41-9985-d39c50d83c73" providerId="ADAL" clId="{D9E01E68-3093-4328-BB93-1B8A087A0E58}" dt="2024-09-18T18:31:05.292" v="89"/>
+          <ac:spMkLst>
+            <pc:docMk/>
+            <pc:sldMk cId="2540764007" sldId="312"/>
+            <ac:spMk id="9" creationId="{0F2AB426-0FF2-A04A-D997-E780E6432133}"/>
+          </ac:spMkLst>
+        </pc:spChg>
+        <pc:spChg chg="add mod">
+          <ac:chgData name="Toby Donaldson" userId="2e6e5431-bb17-4c41-9985-d39c50d83c73" providerId="ADAL" clId="{D9E01E68-3093-4328-BB93-1B8A087A0E58}" dt="2024-09-18T18:33:00.907" v="103"/>
+          <ac:spMkLst>
+            <pc:docMk/>
+            <pc:sldMk cId="2540764007" sldId="312"/>
+            <ac:spMk id="10" creationId="{E1737975-5825-205B-A41A-239EEEFB5B87}"/>
+          </ac:spMkLst>
+        </pc:spChg>
+        <pc:spChg chg="mod">
+          <ac:chgData name="Toby Donaldson" userId="2e6e5431-bb17-4c41-9985-d39c50d83c73" providerId="ADAL" clId="{D9E01E68-3093-4328-BB93-1B8A087A0E58}" dt="2024-09-18T18:33:50.174" v="106" actId="113"/>
+          <ac:spMkLst>
+            <pc:docMk/>
+            <pc:sldMk cId="2540764007" sldId="312"/>
+            <ac:spMk id="12" creationId="{431A6EBB-A203-8787-4E34-76813F5D9DB4}"/>
+          </ac:spMkLst>
+        </pc:spChg>
+        <pc:cxnChg chg="mod">
+          <ac:chgData name="Toby Donaldson" userId="2e6e5431-bb17-4c41-9985-d39c50d83c73" providerId="ADAL" clId="{D9E01E68-3093-4328-BB93-1B8A087A0E58}" dt="2024-09-18T18:32:32.807" v="97" actId="21"/>
+          <ac:cxnSpMkLst>
+            <pc:docMk/>
+            <pc:sldMk cId="2540764007" sldId="312"/>
+            <ac:cxnSpMk id="8" creationId="{6981BB04-4450-2F6F-4355-503A5A6C203A}"/>
+          </ac:cxnSpMkLst>
+        </pc:cxnChg>
+      </pc:sldChg>
+      <pc:sldChg chg="addSp delSp modSp del mod">
+        <pc:chgData name="Toby Donaldson" userId="2e6e5431-bb17-4c41-9985-d39c50d83c73" providerId="ADAL" clId="{D9E01E68-3093-4328-BB93-1B8A087A0E58}" dt="2024-09-18T18:39:50.212" v="187" actId="2696"/>
+        <pc:sldMkLst>
+          <pc:docMk/>
+          <pc:sldMk cId="280561526" sldId="314"/>
+        </pc:sldMkLst>
+        <pc:spChg chg="del">
+          <ac:chgData name="Toby Donaldson" userId="2e6e5431-bb17-4c41-9985-d39c50d83c73" providerId="ADAL" clId="{D9E01E68-3093-4328-BB93-1B8A087A0E58}" dt="2024-09-18T18:32:37.041" v="98" actId="21"/>
+          <ac:spMkLst>
+            <pc:docMk/>
+            <pc:sldMk cId="280561526" sldId="314"/>
+            <ac:spMk id="5" creationId="{D00CB93A-3320-C18B-4C74-541FB845D35B}"/>
+          </ac:spMkLst>
+        </pc:spChg>
+        <pc:spChg chg="add mod">
+          <ac:chgData name="Toby Donaldson" userId="2e6e5431-bb17-4c41-9985-d39c50d83c73" providerId="ADAL" clId="{D9E01E68-3093-4328-BB93-1B8A087A0E58}" dt="2024-09-18T18:33:02.438" v="104"/>
+          <ac:spMkLst>
+            <pc:docMk/>
+            <pc:sldMk cId="280561526" sldId="314"/>
+            <ac:spMk id="6" creationId="{47EAFE7E-F8B7-82D2-B56A-37FA9C90D6BC}"/>
+          </ac:spMkLst>
+        </pc:spChg>
+        <pc:cxnChg chg="mod">
+          <ac:chgData name="Toby Donaldson" userId="2e6e5431-bb17-4c41-9985-d39c50d83c73" providerId="ADAL" clId="{D9E01E68-3093-4328-BB93-1B8A087A0E58}" dt="2024-09-18T18:32:37.041" v="98" actId="21"/>
+          <ac:cxnSpMkLst>
+            <pc:docMk/>
+            <pc:sldMk cId="280561526" sldId="314"/>
+            <ac:cxnSpMk id="8" creationId="{6981BB04-4450-2F6F-4355-503A5A6C203A}"/>
+          </ac:cxnSpMkLst>
+        </pc:cxnChg>
+      </pc:sldChg>
+      <pc:sldChg chg="addSp modSp del">
+        <pc:chgData name="Toby Donaldson" userId="2e6e5431-bb17-4c41-9985-d39c50d83c73" providerId="ADAL" clId="{D9E01E68-3093-4328-BB93-1B8A087A0E58}" dt="2024-09-18T18:40:32.508" v="192" actId="2696"/>
+        <pc:sldMkLst>
+          <pc:docMk/>
+          <pc:sldMk cId="988044877" sldId="315"/>
+        </pc:sldMkLst>
+        <pc:spChg chg="add mod">
+          <ac:chgData name="Toby Donaldson" userId="2e6e5431-bb17-4c41-9985-d39c50d83c73" providerId="ADAL" clId="{D9E01E68-3093-4328-BB93-1B8A087A0E58}" dt="2024-09-18T18:40:21.548" v="190"/>
+          <ac:spMkLst>
+            <pc:docMk/>
+            <pc:sldMk cId="988044877" sldId="315"/>
+            <ac:spMk id="3" creationId="{9F7D2E78-F15D-E2D9-1160-8E4ED8E49D82}"/>
+          </ac:spMkLst>
+        </pc:spChg>
+      </pc:sldChg>
+      <pc:sldChg chg="add del">
+        <pc:chgData name="Toby Donaldson" userId="2e6e5431-bb17-4c41-9985-d39c50d83c73" providerId="ADAL" clId="{D9E01E68-3093-4328-BB93-1B8A087A0E58}" dt="2024-09-18T18:57:49.419" v="388" actId="2696"/>
+        <pc:sldMkLst>
+          <pc:docMk/>
+          <pc:sldMk cId="653152084" sldId="316"/>
+        </pc:sldMkLst>
+      </pc:sldChg>
+      <pc:sldChg chg="modSp add del mod">
+        <pc:chgData name="Toby Donaldson" userId="2e6e5431-bb17-4c41-9985-d39c50d83c73" providerId="ADAL" clId="{D9E01E68-3093-4328-BB93-1B8A087A0E58}" dt="2024-09-18T18:39:55.573" v="188" actId="2696"/>
+        <pc:sldMkLst>
+          <pc:docMk/>
+          <pc:sldMk cId="2086371819" sldId="316"/>
+        </pc:sldMkLst>
+        <pc:spChg chg="mod">
+          <ac:chgData name="Toby Donaldson" userId="2e6e5431-bb17-4c41-9985-d39c50d83c73" providerId="ADAL" clId="{D9E01E68-3093-4328-BB93-1B8A087A0E58}" dt="2024-09-18T18:39:34.997" v="184" actId="20577"/>
+          <ac:spMkLst>
+            <pc:docMk/>
+            <pc:sldMk cId="2086371819" sldId="316"/>
+            <ac:spMk id="11" creationId="{9B2C2A61-4298-4DD1-294E-B1B3004D90FF}"/>
+          </ac:spMkLst>
+        </pc:spChg>
+      </pc:sldChg>
+      <pc:sldChg chg="addSp delSp modSp add mod">
+        <pc:chgData name="Toby Donaldson" userId="2e6e5431-bb17-4c41-9985-d39c50d83c73" providerId="ADAL" clId="{D9E01E68-3093-4328-BB93-1B8A087A0E58}" dt="2024-09-18T19:05:20.157" v="516" actId="1076"/>
+        <pc:sldMkLst>
+          <pc:docMk/>
+          <pc:sldMk cId="1963568937" sldId="317"/>
+        </pc:sldMkLst>
+        <pc:spChg chg="add mod">
+          <ac:chgData name="Toby Donaldson" userId="2e6e5431-bb17-4c41-9985-d39c50d83c73" providerId="ADAL" clId="{D9E01E68-3093-4328-BB93-1B8A087A0E58}" dt="2024-09-18T19:05:20.157" v="516" actId="1076"/>
+          <ac:spMkLst>
+            <pc:docMk/>
+            <pc:sldMk cId="1963568937" sldId="317"/>
+            <ac:spMk id="3" creationId="{4079A83F-EC68-AFF0-6B91-95901D869450}"/>
+          </ac:spMkLst>
+        </pc:spChg>
+        <pc:spChg chg="del">
+          <ac:chgData name="Toby Donaldson" userId="2e6e5431-bb17-4c41-9985-d39c50d83c73" providerId="ADAL" clId="{D9E01E68-3093-4328-BB93-1B8A087A0E58}" dt="2024-09-18T18:40:54.537" v="193" actId="21"/>
+          <ac:spMkLst>
+            <pc:docMk/>
+            <pc:sldMk cId="1963568937" sldId="317"/>
+            <ac:spMk id="3" creationId="{6D93479A-CA2F-FB20-C0DB-0A9F7CF2E14F}"/>
+          </ac:spMkLst>
+        </pc:spChg>
+        <pc:spChg chg="add mod">
+          <ac:chgData name="Toby Donaldson" userId="2e6e5431-bb17-4c41-9985-d39c50d83c73" providerId="ADAL" clId="{D9E01E68-3093-4328-BB93-1B8A087A0E58}" dt="2024-09-18T18:41:51.854" v="339" actId="14100"/>
+          <ac:spMkLst>
+            <pc:docMk/>
+            <pc:sldMk cId="1963568937" sldId="317"/>
+            <ac:spMk id="5" creationId="{E44F6A4F-48D2-9A0B-B9D7-889B8BBBF9EB}"/>
+          </ac:spMkLst>
+        </pc:spChg>
+        <pc:spChg chg="del">
+          <ac:chgData name="Toby Donaldson" userId="2e6e5431-bb17-4c41-9985-d39c50d83c73" providerId="ADAL" clId="{D9E01E68-3093-4328-BB93-1B8A087A0E58}" dt="2024-09-18T18:40:54.537" v="193" actId="21"/>
+          <ac:spMkLst>
+            <pc:docMk/>
+            <pc:sldMk cId="1963568937" sldId="317"/>
+            <ac:spMk id="6" creationId="{432A2FDA-9F3E-BDA1-7228-3285824944C9}"/>
+          </ac:spMkLst>
+        </pc:spChg>
+        <pc:spChg chg="del">
+          <ac:chgData name="Toby Donaldson" userId="2e6e5431-bb17-4c41-9985-d39c50d83c73" providerId="ADAL" clId="{D9E01E68-3093-4328-BB93-1B8A087A0E58}" dt="2024-09-18T18:40:54.537" v="193" actId="21"/>
+          <ac:spMkLst>
+            <pc:docMk/>
+            <pc:sldMk cId="1963568937" sldId="317"/>
+            <ac:spMk id="12" creationId="{431A6EBB-A203-8787-4E34-76813F5D9DB4}"/>
+          </ac:spMkLst>
+        </pc:spChg>
+        <pc:spChg chg="mod">
+          <ac:chgData name="Toby Donaldson" userId="2e6e5431-bb17-4c41-9985-d39c50d83c73" providerId="ADAL" clId="{D9E01E68-3093-4328-BB93-1B8A087A0E58}" dt="2024-09-18T18:42:16.385" v="351" actId="20577"/>
+          <ac:spMkLst>
+            <pc:docMk/>
+            <pc:sldMk cId="1963568937" sldId="317"/>
+            <ac:spMk id="13" creationId="{5C3CB041-437A-DDC4-FD22-B5E3515334BD}"/>
+          </ac:spMkLst>
+        </pc:spChg>
+        <pc:spChg chg="del">
+          <ac:chgData name="Toby Donaldson" userId="2e6e5431-bb17-4c41-9985-d39c50d83c73" providerId="ADAL" clId="{D9E01E68-3093-4328-BB93-1B8A087A0E58}" dt="2024-09-18T18:40:54.537" v="193" actId="21"/>
+          <ac:spMkLst>
+            <pc:docMk/>
+            <pc:sldMk cId="1963568937" sldId="317"/>
+            <ac:spMk id="15" creationId="{E92F2C95-4E44-8150-7503-55166FD05140}"/>
+          </ac:spMkLst>
+        </pc:spChg>
+        <pc:spChg chg="del">
+          <ac:chgData name="Toby Donaldson" userId="2e6e5431-bb17-4c41-9985-d39c50d83c73" providerId="ADAL" clId="{D9E01E68-3093-4328-BB93-1B8A087A0E58}" dt="2024-09-18T18:41:00.801" v="194" actId="21"/>
+          <ac:spMkLst>
+            <pc:docMk/>
+            <pc:sldMk cId="1963568937" sldId="317"/>
+            <ac:spMk id="22" creationId="{1F01744D-64D4-FDEA-99EB-411094AB7619}"/>
+          </ac:spMkLst>
+        </pc:spChg>
+        <pc:cxnChg chg="del mod">
+          <ac:chgData name="Toby Donaldson" userId="2e6e5431-bb17-4c41-9985-d39c50d83c73" providerId="ADAL" clId="{D9E01E68-3093-4328-BB93-1B8A087A0E58}" dt="2024-09-18T18:40:54.537" v="193" actId="21"/>
+          <ac:cxnSpMkLst>
+            <pc:docMk/>
+            <pc:sldMk cId="1963568937" sldId="317"/>
+            <ac:cxnSpMk id="8" creationId="{6981BB04-4450-2F6F-4355-503A5A6C203A}"/>
+          </ac:cxnSpMkLst>
+        </pc:cxnChg>
+        <pc:cxnChg chg="del mod">
+          <ac:chgData name="Toby Donaldson" userId="2e6e5431-bb17-4c41-9985-d39c50d83c73" providerId="ADAL" clId="{D9E01E68-3093-4328-BB93-1B8A087A0E58}" dt="2024-09-18T18:40:54.537" v="193" actId="21"/>
+          <ac:cxnSpMkLst>
+            <pc:docMk/>
+            <pc:sldMk cId="1963568937" sldId="317"/>
+            <ac:cxnSpMk id="31" creationId="{1100C525-50A7-733C-8BE1-2972CBA67814}"/>
+          </ac:cxnSpMkLst>
+        </pc:cxnChg>
+      </pc:sldChg>
+      <pc:sldChg chg="modSp add mod">
+        <pc:chgData name="Toby Donaldson" userId="2e6e5431-bb17-4c41-9985-d39c50d83c73" providerId="ADAL" clId="{D9E01E68-3093-4328-BB93-1B8A087A0E58}" dt="2024-09-18T18:43:00.662" v="383" actId="20577"/>
+        <pc:sldMkLst>
+          <pc:docMk/>
+          <pc:sldMk cId="3184009082" sldId="318"/>
+        </pc:sldMkLst>
+        <pc:spChg chg="mod">
+          <ac:chgData name="Toby Donaldson" userId="2e6e5431-bb17-4c41-9985-d39c50d83c73" providerId="ADAL" clId="{D9E01E68-3093-4328-BB93-1B8A087A0E58}" dt="2024-09-18T18:43:00.662" v="383" actId="20577"/>
+          <ac:spMkLst>
+            <pc:docMk/>
+            <pc:sldMk cId="3184009082" sldId="318"/>
+            <ac:spMk id="13" creationId="{5C3CB041-437A-DDC4-FD22-B5E3515334BD}"/>
+          </ac:spMkLst>
+        </pc:spChg>
+      </pc:sldChg>
+      <pc:sldChg chg="modSp add mod ord">
+        <pc:chgData name="Toby Donaldson" userId="2e6e5431-bb17-4c41-9985-d39c50d83c73" providerId="ADAL" clId="{D9E01E68-3093-4328-BB93-1B8A087A0E58}" dt="2024-09-18T18:42:45.785" v="377"/>
+        <pc:sldMkLst>
+          <pc:docMk/>
+          <pc:sldMk cId="155828000" sldId="319"/>
+        </pc:sldMkLst>
+        <pc:spChg chg="mod">
+          <ac:chgData name="Toby Donaldson" userId="2e6e5431-bb17-4c41-9985-d39c50d83c73" providerId="ADAL" clId="{D9E01E68-3093-4328-BB93-1B8A087A0E58}" dt="2024-09-18T18:42:43.864" v="375" actId="20577"/>
+          <ac:spMkLst>
+            <pc:docMk/>
+            <pc:sldMk cId="155828000" sldId="319"/>
+            <ac:spMk id="13" creationId="{5C3CB041-437A-DDC4-FD22-B5E3515334BD}"/>
+          </ac:spMkLst>
+        </pc:spChg>
+      </pc:sldChg>
+      <pc:sldChg chg="add">
+        <pc:chgData name="Toby Donaldson" userId="2e6e5431-bb17-4c41-9985-d39c50d83c73" providerId="ADAL" clId="{D9E01E68-3093-4328-BB93-1B8A087A0E58}" dt="2024-09-18T18:42:55.834" v="378" actId="2890"/>
+        <pc:sldMkLst>
+          <pc:docMk/>
+          <pc:sldMk cId="3885649669" sldId="320"/>
+        </pc:sldMkLst>
+      </pc:sldChg>
+      <pc:sldChg chg="add del">
+        <pc:chgData name="Toby Donaldson" userId="2e6e5431-bb17-4c41-9985-d39c50d83c73" providerId="ADAL" clId="{D9E01E68-3093-4328-BB93-1B8A087A0E58}" dt="2024-09-18T18:43:31.223" v="387" actId="2696"/>
+        <pc:sldMkLst>
+          <pc:docMk/>
+          <pc:sldMk cId="2938455959" sldId="321"/>
+        </pc:sldMkLst>
+      </pc:sldChg>
+      <pc:sldChg chg="add del">
+        <pc:chgData name="Toby Donaldson" userId="2e6e5431-bb17-4c41-9985-d39c50d83c73" providerId="ADAL" clId="{D9E01E68-3093-4328-BB93-1B8A087A0E58}" dt="2024-09-18T18:43:25.050" v="386" actId="2696"/>
+        <pc:sldMkLst>
+          <pc:docMk/>
+          <pc:sldMk cId="29597607" sldId="322"/>
+        </pc:sldMkLst>
+      </pc:sldChg>
+    </pc:docChg>
+  </pc:docChgLst>
+  <pc:docChgLst>
     <pc:chgData name="Toby Donaldson" userId="2e6e5431-bb17-4c41-9985-d39c50d83c73" providerId="ADAL" clId="{A515520A-0FCD-486C-A2CC-7D014497B132}"/>
     <pc:docChg chg="undo custSel addSld delSld modSld sldOrd">
-      <pc:chgData name="Toby Donaldson" userId="2e6e5431-bb17-4c41-9985-d39c50d83c73" providerId="ADAL" clId="{A515520A-0FCD-486C-A2CC-7D014497B132}" dt="2024-09-17T03:56:24.602" v="952" actId="1076"/>
+      <pc:chgData name="Toby Donaldson" userId="2e6e5431-bb17-4c41-9985-d39c50d83c73" providerId="ADAL" clId="{A515520A-0FCD-486C-A2CC-7D014497B132}" dt="2024-09-18T21:55:31.410" v="953"/>
       <pc:docMkLst>
         <pc:docMk/>
       </pc:docMkLst>
@@ -493,8 +1127,8 @@
           <pc:sldMk cId="2049895442" sldId="258"/>
         </pc:sldMkLst>
       </pc:sldChg>
-      <pc:sldChg chg="delSp modSp mod">
-        <pc:chgData name="Toby Donaldson" userId="2e6e5431-bb17-4c41-9985-d39c50d83c73" providerId="ADAL" clId="{A515520A-0FCD-486C-A2CC-7D014497B132}" dt="2024-09-17T03:56:24.602" v="952" actId="1076"/>
+      <pc:sldChg chg="addSp delSp modSp mod">
+        <pc:chgData name="Toby Donaldson" userId="2e6e5431-bb17-4c41-9985-d39c50d83c73" providerId="ADAL" clId="{A515520A-0FCD-486C-A2CC-7D014497B132}" dt="2024-09-18T21:55:31.410" v="953"/>
         <pc:sldMkLst>
           <pc:docMk/>
           <pc:sldMk cId="2020498111" sldId="269"/>
@@ -531,6 +1165,14 @@
             <ac:grpSpMk id="13" creationId="{A29488C9-EB21-C5FD-DB93-B2D0288BD8CA}"/>
           </ac:grpSpMkLst>
         </pc:grpChg>
+        <pc:inkChg chg="add">
+          <ac:chgData name="Toby Donaldson" userId="2e6e5431-bb17-4c41-9985-d39c50d83c73" providerId="ADAL" clId="{A515520A-0FCD-486C-A2CC-7D014497B132}" dt="2024-09-18T21:55:31.410" v="953"/>
+          <ac:inkMkLst>
+            <pc:docMk/>
+            <pc:sldMk cId="2020498111" sldId="269"/>
+            <ac:inkMk id="11" creationId="{1B370A92-7AB6-99F8-D29C-AC0156043C26}"/>
+          </ac:inkMkLst>
+        </pc:inkChg>
         <pc:cxnChg chg="mod">
           <ac:chgData name="Toby Donaldson" userId="2e6e5431-bb17-4c41-9985-d39c50d83c73" providerId="ADAL" clId="{A515520A-0FCD-486C-A2CC-7D014497B132}" dt="2024-09-17T03:55:38.203" v="948" actId="165"/>
           <ac:cxnSpMkLst>
@@ -757,6 +1399,21 @@
           </ac:picMkLst>
         </pc:picChg>
       </pc:sldChg>
+      <pc:sldChg chg="addSp">
+        <pc:chgData name="Toby Donaldson" userId="2e6e5431-bb17-4c41-9985-d39c50d83c73" providerId="ADAL" clId="{A515520A-0FCD-486C-A2CC-7D014497B132}" dt="2024-09-18T21:55:31.410" v="953"/>
+        <pc:sldMkLst>
+          <pc:docMk/>
+          <pc:sldMk cId="899495814" sldId="284"/>
+        </pc:sldMkLst>
+        <pc:inkChg chg="add">
+          <ac:chgData name="Toby Donaldson" userId="2e6e5431-bb17-4c41-9985-d39c50d83c73" providerId="ADAL" clId="{A515520A-0FCD-486C-A2CC-7D014497B132}" dt="2024-09-18T21:55:31.410" v="953"/>
+          <ac:inkMkLst>
+            <pc:docMk/>
+            <pc:sldMk cId="899495814" sldId="284"/>
+            <ac:inkMk id="3" creationId="{38AF0BF5-8D76-603F-A8D4-401D9B2517E9}"/>
+          </ac:inkMkLst>
+        </pc:inkChg>
+      </pc:sldChg>
       <pc:sldChg chg="del">
         <pc:chgData name="Toby Donaldson" userId="2e6e5431-bb17-4c41-9985-d39c50d83c73" providerId="ADAL" clId="{A515520A-0FCD-486C-A2CC-7D014497B132}" dt="2024-09-17T03:08:03.412" v="946" actId="2696"/>
         <pc:sldMkLst>
@@ -764,12 +1421,87 @@
           <pc:sldMk cId="3414341889" sldId="286"/>
         </pc:sldMkLst>
       </pc:sldChg>
+      <pc:sldChg chg="addSp">
+        <pc:chgData name="Toby Donaldson" userId="2e6e5431-bb17-4c41-9985-d39c50d83c73" providerId="ADAL" clId="{A515520A-0FCD-486C-A2CC-7D014497B132}" dt="2024-09-18T21:55:31.410" v="953"/>
+        <pc:sldMkLst>
+          <pc:docMk/>
+          <pc:sldMk cId="302167807" sldId="299"/>
+        </pc:sldMkLst>
+        <pc:inkChg chg="add">
+          <ac:chgData name="Toby Donaldson" userId="2e6e5431-bb17-4c41-9985-d39c50d83c73" providerId="ADAL" clId="{A515520A-0FCD-486C-A2CC-7D014497B132}" dt="2024-09-18T21:55:31.410" v="953"/>
+          <ac:inkMkLst>
+            <pc:docMk/>
+            <pc:sldMk cId="302167807" sldId="299"/>
+            <ac:inkMk id="12" creationId="{F731033A-1FF7-12B6-FF02-080DE7AC82FF}"/>
+          </ac:inkMkLst>
+        </pc:inkChg>
+      </pc:sldChg>
+      <pc:sldChg chg="addSp">
+        <pc:chgData name="Toby Donaldson" userId="2e6e5431-bb17-4c41-9985-d39c50d83c73" providerId="ADAL" clId="{A515520A-0FCD-486C-A2CC-7D014497B132}" dt="2024-09-18T21:55:31.410" v="953"/>
+        <pc:sldMkLst>
+          <pc:docMk/>
+          <pc:sldMk cId="711128939" sldId="307"/>
+        </pc:sldMkLst>
+        <pc:inkChg chg="add">
+          <ac:chgData name="Toby Donaldson" userId="2e6e5431-bb17-4c41-9985-d39c50d83c73" providerId="ADAL" clId="{A515520A-0FCD-486C-A2CC-7D014497B132}" dt="2024-09-18T21:55:31.410" v="953"/>
+          <ac:inkMkLst>
+            <pc:docMk/>
+            <pc:sldMk cId="711128939" sldId="307"/>
+            <ac:inkMk id="5" creationId="{95754E7B-88BC-3CD1-E3B8-91F67A390F8E}"/>
+          </ac:inkMkLst>
+        </pc:inkChg>
+      </pc:sldChg>
+      <pc:sldChg chg="addSp">
+        <pc:chgData name="Toby Donaldson" userId="2e6e5431-bb17-4c41-9985-d39c50d83c73" providerId="ADAL" clId="{A515520A-0FCD-486C-A2CC-7D014497B132}" dt="2024-09-18T21:55:31.410" v="953"/>
+        <pc:sldMkLst>
+          <pc:docMk/>
+          <pc:sldMk cId="2722314743" sldId="310"/>
+        </pc:sldMkLst>
+        <pc:inkChg chg="add">
+          <ac:chgData name="Toby Donaldson" userId="2e6e5431-bb17-4c41-9985-d39c50d83c73" providerId="ADAL" clId="{A515520A-0FCD-486C-A2CC-7D014497B132}" dt="2024-09-18T21:55:31.410" v="953"/>
+          <ac:inkMkLst>
+            <pc:docMk/>
+            <pc:sldMk cId="2722314743" sldId="310"/>
+            <ac:inkMk id="2" creationId="{233D7823-66E4-FB22-0996-F10B9B151B01}"/>
+          </ac:inkMkLst>
+        </pc:inkChg>
+      </pc:sldChg>
+      <pc:sldChg chg="addSp">
+        <pc:chgData name="Toby Donaldson" userId="2e6e5431-bb17-4c41-9985-d39c50d83c73" providerId="ADAL" clId="{A515520A-0FCD-486C-A2CC-7D014497B132}" dt="2024-09-18T21:55:31.410" v="953"/>
+        <pc:sldMkLst>
+          <pc:docMk/>
+          <pc:sldMk cId="1963568937" sldId="317"/>
+        </pc:sldMkLst>
+        <pc:inkChg chg="add">
+          <ac:chgData name="Toby Donaldson" userId="2e6e5431-bb17-4c41-9985-d39c50d83c73" providerId="ADAL" clId="{A515520A-0FCD-486C-A2CC-7D014497B132}" dt="2024-09-18T21:55:31.410" v="953"/>
+          <ac:inkMkLst>
+            <pc:docMk/>
+            <pc:sldMk cId="1963568937" sldId="317"/>
+            <ac:inkMk id="6" creationId="{1E02A07E-C198-4823-2442-58184AA57E13}"/>
+          </ac:inkMkLst>
+        </pc:inkChg>
+      </pc:sldChg>
+      <pc:sldChg chg="addSp">
+        <pc:chgData name="Toby Donaldson" userId="2e6e5431-bb17-4c41-9985-d39c50d83c73" providerId="ADAL" clId="{A515520A-0FCD-486C-A2CC-7D014497B132}" dt="2024-09-18T21:55:31.410" v="953"/>
+        <pc:sldMkLst>
+          <pc:docMk/>
+          <pc:sldMk cId="3885649669" sldId="320"/>
+        </pc:sldMkLst>
+        <pc:inkChg chg="add">
+          <ac:chgData name="Toby Donaldson" userId="2e6e5431-bb17-4c41-9985-d39c50d83c73" providerId="ADAL" clId="{A515520A-0FCD-486C-A2CC-7D014497B132}" dt="2024-09-18T21:55:31.410" v="953"/>
+          <ac:inkMkLst>
+            <pc:docMk/>
+            <pc:sldMk cId="3885649669" sldId="320"/>
+            <ac:inkMk id="3" creationId="{E34D4937-849C-F770-CE42-5C276621B2C7}"/>
+          </ac:inkMkLst>
+        </pc:inkChg>
+      </pc:sldChg>
     </pc:docChg>
   </pc:docChgLst>
   <pc:docChgLst>
     <pc:chgData name="Toby Donaldson" userId="2e6e5431-bb17-4c41-9985-d39c50d83c73" providerId="ADAL" clId="{B9F33DEE-EC52-4B89-A8C8-427ED27EC638}"/>
     <pc:docChg chg="undo redo custSel addSld delSld modSld sldOrd addSection modSection">
-      <pc:chgData name="Toby Donaldson" userId="2e6e5431-bb17-4c41-9985-d39c50d83c73" providerId="ADAL" clId="{B9F33DEE-EC52-4B89-A8C8-427ED27EC638}" dt="2024-09-17T22:25:21.774" v="8894" actId="2696"/>
+      <pc:chgData name="Toby Donaldson" userId="2e6e5431-bb17-4c41-9985-d39c50d83c73" providerId="ADAL" clId="{B9F33DEE-EC52-4B89-A8C8-427ED27EC638}" dt="2024-09-19T00:59:35.686" v="9057" actId="11529"/>
       <pc:docMkLst>
         <pc:docMk/>
       </pc:docMkLst>
@@ -4500,7 +5232,7 @@
         </pc:cxnChg>
       </pc:sldChg>
       <pc:sldChg chg="addSp delSp modSp add mod">
-        <pc:chgData name="Toby Donaldson" userId="2e6e5431-bb17-4c41-9985-d39c50d83c73" providerId="ADAL" clId="{B9F33DEE-EC52-4B89-A8C8-427ED27EC638}" dt="2024-09-17T22:04:04.270" v="8207" actId="20577"/>
+        <pc:chgData name="Toby Donaldson" userId="2e6e5431-bb17-4c41-9985-d39c50d83c73" providerId="ADAL" clId="{B9F33DEE-EC52-4B89-A8C8-427ED27EC638}" dt="2024-09-19T00:45:51.630" v="8908" actId="21"/>
         <pc:sldMkLst>
           <pc:docMk/>
           <pc:sldMk cId="711128939" sldId="307"/>
@@ -4601,6 +5333,14 @@
             <ac:spMk id="24" creationId="{7DB721F2-2E0A-64ED-6547-A519EF5B3697}"/>
           </ac:spMkLst>
         </pc:spChg>
+        <pc:inkChg chg="del">
+          <ac:chgData name="Toby Donaldson" userId="2e6e5431-bb17-4c41-9985-d39c50d83c73" providerId="ADAL" clId="{B9F33DEE-EC52-4B89-A8C8-427ED27EC638}" dt="2024-09-19T00:45:51.630" v="8908" actId="21"/>
+          <ac:inkMkLst>
+            <pc:docMk/>
+            <pc:sldMk cId="711128939" sldId="307"/>
+            <ac:inkMk id="5" creationId="{95754E7B-88BC-3CD1-E3B8-91F67A390F8E}"/>
+          </ac:inkMkLst>
+        </pc:inkChg>
         <pc:cxnChg chg="del mod">
           <ac:chgData name="Toby Donaldson" userId="2e6e5431-bb17-4c41-9985-d39c50d83c73" providerId="ADAL" clId="{B9F33DEE-EC52-4B89-A8C8-427ED27EC638}" dt="2024-09-17T22:00:23.664" v="7994" actId="21"/>
           <ac:cxnSpMkLst>
@@ -4944,7 +5684,7 @@
         </pc:cxnChg>
       </pc:sldChg>
       <pc:sldChg chg="addSp delSp modSp add mod">
-        <pc:chgData name="Toby Donaldson" userId="2e6e5431-bb17-4c41-9985-d39c50d83c73" providerId="ADAL" clId="{B9F33DEE-EC52-4B89-A8C8-427ED27EC638}" dt="2024-09-17T22:12:29.242" v="8462" actId="1076"/>
+        <pc:chgData name="Toby Donaldson" userId="2e6e5431-bb17-4c41-9985-d39c50d83c73" providerId="ADAL" clId="{B9F33DEE-EC52-4B89-A8C8-427ED27EC638}" dt="2024-09-19T00:45:39.093" v="8907" actId="21"/>
         <pc:sldMkLst>
           <pc:docMk/>
           <pc:sldMk cId="2722314743" sldId="310"/>
@@ -5006,7 +5746,7 @@
           </ac:spMkLst>
         </pc:spChg>
         <pc:spChg chg="add mod">
-          <ac:chgData name="Toby Donaldson" userId="2e6e5431-bb17-4c41-9985-d39c50d83c73" providerId="ADAL" clId="{B9F33DEE-EC52-4B89-A8C8-427ED27EC638}" dt="2024-09-17T22:11:22.107" v="8425" actId="1076"/>
+          <ac:chgData name="Toby Donaldson" userId="2e6e5431-bb17-4c41-9985-d39c50d83c73" providerId="ADAL" clId="{B9F33DEE-EC52-4B89-A8C8-427ED27EC638}" dt="2024-09-19T00:45:31.985" v="8906" actId="20577"/>
           <ac:spMkLst>
             <pc:docMk/>
             <pc:sldMk cId="2722314743" sldId="310"/>
@@ -5069,6 +5809,14 @@
             <ac:grpSpMk id="15" creationId="{2FD6DDBB-452A-3400-CD38-6EECD8A4EDB3}"/>
           </ac:grpSpMkLst>
         </pc:grpChg>
+        <pc:inkChg chg="del">
+          <ac:chgData name="Toby Donaldson" userId="2e6e5431-bb17-4c41-9985-d39c50d83c73" providerId="ADAL" clId="{B9F33DEE-EC52-4B89-A8C8-427ED27EC638}" dt="2024-09-19T00:45:39.093" v="8907" actId="21"/>
+          <ac:inkMkLst>
+            <pc:docMk/>
+            <pc:sldMk cId="2722314743" sldId="310"/>
+            <ac:inkMk id="2" creationId="{233D7823-66E4-FB22-0996-F10B9B151B01}"/>
+          </ac:inkMkLst>
+        </pc:inkChg>
         <pc:cxnChg chg="del mod">
           <ac:chgData name="Toby Donaldson" userId="2e6e5431-bb17-4c41-9985-d39c50d83c73" providerId="ADAL" clId="{B9F33DEE-EC52-4B89-A8C8-427ED27EC638}" dt="2024-09-17T22:07:54.396" v="8379" actId="21"/>
           <ac:cxnSpMkLst>
@@ -5345,9 +6093,304 @@
           </ac:cxnSpMkLst>
         </pc:cxnChg>
       </pc:sldChg>
+      <pc:sldChg chg="addSp delSp modSp add mod">
+        <pc:chgData name="Toby Donaldson" userId="2e6e5431-bb17-4c41-9985-d39c50d83c73" providerId="ADAL" clId="{B9F33DEE-EC52-4B89-A8C8-427ED27EC638}" dt="2024-09-19T00:59:35.686" v="9057" actId="11529"/>
+        <pc:sldMkLst>
+          <pc:docMk/>
+          <pc:sldMk cId="2722267496" sldId="321"/>
+        </pc:sldMkLst>
+        <pc:spChg chg="add del mod">
+          <ac:chgData name="Toby Donaldson" userId="2e6e5431-bb17-4c41-9985-d39c50d83c73" providerId="ADAL" clId="{B9F33DEE-EC52-4B89-A8C8-427ED27EC638}" dt="2024-09-19T00:57:41.670" v="8946" actId="21"/>
+          <ac:spMkLst>
+            <pc:docMk/>
+            <pc:sldMk cId="2722267496" sldId="321"/>
+            <ac:spMk id="3" creationId="{CFDA8D1D-BBC1-7E85-C9F4-33ED9A244AFD}"/>
+          </ac:spMkLst>
+        </pc:spChg>
+        <pc:spChg chg="mod">
+          <ac:chgData name="Toby Donaldson" userId="2e6e5431-bb17-4c41-9985-d39c50d83c73" providerId="ADAL" clId="{B9F33DEE-EC52-4B89-A8C8-427ED27EC638}" dt="2024-09-19T00:58:09.465" v="8988" actId="207"/>
+          <ac:spMkLst>
+            <pc:docMk/>
+            <pc:sldMk cId="2722267496" sldId="321"/>
+            <ac:spMk id="5" creationId="{D63A62E8-3DF2-8251-CBDB-1A09A68559D7}"/>
+          </ac:spMkLst>
+        </pc:spChg>
+        <pc:spChg chg="add mod">
+          <ac:chgData name="Toby Donaldson" userId="2e6e5431-bb17-4c41-9985-d39c50d83c73" providerId="ADAL" clId="{B9F33DEE-EC52-4B89-A8C8-427ED27EC638}" dt="2024-09-19T00:56:26.479" v="8937"/>
+          <ac:spMkLst>
+            <pc:docMk/>
+            <pc:sldMk cId="2722267496" sldId="321"/>
+            <ac:spMk id="6" creationId="{43978626-DFE3-4F98-3036-F18430FBF5AD}"/>
+          </ac:spMkLst>
+        </pc:spChg>
+        <pc:spChg chg="del mod ord">
+          <ac:chgData name="Toby Donaldson" userId="2e6e5431-bb17-4c41-9985-d39c50d83c73" providerId="ADAL" clId="{B9F33DEE-EC52-4B89-A8C8-427ED27EC638}" dt="2024-09-19T00:57:29.471" v="8943" actId="21"/>
+          <ac:spMkLst>
+            <pc:docMk/>
+            <pc:sldMk cId="2722267496" sldId="321"/>
+            <ac:spMk id="7" creationId="{90AC8351-6490-FFBC-8EAD-267A0BCF0642}"/>
+          </ac:spMkLst>
+        </pc:spChg>
+        <pc:spChg chg="add mod">
+          <ac:chgData name="Toby Donaldson" userId="2e6e5431-bb17-4c41-9985-d39c50d83c73" providerId="ADAL" clId="{B9F33DEE-EC52-4B89-A8C8-427ED27EC638}" dt="2024-09-19T00:56:29.002" v="8938"/>
+          <ac:spMkLst>
+            <pc:docMk/>
+            <pc:sldMk cId="2722267496" sldId="321"/>
+            <ac:spMk id="8" creationId="{F6FEC5B8-4CDC-AC2F-ADB2-5C9622367220}"/>
+          </ac:spMkLst>
+        </pc:spChg>
+        <pc:spChg chg="add mod">
+          <ac:chgData name="Toby Donaldson" userId="2e6e5431-bb17-4c41-9985-d39c50d83c73" providerId="ADAL" clId="{B9F33DEE-EC52-4B89-A8C8-427ED27EC638}" dt="2024-09-19T00:56:53.543" v="8940"/>
+          <ac:spMkLst>
+            <pc:docMk/>
+            <pc:sldMk cId="2722267496" sldId="321"/>
+            <ac:spMk id="9" creationId="{A0F04756-DBF6-D6F1-8595-E499BDAB0FB9}"/>
+          </ac:spMkLst>
+        </pc:spChg>
+        <pc:spChg chg="mod">
+          <ac:chgData name="Toby Donaldson" userId="2e6e5431-bb17-4c41-9985-d39c50d83c73" providerId="ADAL" clId="{B9F33DEE-EC52-4B89-A8C8-427ED27EC638}" dt="2024-09-19T00:57:37.955" v="8945" actId="207"/>
+          <ac:spMkLst>
+            <pc:docMk/>
+            <pc:sldMk cId="2722267496" sldId="321"/>
+            <ac:spMk id="13" creationId="{5C3CB041-437A-DDC4-FD22-B5E3515334BD}"/>
+          </ac:spMkLst>
+        </pc:spChg>
+        <pc:spChg chg="add mod">
+          <ac:chgData name="Toby Donaldson" userId="2e6e5431-bb17-4c41-9985-d39c50d83c73" providerId="ADAL" clId="{B9F33DEE-EC52-4B89-A8C8-427ED27EC638}" dt="2024-09-19T00:59:30.434" v="9056" actId="207"/>
+          <ac:spMkLst>
+            <pc:docMk/>
+            <pc:sldMk cId="2722267496" sldId="321"/>
+            <ac:spMk id="20" creationId="{438A2C84-9FE2-906B-1C75-D8BA9E77F23D}"/>
+          </ac:spMkLst>
+        </pc:spChg>
+        <pc:cxnChg chg="add del mod ord">
+          <ac:chgData name="Toby Donaldson" userId="2e6e5431-bb17-4c41-9985-d39c50d83c73" providerId="ADAL" clId="{B9F33DEE-EC52-4B89-A8C8-427ED27EC638}" dt="2024-09-19T00:58:54.320" v="8997" actId="14100"/>
+          <ac:cxnSpMkLst>
+            <pc:docMk/>
+            <pc:sldMk cId="2722267496" sldId="321"/>
+            <ac:cxnSpMk id="11" creationId="{326FABDB-2906-CEF4-7B06-A2781A11C9CF}"/>
+          </ac:cxnSpMkLst>
+        </pc:cxnChg>
+        <pc:cxnChg chg="add mod ord">
+          <ac:chgData name="Toby Donaldson" userId="2e6e5431-bb17-4c41-9985-d39c50d83c73" providerId="ADAL" clId="{B9F33DEE-EC52-4B89-A8C8-427ED27EC638}" dt="2024-09-19T00:58:54.320" v="8997" actId="14100"/>
+          <ac:cxnSpMkLst>
+            <pc:docMk/>
+            <pc:sldMk cId="2722267496" sldId="321"/>
+            <ac:cxnSpMk id="12" creationId="{04A4ABA1-075F-E058-656C-5E5091A3DCFB}"/>
+          </ac:cxnSpMkLst>
+        </pc:cxnChg>
+        <pc:cxnChg chg="add">
+          <ac:chgData name="Toby Donaldson" userId="2e6e5431-bb17-4c41-9985-d39c50d83c73" providerId="ADAL" clId="{B9F33DEE-EC52-4B89-A8C8-427ED27EC638}" dt="2024-09-19T00:59:35.686" v="9057" actId="11529"/>
+          <ac:cxnSpMkLst>
+            <pc:docMk/>
+            <pc:sldMk cId="2722267496" sldId="321"/>
+            <ac:cxnSpMk id="22" creationId="{FA4C978D-16B7-F5A5-61AD-152816134113}"/>
+          </ac:cxnSpMkLst>
+        </pc:cxnChg>
+      </pc:sldChg>
     </pc:docChg>
   </pc:docChgLst>
 </pc:chgInfo>
+</file>
+
+<file path=ppt/ink/ink1.xml><?xml version="1.0" encoding="utf-8"?>
+<inkml:ink xmlns:inkml="http://www.w3.org/2003/InkML">
+  <inkml:definitions>
+    <inkml:context xml:id="ctx0">
+      <inkml:inkSource xml:id="inkSrc0">
+        <inkml:traceFormat>
+          <inkml:channel name="X" type="integer" max="19200" units="cm"/>
+          <inkml:channel name="Y" type="integer" max="11776" units="cm"/>
+          <inkml:channel name="F" type="integer" max="4096" units="dev"/>
+          <inkml:channel name="T" type="integer" max="2.14748E9" units="dev"/>
+        </inkml:traceFormat>
+        <inkml:channelProperties>
+          <inkml:channelProperty channel="X" name="resolution" value="635.7616" units="1/cm"/>
+          <inkml:channelProperty channel="Y" name="resolution" value="623.06879" units="1/cm"/>
+          <inkml:channelProperty channel="F" name="resolution" value="0" units="1/dev"/>
+          <inkml:channelProperty channel="T" name="resolution" value="1" units="1/dev"/>
+        </inkml:channelProperties>
+      </inkml:inkSource>
+      <inkml:timestamp xml:id="ts0" timeString="2024-09-18T21:33:51.069"/>
+    </inkml:context>
+    <inkml:brush xml:id="br0">
+      <inkml:brushProperty name="width" value="0.05292" units="cm"/>
+      <inkml:brushProperty name="height" value="0.05292" units="cm"/>
+      <inkml:brushProperty name="color" value="#FF0000"/>
+    </inkml:brush>
+  </inkml:definitions>
+  <inkml:trace contextRef="#ctx0" brushRef="#br0">22152 4916 460 0,'0'0'0'0,"0"0"0"0,0 0 30 0,41 59 1 0,-33-48-1 0,-2 3 0 0,-12 3-30 0,6-9 0 0,-5 4 73 0,-1-7 1 0,4 4 1 0,-4-4-1 0,-2 4-74 0,2-1 0 0,1-2 0 0,-1 2 107 15,1-2 2-15,2-3-1 0,-5 2 1 0,5 1-109 0,3 2 0 0,0-2 0 0,-3-3 0 0,0 3 10 0,1-1 0 0,2 4 0 0,-6-7 1 0,3 10-11 0,-2-4 0 0,-6 12 0 0,2 8 0 0,-10 3 80 0,-20 48 0 0,20-37 1 0,0 0-1 0,-17 57-80 0,19-49 0 16,1 1 35-16,2-1 0 0,-8 1 0 0,0 3 1 0,0-4-36 0,2 6 0 0,-5-5 0 0,1-3 0 0,1 3 28 0,-21 44 1 16,25-47 0-16,5 3 0 0,-11 39-29 0,14-45 0 0,8-3 30 0,3 0 1 15,0 0-1-15,-2 1 2 16,2 7-32-16,0-5 0 15,0 3 0 1,0 3 0 0,2-4 61-1,1 58 0-15,-6-49 0 16,1 0 0 0,-1 62-61-16,-3-59 0 15,1 3 22-15,-1-3-1 16,4 0 0-16,-10-2 0 15,4-1-21-15,-11 51 0 0,11-56 0 16,2-1 24-16,-11 46 0 0,15-46 0 16,4-7 0-16,1-1-24 0,-3 3 0 15,0-3 0-15,3 0 27 0,3 0 0 16,-1 3 0-16,1 3 2 0,7 3-29 16,7 47 0-16,-6-44 0 0,-3 8 17 0,16 53 1 0,-21-53 0 0,8 3 0 0,-6-6-18 15,-3 6 0-15,1-4 0 0,-1 4 17 0,4 62 1 0,-4-71-1 0,1 0 1 0,8 62-18 0,-1-56 0 16,-4-3-20-16,2 3 0 0,3-5 0 0,-1-1 1 0,4-3 19 0,8 57 0 0,-11-57 0 0,2-5 13 0,20 48 1 15,-17-48 0-15,6 0 0 0,3-6-14 0,-1 3 0 0,-2 11 0 0,6-5-8 0,32 56 1 0,-32-48-1 16,5 3 1-16,24 59 7 0,-24-65 0 0,-3 0-27 0,6-2 1 0,-9 2-1 0,1-3 1 0,-1 4 26 0,1 2 0 16,2-3 0-16,-8 0 0 0,2 3-12 0,31 68 1 0,-27-62 0 0,-4-6 0 0,1 5 11 15,2-2 0-15,3-3 0 0,-2 3 17 0,2-6 0 16,0-2 1-16,-2-1-1 0,2-8-17 0,38 45 0 16,-29-53 0-16,8-3 19 0,38 33 0 15,-41-33 0-15,5 3 0 0,-2-4-19 0,-3 4 0 16,-3-9 0-16,1 6-16 0,2-3 0 0,-3 3 0 15,3 2 0-15,0 6 16 0,2-5 0 0,-2 5 0 16,3-8 0-16,3 2-32 0,49 38 0 16,-61-43 0-16,3-6 1 0,45 31 31 15,-42-28 0-15,2-2 5 0,56 27 0 16,-52-25 0-16,10 0 1 0,-5 0-6 0,0 9 0 16,-5-9 0-16,5 9 30 0,0-4 1 0,-6 1 1 0,-2 6-1 15,0-7-31-15,47 35 0 0,-42-34 0 16,-3-6 7-16,53 31 0 0,-49-31 0 15,2 0 0-15,55 23-7 0,-61-32 0 16,4 1 22-16,43 17 1 0,-44-20-1 16,3 2 1-16,55 18-23 0,-55-17 0 15,1-1 17-15,-1 1 0 0,-3 0 0 0,0 2 1 0,-3 4-18 16,-2-7 0-16,-3 12 0 0,3 3 0 0,0 2 2 16,55 46 0-16,-53-43 0 0,1 4 1 15,52 41-3-15,-50-47 0 0,3-1 16 16,72 29 0-16,-61-34 0 0,11 0 1 15,74 22-17-15,-84-33 0 0,1-12 11 0,73 12 1 16,-67-17 0-16,-5-3 0 0,72-3-12 16,-70-5 0-16,1-4 3 0,80-16 1 15,-81 9-1-15,4-4 1 0,79-33-4 16,-85 22 0-16,2 0-6 0,1-5 0 16,0-9 0-16,2 0 0 0,-2-5 6 15,-1-1 0-15,1-2 0 0,-3 5 0 0,2 4-2 16,75-52 1-16,-71 48 0 0,2-2 0 0,66-60 1 15,-74 54 0-15,-3-2-30 0,0-1 1 0,6-3 0 16,-6 6-1-16,3-9 30 0,66-67 0 16,-75 71 0-16,1-1-24 0,-3 6 1 0,-6-6-1 15,3 0 1-15,-3 9 23 0,-2-9 0 0,7 1 0 16,7-7 0-16,2 1 9 0,63-88 0 16,-68 77 0-16,2-1 1 0,3-8-10 0,-5-5 0 15,-4-4 0-15,4-5 10 0,66-96 1 16,-72 105-1-16,3-4 1 0,-3 1-11 0,-9 10 0 0,-4-4 0 15,-7 13 23-15,34-93 1 0,-44 79-1 16,2 9 0-16,17-102-23 0,-22 74 0 0,-11-4 4 16,2 4 0-16,-2-3 0 0,0 8 1 0,-9-6-5 15,9-101 0-15,-11 107 0 0,0 3 0 16,-1 3 0-16,1 0 0 0,-3-1 1 0,0 4-1 16,-5-107 0-16,2 103 0 0,0 7-3 15,-5-1 1-15,2 3 0 0,1-8 0 0,-6 2 2 16,-6-86 0-16,6 86 0 0,0 6-18 15,-3-8 0-15,3 11 0 0,-3-8-1 0,6 2 19 16,-25-93 0-16,16 97 0 0,-2 10-24 0,0-8 0 16,-1 6 0-16,1 2 0 0,3 3 24 0,-20-81 0 15,14 73 0-15,-1-1-15 0,1-4 0 16,3 7 0-16,-6 6 0 0,3 1 15 0,-30-71 0 16,24 78 0-16,-2 7 11 0,-34-66 0 15,28 77 0-15,0 10 0 0,0-2-11 0,-5 3 0 16,-1 6 0-16,1 2 3 0,-3 3 1 0,2-8 0 15,1 2 0-15,-1 0-4 0,-46-33 0 16,47 39 0-16,2-3 13 0,-44-30 1 16,42 27-1-16,-1 1 1 0,-41-40-14 15,47 42 0-15,1 3 18 0,4-6 0 0,1 4 1 16,-9-4-1-16,6 3-18 0,0-2 0 0,-6 5 0 16,-2 3 0-16,-1-1 4 0,-49-18 1 15,36 24 0-15,-6 3 0 0,-66-2-5 16,63 13 0-16,4 4-11 0,-84 5 0 0,64-6 0 15,0 3-1-15,-100-2 12 0,95 5 0 16,-7 5-5-16,-87-5 0 0,85-5 0 16,-3-4 0-16,-96-2 5 0,99 8 0 15,0 3-11-15,-97 0 0 0,92 0 0 0,2 0 0 16,-102 0 11-16,103 9 0 0,5-1 5 16,-105 12 0-16,93-6 0 0,-2 0 1 15,-96 22-6-15,107-21 0 0,3-7-17 16,-1 6 1-16,-4 0 0 0,-6-3 0 0,2 3 16 15,3 1 0-15,1-4 0 0,2 0 0 0,0-5-57 0,0 2 1 16,-3 1-1-16,3-1 1 0,-2 3 56 0,-7-8 0 16,7 3 0-16,5-1 0 0,-1 4-47 0,-4-4 0 15,5-2 0-15,-6 3 0 0,6-1 47 0,0 4 0 16,-3-6 0-16,-3 8 0 0,3-3-30 0,-96 21 0 16,98-15 0-16,7 5 0 0,-89 18 30 15,83-15 0-15,2 6-1 0,-88 29 1 16,86-26-1-16,0 2 1 0,-100 38 0 15,98-35 0-15,-4 7 17 0,0 2 1 0,6-6-1 16,-3-2 1-16,3-7-18 0,-3 4 0 0,-8 0 0 16,-3-6 0-16,-3 0-82 0,-110 23 0 15,113-29-1-15,-6-5 1 0,-123 23 82 16,112-23 0-16,-13 8-142 0,-136 28 1 16,127-19-1-16,-2 8-156 0,-172 43 143 15,155-43-2-15,163-42-501 0</inkml:trace>
+</inkml:ink>
+</file>
+
+<file path=ppt/ink/ink2.xml><?xml version="1.0" encoding="utf-8"?>
+<inkml:ink xmlns:inkml="http://www.w3.org/2003/InkML">
+  <inkml:definitions>
+    <inkml:context xml:id="ctx0">
+      <inkml:inkSource xml:id="inkSrc0">
+        <inkml:traceFormat>
+          <inkml:channel name="X" type="integer" max="19200" units="cm"/>
+          <inkml:channel name="Y" type="integer" max="11776" units="cm"/>
+          <inkml:channel name="F" type="integer" max="4096" units="dev"/>
+          <inkml:channel name="T" type="integer" max="2.14748E9" units="dev"/>
+        </inkml:traceFormat>
+        <inkml:channelProperties>
+          <inkml:channelProperty channel="X" name="resolution" value="635.7616" units="1/cm"/>
+          <inkml:channelProperty channel="Y" name="resolution" value="623.06879" units="1/cm"/>
+          <inkml:channelProperty channel="F" name="resolution" value="0" units="1/dev"/>
+          <inkml:channelProperty channel="T" name="resolution" value="1" units="1/dev"/>
+        </inkml:channelProperties>
+      </inkml:inkSource>
+      <inkml:timestamp xml:id="ts0" timeString="2024-09-18T21:36:20.602"/>
+    </inkml:context>
+    <inkml:brush xml:id="br0">
+      <inkml:brushProperty name="width" value="0.05292" units="cm"/>
+      <inkml:brushProperty name="height" value="0.05292" units="cm"/>
+      <inkml:brushProperty name="color" value="#FF0000"/>
+    </inkml:brush>
+  </inkml:definitions>
+  <inkml:trace contextRef="#ctx0" brushRef="#br0">20616 4167 11 0,'0'0'0'0,"0"0"0"0,0 0 0 0,-11 43 1 0,5-29-1 0,-2 0 1 0,-11 8-1 0,8-13 0 0,8-4 0 0,-8 12 1 0,2-6-1 0,1-2 1 0,-8 11-1 16,7-12 0-16,4 0 64 0,5 1 1 0,0-4-1 15,0-5 2-15,0 6-66 0,0-6 0 16,0 0 0-16,0 0 151 0,5 0 1 16,1 0-1-16,8-8 1 0,5-9-152 15,-5 8 0-15,5 1 80 0,9-20 2 16,-14 19-2-16,2-5 1 0,12-8-81 15,-9 11 0-15,6 2 67 0,19-5 1 16,-25 6-1-16,6-4 0 0,31-5-67 16,-23 3 0-16,3 3 28 0,44-11 1 0,-44 16 0 15,-3 3 0-15,25-2-29 16,-31 5 0-16,-2 5 23 0,20 18 0 0,-32-15 0 16,-7 12 0-16,-1 30-23 0,-5-7 0 15,-2 4 20-15,-1 4 0 0,-11 5 0 0,-5-2 1 0,-6 13-21 16,-30 68 0-16,27-61 0 0,-2-1 8 15,-4 3 0-15,-4 2 0 0,-4 7 2 0,-2-4-10 16,-47 88 0-16,44-98 0 0,3-7 12 16,-45 63 0-16,51-76 0 0,-1-6 0 15,-2-3-12-15,2 0 0 0,0-8 0 0,6 2-8 16,3-8 0-16,2-5 0 0,3-15 0 0,6-2 8 16,2-6 0-16,9 0 0 0,0-6 0 0,8-2-42 15,8-23 2-15,-2 11 0 0,2-13 0 16,22-41 40-1,-10 32 0-15,13-8-4 0,30-43 0 0,-24 56 0 0,-6 9 1 16,44-28 3-16,-38 42 0 0,0 2 11 0,41 1 1 16,-41 11-1-16,-4 3 1 0,37 17-12 15,-30-12 0-15,-1 6-60 0,45 28 0 16,-48-19-1-16,1 2 1 0,39 34 60 16,-40-31 0-16,1 1-92 0,38 35 0 15,-30-44 0-15,3 2 1 0,41 21 91 16,-50-29 0-16,4 0-136 0,24 0 2 15,-42-14-1-15,-27 0-365 0</inkml:trace>
+  <inkml:trace contextRef="#ctx0" brushRef="#br0" timeOffset="370.2">22414 3996 539 0,'0'0'0'16,"0"0"0"-16,0 0-96 0,0 0 2 0,25 28-2 0,-22-11 2 0,-6 31 94 0,-3-20 0 0,-5 3 181 0,-13 45 1 15,15-45-2-15,4-3 2 0,2 0-182 16,-3 0 0-16,-2 9 0 0,3-1 127 0,5 6 2 0,0 6-2 16,-6 3 2-16,1-1-129 0,-9 63 0 15,8-54 0-15,1-3 10 0,-9 60 0 16,8-63 0-16,4 3 1 0,-4 3-11 0,1-14 0 16,2 3 0-16,0-3-153 0,-11 40 0 15,6-49-1-15,-6-2 2 0,-16 31 152 16,10-29 0-16,1 4-125 0,-28 24 1 15,22-49-1-15,25-15-214 0</inkml:trace>
+  <inkml:trace contextRef="#ctx0" brushRef="#br0" timeOffset="683.83">21497 4944 763 0,'0'0'0'15,"0"0"0"-15,50 0-44 0,30-6 1 16,-36 1 0-16,3-7 0 0,50-7 43 0,-56 5 0 0,-2 0 171 16,41-15 2-16,-36 13 0 0,3-1 0 15,47-14-173-15,-42 22 0 0,6-5 61 16,53-6 1-16,-59 15-1 0,-5 2 1 0,50-3-62 15,-53 6 0-15,-5 0-62 0,41 0 1 16,-36-5-1-16,0 5 1 0,39-3 61 16,-44-8 0-16,2-1-172 0,4 1 0 0,-7 3 0 15,6-6 2-15,-5 5 83 0,0-5 2 0,-3 0 0 16,-6-8-1-16,-30 22-103 0</inkml:trace>
+  <inkml:trace contextRef="#ctx0" brushRef="#br0" timeOffset="1300.77">23980 3954 426 0,'0'0'0'16,"0"0"0"-16,0 0-53 0,34 0 0 0,-29 0 0 16,-5 0 0-16,8 0 53 0,-8 0 0 0,0 0 151 15,0 8 0-15,0-8-1 0,0 0 2 16,11 6-152-16,-2-4 0 0,-1 4 141 0,20 2 1 16,-6 4-1-16,14-4 1 15,27 1-142-15,-27-4 0 0,3 1 60 0,38 11 0 16,-33-12 1-16,0 4-1 0,48 5-60 15,-54-8 0-15,-7 8 45 0,29 2 0 16,-40-4 0-16,-12-4 1 0,3 9-46 16,-11-3 0-16,-5 6 13 0,-23 22 1 15,3-11 0-15,-14 11 0 0,1 6-14 0,-9-11 0 16,3 5 0-16,-6-6-3 0,-3 7 1 0,6-7 0 16,3 3 0-16,3 1 2 0,-28 30 0 15,36-36 0-15,8-6-15 0,-19 17 1 16,27-25 0-16,6-6 0 0,0 14 14 15,11-20 0-15,0-8 16 0,16 9 0 16,-10-3 0-16,2-1 0 0,25 9-16 16,-8-5 0-16,3-1 7 0,35 17 0 15,-38-8 0-15,0 3 1 0,25 8-8 16,-28-14 0-16,-5 3 8 0,-1-3 1 16,-2 0-1-16,0 0 1 0,-3-5-9 0,3 2 0 15,-9-3 0-15,3 6 0 0,-2-5 45 0,-1 2 1 0,-10 6 0 0,-6 6 0 16,-3 5-46-16,-38 36 0 0,10-24 0 15,-5 2 7-15,-58 37 1 0,58-43-1 0,-5-8 1 16,-45 23-8-16,53-31 0 0,0-12-119 16,-23-16 2-16,40-12-2 0,10-11-87 15,3-3 117-15,1-36 1 0,2-3 0 0,11 73-894 16</inkml:trace>
+  <inkml:trace contextRef="#ctx0" brushRef="#br0" timeOffset="11366.79">13956 13519 460 0,'0'0'0'0,"0"0"0"0,0 0 27 0,-61 37 1 0,42-29-1 0,8 3 1 0,-9 3-28 0,12-14 0 0,2 3 47 0,-5-3 1 0,9 0 0 0,-4 0 0 0,-8 0-48 0,9 0 0 0,-9 0 78 0,-25 0-1 0,20 0 0 0,0 0 1 0,-17 3-78 0,22 5 0 0,6-5 34 0,-3 9 1 0,2-7-1 0,4 4 1 16,-1 5-35-16,-2-3 0 0,2 3 0 16,6 3 67-16,-5-3 2 0,2 3-1 0,-2 3 0 0,-1 2-68 0,6 1 0 15,0-1 0-15,0-2 0 16,6-1 49-16,2-5 1 0,3 1-1 15,3-4 0-15,-3 3-49 16,-3 0 0-16,11-3 0 0,1 3 0 0,-1-8 35 16,31 16 0-16,-23-13 0 0,7-1 1 15,35 15-36-15,-36-12 0 16,-6-3 20-16,37 15 1 0,-31-12 0 16,-3 3 0-16,37 9-21 0,-37-9 0 0,3 0 9 0,20 14 1 0,-28-19 0 0,2-1 0 15,23 9-10-15,-31-9 0 0,1 1 11 0,21 5 1 0,-16-6-1 0,0 1 1 0,33 5-12 16,-25-9 0-16,0 1 42 0,36-3 1 15,-36-3-1-15,6-3 0 0,27-3-42 16,-35 4 0-16,2-1-2 0,25 0 1 16,-33-6 0-16,2 4 0 0,23-9 1 15,-31 5 0-15,-5 9-8 0,14-14 1 16,-14 9-1-16,-3 2 1 0,14-3 7 16,-17-2 0-16,-3 2 32 0,15-8 1 15,-15 8-1-15,3 1 1 0,4-6-33 16,-4 5 0-16,-3 0-21 0,1-11 1 15,-6 9-1-15,3-3 1 0,-3-12 20 16,-3 4 0-16,3-1-16 0,-6 0 1 0,1 0 0 16,-9-8 0-16,3 0 15 0,-3 0 0 0,0 6 0 15,1 2 0-15,-7 3 1 0,1 0 0 0,0 0 0 0,-1 3 1 16,1-3-2-16,0 6 0 0,-1 3 0 0,4-6 0 16,-1 5-17-16,0 3 1 0,-2 1-1 0,0-4 0 15,-3 4 17-15,2 2 0 0,-10 0 0 0,2 0 0 0,-8 3-9 16,-30-5 0-16,39 2 0 0,-4-3 1 15,-21-16 8-15,32 19 0 0,1 0 30 16,-14-11 2-16,13 6-1 0,4-4 0 16,-12-13-31-16,3 11 0 0,3 0-17 15,-27-14 0-15,21 14 0 0,3 0 0 16,-33-12 17-16,28 15 0 0,2-3-69 0,-49-3 1 16,19 14 0-16,-3 3 1 0,-94 20 67 15,61 5 0-15,-19 15-103 0,-138 38 1 16,110-49-1-16,141-29-1013 0</inkml:trace>
+</inkml:ink>
+</file>
+
+<file path=ppt/ink/ink3.xml><?xml version="1.0" encoding="utf-8"?>
+<inkml:ink xmlns:inkml="http://www.w3.org/2003/InkML">
+  <inkml:definitions>
+    <inkml:context xml:id="ctx0">
+      <inkml:inkSource xml:id="inkSrc0">
+        <inkml:traceFormat>
+          <inkml:channel name="X" type="integer" max="19200" units="cm"/>
+          <inkml:channel name="Y" type="integer" max="11776" units="cm"/>
+          <inkml:channel name="F" type="integer" max="4096" units="dev"/>
+          <inkml:channel name="T" type="integer" max="2.14748E9" units="dev"/>
+        </inkml:traceFormat>
+        <inkml:channelProperties>
+          <inkml:channelProperty channel="X" name="resolution" value="635.7616" units="1/cm"/>
+          <inkml:channelProperty channel="Y" name="resolution" value="623.06879" units="1/cm"/>
+          <inkml:channelProperty channel="F" name="resolution" value="0" units="1/dev"/>
+          <inkml:channelProperty channel="T" name="resolution" value="1" units="1/dev"/>
+        </inkml:channelProperties>
+      </inkml:inkSource>
+      <inkml:timestamp xml:id="ts0" timeString="2024-09-18T21:42:24.285"/>
+    </inkml:context>
+    <inkml:brush xml:id="br0">
+      <inkml:brushProperty name="width" value="0.05292" units="cm"/>
+      <inkml:brushProperty name="height" value="0.05292" units="cm"/>
+      <inkml:brushProperty name="color" value="#FF0000"/>
+    </inkml:brush>
+  </inkml:definitions>
+  <inkml:trace contextRef="#ctx0" brushRef="#br0">23986 3115 11 0,'0'0'0'0,"0"0"0"0,0 0 0 0,0 0 0 0,0 0 1 0,0 0-1 0,0 0 1 0,0 0-1 0,0 0 0 0,0 0 0 0,19-31 0 0,-24 26 0 0,2-1 1 0,0 3-1 0,-2-11 1 0,2 8-1 0,-5-2 0 0,2 2 0 0,1 1 75 15,5 2 1-15,0 3 0 0,0 0 1 0,0 0-77 0,-6-6 0 0,6 6 0 0,0-8 0 0,0 8 35 0,0 0 1 0,0 0 0 0,0 0 0 0,0 0-36 0,11 0 0 0,-11 0 0 0,0 0 0 0,0 0 45 0,0 8 2 0,0 1-1 0,0 2 0 0,3-3-46 0,8 35 0 0,-11-7 0 16,0 1 20-16,3 47 1 15,-6-50-1-15,3 3 1 0,0 33-21 0,0-19 0 16,3-1-2-16,-1-2 1 0,-2 11-1 16,-2-3 1-16,-1 1 1 0,3 58 0 15,0-67 0-15,0-3-13 0,8 45 0 16,-5-51 0-16,0 1 1 16,-3 19 12-16,0-31 0 0,0-6 15 15,-3 12 1-15,3-25 0 0,0-9 0 0,-6 0-16 0,6 0 0 0,0 0 7 16,3-9 0-16,0 1 0 0,5-6 1 0,-2-34-8 15,2 3 0-15,0-12-3 0,1 1 1 16,-1 0-1-16,-5 8 1 0,-1 3 2 0,7-67 0 16,-4 52 0-16,-2-4-8 0,8-68 1 15,-5 67-1-15,2 6 1 0,3-3 7 16,-3 11 0-16,3 1 0 0,3 2 6 0,5 3 0 16,1-3 0-16,-6 6 1 0,2 2-7 0,31-41 0 15,-25 44 0-15,6 6 0 0,33-17 0 16,-37 26 0-16,-4 13 1 0,24-2-1 15,-22 3 0-15,3 2 9 0,25 3 1 16,-23-2-1-16,-5-1 0 0,34 6-9 16,-29 0 0-16,4 6-136 0,21 8 1 15,-33-14-1-15,4 5-28 0,21-2 136 0,-25-6 0 16,-19 3-92-16</inkml:trace>
+  <inkml:trace contextRef="#ctx0" brushRef="#br0" timeOffset="258.86">25022 3073 11 0,'0'0'0'0,"0"0"0"0,0 0 0 0,5 34 0 0,1 8 1 0,-6-20-1 0,0-22-9 0</inkml:trace>
+  <inkml:trace contextRef="#ctx0" brushRef="#br0" timeOffset="483.17">25022 3363 370 0,'11'28'0'0,"3"23"0"0,5 8 53 0,0-3 1 0,-8 0 0 0,3 3 0 0,3 9-54 0,19 53 0 0,-11-71 0 0,8 1 82 0,27 22 0 0,-29-48 1 0,-1-2-1 15,39-3-82-15,-38-26 0 0,-1-2 33 0,28-32 0 16,-30 18 0-16,-9-1 1 0,0-11-34 16,1-2 0-16,-1-6 0 0,-8-3 27 0,6-62 0 15,-15 50 0-15,-4-7 0 0,-7-63-27 0,-2 62 0 16,3 4 0-16,-3 1 0 0,-3-4 0 0,0-1 0 16,-11 3 0-16,-21-59 0 0,21 76 0 0,-8 6-8 15,-39-15 1-15,30 49-1 0,1 13 1 16,-50 34 7-16,46-14 0 0,7 15-104 15,-1 7 1-15,9-7 0 0,8-10 0 0,2 4 103 16,1 42 0-16,19-37 0 0,0-6-113 16,11 35-1-16,-3-40 1 0,-8-31-167 15</inkml:trace>
+  <inkml:trace contextRef="#ctx0" brushRef="#br0" timeOffset="933.39">25842 2735 11 0,'0'0'0'0,"0"0"0"0,0 0 37 0,0 0 0 0,-8 28 0 0,2-5 0 0,1 0-37 0,-6 10 0 15,3 4 0-15,2 5 166 0,0 3-1 0,4 3 1 16,7-12 0-16,9 7-166 0,11 35 0 16,-14-30 0-16,-3 3 103 0,20 45 1 15,-17-49-1-15,0 4 1 0,19 42-104 16,-13-57 0-16,5-2 90 0,-3 0-1 0,6-9 0 0,-5 1 2 16,4-12-91-16,4 0 0 0,2-14 0 0,-2 0 0 15,0-14 42-15,30-29 1 0,-39 15-1 16,6 0 1-16,14-37-43 0,-28 29 0 15,2-3-17-15,7-43 0 0,-12 40 0 16,0 0 1-16,-2-1 16 0,5-7 0 0,0 2 0 0,3 3-66 16,22-54 0-16,-20 57-1 0,4 6 2 15,18-40 65-15,-24 50 0 0,0-2-133 16,5 0 0-16,-13 14 1 0,-6 14-1 16,0 0 133-16,0 0 0 0,0 0-146 15,5 8 1-15,-5-2-1 0,3 3-44 0,8 5 145 16,-5 0 0-16,-6-14-95 0</inkml:trace>
+  <inkml:trace contextRef="#ctx0" brushRef="#br0" timeOffset="1318.28">26815 2865 617 0,'0'0'0'16,"0"0"0"-16,11-6 52 16,2 3 1-16,-13 3 1 0,6 9-1 15,-1-4-53-15,1 4 0 0,-3-6 0 0,2 8 87 0,1 3 1 16,-1 8 1-16,4 7-1 0,-4 4-88 0,14 60 0 15,-13-42 0-15,-3-1 71 0,5 49 2 16,-2-48-1-16,-1-9 0 0,12 37-72 16,-9-48 0-16,-8-3-17 0,8 19 1 15,-2-32-1-15,-1-7 1 0,1-8 16 16,-6 0 0-16,5-6 11 0,4-8 1 16,-1-3-1-16,3-11 1 0,8-42-12 0,-13 25 0 15,2-3-23-15,-2-39 0 0,-4 53 0 16,4 6 1-16,-1 0 22 0,-5 5 0 0,6 1 0 15,-6 8 5-15,3 0 0 0,2 0 0 0,1 5 0 16,-1-2-5-16,1 8 0 0,2-2 0 0,3-4 0 0,3 3-3 16,0 1 0-16,0 5 0 0,2 5 0 0,4 1 3 15,26 8 0-15,-26 0 0 0,-1 9-15 16,20 22 1-16,-20-20-1 0,-5 6 1 16,19 39 14-16,-19-36 0 0,3-3-105 0,5 39 2 15,-6-41-2-15,4-1 2 0,13 22 103 16,-14-27 0-16,0-1-146 0,20 12 2 15,-31-28-1-15,-8-6-198 0</inkml:trace>
+  <inkml:trace contextRef="#ctx0" brushRef="#br0" timeOffset="1883.38">27958 2851 336 0,'0'0'0'0,"0"0"0"0,-41 5 9 0,-23 9 1 0,26 3 0 0,2-3 0 0,-3 6-10 0,3 8 0 0,6-5 0 0,2 5 57 0,-22 28 1 15,25-19 1-15,3 8-1 0,-8 59-58 0,22-54 0 16,8 7 31-16,0 58 1 0,8-64 0 15,6 2 0-15,2 1-32 0,4-7 0 0,2-10 0 16,8-3 12-16,1-6 1 0,4-14 1 0,4-6-1 0,5-8-13 16,1-8 0-16,-7-6 0 0,1-6 0 0,-6-14 23 15,28-47 0-15,-34 33 0 0,1-11 0 16,11-62-23-16,-20 59 0 0,0 6 16 16,-5-9 1-16,0-5-1 0,5-3 1 0,1-6-17 15,16-90 0-15,-17 82 0 0,0-12-7 16,17-100 1-16,-19 97 0 0,-3 9 0 0,10-98 6 15,-10 107 0-15,-8 11 42 0,2-6 1 16,-2 25 0-16,-4 9 0 0,-2 12-43 0,0 10 0 16,-2 9 0-16,2 6 0 0,0 8-3 0,-20 22 0 15,15-13 0-15,-1 10 0 0,-8 37 3 16,6-13 0-16,3 16 19 0,-9 67 1 16,14-69-1-16,5 2 1 0,4-3-20 0,-4 14 0 15,-5 1 0-15,3 7 69 0,-6 86 2 16,-2-72-2-16,-6 1 1 0,2 3-70 0,-2 2 0 15,3 4 0-15,0 5-52 0,-12 98 0 16,9-121-1-16,0 1 2 0,3 2 51 0,0-22 0 16,5-9 0-16,3-14-153 0,-3-5 0 0,6-3 0 15,8-12 0-15,3-8 63 0,2-8-1 0,1-12 1 16,-1-8-1-16,-16 14-99 0</inkml:trace>
+  <inkml:trace contextRef="#ctx0" brushRef="#br0" timeOffset="2222.17">29453 1939 11 0,'0'0'0'0,"0"0"0"0,0 0 0 0,-34 28 1 16,7-11-1-16,-15 9 1 0,-52 38-1 0,59-36 0 0,7 0 129 0,3-5 1 0,0 11-1 0,-2 2 2 0,-4 7-131 0,-24 44 0 15,25-45 0-15,2 9 106 0,-19 64 0 16,28-48 1-16,8 7 0 0,-3-1-107 16,8 3 0-16,6 2 0 0,9 1 78 0,24 70-1 15,-11-87 0-15,5-3 0 0,40 40-77 16,-31-49 0-16,5 1-60 0,59 33 0 15,-45-47 0-15,8-3 0 0,6-6 60 0,0-6 0 16,-5-5 0-16,-1 3-169 0,7-12 1 0,-15 4 1 16,-11-9-1-16,-44-3-99 0</inkml:trace>
+  <inkml:trace contextRef="#ctx0" brushRef="#br0" timeOffset="2436.34">29826 2637 11 0,'0'0'0'0,"0"0"0"16,0 0 0-16,33-51 1 0,-31 32-1 0,-2 19-9 15</inkml:trace>
+  <inkml:trace contextRef="#ctx0" brushRef="#br0" timeOffset="2650.13">29919 2401 820 0,'0'0'0'0,"0"0"0"0,6-6 0 0,5 6 29 0,3-6 1 16,2 3 0-16,-2 3 0 16,-5 9-30-16,-4-3 0 0,1-4 0 0,-1 4 0 0,3 2 54 0,14 29 1 15,-2-12-1-15,5 12 1 0,30 36-55 16,-27-39 0-16,-4-3 10 0,32 36 0 0,-26-27 0 0,9-1 1 0,-6-2-11 0,0 5 0 15,-3 0 0-15,-5 3 15 0,3 3 0 0,-3-3 0 16,-3-3 1-16,-6 6-16 0,9 39 0 16,-16-39 0-16,-4-3-19 0,-13 53 0 15,8-55 0-15,0 2 1 0,-3 39 18 16,3-50 0-16,-3-6-201 0,1 9 2 0,4-9-1 16,1-6 0-16,3-8 153 0,-1 0 0 0,1-8-1 15,2 2 1-15,-8-8-100 0</inkml:trace>
+  <inkml:trace contextRef="#ctx0" brushRef="#br0" timeOffset="3050.06">30392 2631 11 0,'0'0'0'0,"0"0"0"0,0 0 0 16,0 0 1-16,16 34-1 0,-16-31 1 16,0 8-1-16,0-2 0 0,6-4 146 0,-1 9 1 15,-2-5-1-15,3-4 1 0,-4 18-147 16,-2-9 0-16,0 0 137 0,-2 23 2 15,-4-23-1-15,-2 14 1 0,2 3-139 0,-7 2 0 16,2 1 0-16,-3 3 82 0,-19 42 2 16,13-46-1-16,1 4 0 0,-6 33-83 15,11-30 0-15,3-1-3 0,-8 34 1 16,13-39 0-16,4-3 0 0,-4 39 2 16,1-36 0-16,-1 2-149 0,3 35 0 15,3-43 0-15,0-3-138 0,0 1 151 0,0-10-1 16,3-4 1-16,-3-12-114 0</inkml:trace>
+  <inkml:trace contextRef="#ctx0" brushRef="#br0" timeOffset="3735.1">30889 1877 11 0,'0'0'0'0,"0"0"0"0,0 0 0 0,30 20 1 0,-24-12-1 0,8 6 1 0,16 20-1 0,-8-20 0 0,9 0 84 15,40 15 1-15,-37-21 0 0,-4-2 0 0,36 16-85 0,-27-2 0 0,0 5 63 16,38 45 0-16,-30-27 1 0,5-1-1 16,56 65-63-16,-55-57 0 0,7 7 49 0,65 58 1 15,-59-53-1-15,-5-3 2 0,2 6-51 16,-10-3 0-16,-1 2 0 0,-5-2 29 0,20 73 1 15,-59-67-1-15,-16 2 1 0,-42 79-30 16,8-73 0-16,-10 6-142 0,-6 8 0 0,-8-11-1 16,2-6 2-16,64-73-125 0</inkml:trace>
+  <inkml:trace contextRef="#ctx0" brushRef="#br0" timeOffset="4983.54">24464 5470 11 0,'0'0'0'0,"0"0"0"0,0 0 6 0,0 0 0 0,0 0 0 0,0 0 0 0,0 0-6 15,0 0 0-15,0 0 113 0,0 0 2 0,0 0-1 0,0 0 0 0,0 0-114 0,0 0 0 0,0 0 73 16,0 0 0-16,0 0-1 0,0 0 2 15,-6 87-74-15,1-50 0 16,5 5 107-16,-3 48 1 0,3-45 1 0,3-3-1 16,2 3-108-16,-5 9 0 0,0 2 0 0,0 9 29 15,-5 64 1-15,2-70 0 0,0 3 0 16,-5 53-30-16,0-67 0 0,2-3 0 0,1-3 1 16,5-8-1-16,0-11 1 0,0-9-1 0,-6 0 0 15,6-14 0-15,6 0 0 0,-6-6 13 0,5-25 1 16,-5-5-1-16,6-12 1 0,7-65-14 15,-7 49 0-15,8-7-76 0,-6-2 0 16,3 3 1-16,-3-3 0 0,6-3 75 0,17-76 0 16,-12 73 0-16,6 3-61 0,22-67 0 15,-22 81 0-15,2 17 1 0,4-3 60 0,-9 11 0 16,3 1 0-16,-1 10 25 0,-4 4 0 16,5 5 0-16,0 3 1 15,2 0-26 1,1 8 0-16,2 12 0 15,-5-6 0-15,3 8-64 0,-1-2 0 0,4 8-1 0,-7-6 1 0,4 12 64 0,22 17 0 0,-31-23 0 0,-2 3-114 16,13 22 0-16,-11-17 0 0,-5 7 0 0,25 27 114 16,-14-34 0-16,2 7-28 0,23 16 0 15,-30-26 0-15,-20-19-84 0</inkml:trace>
+  <inkml:trace contextRef="#ctx0" brushRef="#br0" timeOffset="5400.78">25538 5400 493 0,'0'0'0'0,"0"0"0"0,0 0 35 0,-13 22 0 0,-1-8 0 0,-3 6 0 0,-22 31-35 0,17-21 0 0,0 4 61 0,-14 39 1 0,23-25 0 0,7 0 0 0,0 6-62 16,6 2 0-16,0 0 0 0,6 0 21 15,8 57 1-15,0-63 0 0,5 1 0 0,25 34-22 16,-24-49 0-16,4-8 7 0,43 17 0 16,-34-25 0-16,-3-14 1 0,42-4-8 15,-31-10 0-15,4-6 46 0,38-37 0 16,-53 17-1-16,0-8 1 0,1-3-46 16,-6-5 0-16,-3-4 0 0,-6-2 20 0,4-62 0 15,-20 61 0-15,-6 1 1 0,-27-70-21 16,14 67 0-16,-1-3-12 15,-32-48 1-15,27 62 0 16,-6-3 0-16,4 9 11 0,-6 11 0 0,0 12 0 0,2 5-11 0,-2 8 0 0,0 3 0 16,8 3 1-16,0 9 10 0,0-4 0 0,11 6 0 15,6 1 0-15,3-4-202 0,5 20 2 16,0-14-1-16,5 6-45 0,12 11 201 0,-6-11-1 16,-11-20-128-16</inkml:trace>
+  <inkml:trace contextRef="#ctx0" brushRef="#br0" timeOffset="5734.78">26185 5377 517 0,'0'0'0'0,"0"0"0"16,30 31-1-16,6 11 1 15,-22-19-1-15,-3 5 1 0,14 42 0 0,-6-28 0 0,-5 9 116 0,5 5 0 16,1 1 1-16,-1-4-1 0,6 3-116 0,27 48 0 16,-30-61 0-16,9-7 30 0,32 20 1 15,-38-41-1-15,3-7 1 0,21-8-31 16,-21-8 0-16,-3-7 91 0,0 1 2 16,2-14-1-16,7 0 0 0,-4-8-92 0,28-57 0 15,-30 36 0-15,-9 1-43 0,20-65 1 16,-20 57-1-16,0 2 1 0,-5 3 42 0,0 2 0 15,-3 15 0-15,3-3-114 0,0-3 2 0,2 12-1 16,-2-1 1-16,0 12 112 0,-9 2 0 0,9 9 0 16,5-3 0-16,1 12-135 0,-6-4 1 0,-1 6-1 15,1 3 2-15,-14 0-102 0</inkml:trace>
+  <inkml:trace contextRef="#ctx0" brushRef="#br0" timeOffset="6183.48">27582 5349 752 0,'0'0'0'16,"0"0"0"-16,6 39 21 0,0 15 0 15,-9-18-1-15,0 7 1 0,-16 44-21 0,10-37 0 0,4 7 117 16,-1 5 2-16,6 2-1 0,0 1 1 15,0 0-119-15,3 61 0 0,-6-69 0 16,3-12 25-16,-11 33 1 0,6-49-1 0,2-10 1 0,-11 4-26 16,14-23 0-16,0 0 19 0,3-23 1 15,2 1-1-15,1-6 1 0,-6-6-20 0,8-17 0 16,6-14 0-16,5-16-7 0,17-77 1 16,-16 85 0-16,-7 0 0 0,26-73 6 15,-17 81 0-15,3 6 0 0,0-3 1 0,0 17-1 16,-6 11 1-16,1 6-1 0,-1 6 0 0,-8 8 0 15,-3 5 0-15,-2 12-1 0,2 11 0 16,-2-8 0-16,-4 8 1 0,9 28 0 16,-5-6 0-16,2 7 41 0,9 58 2 15,-9-59-2-15,0 0 1 0,3 37-42 16,-2-45 0-16,2 2 26 0,0 1 0 0,-3 0 0 16,0-4 0-16,3 4-26 0,0-3 0 0,0-9 0 0,1 3 0 15,1-2-164-15,1 2-1 0,-3-14 0 0,0 0 1 16,3-6-6-16,-8-5 0 0,2 3 1 0,0-1-1 15,-8-5-128-15</inkml:trace>
+  <inkml:trace contextRef="#ctx0" brushRef="#br0" timeOffset="6734.16">28533 5642 898 0,'0'0'0'0,"0"0"0"0,0 0 81 16,0 0 2-16,0 0-1 0,-39-43 0 0,0 10-82 0,20 19 0 0,0 5 36 0,-25-5 1 15,21 14-1-15,1 6 1 0,-16 16-37 16,16-2 0-16,-6 11 54 0,3 5 0 0,0 18 0 16,11 5 1-16,3 6-55 0,11 75 0 15,6-81 0-15,-1 3-19 0,29 48 0 16,-21-57-1-16,4-8 1 0,19 40 19 15,-14-57 0-15,-3-8 30 0,23 11 0 16,-17-31-1-16,8 0 1 0,25-37-30 16,-36 1 0-16,3-12 19 0,0-14 0 0,8-3 0 15,0-2 0-15,3-4-19 0,36-92 0 16,-42 70 0-16,6 0 11 0,-3-11 0 0,3 0 0 16,-8 0 0-16,2-3-11 0,28-112 0 0,-33 117 0 15,2 1 19-15,-2-3 1 0,3 22 0 0,-3 12 0 16,2 8-20-16,-2 6 0 0,-5 17 0 0,-7 5 0 15,-2 20 7-15,-2 5 1 0,2 4-1 0,-8 5 1 16,-1 0-8-16,-4 33 0 0,2-4 0 0,-3 10 0 0,3 14 11 16,-14 82 1-16,8-61-1 0,1 4 1 15,-3 1-12-15,2 20 0 0,-2-7 0 0,0 7 34 16,-9 101 0-16,6-105 0 0,0 1 0 16,-3 0-34-16,6-3 0 0,-9-3 0 0,6-6-9 0,-14 82 0 15,14-101 0-15,0-9 0 16,-5 42 9-16,10-61 0 0,6-9-142 0,0 0 0 15,0-28 1-15,6 3-1 0,30-45 142 16,-12 5 0-16,12-13-152 0,6-9 0 16,-4-6 0-16,-4-3 1 0,-34 68-474 0</inkml:trace>
+  <inkml:trace contextRef="#ctx0" brushRef="#br0" timeOffset="6950.92">29820 4817 11 0,'0'0'0'0,"0"0"0"0,39-31 0 0,-14 6 1 0,-3 2-1 0,-9 1 1 0,-13 22-11 0</inkml:trace>
+  <inkml:trace contextRef="#ctx0" brushRef="#br0" timeOffset="7100.25">29751 4753 1101 0,'-3'5'0'0,"-5"23"0"15,-3 17 98-15,-6 3 1 16,1 3-1-16,-1 5 0 16,1 9-98-16,-15 78 0 0,15-64 0 0,7 5 62 0,-5 94 0 0,6-77-1 0,8 11 1 15,8 94-62-15,-2-119 0 0,8-14-17 16,25 62 1-16,-20-81-1 0,0-4 1 15,6-5 16-15,8-2 0 0,0-7 0 0,0 1-157 0,6 2 1 16,8-2-1-16,8-6 1 0,3 0 19 0,0 0 1 16,-2 2-1-16,-1 4 1 0,-55-37-242 0</inkml:trace>
+  <inkml:trace contextRef="#ctx0" brushRef="#br0" timeOffset="7727.74">30290 5628 11 0,'0'0'0'0,"0"0"0"0,0 0 0 0,0 0 1 0,0 0-1 0,0 0 1 0,41 0-1 0,-30-9 0 0,8 3 87 0,31-22 0 16,-19 6 1-16,2 2 0 0,25-31-88 16,-33 29 0-16,-1-3 74 0,10-18 2 15,-21 27-1-15,1 1 0 0,0 7-75 16,3-6 0-16,-9 0 0 0,3 8 55 0,-6 6 1 0,4 0-1 15,-1-5 1-15,0 2-56 0,9 17 0 16,-6 0 0-16,-3 8 96 0,14 38 1 16,-11-18-1-16,6 8 1 0,5 63-97 15,-11-62 0-15,0 2 37 0,-3 1-1 0,1 2 0 16,2 0 0-16,-8 0-36 0,8 65 0 16,-6-70 0-16,1 0 49 0,10 39 0 15,1-48 1-15,2-3-1 0,25 29-49 16,-22-37 0-16,3-3-130 0,3-9 1 0,-3-4-1 15,0-4 2-15,-1-8 128 0,21-6 0 0,-29-6 0 16,-5 1-177-16,9-34 0 16,-18 19 1-16,-2 23-249 15</inkml:trace>
+  <inkml:trace contextRef="#ctx0" brushRef="#br0" timeOffset="8033.3">31273 5279 584 0,'0'0'0'0,"0"0"0"16,0 0 0-16,0 0-6 0,0 0 1 0,0 0 0 0,0 0 0 15,0 0 5-15,-50 64 0 0,25-36 0 0,-2 3 150 0,-31 45 1 16,19-31-1-16,3 9 2 0,-41 47-152 15,38-42 0-15,1 3 79 0,-4-3 1 0,1 3-1 16,-4-6 1-16,1 3-80 0,-47 62 0 16,47-59 0-16,2-8 29 0,-32 56 2 15,41-68-2-15,-6-3 1 0,9 0-30 0,2-8 0 16,0-8 0-16,6-12-150 0,6-2 2 0,10-15-1 16,6-2 0-16,6-9-9 0,21-45-1 15,-7 20 1-15,-20 42-242 0</inkml:trace>
+  <inkml:trace contextRef="#ctx0" brushRef="#br0" timeOffset="8517.06">31580 6339 741 0,'0'0'0'0,"0"0"0"0,0 0-98 0,30 0 0 0,-24 9-1 0,-6-4 2 0,-6 4 97 0,0-1 0 0,-2 6 131 0,0 6 2 0,-6 0-2 0,-2 5 2 0,-4 9-133 0,1 8 0 0,8-5 0 16,-3-4 0-16,3-2 114 0,-14 34 2 15,17-31-1-15,-6-1 1 0,-11 32-116 0,17-34 0 16,2 3-30-16,-19 11 0 0,17-25 0 16,5-15 1-16,1 4 29 0,2-9 0 15,-6 3-204-15,1-3 1 0,5 0-1 16,0 0-47-16,2-3 204 0,1-3 0 16,-3 6-151-16</inkml:trace>
+  <inkml:trace contextRef="#ctx0" brushRef="#br0" timeOffset="9334.81">32259 5186 685 0,'0'0'0'0,"0"0"0"0,0 0 0 0,39-6-34 0,-14 1 1 0,0 2-1 0,-3-6 1 0,-3 9 33 0,0 9 0 0,1-1 0 0,-1-2 0 0,-2 2 146 0,-1 1 2 0,4 10-2 0,4 1 2 0,7 11-148 0,24 39 0 0,-36-27 0 0,-2-7 82 15,2 43 1-15,-16-31-1 0,0 2 0 0,-9 52-82 16,-10-46 0-16,-1-5 42 0,-5 2 1 15,-6 6-1-15,-2-8 1 0,-6 5-43 0,-41 45 0 16,38-53 0-16,-5-6 40 0,-39 37 0 16,50-48 0-16,0-6 2 0,-31 15-42 15,37-26 0-15,7-3-1 0,-24-5 0 16,33-9 0-16,8-6 0 0,-16-21 1 16,11 10 0-16,2-3 15 15,1-41 1-15,10 24 0 16,9-5 0-16,-6-11-16 0,9 5 0 0,5 9 0 0,8 0 5 0,-5-3 1 15,0 17-1-15,-3 0 1 0,3 8-6 0,0 0 0 0,-3 9 0 16,-3 5 0-16,1 6 1 0,-1 0 1 0,0 6 0 16,1-3 0-16,-1 2-2 0,-3 4 0 0,7 11 0 15,4-6 0-15,9 2-58 0,-3 4 0 0,-8 3 1 16,3-1 0-16,-1 4 57 0,29 24 0 0,-29-33 0 16,9 8-49-16,33 12 0 0,-38-31-1 15,-1-4 1-15,22-4 49 0,-27 2 0 16,-5-6-176-16,-4-8-1 0,1 0 0 0,2 0 1 0,3-6 59 15,-5-2 1-15,-1-7-1 0,1-2 1 0,-17 31-101 16</inkml:trace>
+  <inkml:trace contextRef="#ctx0" brushRef="#br0" timeOffset="9627.75">32776 4632 11 0,'0'0'0'0,"0"0"0"0,0 0 0 0,38 5 0 0,20 9 1 0,-33 0-1 0,-25-14-9 0</inkml:trace>
+  <inkml:trace contextRef="#ctx0" brushRef="#br0" timeOffset="9700.06">33107 4859 1112 0,'14'29'0'0,"14"27"0"0,-1 14 98 0,-2-11 2 0,-6 3-1 0,-2 3 0 0,0 2-99 0,-6 80 0 0,-14-69 0 0,-5 1 68 0,-12 0 0 0,4 5-1 0,-4-2 1 0,-2 2-68 0,-27 80 0 0,21-74 0 0,-2-3 78 0,2-3-1 0,0-11 0 0,3 3 2 15,6-5-79-15,-28 67 0 0,25-74 0 16,0-2-114-16,-22 48 1 0,24-68-1 15,1-5 1-15,-31 25 113 0,23-40 0 0,27-22-1228 16</inkml:trace>
+</inkml:ink>
+</file>
+
+<file path=ppt/ink/ink4.xml><?xml version="1.0" encoding="utf-8"?>
+<inkml:ink xmlns:inkml="http://www.w3.org/2003/InkML">
+  <inkml:definitions>
+    <inkml:context xml:id="ctx0">
+      <inkml:inkSource xml:id="inkSrc0">
+        <inkml:traceFormat>
+          <inkml:channel name="X" type="integer" max="19200" units="cm"/>
+          <inkml:channel name="Y" type="integer" max="11776" units="cm"/>
+          <inkml:channel name="F" type="integer" max="4096" units="dev"/>
+          <inkml:channel name="T" type="integer" max="2.14748E9" units="dev"/>
+        </inkml:traceFormat>
+        <inkml:channelProperties>
+          <inkml:channelProperty channel="X" name="resolution" value="635.7616" units="1/cm"/>
+          <inkml:channelProperty channel="Y" name="resolution" value="623.06879" units="1/cm"/>
+          <inkml:channelProperty channel="F" name="resolution" value="0" units="1/dev"/>
+          <inkml:channelProperty channel="T" name="resolution" value="1" units="1/dev"/>
+        </inkml:channelProperties>
+      </inkml:inkSource>
+      <inkml:timestamp xml:id="ts0" timeString="2024-09-18T21:52:46.702"/>
+    </inkml:context>
+    <inkml:brush xml:id="br0">
+      <inkml:brushProperty name="width" value="0.05292" units="cm"/>
+      <inkml:brushProperty name="height" value="0.05292" units="cm"/>
+      <inkml:brushProperty name="color" value="#FF0000"/>
+    </inkml:brush>
+  </inkml:definitions>
+  <inkml:trace contextRef="#ctx0" brushRef="#br0">22157 3315 381 0,'0'0'0'0,"0"0"0"0,0 0 14 0,0 0 1 0,-3 25 0 0,3-25 0 0,-5-3-15 0,5 3 0 0,0 0-44 0,0 0 1 0,0 0-1 0,0-2 1 0,3-4 43 0,2 3 0 0,1-2-38 0,5-10 1 0,3 7 0 0,-1-6 1 0,32-14 36 0,-23 17 0 0,8 2 4 15,28-13 1-15,-33 16-1 0,0 6 1 0,30 0-5 0,-22 6 0 0,3-4 96 0,41 10 2 0,-38-9-1 0,5 2 1 0,45 15-98 0,-40-17 0 0,-2 2 61 0,56 4 0 16,-45-4 0-16,5-5 2 0,67 0-63 16,-69 0 0-16,8 0 60 0,66-5 1 0,-63-4 0 15,-3 1 0-15,61-20-61 0,-75 16 0 16,0 1-92-16,-8-3 1 0,-8 3-2 0,-3 2 2 0,-8 1 91 16,-6-3 0-16,-3 2 0 0,-2 1 0 0,-4 2-100 15,-7-2-1-15,2 2 1 0,3 1-1 0,-11 5-83 16</inkml:trace>
+  <inkml:trace contextRef="#ctx0" brushRef="#br0" timeOffset="399.76">22950 3436 517 0,'0'0'0'16,"0"0"0"-16,0 0 58 0,0 0 0 15,0 0 0-15,17 34 1 0,-17-6-59 16,0-14 0-16,2-6 87 0,15 26 0 15,-12-11 0-15,1-1 1 0,-1 1-88 0,1 2 0 16,-3-3 0-16,2 9 82 0,-5 3 1 0,-5-6 1 16,2 3-1-16,-3 3-83 0,-7 36 0 15,7-28 0-15,-5 1 6 0,-11 52 0 0,11-41 0 16,0 11 1-16,0-9-7 0,0 3 0 0,-3-3 0 16,0 0-22-16,3-5 0 0,-3-6 0 0,3-3 0 15,3-2 22-15,-6 24 0 0,9-41 0 0,5-15-132 16,0 4 1-16,2-4-1 0,-2-8-599 15</inkml:trace>
+  <inkml:trace contextRef="#ctx0" brushRef="#br0" timeOffset="832.89">23547 4204 404 0,'0'0'0'16,"0"0"0"-16,0 0 32 0,0 0 1 15,0 0 0-15,0 0 1 0,0 0-34 16,0 0 0-16,0 0 44 0,0 0 1 16,0 0 0-16,-33 22 0 0,-1-2-45 15,15-6 0-15,0 9 37 0,-1-4 1 0,4 10-1 16,2 1 1-16,6 4-38 0,-6 3 0 0,8-1 0 15,1 7 0-15,-3-1 37 0,2 51 1 16,9-51-1-16,8 3 1 0,8 36-38 16,0-44 0-16,1-9 93 0,38 17 0 15,-25-25 0-15,6-12 0 0,44 6-93 0,-45-14 0 16,1-8 51-16,33-20 0 0,-45 8 1 16,-7 3-1-16,16-39-51 0,-23 28 0 0,-7 0 33 15,2-6 1-15,-2 3-1 0,-12-6 1 16,1 4-34-16,-4-4 0 0,-4 3 0 0,7-2 0 0,-5 2-2 15,-8-34 1-15,10 29 0 0,-4 2 0 16,-18-36 1-16,12 45 0 0,-6 9-159 16,-36-4 0-16,28 23-1 0,-3 17-172 0,-47 45 159 15,34-20 1-15,49-42-253 0</inkml:trace>
+  <inkml:trace contextRef="#ctx0" brushRef="#br0" timeOffset="1716.31">25939 4390 775 0,'0'0'0'0,"0"0"0"0,0 0 69 0,0 0 1 0,0 0-1 0,0 0 2 0,-31-9-71 0,23 4 0 0,-3 5 58 0,-16-23 1 0,2 9 0 0,0 0 1 0,-30-23-60 0,30 23 0 15,0 0 70-15,-22-11 1 0,22 22 0 0,-5 3 1 0,-28 14-72 16,30 0 0-16,-5 9 38 0,-6 5 0 16,6 3 0-1,8 3 1-15,-5 8-39 0,2 3 0 0,-2 3 0 0,2 2 0 0,3 1 35 16,-13 53 2-16,24-59-1 0,8 3 0 0,1 31-36 15,5-51 0-15,5 0 14 0,26 14 0 16,-18-28 0-16,7-5 1 0,30-9-15 16,-17-9 0-16,5-5 8 0,48-28 0 15,-47 8 0-15,5 3 1 0,41-53-9 16,-38 27 0-16,3-2-17 0,-6-2 0 0,3-4 0 0,0 0 0 16,3 3 17-16,41-67 0 0,-47 50 0 15,-5 0-29-15,-6-5 0 0,3-1 0 0,0 4 0 16,-3-4 29-16,25-86 0 0,-36 78 0 15,-5 9 0-15,13-80 0 0,-24 100 0 0,-3 7 1 16,-3 7-1-16,-3 16 0 0,-8 12 0 0,-3 16 8 16,0 6 1-16,3 0-1 0,-3 0 0 0,0 11-8 15,-19 20 0-15,8-3 0 0,-8 14 13 16,-25 57 0-16,42-57 0 0,2-5 0 16,-14 58-13-16,17-47 0 0,3 8 21 0,2 1 1 15,-2-1-1-15,5 3 1 0,6-3-22 0,0 65 0 16,-3-56 0-16,5-6-22 0,1 73 0 15,-6-61 0-15,0-7 0 0,-6 1 22 16,6 5 0-16,-8-2 0 0,3 2-141 0,-15 77 1 16,6-69-1-16,-2-5 1 0,-3-2 140 15,10-1 0-15,-2-14 0 0,6 3-154 0,2-8 1 16,3-14 0-16,0-9 0 0,0-28-362 0</inkml:trace>
+  <inkml:trace contextRef="#ctx0" brushRef="#br0" timeOffset="2183.12">26911 4162 11 0,'0'0'0'0,"0"0"0"0,0 0 0 0,-8 42 1 0,2-28-1 0,1-8 1 0,-9 8-1 0,11-6 0 0,3-8 0 0,-5 9 1 0,-6-1-1 0,2 6 1 16,4 0-1-16,-9 6 0 0,-2 8 0 0,-7 9 42 16,-1 5 0-16,1 0 0 0,4 0 0 0,0 0-42 15,-20 46 0-15,20-38 0 0,2 6 99 0,-5 51 0 16,17-59 0-16,-1-3 1 15,6 3-100-15,6-9 0 0,-1 1 0 0,9-4 145 0,3-7 2 16,-1-1-2-16,-2-11 2 0,5-6-147 0,1-3 0 16,-4-2 0-16,1-6 0 0,-3 0 92 0,2-6 1 15,3-8-1-15,9-6 0 0,8-2-92 0,30-43 0 16,-41 29 0-16,-6-15 49 0,17-56 0 16,-19 51-1-16,2-6 1 0,-5-3-49 0,-6 6 0 15,3-6 0-15,-5 9 30 0,8-56 0 16,-9 67 1-16,-5 2-1 0,0-32-30 15,-16 52 0-15,-1 9-147 0,-44 20 1 16,20 10-1-16,-17 21-109 0,-11 5 147 0,-6 9-1 16,3-3 2-16,72-48-513 0</inkml:trace>
+  <inkml:trace contextRef="#ctx0" brushRef="#br0" timeOffset="3066.31">29748 3107 561 0,'0'0'0'0,"0"0"0"0,0 0 47 0,-14 45 0 0,9-26 0 0,-6-5 0 0,-6 6-47 0,9-9 0 0,5 1 103 0,-8 16-1 0,3-6 1 0,-3 12-1 0,-14 45-102 15,14-28 0-15,0 5 57 0,-3 0 0 0,-3 12 1 16,-2 2-1-16,0 6-57 0,-28 84 0 16,16-70 0-16,1 9 55 0,0-6 0 0,-6-1 1 15,5 1-1-15,4 0-55 0,-29 79 0 0,37-102 0 16,0-5 17-16,-1 42 0 0,12-62 0 15,5-6 1-15,1-11-18 0,-1-5 0 0,0-9 0 16,3-9-156-16,3-10 1 0,0-1-1 16,2-2-145-16,23-34 156 0,-6-1 1 15,-22 43-323-15</inkml:trace>
+  <inkml:trace contextRef="#ctx0" brushRef="#br0" timeOffset="3366.21">30273 4004 156 0,'0'0'0'16,"0"0"0"-16,0 0 132 15,47 31 0-15,-41-20 1 0,-6-2-1 0,-3 11-132 16,3-12 0-16,0-2 94 0,0 8 0 15,-3 8-1-15,0 6 2 0,-8 37-95 16,3-28 0-16,0 5 81 0,-1 0 0 0,1-5 1 16,0-1 0-16,2-2-82 0,-5-3 0 0,6 3 0 15,2 2 0-15,-8 4-17 0,-6 33 0 16,9-45 0-16,0 0 0 0,-6 23 17 16,8-29 0-16,4-2-112 0,-1 8 2 15,0-20-2-15,3-8-628 0</inkml:trace>
+  <inkml:trace contextRef="#ctx0" brushRef="#br0" timeOffset="3833.26">31334 3925 651 0,'0'0'0'0,"0"0"0"0,0 0 0 0,0 0 102 15,-69 23 1-15,41-17-1 0,0 2 1 16,-27 12-103-16,33-6 0 0,3 0 107 0,-17 17 1 16,14-17 0-16,-6 0 0 15,-30 28-108-15,36-22 0 0,5 2 76 0,-5 15 0 16,17-17-1-16,5-6 2 0,11 8-77 15,0 1 0-15,3 5 0 0,5 0 1 0,3 3 0 16,0-3 0-16,0 6-1 0,3 0 0 0,0 2 0 16,-3 1 0-16,-2 5 0 0,15 31 0 15,-21-34 0-15,-8 1 1 0,-3 36-1 16,-9-40 0-16,-5-2 29 0,-19 31 0 16,10-29 0-16,-5-2 1 0,-2 3-30 0,-1-6 0 15,-2-3 0-15,-1-3 7 0,4 0 0 0,-12 1 0 16,-8-9 0-16,3-3-7 0,-9-3 0 0,4-3 0 0,-1-8 0 15,0-5-21-15,-2-4 0 0,8-5 0 0,5-5 1 16,9-7 20-16,-23-36 0 0,36 20 0 16,9-3-180-16,5-62 0 0,12 54 1 15,5-6-184-15,-1 2 182 0,12-7-1 0,3-1 0 0,-28 65-130 16</inkml:trace>
+  <inkml:trace contextRef="#ctx0" brushRef="#br0" timeOffset="4183.08">31812 3107 504 0,'0'0'0'0,"0"0"0"0,0 0 0 0,0 0 39 0,25 22-1 0,-23-16 0 0,-2 11 1 0,-8 22-39 0,0-11 0 0,-1 9 144 0,-4 47 0 16,7-39 1-16,-2-3-1 0,-6 57-144 16,8-40 0-16,4 3 80 0,-1 73-1 15,3-68 0-15,3 4 1 0,11 78-80 16,-14-76 0-16,2 9 49 0,4-4 1 0,-1 1 0 16,1-8 0-16,-1 2-50 0,6 67 0 15,-5-75 0-15,-3 0-6 0,5 56 0 16,-5-71 0-16,2-7 1 0,1-7 5 0,-6-2 0 15,0-3 0-15,-3-6-170 0,0-2-1 0,1-18 0 0,-1 4 2 16,0-18 3-16,-8 4 0 0,3-9 1 0,-1-6 0 16,9 20-125-16</inkml:trace>
+  <inkml:trace contextRef="#ctx0" brushRef="#br0" timeOffset="4449.46">31055 3819 921 0,'0'0'0'0,"0"0"0"0,0 0 0 0,27 0 85 16,-13 8 2-16,6-2-2 0,10-6 1 0,3 8-86 16,6-2 0-16,8-4 0 0,2 4 0 0,4 0 78 0,2 2-1 15,6 1 0-15,2-4 1 0,4 1-78 0,2 2 0 16,8-2 0-16,1 5 0 0,2 0-13 0,85 3 1 15,-79-5-1-15,2-3 0 0,75 2 13 16,-102-8 0-16,-3 6-217 0,44-6-1 16,-57 2 0-16,-12-2-91 0,-3-2 216 0,-11 2 1 15,-7 0 1-15,-12 0-123 0</inkml:trace>
+</inkml:ink>
+</file>
+
+<file path=ppt/ink/ink5.xml><?xml version="1.0" encoding="utf-8"?>
+<inkml:ink xmlns:inkml="http://www.w3.org/2003/InkML">
+  <inkml:definitions>
+    <inkml:context xml:id="ctx0">
+      <inkml:inkSource xml:id="inkSrc0">
+        <inkml:traceFormat>
+          <inkml:channel name="X" type="integer" max="19200" units="cm"/>
+          <inkml:channel name="Y" type="integer" max="11776" units="cm"/>
+          <inkml:channel name="F" type="integer" max="4096" units="dev"/>
+          <inkml:channel name="T" type="integer" max="2.14748E9" units="dev"/>
+        </inkml:traceFormat>
+        <inkml:channelProperties>
+          <inkml:channelProperty channel="X" name="resolution" value="635.7616" units="1/cm"/>
+          <inkml:channelProperty channel="Y" name="resolution" value="623.06879" units="1/cm"/>
+          <inkml:channelProperty channel="F" name="resolution" value="0" units="1/dev"/>
+          <inkml:channelProperty channel="T" name="resolution" value="1" units="1/dev"/>
+        </inkml:channelProperties>
+      </inkml:inkSource>
+      <inkml:timestamp xml:id="ts0" timeString="2024-09-18T21:54:47.735"/>
+    </inkml:context>
+    <inkml:brush xml:id="br0">
+      <inkml:brushProperty name="width" value="0.05292" units="cm"/>
+      <inkml:brushProperty name="height" value="0.05292" units="cm"/>
+      <inkml:brushProperty name="color" value="#FF0000"/>
+    </inkml:brush>
+  </inkml:definitions>
+  <inkml:trace contextRef="#ctx0" brushRef="#br0">22019 2552 11 0,'0'0'0'0,"0"0"0"0,0 0 0 0,33-14 1 0,-22 9-1 0,3 2 1 0,5-11-1 0,-10 8 0 15,2 3 0-15,5-11 1 0,-5 9-1 0,3-1 1 0,0 3-1 0,-3-2 0 0,0-4 0 0,3 9 75 0,-6 0 1 0,3 0 0 0,3-5 1 0,-6-4-77 0,3 4 0 0,3-1 0 0,3 3 0 16,-1-2 61-16,1 10 0 0,2-5 0 0,-5-5 1 0,5 5-62 0,-5-9 0 0,3 9 0 0,2 0 0 0,3 0 79 0,-2-6 0 16,-1 4 1-16,-5 2 0 0,5 0-80 0,6 0 0 0,-6 0 0 0,1 0 0 0,-1 0 72 0,0 0 1 0,1 2-1 0,-1 4 0 0,6-6-72 0,0 3 0 0,5 3 0 0,6-6 0 0,5 5 7 0,1-5 1 0,5-5 0 0,-9 5 0 15,7-9-8-15,7 1 0 0,-8 2 0 0,3-2 0 0,0-4 50 0,3 4 1 0,2-1-1 0,6-2 0 0,-5 3-50 0,-1-6 0 0,18 0 0 0,-7-6 0 0,9 3-18 0,63-20 0 16,-68 23 0-16,2-5 1 0,58-18 17 0,-72 23 0 16,-8 0-26-16,44-14 0 0,-50 19-1 0,-5-2 1 0,39-3 26 0,-39 11 0 0,0-2-43 0,36 5 0 15,-34-9 0-15,-10 4 1 0,35 2 42 16,-38-3 0-16,-3-2-180 0,14-6 0 0,-22 14 1 15,-14 0-43-15,0-14 179 0,0 8 1 16,0 6-116-16</inkml:trace>
+  <inkml:trace contextRef="#ctx0" brushRef="#br0" timeOffset="525.87">23359 2493 640 0,'0'0'0'0,"0"0"0"0,14 40 0 0,16 13 1 0,-22-30-1 0,3-4 1 0,-5 32-1 0,-3-23 0 15,2 9 131-15,-10 28 0 0,5-32 0 16,0 7 0-16,-3 2-131 0,0 6 0 0,0-3 0 16,-2 8 64-16,-9 62 2 15,8-50-1-15,-2-3 0 0,-8 68-65 16,2-66 0-16,0-5 24 0,-5 3 0 0,5-6 0 0,8-5 0 16,1-9-24-16,-6 1 0 0,8-7 0 0,-3-16 0 0,6-6-104 15,0 0 0-15,0-14-1 0,0 0 1 16,6-3 104-16,-3 0 0 0,2-5 0 0,1 2-181 15,-1-2 1-15,15-18 1 0,5-10-1 0,8-15 180 16,30-50 0-16,-35 62 0 16,-6 8-50-16,22-34 0 0,-19 37-1 15,-25 28-125-15</inkml:trace>
+  <inkml:trace contextRef="#ctx0" brushRef="#br0" timeOffset="933.76">23958 3371 685 0,'0'0'0'16,"0"0"0"-16,0 0 33 0,0 0 1 15,28 34 1-15,-28-26-1 0,0 6-34 16,0 1 0-16,-6-1 99 0,4 22 0 16,4-13 1-16,4 10 0 0,-1 4-100 0,-2 5 0 15,0-8 0-15,0 3 71 0,-3-9-1 0,0 8 0 16,0-2 0-16,5 3-70 0,4 22 0 15,-4-31 0-15,3 0 51 0,17 28 0 0,-8-33-1 16,2-4 1-16,28 18-51 0,-19-23 0 16,10 0 29-16,40 0 0 0,-45-19 0 15,-3 2 2-15,28-17-31 0,-33 6 0 16,-6-6-13-16,15-22 0 0,-29 17-1 16,-2-3 2-16,-6-1 12 0,-2-10 0 0,-9 0 0 0,0-9 16 15,-27-53 1-15,18 53-1 0,-1 3 0 16,-29-48-16-16,28 51 0 0,0 2 15 15,-22-27 0-15,28 39 0 0,-6 8 0 16,-16-17-15-16,24 29 0 0,3 8-78 0,-19 3 0 16,14 8 1-16,0 3 0 0,-20 31 77 15,8-11 0-15,4 8-105 0,-26 37 1 16,34-51-1-16,19-28-848 0</inkml:trace>
+  <inkml:trace contextRef="#ctx0" brushRef="#br0" timeOffset="1716.93">25149 3498 235 0,'0'0'0'0,"0"0"0"0,0 0-44 0,0 0 1 0,0 0-1 0,0 0 1 0,0 0 43 0,0 0 0 16,0 0 133-16,-19 28 2 0,5-3-2 0,-3 15 2 0,-2 2-135 0,5 0 0 0,6-5 0 0,5-1 154 0,-3 43 2 0,-5-28-1 0,0 10 0 0,-8 77-155 15,0-62 0-15,-1 3 26 0,1 5 1 16,5-2 0-16,-5 2 0 0,-1 6-27 16,-13 82 0-16,17-93 0 0,-1-9 58 0,1 3 0 15,5-16 0-15,2-15 1 0,6-11-59 0,1-6 0 16,-1-8 0-16,0-3 0 0,3-8-9 0,0-6 1 0,0 0-1 16,6-6 1-16,-6-2 8 0,11-49 0 15,-3-2 0-15,9-22-18 0,2-7 0 0,0 1 0 16,-2 3 0-16,2-3 18 0,23-110 0 15,-23 90 0-15,3-9-8 0,3-2 1 0,3 17 0 16,2 3 0-16,9 10 7 0,27-69 0 16,-41 86 0-16,0 10 34 0,19-41 1 0,-17 66-1 15,-4 13 2-15,21-11-36 0,-25 29 0 16,0 10 12-16,15 18 1 0,-18-9-1 16,4 6 1-16,7 36-13 0,-8-14 0 15,6 12 15-15,-5-1 0 0,-1-2 0 0,3-1 0 16,3 7-15-16,16 35 0 0,-30-49 0 15,-5-12-6-15,0 30 0 0,-12-30 0 0,-2-2 1 16,-23 18 5-16,12-33 0 0,-3 1 60 16,-33-1 1-16,21-14 1 15,1 0-1-15,-38-6-61 16,37-8 0-16,9-6-86 0,-24-25-1 0,32 11 1 0,6 3 1 0,-3-8 85 16,9 8 0-16,-6 3 0 0,8 0-132 15,3-3 2-15,0 11-2 0,0-2 2 0,0 22-638 0</inkml:trace>
+  <inkml:trace contextRef="#ctx0" brushRef="#br0" timeOffset="2966.88">27475 3554 11 0,'0'0'0'0,"0"0"0"0,0 0 0 0,0 0 1 0,0 0-1 0,-39 25 1 0,3-25-1 0,17-2 0 0,-1 2 118 0,-18-9 0 0,18 6 1 0,1 0-1 0,-33-16-118 16,27 16 0-16,-8-3 132 0,-31 12 0 15,31-3 1-15,14 5-1 0,-37 18-132 16,29-10 0-16,-1 4 35 0,3 3-1 0,9 2 0 16,-1 6 0-16,-2 3-34 0,2 2 0 0,3-2 0 15,6 5 0-15,3 1 42 0,-4 47 0 16,9-45 0-16,0 0 1 0,9 40-43 15,-4-48 0-15,9-12 2 0,19 18 1 16,-16-26 0-16,2-6 0 16,31-5-3-16,-28-6 0 0,0-11 25 0,33-37 1 0,-22 12 0 15,0-6 0-15,-5-3-26 0,5-5 0 0,-2-1 0 16,-4 1 2-16,23-79 1 0,-25 61 0 16,0-2 0-16,22-93-3 0,-20 82 0 0,4-1-23 15,27-98 0-15,-25 91 0 0,3-4 1 16,36-87 22-16,-39 104 0 0,3 6-10 15,0-3 1-15,-12 26-1 0,1 5 1 0,-3 11 9 16,-2 0 0-16,-9 20 0 0,-3 0 0 0,-8 14 53 16,-6 11 1-16,4-2 0 0,-1-1 0 0,0 12-54 15,-8 50 0-15,3-11 0 0,-9 26 25 16,-13 97-1-16,19-108 0 0,-6 4 0 16,-16 94-24-16,17-82 0 0,-4 6 36 15,-18 92 0-15,15-92 0 0,1 2 0 0,-30 88-36 16,33-110 0-16,-1 3-36 0,-16 56 0 15,22-71 0-15,3-13 0 0,0 0 36 16,3-9 0-16,5-8 0 0,3-9-90 0,0 0 0 16,0-11 0-16,3-5 0 0,5-4 90 0,20-24 0 15,-9-1 0-15,9-2-211 0,41-57 0 16,-30 34-1-16,-1-11 1 0,54-65 211 16,-59 64 0-16,5 1-56 0,1 0 0 0,0 5 0 15,-6 9 0-15,6-3 56 0,30-31 0 16,-42 45 0-16,-2 11-33 0,14-8 0 15,-20 14 0-15,-11 8 1 0,9 4 32 16,-9 2 0-16,-8 0 39 0,6 14 1 16,-6-14 0-16,0 8 0 0,0 1-40 0,0 10 0 0,-11 9 0 15,2 15 152-15,-7-1 1 0,-1-3-2 0,-5 1 2 16,0 2-153-16,-28 51 0 0,31-48 0 16,2 11 90-16,-13 42 1 0,16-53 1 15,9 3-1-15,-6-6-91 0,8-2 0 0,3-6 0 16,5-1 60-16,4-5 2 0,-4-5-2 0,9-3 1 0,-3 2-61 15,3-8 0-15,5 0 0 0,3-5 0 0,9-1 67 16,-1 3 2-16,6-11-1 0,0-5 0 0,5-9-68 16,4 0 0-16,-4-6 0 0,-2-3 0 0,-3-7 25 15,30-46 0-15,-41 31 1 0,-6-12 0 16,6-55-26-16,-17 55 0 0,-2-2 18 0,-6-5 1 16,0 10-1-16,-9 4 1 0,-2 5-19 0,-5-9 0 15,-6 18 0-15,-6 5 0 0,-8 11 9 0,-44-11 0 16,39 25 0-16,-6 6 0 0,-6 0-9 15,6 6 0-15,6 5 0 0,2 9-54 0,0 0 1 16,9-6-2-16,2 0 2 0,12 3 53 0,-3-3 0 0,5-3 0 16,3-3 0-16,2-8-149 0,9 0 0 0,-2 6 0 15,2-6 1-15,0 0 148 0,0 0 0 0,5 0 0 16,1-3 0-16,2 0-181 0,3 3 0 0,22-11 1 16,11 0-1-16,9-9 126 0,55-16 1 15,-70 22-1-15,-38 14-119 0</inkml:trace>
+  <inkml:trace contextRef="#ctx0" brushRef="#br0" timeOffset="3469.65">28403 3608 11 0,'22'-9'0'0,"14"-5"0"0,-3 0 0 0,20-9 1 0,-29 15-1 0,-1 2 1 0,12-2-1 16,-29 8 0-16,-6 0 115 0,0 8 0 15,0-8 1-15,5 9 0 0,-2 19-116 16,-6 0 0-16,1 6 160 0,-4 2 0 0,-2 9-1 0,0-2 2 16,-3 4-161-16,-14 38 0 0,16-40 0 15,-7 3 95-15,-12 39 2 0,20-39-2 16,2-3 1-16,-2 39-96 0,8-53 0 15,8 3 44-15,-8-6 0 0,11 0 0 0,6-11 0 0,5 3-44 16,0-6 0-16,6-9 0 0,2-5 0 0,9-5-33 16,38-23 1-16,-38 5 0 0,0-5 0 15,41-42 32-15,-44 27 0 0,-3 1-7 16,33-53 0-16,-33 41 0 0,3 1 1 0,-5-4 6 16,-1 1 0-16,0 6 0 0,1-7-10 0,21-36 1 15,-33 57-1-15,-5 11 1 0,0-6 9 16,-8 19 0-16,-12 18-5 0,-5 14 1 15,8-6 0-15,-5 0 0 0,0 3 4 16,-12 30 0-16,-2 10 0 0,-8 10-6 0,-25 74 0 16,35-85 0-16,1 0 0 0,-14 46 6 15,22-52 0-15,5-2 29 0,4-3 0 0,10-5 0 16,-8-4 2-16,11-8-31 0,0 0 0 0,5-5 0 16,-4-9 0-16,1 0 31 0,4-5 0 0,2-1 0 15,3-2 0-15,6-6-31 0,0-6 0 0,5-2 0 16,5-9 0-16,7-3 29 0,46-36 0 15,-53 19 0-15,-4-14 1 0,40-55-30 16,-46 52 0-16,2-5 18 0,-2 3 1 0,-6-9-1 16,0 3 1-16,-11 3-19 0,6-62 0 15,-15 70 0-15,-4 9-36 0,-15-31 1 16,6 48-2-16,-8 16 2 0,-20 1 35 0,25 2 0 16,-5 6-164-16,-14 6 0 0,13-6 0 15,4 3-171-15,-12 2 164 0,12-10 0 16,16 5-250-16</inkml:trace>
+  <inkml:trace contextRef="#ctx0" brushRef="#br0" timeOffset="4050.31">30074 3768 11 0,'0'0'0'0,"0"0"0"0,0 0 0 0,31 25 79 0,-12-5 0 0,0-6 0 0,-11 0 1 0,4 0-80 0,-7 20 0 0,-2-12 0 0,0 1 67 0,-6 27 1 0,-3-10 0 0,4 11 0 0,-12 50-68 16,8-65 0-16,-5-2 47 0,3 3 1 0,2-9-1 16,1 0 2-16,-1 0-49 0,4-5 0 0,-4-9 0 15,6 0 0-15,0-9 29 16,0-5 0-16,0 0 0 0,0 3 1 0,0-3-30 0,6-8 0 0,-1-1 0 0,9-5 99 15,11-36 1-15,-6 7-1 16,9-18 2-16,35-60-101 0,-32 70 0 16,-1-5 22-16,3-1 1 0,6-10-1 0,2-3 1 15,3-9-23-15,48-70 0 0,-45 92 0 0,-6 1 50 16,36-28 0-16,-49 67 1 0,-6 17-1 16,17 14-50-16,-20-11 0 0,-8 8 42 15,17 28 0-15,-9-11 0 0,0 12 1 16,15 39-43-16,-23-37 0 0,-3-3-45 0,-3 3 0 15,1 6 0-15,-1 3 1 0,-2-3 44 0,-3 67 0 16,-5-45 0-16,-4 1-172 0,-7 2 1 16,-1 0 0-16,-5 3 0 0,-5-6 30 0,-1 9 2 15,3-14-2-15,0 0 2 0,25-65-118 0</inkml:trace>
+  <inkml:trace contextRef="#ctx0" brushRef="#br0" timeOffset="5118.83">24270 6775 718 0,'0'0'0'0,"0"0"0"0,0 0 27 0,0 0 1 0,0 0-1 0,0 0 1 16,0 0-28-16,0 0 0 0,0 0 0 0,0 0 70 0,0 0 1 0,0 0 1 0,0 0-1 0,0 0-71 0,0 0 0 0,-19-42 0 0,0 20 0 0,-6-12 43 0,-3 3 1 0,3 3 0 0,6 5 1 0,-6 9-45 15,-22-5 0-15,22 13 0 0,-2 6 22 16,-4 6 0-16,-2-1 0 0,0 9 0 0,-3 9-22 0,0-1 0 16,6 6 0-16,-3 1 0 0,8 4-11 0,-28 35 1 15,34-29-1-15,0 1 1 16,-1 50 10-16,9-45 0 0,9 8-27 0,2-2 1 16,2-9-1-16,4 3 1 0,5-3 26 0,3 0 0 15,5-8 0-15,0-6 0 0,6-2 6 0,3-1 1 0,8-11 0 16,5-6 0-16,3-8-7 0,1-5 0 15,2-4 0-15,-3-5 0 0,0-8-2 0,50-54 0 16,-44 25 0-16,-3-8 0 0,49-76 2 16,-52 65 0-16,9-1-14 0,35-97 0 15,-46 78 0-15,-6-6 1 0,44-112 13 16,-42 92 0-16,1-5-14 0,38-121 1 16,-38 116 0-16,3 2 0 0,2-3 13 0,0 29 0 15,-5 2 0-15,-1 12-10 0,34-51 0 0,-53 95 0 16,-5 29 0-16,-8 6 10 15,2 27 0-15,-11 15 71 0,-2 5 1 0,-3 14 1 0,2 6-1 16,0 17-72-16,-7 101 0 0,13-82 0 16,0 1 39-16,-6 109 1 0,6-107 0 15,-8 6 1-15,-11 104-41 0,7-115 0 16,-1-1 43-16,-12 91 1 0,11-99 0 16,3 1 0-16,-11 66-44 0,22-83 0 0,0-12-44 15,0-3 0-15,0-8 0 0,5-6 1 0,4-14 43 16,2-3 0-16,2-10 0 0,1-4 0 0,0-17-106 15,3-2 1-15,2-12-1 0,3-8 2 0,-22 28-741 0</inkml:trace>
+  <inkml:trace contextRef="#ctx0" brushRef="#br0" timeOffset="5600.96">25480 6376 336 0,'0'0'0'0,"0"0"0"0,39 8-63 0,25 15-1 0,-31-12 1 0,-11-2 0 0,16 19 63 15,-15-14 0-15,4 0 70 0,31 5 0 16,-27-7 1-16,7 2 0 0,4 5-71 0,2-4 0 0,-5-7 0 15,-6-2 176-15,0-1 0 0,-3-2 1 16,-2-3 0-16,-9-3-177 0,-2-2 0 0,-6-4 0 0,-3-2 0 16,0 2 34-16,-2-21 1 0,-3 10 0 15,-3-8 0-15,-3-45-35 0,-3 30 0 0,-2-4 16 16,-14-55 1-16,8 52-1 0,0 2 1 16,-5-3-17-16,5 15 0 0,-5 2 0 0,0 3 26 15,-1 6 0-15,1 16-1 0,0 1 1 0,-6 8-26 16,3 8 0-16,2 1 0 0,9 2 0 0,-3 3 74 15,-10 45 0-15,4-17 1 0,6 14 0 16,-10 68-75-16,29-59 0 0,3 2 45 16,3 7 0-16,6-13 1 0,0 4 0 0,2 0-46 0,20 56 0 15,-20-65 0-15,3-2-44 0,33 41-1 16,-30-58 1-16,8-1 0 0,34 12 44 16,-32-25 0-16,1-15-204 0,36-2 0 15,-33-12 1-15,0-8-132 0,49-28 205 16,-47 19-2-16,-41 23-224 0</inkml:trace>
+  <inkml:trace contextRef="#ctx0" brushRef="#br0" timeOffset="5999.88">27610 5979 1213 0,'0'0'0'0,"0"0"0"0,0 0 0 0,0 0 88 0,0 0-1 15,0 0 0-15,17-31 2 0,-28 31-89 0,2 0 0 0,-10 0 0 0,0 3 0 0,-1 3 56 0,-10 2 0 0,2 3 0 0,-8 3 1 0,1 1-57 0,-4-1 0 0,3 8 0 16,6-2 0-16,7 5 30 0,-10 29 0 0,19-26-1 0,6 3 1 16,3 42-30-16,5-34 0 0,2 6 0 15,9 3 1-15,-2 3-1 0,2-4 1 0,-3 4-1 16,6 5 0-16,2-5 0 0,4-9 0 0,-1 3 6 15,14 45 0-15,-27-48 0 0,-6-5 1 16,-6 33-7-16,-5-39 0 0,-5-3 6 0,-29 23 1 16,18-26-1-16,-1 1 1 0,-2-1-7 15,-9-8 0-15,-5 3 0 0,-6-6 41 0,3 0 0 16,-11 3 1-16,3 2-1 0,0-5-41 0,-9 3 0 16,17-14 0-16,9-9 0 0,4-8-95 0,-12-36 1 15,34 16 0-15,10-11-1 0,16-59 95 16,-3 50 0-16,13 1-201 0,-1-6-1 0,12 3 0 15,-4-6 0-15,-31 62-505 0</inkml:trace>
+  <inkml:trace contextRef="#ctx0" brushRef="#br0" timeOffset="6317.03">28248 6176 798 0,'0'0'0'0,"0"0"0"16,31 14 23-16,-1 17 0 0,-19-6 0 16,-3 1 0-16,1 41-23 0,-7-36 0 0,-2 6 134 15,-2 2-1-15,-4 12 1 0,1-6 0 0,-4 8-134 16,-13 54 0-16,6-48 0 15,-4 3 68-15,-24 59 2 0,25-67-2 16,-1 2 1-16,1-3-69 0,0-2 0 0,-1-6 0 0,1-3-43 16,0 0 0-16,2-13 0 0,9-7-1 0,2-8 44 15,1-5 0-15,5-9 0 0,0 0 0 0,11-15-164 0,19-30 0 16,-5 3 0-16,-25 42-613 0</inkml:trace>
+  <inkml:trace contextRef="#ctx0" brushRef="#br0" timeOffset="6933.69">29262 6367 1213 0,'0'0'0'16,"0"0"0"-16,28-19 88 0,-1-4-1 16,-21 9 0-16,-6 3 2 0,-11-6-89 15,2 9 0-15,1 2 62 0,-17-8 0 16,0 5 0-16,-8 4 1 0,-50-9-63 15,45 19 0-15,2 4 39 0,-39 25 0 16,37-12 0-16,2 6 0 0,-33 37-39 0,30-23 0 16,3 3 36-16,3 6 1 0,5 5 1 15,1 0-1-15,2 6-37 0,-19 59 0 0,30-67 0 16,5-1-5-16,7 40 0 0,4-51 0 16,10-5 1-16,23 19 4 0,-10-33 0 0,8-9-7 15,31-9 1-15,-31-10 0 0,6-9 0 16,44-29 6-16,-47 7 0 0,-1-1-8 15,40-61 1-15,-39 50 0 0,-3-6-1 16,0 1 8-16,0-6 0 0,1 3 0 0,-4-9-6 16,20-50 0-16,-31 67 0 0,0 6 0 15,9-29 6-15,-25 49 0 0,0 13 38 0,-3 1-1 16,0 8 0-16,0 0 0 0,-14 50-37 16,3-7 0-16,-9 16 30 0,-18 95 0 15,24-66 0-15,0 5 0 0,3 5-30 16,-3 9 0-16,9 8 0 0,-4 12 67 0,-4 123-1 15,4-129 0-15,1 9 1 0,0-1-67 16,-6-25 0-16,-3-11 0 0,-2-9 16 0,-28 65-1 16,22-92 0-16,-3-12 1 0,-21 25-16 15,21-47 0-15,6-15 23 0,-25-2 0 16,25-12 0-16,0-2 0 0,-14-43-23 16,25 17 0-16,-6-11-41 0,6-8 0 0,11-1 0 15,3-8-1-15,11-2 42 0,25-77 0 16,-9 73 0-16,9-2-62 0,41-59 1 15,-42 67-1-15,4 11 0 0,5-5 62 0,-9 5 0 16,1 3 0-16,3 3-149 0,-1 3-1 0,-2-3 1 0,-3 3-1 16,0 3 150-16,27-34 0 0,-35 30 0 15,-1 7-231-15,23-35 1 0,-28 38-1 16,-22 33-525-16</inkml:trace>
+  <inkml:trace contextRef="#ctx0" brushRef="#br0" timeOffset="7337.75">29994 6697 11 0,'0'0'0'0,"0"0"0"0,0 0 0 0,53-9 0 0,-20 4 1 0,-8-1-1 0,-6 3 1 0,-14 6-1 0,1 3 0 0,-6-6 0 0,8 5 0 0,-8-5 126 16,3 3 2-16,-3 3-2 0,0 8 2 0,0 0-128 15,-3 31 0-15,-2-11 0 0,2 2 156 0,-3 54 1 16,1-53-1-16,-1-4 1 16,-7 46-157-16,-1-28 0 0,-3 0 144 0,1-4 0 15,5-2 0-15,-3-2 0 0,8-13-144 0,-5 4 0 16,3-14 0-16,0-6 0 0,5-6 45 0,3-8 2 15,0 0-2-15,-3 3 1 0,3-3-46 0,0 0 0 0,6-11 0 16,7-3 0-16,1-6 17 0,33-59 0 16,-11 18 0-16,8-7 0 0,47-78-17 15,-57 87 0-15,-1 8-65 0,-6-5 1 0,4-9-2 16,-9 0 2-16,3 3 64 0,24-67 0 16,-21 67 0-16,2 6 14 0,23-40 1 15,-34 68 0-15,-8 14 0 0,17-6-15 16,-25 18 0-16,-3 10 28 0,2 14-1 15,7-2 0-15,-1 17 0 0,0-3-27 0,-5 19 0 16,-6 3 0-16,-2 20 70 0,-6 76 1 16,5-76 0-16,-2-3 0 0,-9 82-71 15,9-82 0-15,0 6-5 0,2 0 0 0,-2-3 0 16,2-6 1-16,1 3 4 0,-9 54 0 16,9-77 0-16,2-7-144 0,-5 21 2 0,5-47-2 15,-6-6 2-15,7-11 142 16</inkml:trace>
+  <inkml:trace contextRef="#ctx0" brushRef="#br0" timeOffset="7399.37">30477 7729 1425 0,'-24'-34'-149'0,"-7"-16"1"15,-2-9-1-15,33 59-586 0</inkml:trace>
+  <inkml:trace contextRef="#ctx0" brushRef="#br0" timeOffset="7578.15">27660 5324 11 0,'0'0'0'16,"0"0"0"-16,0 0 0 0,0 0-9 0</inkml:trace>
+</inkml:ink>
 </file>
 
 <file path=ppt/notesMasters/notesMaster1.xml><?xml version="1.0" encoding="utf-8"?>
@@ -5698,6 +6741,90 @@
     </a:lvl9pPr>
   </p:notesStyle>
 </p:notesMaster>
+</file>
+
+<file path=ppt/notesSlides/notesSlide1.xml><?xml version="1.0" encoding="utf-8"?>
+<p:notes xmlns:a="http://schemas.openxmlformats.org/drawingml/2006/main" xmlns:r="http://schemas.openxmlformats.org/officeDocument/2006/relationships" xmlns:p="http://schemas.openxmlformats.org/presentationml/2006/main">
+  <p:cSld>
+    <p:spTree>
+      <p:nvGrpSpPr>
+        <p:cNvPr id="1" name=""/>
+        <p:cNvGrpSpPr/>
+        <p:nvPr/>
+      </p:nvGrpSpPr>
+      <p:grpSpPr>
+        <a:xfrm>
+          <a:off x="0" y="0"/>
+          <a:ext cx="0" cy="0"/>
+          <a:chOff x="0" y="0"/>
+          <a:chExt cx="0" cy="0"/>
+        </a:xfrm>
+      </p:grpSpPr>
+      <p:sp>
+        <p:nvSpPr>
+          <p:cNvPr id="2" name="Slide Image Placeholder 1"/>
+          <p:cNvSpPr>
+            <a:spLocks noGrp="1" noRot="1" noChangeAspect="1"/>
+          </p:cNvSpPr>
+          <p:nvPr>
+            <p:ph type="sldImg"/>
+          </p:nvPr>
+        </p:nvSpPr>
+        <p:spPr/>
+      </p:sp>
+      <p:sp>
+        <p:nvSpPr>
+          <p:cNvPr id="3" name="Notes Placeholder 2"/>
+          <p:cNvSpPr>
+            <a:spLocks noGrp="1"/>
+          </p:cNvSpPr>
+          <p:nvPr>
+            <p:ph type="body" idx="1"/>
+          </p:nvPr>
+        </p:nvSpPr>
+        <p:spPr/>
+        <p:txBody>
+          <a:bodyPr/>
+          <a:lstStyle/>
+          <a:p>
+            <a:endParaRPr lang="en-AU" dirty="0"/>
+          </a:p>
+        </p:txBody>
+      </p:sp>
+      <p:sp>
+        <p:nvSpPr>
+          <p:cNvPr id="4" name="Slide Number Placeholder 3"/>
+          <p:cNvSpPr>
+            <a:spLocks noGrp="1"/>
+          </p:cNvSpPr>
+          <p:nvPr>
+            <p:ph type="sldNum" sz="quarter" idx="5"/>
+          </p:nvPr>
+        </p:nvSpPr>
+        <p:spPr/>
+        <p:txBody>
+          <a:bodyPr/>
+          <a:lstStyle/>
+          <a:p>
+            <a:fld id="{2F9F5347-3E6A-4C40-928A-729612897D4A}" type="slidenum">
+              <a:rPr lang="en-AU" smtClean="0"/>
+              <a:t>48</a:t>
+            </a:fld>
+            <a:endParaRPr lang="en-AU"/>
+          </a:p>
+        </p:txBody>
+      </p:sp>
+    </p:spTree>
+    <p:extLst>
+      <p:ext uri="{BB962C8B-B14F-4D97-AF65-F5344CB8AC3E}">
+        <p14:creationId xmlns:p14="http://schemas.microsoft.com/office/powerpoint/2010/main" val="1301015587"/>
+      </p:ext>
+    </p:extLst>
+  </p:cSld>
+  <p:clrMapOvr>
+    <a:masterClrMapping/>
+  </p:clrMapOvr>
+</p:notes>
 </file>
 
 <file path=ppt/slideLayouts/slideLayout1.xml><?xml version="1.0" encoding="utf-8"?>
@@ -18393,6 +19520,57 @@
           </a:fontRef>
         </p:style>
       </p:cxnSp>
+      <mc:AlternateContent xmlns:mc="http://schemas.openxmlformats.org/markup-compatibility/2006">
+        <mc:Choice xmlns:p14="http://schemas.microsoft.com/office/powerpoint/2010/main" Requires="p14">
+          <p:contentPart p14:bwMode="auto" r:id="rId2">
+            <p14:nvContentPartPr>
+              <p14:cNvPr id="11" name="Ink 10">
+                <a:extLst>
+                  <a:ext uri="{FF2B5EF4-FFF2-40B4-BE49-F238E27FC236}">
+                    <a16:creationId xmlns:a16="http://schemas.microsoft.com/office/drawing/2014/main" id="{1B370A92-7AB6-99F8-D29C-AC0156043C26}"/>
+                  </a:ext>
+                </a:extLst>
+              </p14:cNvPr>
+              <p14:cNvContentPartPr/>
+              <p14:nvPr/>
+            </p14:nvContentPartPr>
+            <p14:xfrm>
+              <a:off x="7319160" y="1533600"/>
+              <a:ext cx="4218840" cy="3654720"/>
+            </p14:xfrm>
+          </p:contentPart>
+        </mc:Choice>
+        <mc:Fallback>
+          <p:pic>
+            <p:nvPicPr>
+              <p:cNvPr id="11" name="Ink 10">
+                <a:extLst>
+                  <a:ext uri="{FF2B5EF4-FFF2-40B4-BE49-F238E27FC236}">
+                    <a16:creationId xmlns:a16="http://schemas.microsoft.com/office/drawing/2014/main" id="{1B370A92-7AB6-99F8-D29C-AC0156043C26}"/>
+                  </a:ext>
+                </a:extLst>
+              </p:cNvPr>
+              <p:cNvPicPr/>
+              <p:nvPr/>
+            </p:nvPicPr>
+            <p:blipFill>
+              <a:blip r:embed="rId3"/>
+              <a:stretch>
+                <a:fillRect/>
+              </a:stretch>
+            </p:blipFill>
+            <p:spPr>
+              <a:xfrm>
+                <a:off x="7309800" y="1524240"/>
+                <a:ext cx="4237560" cy="3673440"/>
+              </a:xfrm>
+              <a:prstGeom prst="rect">
+                <a:avLst/>
+              </a:prstGeom>
+            </p:spPr>
+          </p:pic>
+        </mc:Fallback>
+      </mc:AlternateContent>
     </p:spTree>
     <p:extLst>
       <p:ext uri="{BB962C8B-B14F-4D97-AF65-F5344CB8AC3E}">
@@ -20644,6 +21822,57 @@
           </a:p>
         </p:txBody>
       </p:sp>
+      <mc:AlternateContent xmlns:mc="http://schemas.openxmlformats.org/markup-compatibility/2006">
+        <mc:Choice xmlns:p14="http://schemas.microsoft.com/office/powerpoint/2010/main" Requires="p14">
+          <p:contentPart p14:bwMode="auto" r:id="rId2">
+            <p14:nvContentPartPr>
+              <p14:cNvPr id="3" name="Ink 2">
+                <a:extLst>
+                  <a:ext uri="{FF2B5EF4-FFF2-40B4-BE49-F238E27FC236}">
+                    <a16:creationId xmlns:a16="http://schemas.microsoft.com/office/drawing/2014/main" id="{38AF0BF5-8D76-603F-A8D4-401D9B2517E9}"/>
+                  </a:ext>
+                </a:extLst>
+              </p14:cNvPr>
+              <p14:cNvContentPartPr/>
+              <p14:nvPr/>
+            </p14:nvContentPartPr>
+            <p14:xfrm>
+              <a:off x="4772520" y="1423440"/>
+              <a:ext cx="4121280" cy="3711240"/>
+            </p14:xfrm>
+          </p:contentPart>
+        </mc:Choice>
+        <mc:Fallback>
+          <p:pic>
+            <p:nvPicPr>
+              <p:cNvPr id="3" name="Ink 2">
+                <a:extLst>
+                  <a:ext uri="{FF2B5EF4-FFF2-40B4-BE49-F238E27FC236}">
+                    <a16:creationId xmlns:a16="http://schemas.microsoft.com/office/drawing/2014/main" id="{38AF0BF5-8D76-603F-A8D4-401D9B2517E9}"/>
+                  </a:ext>
+                </a:extLst>
+              </p:cNvPr>
+              <p:cNvPicPr/>
+              <p:nvPr/>
+            </p:nvPicPr>
+            <p:blipFill>
+              <a:blip r:embed="rId3"/>
+              <a:stretch>
+                <a:fillRect/>
+              </a:stretch>
+            </p:blipFill>
+            <p:spPr>
+              <a:xfrm>
+                <a:off x="4763160" y="1414080"/>
+                <a:ext cx="4140000" cy="3729960"/>
+              </a:xfrm>
+              <a:prstGeom prst="rect">
+                <a:avLst/>
+              </a:prstGeom>
+            </p:spPr>
+          </p:pic>
+        </mc:Fallback>
+      </mc:AlternateContent>
     </p:spTree>
     <p:extLst>
       <p:ext uri="{BB962C8B-B14F-4D97-AF65-F5344CB8AC3E}">
@@ -20845,15 +22074,15 @@
                 <a:buAutoNum type="arabicPeriod"/>
               </a:pPr>
               <a:r>
-                <a:rPr lang="en-CA"/>
+                <a:rPr lang="en-CA" dirty="0"/>
                 <a:t>Evaluate </a:t>
               </a:r>
               <a:r>
-                <a:rPr lang="en-CA" b="1"/>
+                <a:rPr lang="en-CA" b="1" dirty="0"/>
                 <a:t>Y</a:t>
               </a:r>
               <a:r>
-                <a:rPr lang="en-CA"/>
+                <a:rPr lang="en-CA" dirty="0"/>
                 <a:t> to gets it value.</a:t>
               </a:r>
             </a:p>
@@ -20863,37 +22092,37 @@
                 <a:buAutoNum type="arabicPeriod"/>
               </a:pPr>
               <a:r>
-                <a:rPr lang="en-CA"/>
+                <a:rPr lang="en-CA" dirty="0"/>
                 <a:t>Put a copy of </a:t>
               </a:r>
               <a:r>
-                <a:rPr lang="en-CA" b="1"/>
+                <a:rPr lang="en-CA" b="1" dirty="0"/>
                 <a:t>Y</a:t>
               </a:r>
               <a:r>
-                <a:rPr lang="en-CA"/>
+                <a:rPr lang="en-CA" dirty="0"/>
                 <a:t>’s value into variable </a:t>
               </a:r>
               <a:r>
-                <a:rPr lang="en-CA" b="1"/>
+                <a:rPr lang="en-CA" b="1" dirty="0"/>
                 <a:t>X</a:t>
               </a:r>
               <a:br>
-                <a:rPr lang="en-CA"/>
+                <a:rPr lang="en-CA" dirty="0"/>
               </a:br>
               <a:r>
-                <a:rPr lang="en-CA"/>
-                <a:t>(over-writing a value already in </a:t>
+                <a:rPr lang="en-CA" dirty="0"/>
+                <a:t>(over-writing the value already in </a:t>
               </a:r>
               <a:r>
-                <a:rPr lang="en-CA" b="1"/>
+                <a:rPr lang="en-CA" b="1" dirty="0"/>
                 <a:t>X</a:t>
               </a:r>
               <a:r>
-                <a:rPr lang="en-CA"/>
+                <a:rPr lang="en-CA" dirty="0"/>
                 <a:t>).</a:t>
               </a:r>
-              <a:endParaRPr lang="en-AU"/>
+              <a:endParaRPr lang="en-AU" dirty="0"/>
             </a:p>
           </p:txBody>
         </p:sp>
@@ -21196,15 +22425,15 @@
                 <a:buAutoNum type="arabicPeriod"/>
               </a:pPr>
               <a:r>
-                <a:rPr lang="en-CA"/>
+                <a:rPr lang="en-CA" dirty="0"/>
                 <a:t>Evaluate </a:t>
               </a:r>
               <a:r>
-                <a:rPr lang="en-CA" b="1"/>
+                <a:rPr lang="en-CA" b="1" dirty="0"/>
                 <a:t>Y</a:t>
               </a:r>
               <a:r>
-                <a:rPr lang="en-CA"/>
+                <a:rPr lang="en-CA" dirty="0"/>
                 <a:t> to gets it value.</a:t>
               </a:r>
             </a:p>
@@ -21214,37 +22443,37 @@
                 <a:buAutoNum type="arabicPeriod"/>
               </a:pPr>
               <a:r>
-                <a:rPr lang="en-CA"/>
+                <a:rPr lang="en-CA" dirty="0"/>
                 <a:t>Put a copy of </a:t>
               </a:r>
               <a:r>
-                <a:rPr lang="en-CA" b="1"/>
+                <a:rPr lang="en-CA" b="1" dirty="0"/>
                 <a:t>Y</a:t>
               </a:r>
               <a:r>
-                <a:rPr lang="en-CA"/>
+                <a:rPr lang="en-CA" dirty="0"/>
                 <a:t>’s value into variable </a:t>
               </a:r>
               <a:r>
-                <a:rPr lang="en-CA" b="1"/>
+                <a:rPr lang="en-CA" b="1" dirty="0"/>
                 <a:t>X</a:t>
               </a:r>
               <a:br>
-                <a:rPr lang="en-CA"/>
+                <a:rPr lang="en-CA" dirty="0"/>
               </a:br>
               <a:r>
-                <a:rPr lang="en-CA"/>
-                <a:t>(over-writing a value already in </a:t>
+                <a:rPr lang="en-CA" dirty="0"/>
+                <a:t>(over-writing the value already in </a:t>
               </a:r>
               <a:r>
-                <a:rPr lang="en-CA" b="1"/>
+                <a:rPr lang="en-CA" b="1" dirty="0"/>
                 <a:t>X</a:t>
               </a:r>
               <a:r>
-                <a:rPr lang="en-CA"/>
+                <a:rPr lang="en-CA" dirty="0"/>
                 <a:t>).</a:t>
               </a:r>
-              <a:endParaRPr lang="en-AU"/>
+              <a:endParaRPr lang="en-AU" dirty="0"/>
             </a:p>
           </p:txBody>
         </p:sp>
@@ -21830,15 +23059,15 @@
                 <a:buAutoNum type="arabicPeriod"/>
               </a:pPr>
               <a:r>
-                <a:rPr lang="en-CA"/>
+                <a:rPr lang="en-CA" dirty="0"/>
                 <a:t>Evaluate </a:t>
               </a:r>
               <a:r>
-                <a:rPr lang="en-CA" b="1"/>
+                <a:rPr lang="en-CA" b="1" dirty="0"/>
                 <a:t>Y</a:t>
               </a:r>
               <a:r>
-                <a:rPr lang="en-CA"/>
+                <a:rPr lang="en-CA" dirty="0"/>
                 <a:t> to gets it value.</a:t>
               </a:r>
             </a:p>
@@ -21848,37 +23077,37 @@
                 <a:buAutoNum type="arabicPeriod"/>
               </a:pPr>
               <a:r>
-                <a:rPr lang="en-CA"/>
+                <a:rPr lang="en-CA" dirty="0"/>
                 <a:t>Put a copy of </a:t>
               </a:r>
               <a:r>
-                <a:rPr lang="en-CA" b="1"/>
+                <a:rPr lang="en-CA" b="1" dirty="0"/>
                 <a:t>Y</a:t>
               </a:r>
               <a:r>
-                <a:rPr lang="en-CA"/>
+                <a:rPr lang="en-CA" dirty="0"/>
                 <a:t>’s value into variable </a:t>
               </a:r>
               <a:r>
-                <a:rPr lang="en-CA" b="1"/>
+                <a:rPr lang="en-CA" b="1" dirty="0"/>
                 <a:t>X</a:t>
               </a:r>
               <a:br>
-                <a:rPr lang="en-CA"/>
+                <a:rPr lang="en-CA" dirty="0"/>
               </a:br>
               <a:r>
-                <a:rPr lang="en-CA"/>
-                <a:t>(over-writing a value already in </a:t>
+                <a:rPr lang="en-CA" dirty="0"/>
+                <a:t>(over-writing the value already in </a:t>
               </a:r>
               <a:r>
-                <a:rPr lang="en-CA" b="1"/>
+                <a:rPr lang="en-CA" b="1" dirty="0"/>
                 <a:t>X</a:t>
               </a:r>
               <a:r>
-                <a:rPr lang="en-CA"/>
+                <a:rPr lang="en-CA" dirty="0"/>
                 <a:t>).</a:t>
               </a:r>
-              <a:endParaRPr lang="en-AU"/>
+              <a:endParaRPr lang="en-AU" dirty="0"/>
             </a:p>
           </p:txBody>
         </p:sp>
@@ -22563,15 +23792,15 @@
                 <a:buAutoNum type="arabicPeriod"/>
               </a:pPr>
               <a:r>
-                <a:rPr lang="en-CA"/>
+                <a:rPr lang="en-CA" dirty="0"/>
                 <a:t>Evaluate </a:t>
               </a:r>
               <a:r>
-                <a:rPr lang="en-CA" b="1"/>
+                <a:rPr lang="en-CA" b="1" dirty="0"/>
                 <a:t>Y</a:t>
               </a:r>
               <a:r>
-                <a:rPr lang="en-CA"/>
+                <a:rPr lang="en-CA" dirty="0"/>
                 <a:t> to gets it value.</a:t>
               </a:r>
             </a:p>
@@ -22581,37 +23810,37 @@
                 <a:buAutoNum type="arabicPeriod"/>
               </a:pPr>
               <a:r>
-                <a:rPr lang="en-CA"/>
+                <a:rPr lang="en-CA" dirty="0"/>
                 <a:t>Put a copy of </a:t>
               </a:r>
               <a:r>
-                <a:rPr lang="en-CA" b="1"/>
+                <a:rPr lang="en-CA" b="1" dirty="0"/>
                 <a:t>Y</a:t>
               </a:r>
               <a:r>
-                <a:rPr lang="en-CA"/>
+                <a:rPr lang="en-CA" dirty="0"/>
                 <a:t>’s value into variable </a:t>
               </a:r>
               <a:r>
-                <a:rPr lang="en-CA" b="1"/>
+                <a:rPr lang="en-CA" b="1" dirty="0"/>
                 <a:t>X</a:t>
               </a:r>
               <a:br>
-                <a:rPr lang="en-CA"/>
+                <a:rPr lang="en-CA" dirty="0"/>
               </a:br>
               <a:r>
-                <a:rPr lang="en-CA"/>
-                <a:t>(over-writing a value already in </a:t>
+                <a:rPr lang="en-CA" dirty="0"/>
+                <a:t>(over-writing the value already in </a:t>
               </a:r>
               <a:r>
-                <a:rPr lang="en-CA" b="1"/>
+                <a:rPr lang="en-CA" b="1" dirty="0"/>
                 <a:t>X</a:t>
               </a:r>
               <a:r>
-                <a:rPr lang="en-CA"/>
+                <a:rPr lang="en-CA" dirty="0"/>
                 <a:t>).</a:t>
               </a:r>
-              <a:endParaRPr lang="en-AU"/>
+              <a:endParaRPr lang="en-AU" dirty="0"/>
             </a:p>
           </p:txBody>
         </p:sp>
@@ -23635,15 +24864,15 @@
                 <a:buAutoNum type="arabicPeriod"/>
               </a:pPr>
               <a:r>
-                <a:rPr lang="en-CA"/>
+                <a:rPr lang="en-CA" dirty="0"/>
                 <a:t>Evaluate </a:t>
               </a:r>
               <a:r>
-                <a:rPr lang="en-CA" b="1"/>
+                <a:rPr lang="en-CA" b="1" dirty="0"/>
                 <a:t>Y</a:t>
               </a:r>
               <a:r>
-                <a:rPr lang="en-CA"/>
+                <a:rPr lang="en-CA" dirty="0"/>
                 <a:t> to gets it value.</a:t>
               </a:r>
             </a:p>
@@ -23653,37 +24882,37 @@
                 <a:buAutoNum type="arabicPeriod"/>
               </a:pPr>
               <a:r>
-                <a:rPr lang="en-CA"/>
+                <a:rPr lang="en-CA" dirty="0"/>
                 <a:t>Put a copy of </a:t>
               </a:r>
               <a:r>
-                <a:rPr lang="en-CA" b="1"/>
+                <a:rPr lang="en-CA" b="1" dirty="0"/>
                 <a:t>Y</a:t>
               </a:r>
               <a:r>
-                <a:rPr lang="en-CA"/>
+                <a:rPr lang="en-CA" dirty="0"/>
                 <a:t>’s value into variable </a:t>
               </a:r>
               <a:r>
-                <a:rPr lang="en-CA" b="1"/>
+                <a:rPr lang="en-CA" b="1" dirty="0"/>
                 <a:t>X</a:t>
               </a:r>
               <a:br>
-                <a:rPr lang="en-CA"/>
+                <a:rPr lang="en-CA" dirty="0"/>
               </a:br>
               <a:r>
-                <a:rPr lang="en-CA"/>
-                <a:t>(over-writing a value already in </a:t>
+                <a:rPr lang="en-CA" dirty="0"/>
+                <a:t>(over-writing the value already in </a:t>
               </a:r>
               <a:r>
-                <a:rPr lang="en-CA" b="1"/>
+                <a:rPr lang="en-CA" b="1" dirty="0"/>
                 <a:t>X</a:t>
               </a:r>
               <a:r>
-                <a:rPr lang="en-CA"/>
+                <a:rPr lang="en-CA" dirty="0"/>
                 <a:t>).</a:t>
               </a:r>
-              <a:endParaRPr lang="en-AU"/>
+              <a:endParaRPr lang="en-AU" dirty="0"/>
             </a:p>
           </p:txBody>
         </p:sp>
@@ -24466,15 +25695,15 @@
                 <a:buAutoNum type="arabicPeriod"/>
               </a:pPr>
               <a:r>
-                <a:rPr lang="en-CA"/>
+                <a:rPr lang="en-CA" dirty="0"/>
                 <a:t>Evaluate </a:t>
               </a:r>
               <a:r>
-                <a:rPr lang="en-CA" b="1"/>
+                <a:rPr lang="en-CA" b="1" dirty="0"/>
                 <a:t>Y</a:t>
               </a:r>
               <a:r>
-                <a:rPr lang="en-CA"/>
+                <a:rPr lang="en-CA" dirty="0"/>
                 <a:t> to gets it value.</a:t>
               </a:r>
             </a:p>
@@ -24484,37 +25713,37 @@
                 <a:buAutoNum type="arabicPeriod"/>
               </a:pPr>
               <a:r>
-                <a:rPr lang="en-CA"/>
+                <a:rPr lang="en-CA" dirty="0"/>
                 <a:t>Put a copy of </a:t>
               </a:r>
               <a:r>
-                <a:rPr lang="en-CA" b="1"/>
+                <a:rPr lang="en-CA" b="1" dirty="0"/>
                 <a:t>Y</a:t>
               </a:r>
               <a:r>
-                <a:rPr lang="en-CA"/>
+                <a:rPr lang="en-CA" dirty="0"/>
                 <a:t>’s value into variable </a:t>
               </a:r>
               <a:r>
-                <a:rPr lang="en-CA" b="1"/>
+                <a:rPr lang="en-CA" b="1" dirty="0"/>
                 <a:t>X</a:t>
               </a:r>
               <a:br>
-                <a:rPr lang="en-CA"/>
+                <a:rPr lang="en-CA" dirty="0"/>
               </a:br>
               <a:r>
-                <a:rPr lang="en-CA"/>
-                <a:t>(over-writing a value already in </a:t>
+                <a:rPr lang="en-CA" dirty="0"/>
+                <a:t>(over-writing the value already in </a:t>
               </a:r>
               <a:r>
-                <a:rPr lang="en-CA" b="1"/>
+                <a:rPr lang="en-CA" b="1" dirty="0"/>
                 <a:t>X</a:t>
               </a:r>
               <a:r>
-                <a:rPr lang="en-CA"/>
+                <a:rPr lang="en-CA" dirty="0"/>
                 <a:t>).</a:t>
               </a:r>
-              <a:endParaRPr lang="en-AU"/>
+              <a:endParaRPr lang="en-AU" dirty="0"/>
             </a:p>
           </p:txBody>
         </p:sp>
@@ -25417,7 +26646,7 @@
         <p:spPr>
           <a:xfrm>
             <a:off x="4188485" y="2344261"/>
-            <a:ext cx="4471865" cy="1446550"/>
+            <a:ext cx="5254131" cy="1446550"/>
           </a:xfrm>
           <a:prstGeom prst="rect">
             <a:avLst/>
@@ -25438,6 +26667,10 @@
               <a:rPr lang="en-CA" sz="4400" dirty="0"/>
             </a:br>
             <a:r>
+              <a:rPr lang="en-CA" sz="4400" dirty="0"/>
+              <a:t>x = </a:t>
+            </a:r>
+            <a:r>
               <a:rPr lang="en-CA" sz="4400" dirty="0" err="1"/>
               <a:t>math.pow</a:t>
             </a:r>
@@ -25463,7 +26696,7 @@
         </p:nvSpPr>
         <p:spPr>
           <a:xfrm>
-            <a:off x="1010719" y="3144745"/>
+            <a:off x="5103681" y="1231542"/>
             <a:ext cx="2518539" cy="369332"/>
           </a:xfrm>
           <a:prstGeom prst="rect">
@@ -25513,7 +26746,7 @@
         </p:nvSpPr>
         <p:spPr>
           <a:xfrm>
-            <a:off x="4188485" y="3067536"/>
+            <a:off x="5003297" y="3084922"/>
             <a:ext cx="4348933" cy="723275"/>
           </a:xfrm>
           <a:prstGeom prst="rect">
@@ -25561,15 +26794,15 @@
             </a:extLst>
           </p:cNvPr>
           <p:cNvCxnSpPr>
-            <a:stCxn id="3" idx="3"/>
-            <a:endCxn id="6" idx="1"/>
+            <a:cxnSpLocks/>
+            <a:stCxn id="3" idx="2"/>
           </p:cNvCxnSpPr>
           <p:nvPr/>
         </p:nvCxnSpPr>
         <p:spPr>
           <a:xfrm>
-            <a:off x="3529258" y="3329411"/>
-            <a:ext cx="659227" cy="99763"/>
+            <a:off x="6362951" y="1600874"/>
+            <a:ext cx="332623" cy="1394989"/>
           </a:xfrm>
           <a:prstGeom prst="straightConnector1">
             <a:avLst/>
@@ -25596,7 +26829,7 @@
     </p:spTree>
     <p:extLst>
       <p:ext uri="{BB962C8B-B14F-4D97-AF65-F5344CB8AC3E}">
-        <p14:creationId xmlns:p14="http://schemas.microsoft.com/office/powerpoint/2010/main" val="3287135454"/>
+        <p14:creationId xmlns:p14="http://schemas.microsoft.com/office/powerpoint/2010/main" val="3231735434"/>
       </p:ext>
     </p:extLst>
   </p:cSld>
@@ -25748,10 +26981,62 @@
       </p:sp>
       <p:sp>
         <p:nvSpPr>
-          <p:cNvPr id="3" name="TextBox 2">
-            <a:extLst>
-              <a:ext uri="{FF2B5EF4-FFF2-40B4-BE49-F238E27FC236}">
-                <a16:creationId xmlns:a16="http://schemas.microsoft.com/office/drawing/2014/main" id="{282A2FBA-A14A-54E6-FB37-8B6ACF7815D5}"/>
+          <p:cNvPr id="6" name="Rectangle 5">
+            <a:extLst>
+              <a:ext uri="{FF2B5EF4-FFF2-40B4-BE49-F238E27FC236}">
+                <a16:creationId xmlns:a16="http://schemas.microsoft.com/office/drawing/2014/main" id="{FF0DC174-A644-847B-DBD1-A55C64869367}"/>
+              </a:ext>
+            </a:extLst>
+          </p:cNvPr>
+          <p:cNvSpPr/>
+          <p:nvPr/>
+        </p:nvSpPr>
+        <p:spPr>
+          <a:xfrm>
+            <a:off x="5003298" y="3084922"/>
+            <a:ext cx="2486270" cy="723275"/>
+          </a:xfrm>
+          <a:prstGeom prst="rect">
+            <a:avLst/>
+          </a:prstGeom>
+          <a:noFill/>
+          <a:ln>
+            <a:solidFill>
+              <a:srgbClr val="00B050"/>
+            </a:solidFill>
+          </a:ln>
+        </p:spPr>
+        <p:style>
+          <a:lnRef idx="2">
+            <a:schemeClr val="accent1">
+              <a:shade val="15000"/>
+            </a:schemeClr>
+          </a:lnRef>
+          <a:fillRef idx="1">
+            <a:schemeClr val="accent1"/>
+          </a:fillRef>
+          <a:effectRef idx="0">
+            <a:schemeClr val="accent1"/>
+          </a:effectRef>
+          <a:fontRef idx="minor">
+            <a:schemeClr val="lt1"/>
+          </a:fontRef>
+        </p:style>
+        <p:txBody>
+          <a:bodyPr rtlCol="0" anchor="ctr"/>
+          <a:lstStyle/>
+          <a:p>
+            <a:pPr algn="ctr"/>
+            <a:endParaRPr lang="en-AU"/>
+          </a:p>
+        </p:txBody>
+      </p:sp>
+      <p:sp>
+        <p:nvSpPr>
+          <p:cNvPr id="5" name="TextBox 4">
+            <a:extLst>
+              <a:ext uri="{FF2B5EF4-FFF2-40B4-BE49-F238E27FC236}">
+                <a16:creationId xmlns:a16="http://schemas.microsoft.com/office/drawing/2014/main" id="{D63A62E8-3DF2-8251-CBDB-1A09A68559D7}"/>
               </a:ext>
             </a:extLst>
           </p:cNvPr>
@@ -25760,8 +27045,8 @@
         </p:nvSpPr>
         <p:spPr>
           <a:xfrm>
-            <a:off x="5103681" y="1231542"/>
-            <a:ext cx="2518539" cy="646331"/>
+            <a:off x="5403996" y="3951434"/>
+            <a:ext cx="1684874" cy="923330"/>
           </a:xfrm>
           <a:prstGeom prst="rect">
             <a:avLst/>
@@ -25781,150 +27066,6 @@
           <a:p>
             <a:pPr algn="ctr"/>
             <a:r>
-              <a:rPr lang="en-CA" dirty="0"/>
-              <a:t>Everything in the box is a </a:t>
-            </a:r>
-            <a:r>
-              <a:rPr lang="en-CA" b="1" dirty="0"/>
-              <a:t>function call</a:t>
-            </a:r>
-            <a:r>
-              <a:rPr lang="en-CA" dirty="0"/>
-              <a:t>.</a:t>
-            </a:r>
-            <a:endParaRPr lang="en-AU" dirty="0"/>
-          </a:p>
-        </p:txBody>
-      </p:sp>
-      <p:sp>
-        <p:nvSpPr>
-          <p:cNvPr id="6" name="Rectangle 5">
-            <a:extLst>
-              <a:ext uri="{FF2B5EF4-FFF2-40B4-BE49-F238E27FC236}">
-                <a16:creationId xmlns:a16="http://schemas.microsoft.com/office/drawing/2014/main" id="{FF0DC174-A644-847B-DBD1-A55C64869367}"/>
-              </a:ext>
-            </a:extLst>
-          </p:cNvPr>
-          <p:cNvSpPr/>
-          <p:nvPr/>
-        </p:nvSpPr>
-        <p:spPr>
-          <a:xfrm>
-            <a:off x="5003297" y="3084922"/>
-            <a:ext cx="4348933" cy="723275"/>
-          </a:xfrm>
-          <a:prstGeom prst="rect">
-            <a:avLst/>
-          </a:prstGeom>
-          <a:noFill/>
-          <a:ln>
-            <a:solidFill>
-              <a:srgbClr val="00B050"/>
-            </a:solidFill>
-          </a:ln>
-        </p:spPr>
-        <p:style>
-          <a:lnRef idx="2">
-            <a:schemeClr val="accent1">
-              <a:shade val="15000"/>
-            </a:schemeClr>
-          </a:lnRef>
-          <a:fillRef idx="1">
-            <a:schemeClr val="accent1"/>
-          </a:fillRef>
-          <a:effectRef idx="0">
-            <a:schemeClr val="accent1"/>
-          </a:effectRef>
-          <a:fontRef idx="minor">
-            <a:schemeClr val="lt1"/>
-          </a:fontRef>
-        </p:style>
-        <p:txBody>
-          <a:bodyPr rtlCol="0" anchor="ctr"/>
-          <a:lstStyle/>
-          <a:p>
-            <a:pPr algn="ctr"/>
-            <a:endParaRPr lang="en-AU"/>
-          </a:p>
-        </p:txBody>
-      </p:sp>
-      <p:cxnSp>
-        <p:nvCxnSpPr>
-          <p:cNvPr id="7" name="Straight Arrow Connector 6">
-            <a:extLst>
-              <a:ext uri="{FF2B5EF4-FFF2-40B4-BE49-F238E27FC236}">
-                <a16:creationId xmlns:a16="http://schemas.microsoft.com/office/drawing/2014/main" id="{EA92CB22-633E-A3BD-F8D4-E068DA3B3656}"/>
-              </a:ext>
-            </a:extLst>
-          </p:cNvPr>
-          <p:cNvCxnSpPr>
-            <a:cxnSpLocks/>
-            <a:stCxn id="3" idx="2"/>
-          </p:cNvCxnSpPr>
-          <p:nvPr/>
-        </p:nvCxnSpPr>
-        <p:spPr>
-          <a:xfrm flipH="1">
-            <a:off x="6264998" y="1877873"/>
-            <a:ext cx="97953" cy="1111193"/>
-          </a:xfrm>
-          <a:prstGeom prst="straightConnector1">
-            <a:avLst/>
-          </a:prstGeom>
-          <a:ln>
-            <a:tailEnd type="triangle"/>
-          </a:ln>
-        </p:spPr>
-        <p:style>
-          <a:lnRef idx="2">
-            <a:schemeClr val="accent1"/>
-          </a:lnRef>
-          <a:fillRef idx="0">
-            <a:schemeClr val="accent1"/>
-          </a:fillRef>
-          <a:effectRef idx="1">
-            <a:schemeClr val="accent1"/>
-          </a:effectRef>
-          <a:fontRef idx="minor">
-            <a:schemeClr val="tx1"/>
-          </a:fontRef>
-        </p:style>
-      </p:cxnSp>
-      <p:sp>
-        <p:nvSpPr>
-          <p:cNvPr id="5" name="TextBox 4">
-            <a:extLst>
-              <a:ext uri="{FF2B5EF4-FFF2-40B4-BE49-F238E27FC236}">
-                <a16:creationId xmlns:a16="http://schemas.microsoft.com/office/drawing/2014/main" id="{D63A62E8-3DF2-8251-CBDB-1A09A68559D7}"/>
-              </a:ext>
-            </a:extLst>
-          </p:cNvPr>
-          <p:cNvSpPr txBox="1"/>
-          <p:nvPr/>
-        </p:nvSpPr>
-        <p:spPr>
-          <a:xfrm>
-            <a:off x="5454187" y="4141557"/>
-            <a:ext cx="1684874" cy="923330"/>
-          </a:xfrm>
-          <a:prstGeom prst="rect">
-            <a:avLst/>
-          </a:prstGeom>
-          <a:solidFill>
-            <a:schemeClr val="accent2">
-              <a:lumMod val="40000"/>
-              <a:lumOff val="60000"/>
-            </a:schemeClr>
-          </a:solidFill>
-        </p:spPr>
-        <p:txBody>
-          <a:bodyPr wrap="square" rtlCol="0">
-            <a:spAutoFit/>
-          </a:bodyPr>
-          <a:lstStyle/>
-          <a:p>
-            <a:pPr algn="ctr"/>
-            <a:r>
               <a:rPr lang="en-CA" b="1" dirty="0" err="1"/>
               <a:t>math.pow</a:t>
             </a:r>
@@ -25933,57 +27074,13 @@
               <a:t> is the name of the function.</a:t>
             </a:r>
             <a:endParaRPr lang="en-AU" dirty="0"/>
-          </a:p>
-        </p:txBody>
-      </p:sp>
-      <p:sp>
-        <p:nvSpPr>
-          <p:cNvPr id="8" name="Left Brace 7">
-            <a:extLst>
-              <a:ext uri="{FF2B5EF4-FFF2-40B4-BE49-F238E27FC236}">
-                <a16:creationId xmlns:a16="http://schemas.microsoft.com/office/drawing/2014/main" id="{7DD5D3D6-7129-8221-FC11-413AC997465C}"/>
-              </a:ext>
-            </a:extLst>
-          </p:cNvPr>
-          <p:cNvSpPr/>
-          <p:nvPr/>
-        </p:nvSpPr>
-        <p:spPr>
-          <a:xfrm rot="16200000">
-            <a:off x="6113956" y="2682097"/>
-            <a:ext cx="365336" cy="2385885"/>
-          </a:xfrm>
-          <a:prstGeom prst="leftBrace">
-            <a:avLst/>
-          </a:prstGeom>
-        </p:spPr>
-        <p:style>
-          <a:lnRef idx="2">
-            <a:schemeClr val="accent1"/>
-          </a:lnRef>
-          <a:fillRef idx="0">
-            <a:schemeClr val="accent1"/>
-          </a:fillRef>
-          <a:effectRef idx="1">
-            <a:schemeClr val="accent1"/>
-          </a:effectRef>
-          <a:fontRef idx="minor">
-            <a:schemeClr val="tx1"/>
-          </a:fontRef>
-        </p:style>
-        <p:txBody>
-          <a:bodyPr rtlCol="0" anchor="ctr"/>
-          <a:lstStyle/>
-          <a:p>
-            <a:pPr algn="ctr"/>
-            <a:endParaRPr lang="en-AU"/>
           </a:p>
         </p:txBody>
       </p:sp>
     </p:spTree>
     <p:extLst>
       <p:ext uri="{BB962C8B-B14F-4D97-AF65-F5344CB8AC3E}">
-        <p14:creationId xmlns:p14="http://schemas.microsoft.com/office/powerpoint/2010/main" val="3231735434"/>
+        <p14:creationId xmlns:p14="http://schemas.microsoft.com/office/powerpoint/2010/main" val="2312098604"/>
       </p:ext>
     </p:extLst>
   </p:cSld>
@@ -26135,10 +27232,60 @@
       </p:sp>
       <p:sp>
         <p:nvSpPr>
-          <p:cNvPr id="6" name="Rectangle 5">
-            <a:extLst>
-              <a:ext uri="{FF2B5EF4-FFF2-40B4-BE49-F238E27FC236}">
-                <a16:creationId xmlns:a16="http://schemas.microsoft.com/office/drawing/2014/main" id="{FF0DC174-A644-847B-DBD1-A55C64869367}"/>
+          <p:cNvPr id="5" name="TextBox 4">
+            <a:extLst>
+              <a:ext uri="{FF2B5EF4-FFF2-40B4-BE49-F238E27FC236}">
+                <a16:creationId xmlns:a16="http://schemas.microsoft.com/office/drawing/2014/main" id="{D63A62E8-3DF2-8251-CBDB-1A09A68559D7}"/>
+              </a:ext>
+            </a:extLst>
+          </p:cNvPr>
+          <p:cNvSpPr txBox="1"/>
+          <p:nvPr/>
+        </p:nvSpPr>
+        <p:spPr>
+          <a:xfrm>
+            <a:off x="7418124" y="3897114"/>
+            <a:ext cx="2106121" cy="923330"/>
+          </a:xfrm>
+          <a:prstGeom prst="rect">
+            <a:avLst/>
+          </a:prstGeom>
+          <a:solidFill>
+            <a:schemeClr val="accent2">
+              <a:lumMod val="40000"/>
+              <a:lumOff val="60000"/>
+            </a:schemeClr>
+          </a:solidFill>
+        </p:spPr>
+        <p:txBody>
+          <a:bodyPr wrap="square" rtlCol="0">
+            <a:spAutoFit/>
+          </a:bodyPr>
+          <a:lstStyle/>
+          <a:p>
+            <a:pPr algn="ctr"/>
+            <a:r>
+              <a:rPr lang="en-CA" dirty="0"/>
+              <a:t>This is the list of inputs. </a:t>
+            </a:r>
+            <a:r>
+              <a:rPr lang="en-CA" dirty="0" err="1"/>
+              <a:t>math.pow</a:t>
+            </a:r>
+            <a:r>
+              <a:rPr lang="en-CA" dirty="0"/>
+              <a:t> takes two inputs …</a:t>
+            </a:r>
+            <a:endParaRPr lang="en-AU" dirty="0"/>
+          </a:p>
+        </p:txBody>
+      </p:sp>
+      <p:sp>
+        <p:nvSpPr>
+          <p:cNvPr id="7" name="Rectangle 6">
+            <a:extLst>
+              <a:ext uri="{FF2B5EF4-FFF2-40B4-BE49-F238E27FC236}">
+                <a16:creationId xmlns:a16="http://schemas.microsoft.com/office/drawing/2014/main" id="{90AC8351-6490-FFBC-8EAD-267A0BCF0642}"/>
               </a:ext>
             </a:extLst>
           </p:cNvPr>
@@ -26147,8 +27294,8 @@
         </p:nvSpPr>
         <p:spPr>
           <a:xfrm>
-            <a:off x="5003298" y="3084922"/>
-            <a:ext cx="2486270" cy="723275"/>
+            <a:off x="7517713" y="3067362"/>
+            <a:ext cx="1780196" cy="723275"/>
           </a:xfrm>
           <a:prstGeom prst="rect">
             <a:avLst/>
@@ -26185,56 +27332,10 @@
           </a:p>
         </p:txBody>
       </p:sp>
-      <p:sp>
-        <p:nvSpPr>
-          <p:cNvPr id="5" name="TextBox 4">
-            <a:extLst>
-              <a:ext uri="{FF2B5EF4-FFF2-40B4-BE49-F238E27FC236}">
-                <a16:creationId xmlns:a16="http://schemas.microsoft.com/office/drawing/2014/main" id="{D63A62E8-3DF2-8251-CBDB-1A09A68559D7}"/>
-              </a:ext>
-            </a:extLst>
-          </p:cNvPr>
-          <p:cNvSpPr txBox="1"/>
-          <p:nvPr/>
-        </p:nvSpPr>
-        <p:spPr>
-          <a:xfrm>
-            <a:off x="5403996" y="3951434"/>
-            <a:ext cx="1684874" cy="923330"/>
-          </a:xfrm>
-          <a:prstGeom prst="rect">
-            <a:avLst/>
-          </a:prstGeom>
-          <a:solidFill>
-            <a:schemeClr val="accent2">
-              <a:lumMod val="40000"/>
-              <a:lumOff val="60000"/>
-            </a:schemeClr>
-          </a:solidFill>
-        </p:spPr>
-        <p:txBody>
-          <a:bodyPr wrap="square" rtlCol="0">
-            <a:spAutoFit/>
-          </a:bodyPr>
-          <a:lstStyle/>
-          <a:p>
-            <a:pPr algn="ctr"/>
-            <a:r>
-              <a:rPr lang="en-CA" b="1" dirty="0" err="1"/>
-              <a:t>math.pow</a:t>
-            </a:r>
-            <a:r>
-              <a:rPr lang="en-CA" dirty="0"/>
-              <a:t> is the name of the function.</a:t>
-            </a:r>
-            <a:endParaRPr lang="en-AU" dirty="0"/>
-          </a:p>
-        </p:txBody>
-      </p:sp>
     </p:spTree>
     <p:extLst>
       <p:ext uri="{BB962C8B-B14F-4D97-AF65-F5344CB8AC3E}">
-        <p14:creationId xmlns:p14="http://schemas.microsoft.com/office/powerpoint/2010/main" val="2312098604"/>
+        <p14:creationId xmlns:p14="http://schemas.microsoft.com/office/powerpoint/2010/main" val="1198357223"/>
       </p:ext>
     </p:extLst>
   </p:cSld>
@@ -26377,10 +27478,30 @@
               <a:t>math.pow</a:t>
             </a:r>
             <a:r>
+              <a:rPr lang="en-CA" sz="4400" dirty="0">
+                <a:solidFill>
+                  <a:srgbClr val="FF0000"/>
+                </a:solidFill>
+              </a:rPr>
+              <a:t>(</a:t>
+            </a:r>
+            <a:r>
               <a:rPr lang="en-CA" sz="4400" dirty="0"/>
-              <a:t>(1+1, p)</a:t>
-            </a:r>
-            <a:endParaRPr lang="en-AU" sz="4400" dirty="0"/>
+              <a:t>1+1, p</a:t>
+            </a:r>
+            <a:r>
+              <a:rPr lang="en-CA" sz="4400" dirty="0">
+                <a:solidFill>
+                  <a:srgbClr val="FF0000"/>
+                </a:solidFill>
+              </a:rPr>
+              <a:t>)</a:t>
+            </a:r>
+            <a:endParaRPr lang="en-AU" sz="4400" dirty="0">
+              <a:solidFill>
+                <a:srgbClr val="FF0000"/>
+              </a:solidFill>
+            </a:endParaRPr>
           </a:p>
         </p:txBody>
       </p:sp>
@@ -26398,7 +27519,7 @@
         </p:nvSpPr>
         <p:spPr>
           <a:xfrm>
-            <a:off x="7418124" y="3897114"/>
+            <a:off x="7517713" y="1428713"/>
             <a:ext cx="2106121" cy="923330"/>
           </a:xfrm>
           <a:prstGeom prst="rect">
@@ -26420,26 +27541,92 @@
             <a:pPr algn="ctr"/>
             <a:r>
               <a:rPr lang="en-CA" dirty="0"/>
-              <a:t>This is the list of inputs. </a:t>
-            </a:r>
-            <a:r>
-              <a:rPr lang="en-CA" dirty="0" err="1"/>
-              <a:t>math.pow</a:t>
+              <a:t>Function call lists always start with a </a:t>
+            </a:r>
+            <a:r>
+              <a:rPr lang="en-CA" dirty="0">
+                <a:solidFill>
+                  <a:srgbClr val="FF0000"/>
+                </a:solidFill>
+              </a:rPr>
+              <a:t>(</a:t>
             </a:r>
             <a:r>
               <a:rPr lang="en-CA" dirty="0"/>
-              <a:t> takes two inputs …</a:t>
-            </a:r>
-            <a:endParaRPr lang="en-AU" dirty="0"/>
+              <a:t> and end with a </a:t>
+            </a:r>
+            <a:r>
+              <a:rPr lang="en-CA" dirty="0">
+                <a:solidFill>
+                  <a:srgbClr val="FF0000"/>
+                </a:solidFill>
+              </a:rPr>
+              <a:t>)</a:t>
+            </a:r>
+            <a:endParaRPr lang="en-AU" dirty="0">
+              <a:solidFill>
+                <a:srgbClr val="FF0000"/>
+              </a:solidFill>
+            </a:endParaRPr>
           </a:p>
         </p:txBody>
       </p:sp>
       <p:sp>
         <p:nvSpPr>
-          <p:cNvPr id="7" name="Rectangle 6">
-            <a:extLst>
-              <a:ext uri="{FF2B5EF4-FFF2-40B4-BE49-F238E27FC236}">
-                <a16:creationId xmlns:a16="http://schemas.microsoft.com/office/drawing/2014/main" id="{90AC8351-6490-FFBC-8EAD-267A0BCF0642}"/>
+          <p:cNvPr id="8" name="TextBox 7">
+            <a:extLst>
+              <a:ext uri="{FF2B5EF4-FFF2-40B4-BE49-F238E27FC236}">
+                <a16:creationId xmlns:a16="http://schemas.microsoft.com/office/drawing/2014/main" id="{F6FEC5B8-4CDC-AC2F-ADB2-5C9622367220}"/>
+              </a:ext>
+            </a:extLst>
+          </p:cNvPr>
+          <p:cNvSpPr txBox="1"/>
+          <p:nvPr/>
+        </p:nvSpPr>
+        <p:spPr>
+          <a:xfrm>
+            <a:off x="7418124" y="3897114"/>
+            <a:ext cx="2106121" cy="923330"/>
+          </a:xfrm>
+          <a:prstGeom prst="rect">
+            <a:avLst/>
+          </a:prstGeom>
+          <a:solidFill>
+            <a:schemeClr val="accent2">
+              <a:lumMod val="40000"/>
+              <a:lumOff val="60000"/>
+            </a:schemeClr>
+          </a:solidFill>
+        </p:spPr>
+        <p:txBody>
+          <a:bodyPr wrap="square" rtlCol="0">
+            <a:spAutoFit/>
+          </a:bodyPr>
+          <a:lstStyle/>
+          <a:p>
+            <a:pPr algn="ctr"/>
+            <a:r>
+              <a:rPr lang="en-CA" dirty="0"/>
+              <a:t>This is the list of inputs. </a:t>
+            </a:r>
+            <a:r>
+              <a:rPr lang="en-CA" dirty="0" err="1"/>
+              <a:t>math.pow</a:t>
+            </a:r>
+            <a:r>
+              <a:rPr lang="en-CA" dirty="0"/>
+              <a:t> takes two inputs …</a:t>
+            </a:r>
+            <a:endParaRPr lang="en-AU" dirty="0"/>
+          </a:p>
+        </p:txBody>
+      </p:sp>
+      <p:sp>
+        <p:nvSpPr>
+          <p:cNvPr id="9" name="Rectangle 8">
+            <a:extLst>
+              <a:ext uri="{FF2B5EF4-FFF2-40B4-BE49-F238E27FC236}">
+                <a16:creationId xmlns:a16="http://schemas.microsoft.com/office/drawing/2014/main" id="{A0F04756-DBF6-D6F1-8595-E499BDAB0FB9}"/>
               </a:ext>
             </a:extLst>
           </p:cNvPr>
@@ -26486,10 +27673,216 @@
           </a:p>
         </p:txBody>
       </p:sp>
+      <p:cxnSp>
+        <p:nvCxnSpPr>
+          <p:cNvPr id="11" name="Straight Arrow Connector 10">
+            <a:extLst>
+              <a:ext uri="{FF2B5EF4-FFF2-40B4-BE49-F238E27FC236}">
+                <a16:creationId xmlns:a16="http://schemas.microsoft.com/office/drawing/2014/main" id="{326FABDB-2906-CEF4-7B06-A2781A11C9CF}"/>
+              </a:ext>
+            </a:extLst>
+          </p:cNvPr>
+          <p:cNvCxnSpPr>
+            <a:cxnSpLocks/>
+          </p:cNvCxnSpPr>
+          <p:nvPr/>
+        </p:nvCxnSpPr>
+        <p:spPr>
+          <a:xfrm flipH="1">
+            <a:off x="7636933" y="2344261"/>
+            <a:ext cx="135467" cy="788406"/>
+          </a:xfrm>
+          <a:prstGeom prst="straightConnector1">
+            <a:avLst/>
+          </a:prstGeom>
+          <a:ln>
+            <a:tailEnd type="triangle"/>
+          </a:ln>
+        </p:spPr>
+        <p:style>
+          <a:lnRef idx="2">
+            <a:schemeClr val="accent1"/>
+          </a:lnRef>
+          <a:fillRef idx="0">
+            <a:schemeClr val="accent1"/>
+          </a:fillRef>
+          <a:effectRef idx="1">
+            <a:schemeClr val="accent1"/>
+          </a:effectRef>
+          <a:fontRef idx="minor">
+            <a:schemeClr val="tx1"/>
+          </a:fontRef>
+        </p:style>
+      </p:cxnSp>
+      <p:cxnSp>
+        <p:nvCxnSpPr>
+          <p:cNvPr id="12" name="Straight Arrow Connector 11">
+            <a:extLst>
+              <a:ext uri="{FF2B5EF4-FFF2-40B4-BE49-F238E27FC236}">
+                <a16:creationId xmlns:a16="http://schemas.microsoft.com/office/drawing/2014/main" id="{04A4ABA1-075F-E058-656C-5E5091A3DCFB}"/>
+              </a:ext>
+            </a:extLst>
+          </p:cNvPr>
+          <p:cNvCxnSpPr>
+            <a:cxnSpLocks/>
+          </p:cNvCxnSpPr>
+          <p:nvPr/>
+        </p:nvCxnSpPr>
+        <p:spPr>
+          <a:xfrm flipH="1">
+            <a:off x="9194800" y="2344261"/>
+            <a:ext cx="103109" cy="788406"/>
+          </a:xfrm>
+          <a:prstGeom prst="straightConnector1">
+            <a:avLst/>
+          </a:prstGeom>
+          <a:ln>
+            <a:tailEnd type="triangle"/>
+          </a:ln>
+        </p:spPr>
+        <p:style>
+          <a:lnRef idx="2">
+            <a:schemeClr val="accent1"/>
+          </a:lnRef>
+          <a:fillRef idx="0">
+            <a:schemeClr val="accent1"/>
+          </a:fillRef>
+          <a:effectRef idx="1">
+            <a:schemeClr val="accent1"/>
+          </a:effectRef>
+          <a:fontRef idx="minor">
+            <a:schemeClr val="tx1"/>
+          </a:fontRef>
+        </p:style>
+      </p:cxnSp>
+      <p:sp>
+        <p:nvSpPr>
+          <p:cNvPr id="20" name="TextBox 19">
+            <a:extLst>
+              <a:ext uri="{FF2B5EF4-FFF2-40B4-BE49-F238E27FC236}">
+                <a16:creationId xmlns:a16="http://schemas.microsoft.com/office/drawing/2014/main" id="{438A2C84-9FE2-906B-1C75-D8BA9E77F23D}"/>
+              </a:ext>
+            </a:extLst>
+          </p:cNvPr>
+          <p:cNvSpPr txBox="1"/>
+          <p:nvPr/>
+        </p:nvSpPr>
+        <p:spPr>
+          <a:xfrm>
+            <a:off x="9982200" y="1428713"/>
+            <a:ext cx="2106121" cy="923330"/>
+          </a:xfrm>
+          <a:prstGeom prst="rect">
+            <a:avLst/>
+          </a:prstGeom>
+          <a:solidFill>
+            <a:schemeClr val="accent2">
+              <a:lumMod val="40000"/>
+              <a:lumOff val="60000"/>
+            </a:schemeClr>
+          </a:solidFill>
+        </p:spPr>
+        <p:txBody>
+          <a:bodyPr wrap="square" rtlCol="0">
+            <a:spAutoFit/>
+          </a:bodyPr>
+          <a:lstStyle/>
+          <a:p>
+            <a:pPr algn="ctr"/>
+            <a:r>
+              <a:rPr lang="en-CA" dirty="0">
+                <a:solidFill>
+                  <a:srgbClr val="FF0000"/>
+                </a:solidFill>
+              </a:rPr>
+              <a:t>(</a:t>
+            </a:r>
+            <a:r>
+              <a:rPr lang="en-CA" dirty="0"/>
+              <a:t> and </a:t>
+            </a:r>
+            <a:r>
+              <a:rPr lang="en-CA" dirty="0">
+                <a:solidFill>
+                  <a:srgbClr val="FF0000"/>
+                </a:solidFill>
+              </a:rPr>
+              <a:t>)</a:t>
+            </a:r>
+            <a:r>
+              <a:rPr lang="en-CA" dirty="0"/>
+              <a:t> are called </a:t>
+            </a:r>
+            <a:r>
+              <a:rPr lang="en-CA" b="1" dirty="0"/>
+              <a:t>parentheses</a:t>
+            </a:r>
+            <a:r>
+              <a:rPr lang="en-CA" dirty="0"/>
+              <a:t>, or </a:t>
+            </a:r>
+            <a:r>
+              <a:rPr lang="en-CA" b="1" dirty="0"/>
+              <a:t>round brackets</a:t>
+            </a:r>
+            <a:r>
+              <a:rPr lang="en-CA" dirty="0"/>
+              <a:t>.</a:t>
+            </a:r>
+            <a:endParaRPr lang="en-AU" dirty="0">
+              <a:solidFill>
+                <a:srgbClr val="FF0000"/>
+              </a:solidFill>
+            </a:endParaRPr>
+          </a:p>
+        </p:txBody>
+      </p:sp>
+      <p:cxnSp>
+        <p:nvCxnSpPr>
+          <p:cNvPr id="22" name="Straight Arrow Connector 21">
+            <a:extLst>
+              <a:ext uri="{FF2B5EF4-FFF2-40B4-BE49-F238E27FC236}">
+                <a16:creationId xmlns:a16="http://schemas.microsoft.com/office/drawing/2014/main" id="{FA4C978D-16B7-F5A5-61AD-152816134113}"/>
+              </a:ext>
+            </a:extLst>
+          </p:cNvPr>
+          <p:cNvCxnSpPr>
+            <a:stCxn id="20" idx="1"/>
+            <a:endCxn id="5" idx="3"/>
+          </p:cNvCxnSpPr>
+          <p:nvPr/>
+        </p:nvCxnSpPr>
+        <p:spPr>
+          <a:xfrm flipH="1">
+            <a:off x="9623834" y="1890378"/>
+            <a:ext cx="358366" cy="0"/>
+          </a:xfrm>
+          <a:prstGeom prst="straightConnector1">
+            <a:avLst/>
+          </a:prstGeom>
+          <a:ln>
+            <a:tailEnd type="triangle"/>
+          </a:ln>
+        </p:spPr>
+        <p:style>
+          <a:lnRef idx="2">
+            <a:schemeClr val="accent1"/>
+          </a:lnRef>
+          <a:fillRef idx="0">
+            <a:schemeClr val="accent1"/>
+          </a:fillRef>
+          <a:effectRef idx="1">
+            <a:schemeClr val="accent1"/>
+          </a:effectRef>
+          <a:fontRef idx="minor">
+            <a:schemeClr val="tx1"/>
+          </a:fontRef>
+        </p:style>
+      </p:cxnSp>
     </p:spTree>
     <p:extLst>
       <p:ext uri="{BB962C8B-B14F-4D97-AF65-F5344CB8AC3E}">
-        <p14:creationId xmlns:p14="http://schemas.microsoft.com/office/powerpoint/2010/main" val="1198357223"/>
+        <p14:creationId xmlns:p14="http://schemas.microsoft.com/office/powerpoint/2010/main" val="2722267496"/>
       </p:ext>
     </p:extLst>
   </p:cSld>
@@ -28612,6 +30005,57 @@
           </a:fontRef>
         </p:style>
       </p:cxnSp>
+      <mc:AlternateContent xmlns:mc="http://schemas.openxmlformats.org/markup-compatibility/2006">
+        <mc:Choice xmlns:p14="http://schemas.microsoft.com/office/powerpoint/2010/main" Requires="p14">
+          <p:contentPart p14:bwMode="auto" r:id="rId2">
+            <p14:nvContentPartPr>
+              <p14:cNvPr id="12" name="Ink 11">
+                <a:extLst>
+                  <a:ext uri="{FF2B5EF4-FFF2-40B4-BE49-F238E27FC236}">
+                    <a16:creationId xmlns:a16="http://schemas.microsoft.com/office/drawing/2014/main" id="{F731033A-1FF7-12B6-FF02-080DE7AC82FF}"/>
+                  </a:ext>
+                </a:extLst>
+              </p14:cNvPr>
+              <p14:cNvContentPartPr/>
+              <p14:nvPr/>
+            </p14:nvContentPartPr>
+            <p14:xfrm>
+              <a:off x="8625960" y="592920"/>
+              <a:ext cx="3349800" cy="1956960"/>
+            </p14:xfrm>
+          </p:contentPart>
+        </mc:Choice>
+        <mc:Fallback>
+          <p:pic>
+            <p:nvPicPr>
+              <p:cNvPr id="12" name="Ink 11">
+                <a:extLst>
+                  <a:ext uri="{FF2B5EF4-FFF2-40B4-BE49-F238E27FC236}">
+                    <a16:creationId xmlns:a16="http://schemas.microsoft.com/office/drawing/2014/main" id="{F731033A-1FF7-12B6-FF02-080DE7AC82FF}"/>
+                  </a:ext>
+                </a:extLst>
+              </p:cNvPr>
+              <p:cNvPicPr/>
+              <p:nvPr/>
+            </p:nvPicPr>
+            <p:blipFill>
+              <a:blip r:embed="rId3"/>
+              <a:stretch>
+                <a:fillRect/>
+              </a:stretch>
+            </p:blipFill>
+            <p:spPr>
+              <a:xfrm>
+                <a:off x="8616600" y="583560"/>
+                <a:ext cx="3368520" cy="1975680"/>
+              </a:xfrm>
+              <a:prstGeom prst="rect">
+                <a:avLst/>
+              </a:prstGeom>
+            </p:spPr>
+          </p:pic>
+        </mc:Fallback>
+      </mc:AlternateContent>
     </p:spTree>
     <p:extLst>
       <p:ext uri="{BB962C8B-B14F-4D97-AF65-F5344CB8AC3E}">
@@ -30051,7 +31495,7 @@
         <p:spPr>
           <a:xfrm>
             <a:off x="8138916" y="503536"/>
-            <a:ext cx="2920352" cy="1200329"/>
+            <a:ext cx="2920352" cy="923330"/>
           </a:xfrm>
           <a:prstGeom prst="rect">
             <a:avLst/>
@@ -30076,7 +31520,7 @@
             </a:r>
             <a:r>
               <a:rPr lang="en-CA" dirty="0"/>
-              <a:t>… it just reads over them. They’re for other humans.</a:t>
+              <a:t>… it just skips over them. </a:t>
             </a:r>
             <a:endParaRPr lang="en-AU" dirty="0"/>
           </a:p>
@@ -30100,8 +31544,8 @@
         </p:nvCxnSpPr>
         <p:spPr>
           <a:xfrm flipH="1">
-            <a:off x="7351413" y="1103701"/>
-            <a:ext cx="787503" cy="1"/>
+            <a:off x="7351413" y="965201"/>
+            <a:ext cx="787503" cy="138501"/>
           </a:xfrm>
           <a:prstGeom prst="straightConnector1">
             <a:avLst/>
@@ -30365,12 +31809,54 @@
           </a:p>
         </p:txBody>
       </p:sp>
+      <p:cxnSp>
+        <p:nvCxnSpPr>
+          <p:cNvPr id="8" name="Straight Arrow Connector 7">
+            <a:extLst>
+              <a:ext uri="{FF2B5EF4-FFF2-40B4-BE49-F238E27FC236}">
+                <a16:creationId xmlns:a16="http://schemas.microsoft.com/office/drawing/2014/main" id="{6981BB04-4450-2F6F-4355-503A5A6C203A}"/>
+              </a:ext>
+            </a:extLst>
+          </p:cNvPr>
+          <p:cNvCxnSpPr>
+            <a:cxnSpLocks/>
+            <a:endCxn id="3" idx="3"/>
+          </p:cNvCxnSpPr>
+          <p:nvPr/>
+        </p:nvCxnSpPr>
+        <p:spPr>
+          <a:xfrm flipH="1">
+            <a:off x="7351413" y="1103701"/>
+            <a:ext cx="787503" cy="1"/>
+          </a:xfrm>
+          <a:prstGeom prst="straightConnector1">
+            <a:avLst/>
+          </a:prstGeom>
+          <a:ln>
+            <a:tailEnd type="triangle"/>
+          </a:ln>
+        </p:spPr>
+        <p:style>
+          <a:lnRef idx="2">
+            <a:schemeClr val="accent1"/>
+          </a:lnRef>
+          <a:fillRef idx="0">
+            <a:schemeClr val="accent1"/>
+          </a:fillRef>
+          <a:effectRef idx="1">
+            <a:schemeClr val="accent1"/>
+          </a:effectRef>
+          <a:fontRef idx="minor">
+            <a:schemeClr val="tx1"/>
+          </a:fontRef>
+        </p:style>
+      </p:cxnSp>
       <p:sp>
         <p:nvSpPr>
-          <p:cNvPr id="5" name="TextBox 4">
-            <a:extLst>
-              <a:ext uri="{FF2B5EF4-FFF2-40B4-BE49-F238E27FC236}">
-                <a16:creationId xmlns:a16="http://schemas.microsoft.com/office/drawing/2014/main" id="{D00CB93A-3320-C18B-4C74-541FB845D35B}"/>
+          <p:cNvPr id="6" name="TextBox 5">
+            <a:extLst>
+              <a:ext uri="{FF2B5EF4-FFF2-40B4-BE49-F238E27FC236}">
+                <a16:creationId xmlns:a16="http://schemas.microsoft.com/office/drawing/2014/main" id="{A12ABABE-BECA-70AE-2A2A-C72BE9908691}"/>
               </a:ext>
             </a:extLst>
           </p:cNvPr>
@@ -30379,8 +31865,8 @@
         </p:nvSpPr>
         <p:spPr>
           <a:xfrm>
-            <a:off x="8138916" y="503536"/>
-            <a:ext cx="2920352" cy="1200329"/>
+            <a:off x="212977" y="3175503"/>
+            <a:ext cx="1839512" cy="1200329"/>
           </a:xfrm>
           <a:prstGeom prst="rect">
             <a:avLst/>
@@ -30400,37 +31886,372 @@
           <a:p>
             <a:pPr algn="ctr"/>
             <a:r>
+              <a:rPr lang="en-CA" dirty="0"/>
+              <a:t>Python source code comments always start with the </a:t>
+            </a:r>
+            <a:r>
               <a:rPr lang="en-CA" b="1" dirty="0"/>
-              <a:t>Python ignores source code comments </a:t>
+              <a:t>#</a:t>
             </a:r>
             <a:r>
               <a:rPr lang="en-CA" dirty="0"/>
-              <a:t>… it just reads over them. They’re for other humans.</a:t>
+              <a:t> character.</a:t>
             </a:r>
             <a:endParaRPr lang="en-AU" dirty="0"/>
+          </a:p>
+        </p:txBody>
+      </p:sp>
+      <p:sp>
+        <p:nvSpPr>
+          <p:cNvPr id="7" name="Rectangle 6">
+            <a:extLst>
+              <a:ext uri="{FF2B5EF4-FFF2-40B4-BE49-F238E27FC236}">
+                <a16:creationId xmlns:a16="http://schemas.microsoft.com/office/drawing/2014/main" id="{2DD4A06E-6EA9-9E5B-B036-171F18A00701}"/>
+              </a:ext>
+            </a:extLst>
+          </p:cNvPr>
+          <p:cNvSpPr/>
+          <p:nvPr/>
+        </p:nvSpPr>
+        <p:spPr>
+          <a:xfrm>
+            <a:off x="3255490" y="2426690"/>
+            <a:ext cx="248664" cy="225975"/>
+          </a:xfrm>
+          <a:prstGeom prst="rect">
+            <a:avLst/>
+          </a:prstGeom>
+          <a:noFill/>
+          <a:ln>
+            <a:solidFill>
+              <a:srgbClr val="00B050"/>
+            </a:solidFill>
+          </a:ln>
+        </p:spPr>
+        <p:style>
+          <a:lnRef idx="2">
+            <a:schemeClr val="accent1">
+              <a:shade val="15000"/>
+            </a:schemeClr>
+          </a:lnRef>
+          <a:fillRef idx="1">
+            <a:schemeClr val="accent1"/>
+          </a:fillRef>
+          <a:effectRef idx="0">
+            <a:schemeClr val="accent1"/>
+          </a:effectRef>
+          <a:fontRef idx="minor">
+            <a:schemeClr val="lt1"/>
+          </a:fontRef>
+        </p:style>
+        <p:txBody>
+          <a:bodyPr rtlCol="0" anchor="ctr"/>
+          <a:lstStyle/>
+          <a:p>
+            <a:pPr algn="ctr"/>
+            <a:endParaRPr lang="en-AU"/>
+          </a:p>
+        </p:txBody>
+      </p:sp>
+      <p:sp>
+        <p:nvSpPr>
+          <p:cNvPr id="9" name="Rectangle 8">
+            <a:extLst>
+              <a:ext uri="{FF2B5EF4-FFF2-40B4-BE49-F238E27FC236}">
+                <a16:creationId xmlns:a16="http://schemas.microsoft.com/office/drawing/2014/main" id="{6293C046-2D75-7FE3-9E50-29B3A64E49E9}"/>
+              </a:ext>
+            </a:extLst>
+          </p:cNvPr>
+          <p:cNvSpPr/>
+          <p:nvPr/>
+        </p:nvSpPr>
+        <p:spPr>
+          <a:xfrm>
+            <a:off x="3255490" y="3259608"/>
+            <a:ext cx="248664" cy="225975"/>
+          </a:xfrm>
+          <a:prstGeom prst="rect">
+            <a:avLst/>
+          </a:prstGeom>
+          <a:noFill/>
+          <a:ln>
+            <a:solidFill>
+              <a:srgbClr val="00B050"/>
+            </a:solidFill>
+          </a:ln>
+        </p:spPr>
+        <p:style>
+          <a:lnRef idx="2">
+            <a:schemeClr val="accent1">
+              <a:shade val="15000"/>
+            </a:schemeClr>
+          </a:lnRef>
+          <a:fillRef idx="1">
+            <a:schemeClr val="accent1"/>
+          </a:fillRef>
+          <a:effectRef idx="0">
+            <a:schemeClr val="accent1"/>
+          </a:effectRef>
+          <a:fontRef idx="minor">
+            <a:schemeClr val="lt1"/>
+          </a:fontRef>
+        </p:style>
+        <p:txBody>
+          <a:bodyPr rtlCol="0" anchor="ctr"/>
+          <a:lstStyle/>
+          <a:p>
+            <a:pPr algn="ctr"/>
+            <a:endParaRPr lang="en-AU"/>
+          </a:p>
+        </p:txBody>
+      </p:sp>
+      <p:sp>
+        <p:nvSpPr>
+          <p:cNvPr id="10" name="Rectangle 9">
+            <a:extLst>
+              <a:ext uri="{FF2B5EF4-FFF2-40B4-BE49-F238E27FC236}">
+                <a16:creationId xmlns:a16="http://schemas.microsoft.com/office/drawing/2014/main" id="{0794CACD-4DEF-540D-8F5F-500376C6830C}"/>
+              </a:ext>
+            </a:extLst>
+          </p:cNvPr>
+          <p:cNvSpPr/>
+          <p:nvPr/>
+        </p:nvSpPr>
+        <p:spPr>
+          <a:xfrm>
+            <a:off x="3255490" y="4068563"/>
+            <a:ext cx="248664" cy="225975"/>
+          </a:xfrm>
+          <a:prstGeom prst="rect">
+            <a:avLst/>
+          </a:prstGeom>
+          <a:noFill/>
+          <a:ln>
+            <a:solidFill>
+              <a:srgbClr val="00B050"/>
+            </a:solidFill>
+          </a:ln>
+        </p:spPr>
+        <p:style>
+          <a:lnRef idx="2">
+            <a:schemeClr val="accent1">
+              <a:shade val="15000"/>
+            </a:schemeClr>
+          </a:lnRef>
+          <a:fillRef idx="1">
+            <a:schemeClr val="accent1"/>
+          </a:fillRef>
+          <a:effectRef idx="0">
+            <a:schemeClr val="accent1"/>
+          </a:effectRef>
+          <a:fontRef idx="minor">
+            <a:schemeClr val="lt1"/>
+          </a:fontRef>
+        </p:style>
+        <p:txBody>
+          <a:bodyPr rtlCol="0" anchor="ctr"/>
+          <a:lstStyle/>
+          <a:p>
+            <a:pPr algn="ctr"/>
+            <a:endParaRPr lang="en-AU"/>
+          </a:p>
+        </p:txBody>
+      </p:sp>
+      <p:sp>
+        <p:nvSpPr>
+          <p:cNvPr id="11" name="Rectangle 10">
+            <a:extLst>
+              <a:ext uri="{FF2B5EF4-FFF2-40B4-BE49-F238E27FC236}">
+                <a16:creationId xmlns:a16="http://schemas.microsoft.com/office/drawing/2014/main" id="{84A3CD62-4B4E-ACDB-6FEA-EAA4001655F7}"/>
+              </a:ext>
+            </a:extLst>
+          </p:cNvPr>
+          <p:cNvSpPr/>
+          <p:nvPr/>
+        </p:nvSpPr>
+        <p:spPr>
+          <a:xfrm>
+            <a:off x="3255490" y="4901481"/>
+            <a:ext cx="248664" cy="225975"/>
+          </a:xfrm>
+          <a:prstGeom prst="rect">
+            <a:avLst/>
+          </a:prstGeom>
+          <a:noFill/>
+          <a:ln>
+            <a:solidFill>
+              <a:srgbClr val="00B050"/>
+            </a:solidFill>
+          </a:ln>
+        </p:spPr>
+        <p:style>
+          <a:lnRef idx="2">
+            <a:schemeClr val="accent1">
+              <a:shade val="15000"/>
+            </a:schemeClr>
+          </a:lnRef>
+          <a:fillRef idx="1">
+            <a:schemeClr val="accent1"/>
+          </a:fillRef>
+          <a:effectRef idx="0">
+            <a:schemeClr val="accent1"/>
+          </a:effectRef>
+          <a:fontRef idx="minor">
+            <a:schemeClr val="lt1"/>
+          </a:fontRef>
+        </p:style>
+        <p:txBody>
+          <a:bodyPr rtlCol="0" anchor="ctr"/>
+          <a:lstStyle/>
+          <a:p>
+            <a:pPr algn="ctr"/>
+            <a:endParaRPr lang="en-AU"/>
           </a:p>
         </p:txBody>
       </p:sp>
       <p:cxnSp>
         <p:nvCxnSpPr>
-          <p:cNvPr id="8" name="Straight Arrow Connector 7">
-            <a:extLst>
-              <a:ext uri="{FF2B5EF4-FFF2-40B4-BE49-F238E27FC236}">
-                <a16:creationId xmlns:a16="http://schemas.microsoft.com/office/drawing/2014/main" id="{6981BB04-4450-2F6F-4355-503A5A6C203A}"/>
+          <p:cNvPr id="14" name="Straight Arrow Connector 13">
+            <a:extLst>
+              <a:ext uri="{FF2B5EF4-FFF2-40B4-BE49-F238E27FC236}">
+                <a16:creationId xmlns:a16="http://schemas.microsoft.com/office/drawing/2014/main" id="{59199772-8F5B-23FD-4FE3-996B8B7B7B9E}"/>
               </a:ext>
             </a:extLst>
           </p:cNvPr>
           <p:cNvCxnSpPr>
             <a:cxnSpLocks/>
-            <a:stCxn id="5" idx="1"/>
-            <a:endCxn id="3" idx="3"/>
+            <a:endCxn id="7" idx="1"/>
           </p:cNvCxnSpPr>
           <p:nvPr/>
         </p:nvCxnSpPr>
         <p:spPr>
-          <a:xfrm flipH="1">
-            <a:off x="7351413" y="1103701"/>
-            <a:ext cx="787503" cy="1"/>
+          <a:xfrm flipV="1">
+            <a:off x="2052489" y="2539678"/>
+            <a:ext cx="1203001" cy="674330"/>
+          </a:xfrm>
+          <a:prstGeom prst="straightConnector1">
+            <a:avLst/>
+          </a:prstGeom>
+          <a:ln>
+            <a:tailEnd type="triangle"/>
+          </a:ln>
+        </p:spPr>
+        <p:style>
+          <a:lnRef idx="2">
+            <a:schemeClr val="accent1"/>
+          </a:lnRef>
+          <a:fillRef idx="0">
+            <a:schemeClr val="accent1"/>
+          </a:fillRef>
+          <a:effectRef idx="1">
+            <a:schemeClr val="accent1"/>
+          </a:effectRef>
+          <a:fontRef idx="minor">
+            <a:schemeClr val="tx1"/>
+          </a:fontRef>
+        </p:style>
+      </p:cxnSp>
+      <p:cxnSp>
+        <p:nvCxnSpPr>
+          <p:cNvPr id="16" name="Straight Arrow Connector 15">
+            <a:extLst>
+              <a:ext uri="{FF2B5EF4-FFF2-40B4-BE49-F238E27FC236}">
+                <a16:creationId xmlns:a16="http://schemas.microsoft.com/office/drawing/2014/main" id="{254A7D66-1489-634B-A237-D1F984E45AA2}"/>
+              </a:ext>
+            </a:extLst>
+          </p:cNvPr>
+          <p:cNvCxnSpPr>
+            <a:endCxn id="9" idx="1"/>
+          </p:cNvCxnSpPr>
+          <p:nvPr/>
+        </p:nvCxnSpPr>
+        <p:spPr>
+          <a:xfrm flipV="1">
+            <a:off x="2052489" y="3372596"/>
+            <a:ext cx="1203001" cy="230683"/>
+          </a:xfrm>
+          <a:prstGeom prst="straightConnector1">
+            <a:avLst/>
+          </a:prstGeom>
+          <a:ln>
+            <a:tailEnd type="triangle"/>
+          </a:ln>
+        </p:spPr>
+        <p:style>
+          <a:lnRef idx="2">
+            <a:schemeClr val="accent1"/>
+          </a:lnRef>
+          <a:fillRef idx="0">
+            <a:schemeClr val="accent1"/>
+          </a:fillRef>
+          <a:effectRef idx="1">
+            <a:schemeClr val="accent1"/>
+          </a:effectRef>
+          <a:fontRef idx="minor">
+            <a:schemeClr val="tx1"/>
+          </a:fontRef>
+        </p:style>
+      </p:cxnSp>
+      <p:cxnSp>
+        <p:nvCxnSpPr>
+          <p:cNvPr id="18" name="Straight Arrow Connector 17">
+            <a:extLst>
+              <a:ext uri="{FF2B5EF4-FFF2-40B4-BE49-F238E27FC236}">
+                <a16:creationId xmlns:a16="http://schemas.microsoft.com/office/drawing/2014/main" id="{6C740A70-9DFE-4149-A53D-FE0C0CA96BBF}"/>
+              </a:ext>
+            </a:extLst>
+          </p:cNvPr>
+          <p:cNvCxnSpPr>
+            <a:cxnSpLocks/>
+            <a:endCxn id="10" idx="1"/>
+          </p:cNvCxnSpPr>
+          <p:nvPr/>
+        </p:nvCxnSpPr>
+        <p:spPr>
+          <a:xfrm>
+            <a:off x="2052489" y="4032999"/>
+            <a:ext cx="1203001" cy="148552"/>
+          </a:xfrm>
+          <a:prstGeom prst="straightConnector1">
+            <a:avLst/>
+          </a:prstGeom>
+          <a:ln>
+            <a:tailEnd type="triangle"/>
+          </a:ln>
+        </p:spPr>
+        <p:style>
+          <a:lnRef idx="2">
+            <a:schemeClr val="accent1"/>
+          </a:lnRef>
+          <a:fillRef idx="0">
+            <a:schemeClr val="accent1"/>
+          </a:fillRef>
+          <a:effectRef idx="1">
+            <a:schemeClr val="accent1"/>
+          </a:effectRef>
+          <a:fontRef idx="minor">
+            <a:schemeClr val="tx1"/>
+          </a:fontRef>
+        </p:style>
+      </p:cxnSp>
+      <p:cxnSp>
+        <p:nvCxnSpPr>
+          <p:cNvPr id="20" name="Straight Arrow Connector 19">
+            <a:extLst>
+              <a:ext uri="{FF2B5EF4-FFF2-40B4-BE49-F238E27FC236}">
+                <a16:creationId xmlns:a16="http://schemas.microsoft.com/office/drawing/2014/main" id="{9BBDF08C-B6B7-4CD9-7732-FF7548B3F4C0}"/>
+              </a:ext>
+            </a:extLst>
+          </p:cNvPr>
+          <p:cNvCxnSpPr>
+            <a:endCxn id="11" idx="1"/>
+          </p:cNvCxnSpPr>
+          <p:nvPr/>
+        </p:nvCxnSpPr>
+        <p:spPr>
+          <a:xfrm>
+            <a:off x="2052489" y="4367368"/>
+            <a:ext cx="1203001" cy="647101"/>
           </a:xfrm>
           <a:prstGeom prst="straightConnector1">
             <a:avLst/>
@@ -30456,10 +32277,10 @@
       </p:cxnSp>
       <p:sp>
         <p:nvSpPr>
-          <p:cNvPr id="6" name="TextBox 5">
-            <a:extLst>
-              <a:ext uri="{FF2B5EF4-FFF2-40B4-BE49-F238E27FC236}">
-                <a16:creationId xmlns:a16="http://schemas.microsoft.com/office/drawing/2014/main" id="{A12ABABE-BECA-70AE-2A2A-C72BE9908691}"/>
+          <p:cNvPr id="12" name="TextBox 11">
+            <a:extLst>
+              <a:ext uri="{FF2B5EF4-FFF2-40B4-BE49-F238E27FC236}">
+                <a16:creationId xmlns:a16="http://schemas.microsoft.com/office/drawing/2014/main" id="{6E24C089-FBD4-4FBE-8C60-4C1F6C0C0E10}"/>
               </a:ext>
             </a:extLst>
           </p:cNvPr>
@@ -30468,8 +32289,8 @@
         </p:nvSpPr>
         <p:spPr>
           <a:xfrm>
-            <a:off x="212977" y="3175503"/>
-            <a:ext cx="1839512" cy="1200329"/>
+            <a:off x="8138916" y="503536"/>
+            <a:ext cx="2920352" cy="923330"/>
           </a:xfrm>
           <a:prstGeom prst="rect">
             <a:avLst/>
@@ -30489,395 +32310,17 @@
           <a:p>
             <a:pPr algn="ctr"/>
             <a:r>
+              <a:rPr lang="en-CA" b="1" dirty="0"/>
+              <a:t>Python ignores source code comments </a:t>
+            </a:r>
+            <a:r>
               <a:rPr lang="en-CA" dirty="0"/>
-              <a:t>Python source code comments always start with the </a:t>
-            </a:r>
-            <a:r>
-              <a:rPr lang="en-CA" b="1" dirty="0"/>
-              <a:t>#</a:t>
-            </a:r>
-            <a:r>
-              <a:rPr lang="en-CA" dirty="0"/>
-              <a:t> character.</a:t>
+              <a:t>… it just skips over them. </a:t>
             </a:r>
             <a:endParaRPr lang="en-AU" dirty="0"/>
           </a:p>
         </p:txBody>
       </p:sp>
-      <p:sp>
-        <p:nvSpPr>
-          <p:cNvPr id="7" name="Rectangle 6">
-            <a:extLst>
-              <a:ext uri="{FF2B5EF4-FFF2-40B4-BE49-F238E27FC236}">
-                <a16:creationId xmlns:a16="http://schemas.microsoft.com/office/drawing/2014/main" id="{2DD4A06E-6EA9-9E5B-B036-171F18A00701}"/>
-              </a:ext>
-            </a:extLst>
-          </p:cNvPr>
-          <p:cNvSpPr/>
-          <p:nvPr/>
-        </p:nvSpPr>
-        <p:spPr>
-          <a:xfrm>
-            <a:off x="3255490" y="2426690"/>
-            <a:ext cx="248664" cy="225975"/>
-          </a:xfrm>
-          <a:prstGeom prst="rect">
-            <a:avLst/>
-          </a:prstGeom>
-          <a:noFill/>
-          <a:ln>
-            <a:solidFill>
-              <a:srgbClr val="00B050"/>
-            </a:solidFill>
-          </a:ln>
-        </p:spPr>
-        <p:style>
-          <a:lnRef idx="2">
-            <a:schemeClr val="accent1">
-              <a:shade val="15000"/>
-            </a:schemeClr>
-          </a:lnRef>
-          <a:fillRef idx="1">
-            <a:schemeClr val="accent1"/>
-          </a:fillRef>
-          <a:effectRef idx="0">
-            <a:schemeClr val="accent1"/>
-          </a:effectRef>
-          <a:fontRef idx="minor">
-            <a:schemeClr val="lt1"/>
-          </a:fontRef>
-        </p:style>
-        <p:txBody>
-          <a:bodyPr rtlCol="0" anchor="ctr"/>
-          <a:lstStyle/>
-          <a:p>
-            <a:pPr algn="ctr"/>
-            <a:endParaRPr lang="en-AU"/>
-          </a:p>
-        </p:txBody>
-      </p:sp>
-      <p:sp>
-        <p:nvSpPr>
-          <p:cNvPr id="9" name="Rectangle 8">
-            <a:extLst>
-              <a:ext uri="{FF2B5EF4-FFF2-40B4-BE49-F238E27FC236}">
-                <a16:creationId xmlns:a16="http://schemas.microsoft.com/office/drawing/2014/main" id="{6293C046-2D75-7FE3-9E50-29B3A64E49E9}"/>
-              </a:ext>
-            </a:extLst>
-          </p:cNvPr>
-          <p:cNvSpPr/>
-          <p:nvPr/>
-        </p:nvSpPr>
-        <p:spPr>
-          <a:xfrm>
-            <a:off x="3255490" y="3259608"/>
-            <a:ext cx="248664" cy="225975"/>
-          </a:xfrm>
-          <a:prstGeom prst="rect">
-            <a:avLst/>
-          </a:prstGeom>
-          <a:noFill/>
-          <a:ln>
-            <a:solidFill>
-              <a:srgbClr val="00B050"/>
-            </a:solidFill>
-          </a:ln>
-        </p:spPr>
-        <p:style>
-          <a:lnRef idx="2">
-            <a:schemeClr val="accent1">
-              <a:shade val="15000"/>
-            </a:schemeClr>
-          </a:lnRef>
-          <a:fillRef idx="1">
-            <a:schemeClr val="accent1"/>
-          </a:fillRef>
-          <a:effectRef idx="0">
-            <a:schemeClr val="accent1"/>
-          </a:effectRef>
-          <a:fontRef idx="minor">
-            <a:schemeClr val="lt1"/>
-          </a:fontRef>
-        </p:style>
-        <p:txBody>
-          <a:bodyPr rtlCol="0" anchor="ctr"/>
-          <a:lstStyle/>
-          <a:p>
-            <a:pPr algn="ctr"/>
-            <a:endParaRPr lang="en-AU"/>
-          </a:p>
-        </p:txBody>
-      </p:sp>
-      <p:sp>
-        <p:nvSpPr>
-          <p:cNvPr id="10" name="Rectangle 9">
-            <a:extLst>
-              <a:ext uri="{FF2B5EF4-FFF2-40B4-BE49-F238E27FC236}">
-                <a16:creationId xmlns:a16="http://schemas.microsoft.com/office/drawing/2014/main" id="{0794CACD-4DEF-540D-8F5F-500376C6830C}"/>
-              </a:ext>
-            </a:extLst>
-          </p:cNvPr>
-          <p:cNvSpPr/>
-          <p:nvPr/>
-        </p:nvSpPr>
-        <p:spPr>
-          <a:xfrm>
-            <a:off x="3255490" y="4068563"/>
-            <a:ext cx="248664" cy="225975"/>
-          </a:xfrm>
-          <a:prstGeom prst="rect">
-            <a:avLst/>
-          </a:prstGeom>
-          <a:noFill/>
-          <a:ln>
-            <a:solidFill>
-              <a:srgbClr val="00B050"/>
-            </a:solidFill>
-          </a:ln>
-        </p:spPr>
-        <p:style>
-          <a:lnRef idx="2">
-            <a:schemeClr val="accent1">
-              <a:shade val="15000"/>
-            </a:schemeClr>
-          </a:lnRef>
-          <a:fillRef idx="1">
-            <a:schemeClr val="accent1"/>
-          </a:fillRef>
-          <a:effectRef idx="0">
-            <a:schemeClr val="accent1"/>
-          </a:effectRef>
-          <a:fontRef idx="minor">
-            <a:schemeClr val="lt1"/>
-          </a:fontRef>
-        </p:style>
-        <p:txBody>
-          <a:bodyPr rtlCol="0" anchor="ctr"/>
-          <a:lstStyle/>
-          <a:p>
-            <a:pPr algn="ctr"/>
-            <a:endParaRPr lang="en-AU"/>
-          </a:p>
-        </p:txBody>
-      </p:sp>
-      <p:sp>
-        <p:nvSpPr>
-          <p:cNvPr id="11" name="Rectangle 10">
-            <a:extLst>
-              <a:ext uri="{FF2B5EF4-FFF2-40B4-BE49-F238E27FC236}">
-                <a16:creationId xmlns:a16="http://schemas.microsoft.com/office/drawing/2014/main" id="{84A3CD62-4B4E-ACDB-6FEA-EAA4001655F7}"/>
-              </a:ext>
-            </a:extLst>
-          </p:cNvPr>
-          <p:cNvSpPr/>
-          <p:nvPr/>
-        </p:nvSpPr>
-        <p:spPr>
-          <a:xfrm>
-            <a:off x="3255490" y="4901481"/>
-            <a:ext cx="248664" cy="225975"/>
-          </a:xfrm>
-          <a:prstGeom prst="rect">
-            <a:avLst/>
-          </a:prstGeom>
-          <a:noFill/>
-          <a:ln>
-            <a:solidFill>
-              <a:srgbClr val="00B050"/>
-            </a:solidFill>
-          </a:ln>
-        </p:spPr>
-        <p:style>
-          <a:lnRef idx="2">
-            <a:schemeClr val="accent1">
-              <a:shade val="15000"/>
-            </a:schemeClr>
-          </a:lnRef>
-          <a:fillRef idx="1">
-            <a:schemeClr val="accent1"/>
-          </a:fillRef>
-          <a:effectRef idx="0">
-            <a:schemeClr val="accent1"/>
-          </a:effectRef>
-          <a:fontRef idx="minor">
-            <a:schemeClr val="lt1"/>
-          </a:fontRef>
-        </p:style>
-        <p:txBody>
-          <a:bodyPr rtlCol="0" anchor="ctr"/>
-          <a:lstStyle/>
-          <a:p>
-            <a:pPr algn="ctr"/>
-            <a:endParaRPr lang="en-AU"/>
-          </a:p>
-        </p:txBody>
-      </p:sp>
-      <p:cxnSp>
-        <p:nvCxnSpPr>
-          <p:cNvPr id="14" name="Straight Arrow Connector 13">
-            <a:extLst>
-              <a:ext uri="{FF2B5EF4-FFF2-40B4-BE49-F238E27FC236}">
-                <a16:creationId xmlns:a16="http://schemas.microsoft.com/office/drawing/2014/main" id="{59199772-8F5B-23FD-4FE3-996B8B7B7B9E}"/>
-              </a:ext>
-            </a:extLst>
-          </p:cNvPr>
-          <p:cNvCxnSpPr>
-            <a:cxnSpLocks/>
-            <a:endCxn id="7" idx="1"/>
-          </p:cNvCxnSpPr>
-          <p:nvPr/>
-        </p:nvCxnSpPr>
-        <p:spPr>
-          <a:xfrm flipV="1">
-            <a:off x="2052489" y="2539678"/>
-            <a:ext cx="1203001" cy="674330"/>
-          </a:xfrm>
-          <a:prstGeom prst="straightConnector1">
-            <a:avLst/>
-          </a:prstGeom>
-          <a:ln>
-            <a:tailEnd type="triangle"/>
-          </a:ln>
-        </p:spPr>
-        <p:style>
-          <a:lnRef idx="2">
-            <a:schemeClr val="accent1"/>
-          </a:lnRef>
-          <a:fillRef idx="0">
-            <a:schemeClr val="accent1"/>
-          </a:fillRef>
-          <a:effectRef idx="1">
-            <a:schemeClr val="accent1"/>
-          </a:effectRef>
-          <a:fontRef idx="minor">
-            <a:schemeClr val="tx1"/>
-          </a:fontRef>
-        </p:style>
-      </p:cxnSp>
-      <p:cxnSp>
-        <p:nvCxnSpPr>
-          <p:cNvPr id="16" name="Straight Arrow Connector 15">
-            <a:extLst>
-              <a:ext uri="{FF2B5EF4-FFF2-40B4-BE49-F238E27FC236}">
-                <a16:creationId xmlns:a16="http://schemas.microsoft.com/office/drawing/2014/main" id="{254A7D66-1489-634B-A237-D1F984E45AA2}"/>
-              </a:ext>
-            </a:extLst>
-          </p:cNvPr>
-          <p:cNvCxnSpPr>
-            <a:endCxn id="9" idx="1"/>
-          </p:cNvCxnSpPr>
-          <p:nvPr/>
-        </p:nvCxnSpPr>
-        <p:spPr>
-          <a:xfrm flipV="1">
-            <a:off x="2052489" y="3372596"/>
-            <a:ext cx="1203001" cy="230683"/>
-          </a:xfrm>
-          <a:prstGeom prst="straightConnector1">
-            <a:avLst/>
-          </a:prstGeom>
-          <a:ln>
-            <a:tailEnd type="triangle"/>
-          </a:ln>
-        </p:spPr>
-        <p:style>
-          <a:lnRef idx="2">
-            <a:schemeClr val="accent1"/>
-          </a:lnRef>
-          <a:fillRef idx="0">
-            <a:schemeClr val="accent1"/>
-          </a:fillRef>
-          <a:effectRef idx="1">
-            <a:schemeClr val="accent1"/>
-          </a:effectRef>
-          <a:fontRef idx="minor">
-            <a:schemeClr val="tx1"/>
-          </a:fontRef>
-        </p:style>
-      </p:cxnSp>
-      <p:cxnSp>
-        <p:nvCxnSpPr>
-          <p:cNvPr id="18" name="Straight Arrow Connector 17">
-            <a:extLst>
-              <a:ext uri="{FF2B5EF4-FFF2-40B4-BE49-F238E27FC236}">
-                <a16:creationId xmlns:a16="http://schemas.microsoft.com/office/drawing/2014/main" id="{6C740A70-9DFE-4149-A53D-FE0C0CA96BBF}"/>
-              </a:ext>
-            </a:extLst>
-          </p:cNvPr>
-          <p:cNvCxnSpPr>
-            <a:cxnSpLocks/>
-            <a:endCxn id="10" idx="1"/>
-          </p:cNvCxnSpPr>
-          <p:nvPr/>
-        </p:nvCxnSpPr>
-        <p:spPr>
-          <a:xfrm>
-            <a:off x="2052489" y="4032999"/>
-            <a:ext cx="1203001" cy="148552"/>
-          </a:xfrm>
-          <a:prstGeom prst="straightConnector1">
-            <a:avLst/>
-          </a:prstGeom>
-          <a:ln>
-            <a:tailEnd type="triangle"/>
-          </a:ln>
-        </p:spPr>
-        <p:style>
-          <a:lnRef idx="2">
-            <a:schemeClr val="accent1"/>
-          </a:lnRef>
-          <a:fillRef idx="0">
-            <a:schemeClr val="accent1"/>
-          </a:fillRef>
-          <a:effectRef idx="1">
-            <a:schemeClr val="accent1"/>
-          </a:effectRef>
-          <a:fontRef idx="minor">
-            <a:schemeClr val="tx1"/>
-          </a:fontRef>
-        </p:style>
-      </p:cxnSp>
-      <p:cxnSp>
-        <p:nvCxnSpPr>
-          <p:cNvPr id="20" name="Straight Arrow Connector 19">
-            <a:extLst>
-              <a:ext uri="{FF2B5EF4-FFF2-40B4-BE49-F238E27FC236}">
-                <a16:creationId xmlns:a16="http://schemas.microsoft.com/office/drawing/2014/main" id="{9BBDF08C-B6B7-4CD9-7732-FF7548B3F4C0}"/>
-              </a:ext>
-            </a:extLst>
-          </p:cNvPr>
-          <p:cNvCxnSpPr>
-            <a:endCxn id="11" idx="1"/>
-          </p:cNvCxnSpPr>
-          <p:nvPr/>
-        </p:nvCxnSpPr>
-        <p:spPr>
-          <a:xfrm>
-            <a:off x="2052489" y="4367368"/>
-            <a:ext cx="1203001" cy="647101"/>
-          </a:xfrm>
-          <a:prstGeom prst="straightConnector1">
-            <a:avLst/>
-          </a:prstGeom>
-          <a:ln>
-            <a:tailEnd type="triangle"/>
-          </a:ln>
-        </p:spPr>
-        <p:style>
-          <a:lnRef idx="2">
-            <a:schemeClr val="accent1"/>
-          </a:lnRef>
-          <a:fillRef idx="0">
-            <a:schemeClr val="accent1"/>
-          </a:fillRef>
-          <a:effectRef idx="1">
-            <a:schemeClr val="accent1"/>
-          </a:effectRef>
-          <a:fontRef idx="minor">
-            <a:schemeClr val="tx1"/>
-          </a:fontRef>
-        </p:style>
-      </p:cxnSp>
     </p:spTree>
     <p:extLst>
       <p:ext uri="{BB962C8B-B14F-4D97-AF65-F5344CB8AC3E}">
@@ -31125,12 +32568,54 @@
           </a:p>
         </p:txBody>
       </p:sp>
+      <p:cxnSp>
+        <p:nvCxnSpPr>
+          <p:cNvPr id="8" name="Straight Arrow Connector 7">
+            <a:extLst>
+              <a:ext uri="{FF2B5EF4-FFF2-40B4-BE49-F238E27FC236}">
+                <a16:creationId xmlns:a16="http://schemas.microsoft.com/office/drawing/2014/main" id="{6981BB04-4450-2F6F-4355-503A5A6C203A}"/>
+              </a:ext>
+            </a:extLst>
+          </p:cNvPr>
+          <p:cNvCxnSpPr>
+            <a:cxnSpLocks/>
+            <a:endCxn id="3" idx="3"/>
+          </p:cNvCxnSpPr>
+          <p:nvPr/>
+        </p:nvCxnSpPr>
+        <p:spPr>
+          <a:xfrm flipH="1">
+            <a:off x="7351413" y="1103701"/>
+            <a:ext cx="787503" cy="1"/>
+          </a:xfrm>
+          <a:prstGeom prst="straightConnector1">
+            <a:avLst/>
+          </a:prstGeom>
+          <a:ln>
+            <a:tailEnd type="triangle"/>
+          </a:ln>
+        </p:spPr>
+        <p:style>
+          <a:lnRef idx="2">
+            <a:schemeClr val="accent1"/>
+          </a:lnRef>
+          <a:fillRef idx="0">
+            <a:schemeClr val="accent1"/>
+          </a:fillRef>
+          <a:effectRef idx="1">
+            <a:schemeClr val="accent1"/>
+          </a:effectRef>
+          <a:fontRef idx="minor">
+            <a:schemeClr val="tx1"/>
+          </a:fontRef>
+        </p:style>
+      </p:cxnSp>
       <p:sp>
         <p:nvSpPr>
-          <p:cNvPr id="5" name="TextBox 4">
-            <a:extLst>
-              <a:ext uri="{FF2B5EF4-FFF2-40B4-BE49-F238E27FC236}">
-                <a16:creationId xmlns:a16="http://schemas.microsoft.com/office/drawing/2014/main" id="{D00CB93A-3320-C18B-4C74-541FB845D35B}"/>
+          <p:cNvPr id="6" name="TextBox 5">
+            <a:extLst>
+              <a:ext uri="{FF2B5EF4-FFF2-40B4-BE49-F238E27FC236}">
+                <a16:creationId xmlns:a16="http://schemas.microsoft.com/office/drawing/2014/main" id="{A12ABABE-BECA-70AE-2A2A-C72BE9908691}"/>
               </a:ext>
             </a:extLst>
           </p:cNvPr>
@@ -31139,8 +32624,8 @@
         </p:nvSpPr>
         <p:spPr>
           <a:xfrm>
-            <a:off x="8138916" y="503536"/>
-            <a:ext cx="2920352" cy="1200329"/>
+            <a:off x="212977" y="3175503"/>
+            <a:ext cx="1839512" cy="1200329"/>
           </a:xfrm>
           <a:prstGeom prst="rect">
             <a:avLst/>
@@ -31160,37 +32645,373 @@
           <a:p>
             <a:pPr algn="ctr"/>
             <a:r>
+              <a:rPr lang="en-CA" dirty="0"/>
+              <a:t>Python source code comments always start with the </a:t>
+            </a:r>
+            <a:r>
               <a:rPr lang="en-CA" b="1" dirty="0"/>
-              <a:t>Python ignores source code comments </a:t>
+              <a:t>#</a:t>
             </a:r>
             <a:r>
               <a:rPr lang="en-CA" dirty="0"/>
-              <a:t>… it just reads over them. They’re for other humans.</a:t>
+              <a:t> character.</a:t>
             </a:r>
             <a:endParaRPr lang="en-AU" dirty="0"/>
+          </a:p>
+        </p:txBody>
+      </p:sp>
+      <p:sp>
+        <p:nvSpPr>
+          <p:cNvPr id="7" name="Rectangle 6">
+            <a:extLst>
+              <a:ext uri="{FF2B5EF4-FFF2-40B4-BE49-F238E27FC236}">
+                <a16:creationId xmlns:a16="http://schemas.microsoft.com/office/drawing/2014/main" id="{2DD4A06E-6EA9-9E5B-B036-171F18A00701}"/>
+              </a:ext>
+            </a:extLst>
+          </p:cNvPr>
+          <p:cNvSpPr/>
+          <p:nvPr/>
+        </p:nvSpPr>
+        <p:spPr>
+          <a:xfrm>
+            <a:off x="3255490" y="2426690"/>
+            <a:ext cx="248664" cy="225975"/>
+          </a:xfrm>
+          <a:prstGeom prst="rect">
+            <a:avLst/>
+          </a:prstGeom>
+          <a:noFill/>
+          <a:ln>
+            <a:solidFill>
+              <a:srgbClr val="00B050"/>
+            </a:solidFill>
+          </a:ln>
+        </p:spPr>
+        <p:style>
+          <a:lnRef idx="2">
+            <a:schemeClr val="accent1">
+              <a:shade val="15000"/>
+            </a:schemeClr>
+          </a:lnRef>
+          <a:fillRef idx="1">
+            <a:schemeClr val="accent1"/>
+          </a:fillRef>
+          <a:effectRef idx="0">
+            <a:schemeClr val="accent1"/>
+          </a:effectRef>
+          <a:fontRef idx="minor">
+            <a:schemeClr val="lt1"/>
+          </a:fontRef>
+        </p:style>
+        <p:txBody>
+          <a:bodyPr rtlCol="0" anchor="ctr"/>
+          <a:lstStyle/>
+          <a:p>
+            <a:pPr algn="ctr"/>
+            <a:endParaRPr lang="en-AU"/>
+          </a:p>
+        </p:txBody>
+      </p:sp>
+      <p:sp>
+        <p:nvSpPr>
+          <p:cNvPr id="9" name="Rectangle 8">
+            <a:extLst>
+              <a:ext uri="{FF2B5EF4-FFF2-40B4-BE49-F238E27FC236}">
+                <a16:creationId xmlns:a16="http://schemas.microsoft.com/office/drawing/2014/main" id="{6293C046-2D75-7FE3-9E50-29B3A64E49E9}"/>
+              </a:ext>
+            </a:extLst>
+          </p:cNvPr>
+          <p:cNvSpPr/>
+          <p:nvPr/>
+        </p:nvSpPr>
+        <p:spPr>
+          <a:xfrm>
+            <a:off x="3255490" y="3259608"/>
+            <a:ext cx="248664" cy="225975"/>
+          </a:xfrm>
+          <a:prstGeom prst="rect">
+            <a:avLst/>
+          </a:prstGeom>
+          <a:noFill/>
+          <a:ln>
+            <a:solidFill>
+              <a:srgbClr val="00B050"/>
+            </a:solidFill>
+          </a:ln>
+        </p:spPr>
+        <p:style>
+          <a:lnRef idx="2">
+            <a:schemeClr val="accent1">
+              <a:shade val="15000"/>
+            </a:schemeClr>
+          </a:lnRef>
+          <a:fillRef idx="1">
+            <a:schemeClr val="accent1"/>
+          </a:fillRef>
+          <a:effectRef idx="0">
+            <a:schemeClr val="accent1"/>
+          </a:effectRef>
+          <a:fontRef idx="minor">
+            <a:schemeClr val="lt1"/>
+          </a:fontRef>
+        </p:style>
+        <p:txBody>
+          <a:bodyPr rtlCol="0" anchor="ctr"/>
+          <a:lstStyle/>
+          <a:p>
+            <a:pPr algn="ctr"/>
+            <a:endParaRPr lang="en-AU"/>
+          </a:p>
+        </p:txBody>
+      </p:sp>
+      <p:sp>
+        <p:nvSpPr>
+          <p:cNvPr id="10" name="Rectangle 9">
+            <a:extLst>
+              <a:ext uri="{FF2B5EF4-FFF2-40B4-BE49-F238E27FC236}">
+                <a16:creationId xmlns:a16="http://schemas.microsoft.com/office/drawing/2014/main" id="{0794CACD-4DEF-540D-8F5F-500376C6830C}"/>
+              </a:ext>
+            </a:extLst>
+          </p:cNvPr>
+          <p:cNvSpPr/>
+          <p:nvPr/>
+        </p:nvSpPr>
+        <p:spPr>
+          <a:xfrm>
+            <a:off x="3255490" y="4068563"/>
+            <a:ext cx="248664" cy="225975"/>
+          </a:xfrm>
+          <a:prstGeom prst="rect">
+            <a:avLst/>
+          </a:prstGeom>
+          <a:noFill/>
+          <a:ln>
+            <a:solidFill>
+              <a:srgbClr val="00B050"/>
+            </a:solidFill>
+          </a:ln>
+        </p:spPr>
+        <p:style>
+          <a:lnRef idx="2">
+            <a:schemeClr val="accent1">
+              <a:shade val="15000"/>
+            </a:schemeClr>
+          </a:lnRef>
+          <a:fillRef idx="1">
+            <a:schemeClr val="accent1"/>
+          </a:fillRef>
+          <a:effectRef idx="0">
+            <a:schemeClr val="accent1"/>
+          </a:effectRef>
+          <a:fontRef idx="minor">
+            <a:schemeClr val="lt1"/>
+          </a:fontRef>
+        </p:style>
+        <p:txBody>
+          <a:bodyPr rtlCol="0" anchor="ctr"/>
+          <a:lstStyle/>
+          <a:p>
+            <a:pPr algn="ctr"/>
+            <a:endParaRPr lang="en-AU"/>
+          </a:p>
+        </p:txBody>
+      </p:sp>
+      <p:sp>
+        <p:nvSpPr>
+          <p:cNvPr id="11" name="Rectangle 10">
+            <a:extLst>
+              <a:ext uri="{FF2B5EF4-FFF2-40B4-BE49-F238E27FC236}">
+                <a16:creationId xmlns:a16="http://schemas.microsoft.com/office/drawing/2014/main" id="{84A3CD62-4B4E-ACDB-6FEA-EAA4001655F7}"/>
+              </a:ext>
+            </a:extLst>
+          </p:cNvPr>
+          <p:cNvSpPr/>
+          <p:nvPr/>
+        </p:nvSpPr>
+        <p:spPr>
+          <a:xfrm>
+            <a:off x="3245974" y="5175451"/>
+            <a:ext cx="248664" cy="225975"/>
+          </a:xfrm>
+          <a:prstGeom prst="rect">
+            <a:avLst/>
+          </a:prstGeom>
+          <a:noFill/>
+          <a:ln>
+            <a:solidFill>
+              <a:srgbClr val="00B050"/>
+            </a:solidFill>
+          </a:ln>
+        </p:spPr>
+        <p:style>
+          <a:lnRef idx="2">
+            <a:schemeClr val="accent1">
+              <a:shade val="15000"/>
+            </a:schemeClr>
+          </a:lnRef>
+          <a:fillRef idx="1">
+            <a:schemeClr val="accent1"/>
+          </a:fillRef>
+          <a:effectRef idx="0">
+            <a:schemeClr val="accent1"/>
+          </a:effectRef>
+          <a:fontRef idx="minor">
+            <a:schemeClr val="lt1"/>
+          </a:fontRef>
+        </p:style>
+        <p:txBody>
+          <a:bodyPr rtlCol="0" anchor="ctr"/>
+          <a:lstStyle/>
+          <a:p>
+            <a:pPr algn="ctr"/>
+            <a:endParaRPr lang="en-AU"/>
           </a:p>
         </p:txBody>
       </p:sp>
       <p:cxnSp>
         <p:nvCxnSpPr>
-          <p:cNvPr id="8" name="Straight Arrow Connector 7">
-            <a:extLst>
-              <a:ext uri="{FF2B5EF4-FFF2-40B4-BE49-F238E27FC236}">
-                <a16:creationId xmlns:a16="http://schemas.microsoft.com/office/drawing/2014/main" id="{6981BB04-4450-2F6F-4355-503A5A6C203A}"/>
+          <p:cNvPr id="14" name="Straight Arrow Connector 13">
+            <a:extLst>
+              <a:ext uri="{FF2B5EF4-FFF2-40B4-BE49-F238E27FC236}">
+                <a16:creationId xmlns:a16="http://schemas.microsoft.com/office/drawing/2014/main" id="{59199772-8F5B-23FD-4FE3-996B8B7B7B9E}"/>
               </a:ext>
             </a:extLst>
           </p:cNvPr>
           <p:cNvCxnSpPr>
             <a:cxnSpLocks/>
-            <a:stCxn id="5" idx="1"/>
-            <a:endCxn id="3" idx="3"/>
+            <a:endCxn id="7" idx="1"/>
           </p:cNvCxnSpPr>
           <p:nvPr/>
         </p:nvCxnSpPr>
         <p:spPr>
-          <a:xfrm flipH="1">
-            <a:off x="7351413" y="1103701"/>
-            <a:ext cx="787503" cy="1"/>
+          <a:xfrm flipV="1">
+            <a:off x="2052489" y="2539678"/>
+            <a:ext cx="1203001" cy="674330"/>
+          </a:xfrm>
+          <a:prstGeom prst="straightConnector1">
+            <a:avLst/>
+          </a:prstGeom>
+          <a:ln>
+            <a:tailEnd type="triangle"/>
+          </a:ln>
+        </p:spPr>
+        <p:style>
+          <a:lnRef idx="2">
+            <a:schemeClr val="accent1"/>
+          </a:lnRef>
+          <a:fillRef idx="0">
+            <a:schemeClr val="accent1"/>
+          </a:fillRef>
+          <a:effectRef idx="1">
+            <a:schemeClr val="accent1"/>
+          </a:effectRef>
+          <a:fontRef idx="minor">
+            <a:schemeClr val="tx1"/>
+          </a:fontRef>
+        </p:style>
+      </p:cxnSp>
+      <p:cxnSp>
+        <p:nvCxnSpPr>
+          <p:cNvPr id="16" name="Straight Arrow Connector 15">
+            <a:extLst>
+              <a:ext uri="{FF2B5EF4-FFF2-40B4-BE49-F238E27FC236}">
+                <a16:creationId xmlns:a16="http://schemas.microsoft.com/office/drawing/2014/main" id="{254A7D66-1489-634B-A237-D1F984E45AA2}"/>
+              </a:ext>
+            </a:extLst>
+          </p:cNvPr>
+          <p:cNvCxnSpPr>
+            <a:endCxn id="9" idx="1"/>
+          </p:cNvCxnSpPr>
+          <p:nvPr/>
+        </p:nvCxnSpPr>
+        <p:spPr>
+          <a:xfrm flipV="1">
+            <a:off x="2052489" y="3372596"/>
+            <a:ext cx="1203001" cy="230683"/>
+          </a:xfrm>
+          <a:prstGeom prst="straightConnector1">
+            <a:avLst/>
+          </a:prstGeom>
+          <a:ln>
+            <a:tailEnd type="triangle"/>
+          </a:ln>
+        </p:spPr>
+        <p:style>
+          <a:lnRef idx="2">
+            <a:schemeClr val="accent1"/>
+          </a:lnRef>
+          <a:fillRef idx="0">
+            <a:schemeClr val="accent1"/>
+          </a:fillRef>
+          <a:effectRef idx="1">
+            <a:schemeClr val="accent1"/>
+          </a:effectRef>
+          <a:fontRef idx="minor">
+            <a:schemeClr val="tx1"/>
+          </a:fontRef>
+        </p:style>
+      </p:cxnSp>
+      <p:cxnSp>
+        <p:nvCxnSpPr>
+          <p:cNvPr id="18" name="Straight Arrow Connector 17">
+            <a:extLst>
+              <a:ext uri="{FF2B5EF4-FFF2-40B4-BE49-F238E27FC236}">
+                <a16:creationId xmlns:a16="http://schemas.microsoft.com/office/drawing/2014/main" id="{6C740A70-9DFE-4149-A53D-FE0C0CA96BBF}"/>
+              </a:ext>
+            </a:extLst>
+          </p:cNvPr>
+          <p:cNvCxnSpPr>
+            <a:cxnSpLocks/>
+            <a:endCxn id="10" idx="1"/>
+          </p:cNvCxnSpPr>
+          <p:nvPr/>
+        </p:nvCxnSpPr>
+        <p:spPr>
+          <a:xfrm>
+            <a:off x="2052489" y="4032999"/>
+            <a:ext cx="1203001" cy="148552"/>
+          </a:xfrm>
+          <a:prstGeom prst="straightConnector1">
+            <a:avLst/>
+          </a:prstGeom>
+          <a:ln>
+            <a:tailEnd type="triangle"/>
+          </a:ln>
+        </p:spPr>
+        <p:style>
+          <a:lnRef idx="2">
+            <a:schemeClr val="accent1"/>
+          </a:lnRef>
+          <a:fillRef idx="0">
+            <a:schemeClr val="accent1"/>
+          </a:fillRef>
+          <a:effectRef idx="1">
+            <a:schemeClr val="accent1"/>
+          </a:effectRef>
+          <a:fontRef idx="minor">
+            <a:schemeClr val="tx1"/>
+          </a:fontRef>
+        </p:style>
+      </p:cxnSp>
+      <p:cxnSp>
+        <p:nvCxnSpPr>
+          <p:cNvPr id="20" name="Straight Arrow Connector 19">
+            <a:extLst>
+              <a:ext uri="{FF2B5EF4-FFF2-40B4-BE49-F238E27FC236}">
+                <a16:creationId xmlns:a16="http://schemas.microsoft.com/office/drawing/2014/main" id="{9BBDF08C-B6B7-4CD9-7732-FF7548B3F4C0}"/>
+              </a:ext>
+            </a:extLst>
+          </p:cNvPr>
+          <p:cNvCxnSpPr>
+            <a:cxnSpLocks/>
+            <a:endCxn id="11" idx="1"/>
+          </p:cNvCxnSpPr>
+          <p:nvPr/>
+        </p:nvCxnSpPr>
+        <p:spPr>
+          <a:xfrm>
+            <a:off x="2052489" y="4294538"/>
+            <a:ext cx="1193485" cy="993901"/>
           </a:xfrm>
           <a:prstGeom prst="straightConnector1">
             <a:avLst/>
@@ -31216,10 +33037,10 @@
       </p:cxnSp>
       <p:sp>
         <p:nvSpPr>
-          <p:cNvPr id="6" name="TextBox 5">
-            <a:extLst>
-              <a:ext uri="{FF2B5EF4-FFF2-40B4-BE49-F238E27FC236}">
-                <a16:creationId xmlns:a16="http://schemas.microsoft.com/office/drawing/2014/main" id="{A12ABABE-BECA-70AE-2A2A-C72BE9908691}"/>
+          <p:cNvPr id="12" name="TextBox 11">
+            <a:extLst>
+              <a:ext uri="{FF2B5EF4-FFF2-40B4-BE49-F238E27FC236}">
+                <a16:creationId xmlns:a16="http://schemas.microsoft.com/office/drawing/2014/main" id="{431A6EBB-A203-8787-4E34-76813F5D9DB4}"/>
               </a:ext>
             </a:extLst>
           </p:cNvPr>
@@ -31228,8 +33049,8 @@
         </p:nvSpPr>
         <p:spPr>
           <a:xfrm>
-            <a:off x="212977" y="3175503"/>
-            <a:ext cx="1839512" cy="1200329"/>
+            <a:off x="7852593" y="5040130"/>
+            <a:ext cx="1988524" cy="923330"/>
           </a:xfrm>
           <a:prstGeom prst="rect">
             <a:avLst/>
@@ -31249,16 +33070,20 @@
           <a:p>
             <a:pPr algn="ctr"/>
             <a:r>
+              <a:rPr lang="en-CA" b="1" dirty="0"/>
+              <a:t>Good comments </a:t>
+            </a:r>
+            <a:r>
               <a:rPr lang="en-CA" dirty="0"/>
-              <a:t>Python source code comments always start with the </a:t>
+              <a:t>make your code more </a:t>
             </a:r>
             <a:r>
               <a:rPr lang="en-CA" b="1" dirty="0"/>
-              <a:t>#</a:t>
+              <a:t>readable</a:t>
             </a:r>
             <a:r>
               <a:rPr lang="en-CA" dirty="0"/>
-              <a:t> character.</a:t>
+              <a:t>.</a:t>
             </a:r>
             <a:endParaRPr lang="en-AU" dirty="0"/>
           </a:p>
@@ -31266,10 +33091,10 @@
       </p:sp>
       <p:sp>
         <p:nvSpPr>
-          <p:cNvPr id="7" name="Rectangle 6">
-            <a:extLst>
-              <a:ext uri="{FF2B5EF4-FFF2-40B4-BE49-F238E27FC236}">
-                <a16:creationId xmlns:a16="http://schemas.microsoft.com/office/drawing/2014/main" id="{2DD4A06E-6EA9-9E5B-B036-171F18A00701}"/>
+          <p:cNvPr id="17" name="Rectangle 16">
+            <a:extLst>
+              <a:ext uri="{FF2B5EF4-FFF2-40B4-BE49-F238E27FC236}">
+                <a16:creationId xmlns:a16="http://schemas.microsoft.com/office/drawing/2014/main" id="{D207C1FB-ADA0-6329-828E-B7D650F04ADE}"/>
               </a:ext>
             </a:extLst>
           </p:cNvPr>
@@ -31278,7 +33103,7 @@
         </p:nvSpPr>
         <p:spPr>
           <a:xfrm>
-            <a:off x="3255490" y="2426690"/>
+            <a:off x="3259277" y="4366495"/>
             <a:ext cx="248664" cy="225975"/>
           </a:xfrm>
           <a:prstGeom prst="rect">
@@ -31316,306 +33141,25 @@
           </a:p>
         </p:txBody>
       </p:sp>
-      <p:sp>
-        <p:nvSpPr>
-          <p:cNvPr id="9" name="Rectangle 8">
-            <a:extLst>
-              <a:ext uri="{FF2B5EF4-FFF2-40B4-BE49-F238E27FC236}">
-                <a16:creationId xmlns:a16="http://schemas.microsoft.com/office/drawing/2014/main" id="{6293C046-2D75-7FE3-9E50-29B3A64E49E9}"/>
-              </a:ext>
-            </a:extLst>
-          </p:cNvPr>
-          <p:cNvSpPr/>
-          <p:nvPr/>
-        </p:nvSpPr>
-        <p:spPr>
-          <a:xfrm>
-            <a:off x="3255490" y="3259608"/>
-            <a:ext cx="248664" cy="225975"/>
-          </a:xfrm>
-          <a:prstGeom prst="rect">
-            <a:avLst/>
-          </a:prstGeom>
-          <a:noFill/>
-          <a:ln>
-            <a:solidFill>
-              <a:srgbClr val="00B050"/>
-            </a:solidFill>
-          </a:ln>
-        </p:spPr>
-        <p:style>
-          <a:lnRef idx="2">
-            <a:schemeClr val="accent1">
-              <a:shade val="15000"/>
-            </a:schemeClr>
-          </a:lnRef>
-          <a:fillRef idx="1">
-            <a:schemeClr val="accent1"/>
-          </a:fillRef>
-          <a:effectRef idx="0">
-            <a:schemeClr val="accent1"/>
-          </a:effectRef>
-          <a:fontRef idx="minor">
-            <a:schemeClr val="lt1"/>
-          </a:fontRef>
-        </p:style>
-        <p:txBody>
-          <a:bodyPr rtlCol="0" anchor="ctr"/>
-          <a:lstStyle/>
-          <a:p>
-            <a:pPr algn="ctr"/>
-            <a:endParaRPr lang="en-AU"/>
-          </a:p>
-        </p:txBody>
-      </p:sp>
-      <p:sp>
-        <p:nvSpPr>
-          <p:cNvPr id="10" name="Rectangle 9">
-            <a:extLst>
-              <a:ext uri="{FF2B5EF4-FFF2-40B4-BE49-F238E27FC236}">
-                <a16:creationId xmlns:a16="http://schemas.microsoft.com/office/drawing/2014/main" id="{0794CACD-4DEF-540D-8F5F-500376C6830C}"/>
-              </a:ext>
-            </a:extLst>
-          </p:cNvPr>
-          <p:cNvSpPr/>
-          <p:nvPr/>
-        </p:nvSpPr>
-        <p:spPr>
-          <a:xfrm>
-            <a:off x="3255490" y="4068563"/>
-            <a:ext cx="248664" cy="225975"/>
-          </a:xfrm>
-          <a:prstGeom prst="rect">
-            <a:avLst/>
-          </a:prstGeom>
-          <a:noFill/>
-          <a:ln>
-            <a:solidFill>
-              <a:srgbClr val="00B050"/>
-            </a:solidFill>
-          </a:ln>
-        </p:spPr>
-        <p:style>
-          <a:lnRef idx="2">
-            <a:schemeClr val="accent1">
-              <a:shade val="15000"/>
-            </a:schemeClr>
-          </a:lnRef>
-          <a:fillRef idx="1">
-            <a:schemeClr val="accent1"/>
-          </a:fillRef>
-          <a:effectRef idx="0">
-            <a:schemeClr val="accent1"/>
-          </a:effectRef>
-          <a:fontRef idx="minor">
-            <a:schemeClr val="lt1"/>
-          </a:fontRef>
-        </p:style>
-        <p:txBody>
-          <a:bodyPr rtlCol="0" anchor="ctr"/>
-          <a:lstStyle/>
-          <a:p>
-            <a:pPr algn="ctr"/>
-            <a:endParaRPr lang="en-AU"/>
-          </a:p>
-        </p:txBody>
-      </p:sp>
-      <p:sp>
-        <p:nvSpPr>
-          <p:cNvPr id="11" name="Rectangle 10">
-            <a:extLst>
-              <a:ext uri="{FF2B5EF4-FFF2-40B4-BE49-F238E27FC236}">
-                <a16:creationId xmlns:a16="http://schemas.microsoft.com/office/drawing/2014/main" id="{84A3CD62-4B4E-ACDB-6FEA-EAA4001655F7}"/>
-              </a:ext>
-            </a:extLst>
-          </p:cNvPr>
-          <p:cNvSpPr/>
-          <p:nvPr/>
-        </p:nvSpPr>
-        <p:spPr>
-          <a:xfrm>
-            <a:off x="3245974" y="5175451"/>
-            <a:ext cx="248664" cy="225975"/>
-          </a:xfrm>
-          <a:prstGeom prst="rect">
-            <a:avLst/>
-          </a:prstGeom>
-          <a:noFill/>
-          <a:ln>
-            <a:solidFill>
-              <a:srgbClr val="00B050"/>
-            </a:solidFill>
-          </a:ln>
-        </p:spPr>
-        <p:style>
-          <a:lnRef idx="2">
-            <a:schemeClr val="accent1">
-              <a:shade val="15000"/>
-            </a:schemeClr>
-          </a:lnRef>
-          <a:fillRef idx="1">
-            <a:schemeClr val="accent1"/>
-          </a:fillRef>
-          <a:effectRef idx="0">
-            <a:schemeClr val="accent1"/>
-          </a:effectRef>
-          <a:fontRef idx="minor">
-            <a:schemeClr val="lt1"/>
-          </a:fontRef>
-        </p:style>
-        <p:txBody>
-          <a:bodyPr rtlCol="0" anchor="ctr"/>
-          <a:lstStyle/>
-          <a:p>
-            <a:pPr algn="ctr"/>
-            <a:endParaRPr lang="en-AU"/>
-          </a:p>
-        </p:txBody>
-      </p:sp>
       <p:cxnSp>
         <p:nvCxnSpPr>
-          <p:cNvPr id="14" name="Straight Arrow Connector 13">
-            <a:extLst>
-              <a:ext uri="{FF2B5EF4-FFF2-40B4-BE49-F238E27FC236}">
-                <a16:creationId xmlns:a16="http://schemas.microsoft.com/office/drawing/2014/main" id="{59199772-8F5B-23FD-4FE3-996B8B7B7B9E}"/>
+          <p:cNvPr id="19" name="Straight Arrow Connector 18">
+            <a:extLst>
+              <a:ext uri="{FF2B5EF4-FFF2-40B4-BE49-F238E27FC236}">
+                <a16:creationId xmlns:a16="http://schemas.microsoft.com/office/drawing/2014/main" id="{4CB2B625-699B-8688-900F-C4AA06BD02B6}"/>
               </a:ext>
             </a:extLst>
           </p:cNvPr>
           <p:cNvCxnSpPr>
             <a:cxnSpLocks/>
-            <a:endCxn id="7" idx="1"/>
+            <a:endCxn id="17" idx="1"/>
           </p:cNvCxnSpPr>
           <p:nvPr/>
         </p:nvCxnSpPr>
         <p:spPr>
-          <a:xfrm flipV="1">
-            <a:off x="2052489" y="2539678"/>
-            <a:ext cx="1203001" cy="674330"/>
-          </a:xfrm>
-          <a:prstGeom prst="straightConnector1">
-            <a:avLst/>
-          </a:prstGeom>
-          <a:ln>
-            <a:tailEnd type="triangle"/>
-          </a:ln>
-        </p:spPr>
-        <p:style>
-          <a:lnRef idx="2">
-            <a:schemeClr val="accent1"/>
-          </a:lnRef>
-          <a:fillRef idx="0">
-            <a:schemeClr val="accent1"/>
-          </a:fillRef>
-          <a:effectRef idx="1">
-            <a:schemeClr val="accent1"/>
-          </a:effectRef>
-          <a:fontRef idx="minor">
-            <a:schemeClr val="tx1"/>
-          </a:fontRef>
-        </p:style>
-      </p:cxnSp>
-      <p:cxnSp>
-        <p:nvCxnSpPr>
-          <p:cNvPr id="16" name="Straight Arrow Connector 15">
-            <a:extLst>
-              <a:ext uri="{FF2B5EF4-FFF2-40B4-BE49-F238E27FC236}">
-                <a16:creationId xmlns:a16="http://schemas.microsoft.com/office/drawing/2014/main" id="{254A7D66-1489-634B-A237-D1F984E45AA2}"/>
-              </a:ext>
-            </a:extLst>
-          </p:cNvPr>
-          <p:cNvCxnSpPr>
-            <a:endCxn id="9" idx="1"/>
-          </p:cNvCxnSpPr>
-          <p:nvPr/>
-        </p:nvCxnSpPr>
-        <p:spPr>
-          <a:xfrm flipV="1">
-            <a:off x="2052489" y="3372596"/>
-            <a:ext cx="1203001" cy="230683"/>
-          </a:xfrm>
-          <a:prstGeom prst="straightConnector1">
-            <a:avLst/>
-          </a:prstGeom>
-          <a:ln>
-            <a:tailEnd type="triangle"/>
-          </a:ln>
-        </p:spPr>
-        <p:style>
-          <a:lnRef idx="2">
-            <a:schemeClr val="accent1"/>
-          </a:lnRef>
-          <a:fillRef idx="0">
-            <a:schemeClr val="accent1"/>
-          </a:fillRef>
-          <a:effectRef idx="1">
-            <a:schemeClr val="accent1"/>
-          </a:effectRef>
-          <a:fontRef idx="minor">
-            <a:schemeClr val="tx1"/>
-          </a:fontRef>
-        </p:style>
-      </p:cxnSp>
-      <p:cxnSp>
-        <p:nvCxnSpPr>
-          <p:cNvPr id="18" name="Straight Arrow Connector 17">
-            <a:extLst>
-              <a:ext uri="{FF2B5EF4-FFF2-40B4-BE49-F238E27FC236}">
-                <a16:creationId xmlns:a16="http://schemas.microsoft.com/office/drawing/2014/main" id="{6C740A70-9DFE-4149-A53D-FE0C0CA96BBF}"/>
-              </a:ext>
-            </a:extLst>
-          </p:cNvPr>
-          <p:cNvCxnSpPr>
-            <a:cxnSpLocks/>
-            <a:endCxn id="10" idx="1"/>
-          </p:cNvCxnSpPr>
-          <p:nvPr/>
-        </p:nvCxnSpPr>
-        <p:spPr>
           <a:xfrm>
-            <a:off x="2052489" y="4032999"/>
-            <a:ext cx="1203001" cy="148552"/>
-          </a:xfrm>
-          <a:prstGeom prst="straightConnector1">
-            <a:avLst/>
-          </a:prstGeom>
-          <a:ln>
-            <a:tailEnd type="triangle"/>
-          </a:ln>
-        </p:spPr>
-        <p:style>
-          <a:lnRef idx="2">
-            <a:schemeClr val="accent1"/>
-          </a:lnRef>
-          <a:fillRef idx="0">
-            <a:schemeClr val="accent1"/>
-          </a:fillRef>
-          <a:effectRef idx="1">
-            <a:schemeClr val="accent1"/>
-          </a:effectRef>
-          <a:fontRef idx="minor">
-            <a:schemeClr val="tx1"/>
-          </a:fontRef>
-        </p:style>
-      </p:cxnSp>
-      <p:cxnSp>
-        <p:nvCxnSpPr>
-          <p:cNvPr id="20" name="Straight Arrow Connector 19">
-            <a:extLst>
-              <a:ext uri="{FF2B5EF4-FFF2-40B4-BE49-F238E27FC236}">
-                <a16:creationId xmlns:a16="http://schemas.microsoft.com/office/drawing/2014/main" id="{9BBDF08C-B6B7-4CD9-7732-FF7548B3F4C0}"/>
-              </a:ext>
-            </a:extLst>
-          </p:cNvPr>
-          <p:cNvCxnSpPr>
-            <a:cxnSpLocks/>
-            <a:endCxn id="11" idx="1"/>
-          </p:cNvCxnSpPr>
-          <p:nvPr/>
-        </p:nvCxnSpPr>
-        <p:spPr>
-          <a:xfrm>
-            <a:off x="2052489" y="4294538"/>
-            <a:ext cx="1193485" cy="993901"/>
+            <a:off x="2047731" y="4163769"/>
+            <a:ext cx="1211546" cy="315714"/>
           </a:xfrm>
           <a:prstGeom prst="straightConnector1">
             <a:avLst/>
@@ -31641,10 +33185,10 @@
       </p:cxnSp>
       <p:sp>
         <p:nvSpPr>
-          <p:cNvPr id="12" name="TextBox 11">
-            <a:extLst>
-              <a:ext uri="{FF2B5EF4-FFF2-40B4-BE49-F238E27FC236}">
-                <a16:creationId xmlns:a16="http://schemas.microsoft.com/office/drawing/2014/main" id="{431A6EBB-A203-8787-4E34-76813F5D9DB4}"/>
+          <p:cNvPr id="15" name="TextBox 14">
+            <a:extLst>
+              <a:ext uri="{FF2B5EF4-FFF2-40B4-BE49-F238E27FC236}">
+                <a16:creationId xmlns:a16="http://schemas.microsoft.com/office/drawing/2014/main" id="{BE934AA0-733F-CA0C-7880-EABCB78809EA}"/>
               </a:ext>
             </a:extLst>
           </p:cNvPr>
@@ -31653,8 +33197,8 @@
         </p:nvSpPr>
         <p:spPr>
           <a:xfrm>
-            <a:off x="7852593" y="5040130"/>
-            <a:ext cx="1988524" cy="923330"/>
+            <a:off x="8138916" y="503536"/>
+            <a:ext cx="2920352" cy="923330"/>
           </a:xfrm>
           <a:prstGeom prst="rect">
             <a:avLst/>
@@ -31675,118 +33219,16 @@
             <a:pPr algn="ctr"/>
             <a:r>
               <a:rPr lang="en-CA" b="1" dirty="0"/>
-              <a:t>Good comments </a:t>
+              <a:t>Python ignores source code comments </a:t>
             </a:r>
             <a:r>
               <a:rPr lang="en-CA" dirty="0"/>
-              <a:t>make your code more </a:t>
-            </a:r>
-            <a:r>
-              <a:rPr lang="en-CA" b="1" dirty="0"/>
-              <a:t>readable</a:t>
-            </a:r>
-            <a:r>
-              <a:rPr lang="en-CA" dirty="0"/>
-              <a:t>.</a:t>
+              <a:t>… it just skips over them. </a:t>
             </a:r>
             <a:endParaRPr lang="en-AU" dirty="0"/>
           </a:p>
         </p:txBody>
       </p:sp>
-      <p:sp>
-        <p:nvSpPr>
-          <p:cNvPr id="17" name="Rectangle 16">
-            <a:extLst>
-              <a:ext uri="{FF2B5EF4-FFF2-40B4-BE49-F238E27FC236}">
-                <a16:creationId xmlns:a16="http://schemas.microsoft.com/office/drawing/2014/main" id="{D207C1FB-ADA0-6329-828E-B7D650F04ADE}"/>
-              </a:ext>
-            </a:extLst>
-          </p:cNvPr>
-          <p:cNvSpPr/>
-          <p:nvPr/>
-        </p:nvSpPr>
-        <p:spPr>
-          <a:xfrm>
-            <a:off x="3259277" y="4366495"/>
-            <a:ext cx="248664" cy="225975"/>
-          </a:xfrm>
-          <a:prstGeom prst="rect">
-            <a:avLst/>
-          </a:prstGeom>
-          <a:noFill/>
-          <a:ln>
-            <a:solidFill>
-              <a:srgbClr val="00B050"/>
-            </a:solidFill>
-          </a:ln>
-        </p:spPr>
-        <p:style>
-          <a:lnRef idx="2">
-            <a:schemeClr val="accent1">
-              <a:shade val="15000"/>
-            </a:schemeClr>
-          </a:lnRef>
-          <a:fillRef idx="1">
-            <a:schemeClr val="accent1"/>
-          </a:fillRef>
-          <a:effectRef idx="0">
-            <a:schemeClr val="accent1"/>
-          </a:effectRef>
-          <a:fontRef idx="minor">
-            <a:schemeClr val="lt1"/>
-          </a:fontRef>
-        </p:style>
-        <p:txBody>
-          <a:bodyPr rtlCol="0" anchor="ctr"/>
-          <a:lstStyle/>
-          <a:p>
-            <a:pPr algn="ctr"/>
-            <a:endParaRPr lang="en-AU"/>
-          </a:p>
-        </p:txBody>
-      </p:sp>
-      <p:cxnSp>
-        <p:nvCxnSpPr>
-          <p:cNvPr id="19" name="Straight Arrow Connector 18">
-            <a:extLst>
-              <a:ext uri="{FF2B5EF4-FFF2-40B4-BE49-F238E27FC236}">
-                <a16:creationId xmlns:a16="http://schemas.microsoft.com/office/drawing/2014/main" id="{4CB2B625-699B-8688-900F-C4AA06BD02B6}"/>
-              </a:ext>
-            </a:extLst>
-          </p:cNvPr>
-          <p:cNvCxnSpPr>
-            <a:cxnSpLocks/>
-            <a:endCxn id="17" idx="1"/>
-          </p:cNvCxnSpPr>
-          <p:nvPr/>
-        </p:nvCxnSpPr>
-        <p:spPr>
-          <a:xfrm>
-            <a:off x="2047731" y="4163769"/>
-            <a:ext cx="1211546" cy="315714"/>
-          </a:xfrm>
-          <a:prstGeom prst="straightConnector1">
-            <a:avLst/>
-          </a:prstGeom>
-          <a:ln>
-            <a:tailEnd type="triangle"/>
-          </a:ln>
-        </p:spPr>
-        <p:style>
-          <a:lnRef idx="2">
-            <a:schemeClr val="accent1"/>
-          </a:lnRef>
-          <a:fillRef idx="0">
-            <a:schemeClr val="accent1"/>
-          </a:fillRef>
-          <a:effectRef idx="1">
-            <a:schemeClr val="accent1"/>
-          </a:effectRef>
-          <a:fontRef idx="minor">
-            <a:schemeClr val="tx1"/>
-          </a:fontRef>
-        </p:style>
-      </p:cxnSp>
     </p:spTree>
     <p:extLst>
       <p:ext uri="{BB962C8B-B14F-4D97-AF65-F5344CB8AC3E}">
@@ -32034,12 +33476,54 @@
           </a:p>
         </p:txBody>
       </p:sp>
+      <p:cxnSp>
+        <p:nvCxnSpPr>
+          <p:cNvPr id="8" name="Straight Arrow Connector 7">
+            <a:extLst>
+              <a:ext uri="{FF2B5EF4-FFF2-40B4-BE49-F238E27FC236}">
+                <a16:creationId xmlns:a16="http://schemas.microsoft.com/office/drawing/2014/main" id="{6981BB04-4450-2F6F-4355-503A5A6C203A}"/>
+              </a:ext>
+            </a:extLst>
+          </p:cNvPr>
+          <p:cNvCxnSpPr>
+            <a:cxnSpLocks/>
+            <a:endCxn id="3" idx="3"/>
+          </p:cNvCxnSpPr>
+          <p:nvPr/>
+        </p:nvCxnSpPr>
+        <p:spPr>
+          <a:xfrm flipH="1">
+            <a:off x="7351413" y="1103701"/>
+            <a:ext cx="787503" cy="1"/>
+          </a:xfrm>
+          <a:prstGeom prst="straightConnector1">
+            <a:avLst/>
+          </a:prstGeom>
+          <a:ln>
+            <a:tailEnd type="triangle"/>
+          </a:ln>
+        </p:spPr>
+        <p:style>
+          <a:lnRef idx="2">
+            <a:schemeClr val="accent1"/>
+          </a:lnRef>
+          <a:fillRef idx="0">
+            <a:schemeClr val="accent1"/>
+          </a:fillRef>
+          <a:effectRef idx="1">
+            <a:schemeClr val="accent1"/>
+          </a:effectRef>
+          <a:fontRef idx="minor">
+            <a:schemeClr val="tx1"/>
+          </a:fontRef>
+        </p:style>
+      </p:cxnSp>
       <p:sp>
         <p:nvSpPr>
-          <p:cNvPr id="5" name="TextBox 4">
-            <a:extLst>
-              <a:ext uri="{FF2B5EF4-FFF2-40B4-BE49-F238E27FC236}">
-                <a16:creationId xmlns:a16="http://schemas.microsoft.com/office/drawing/2014/main" id="{D00CB93A-3320-C18B-4C74-541FB845D35B}"/>
+          <p:cNvPr id="12" name="TextBox 11">
+            <a:extLst>
+              <a:ext uri="{FF2B5EF4-FFF2-40B4-BE49-F238E27FC236}">
+                <a16:creationId xmlns:a16="http://schemas.microsoft.com/office/drawing/2014/main" id="{431A6EBB-A203-8787-4E34-76813F5D9DB4}"/>
               </a:ext>
             </a:extLst>
           </p:cNvPr>
@@ -32048,8 +33532,8 @@
         </p:nvSpPr>
         <p:spPr>
           <a:xfrm>
-            <a:off x="8138916" y="503536"/>
-            <a:ext cx="2920352" cy="1200329"/>
+            <a:off x="465666" y="2163839"/>
+            <a:ext cx="1988524" cy="923330"/>
           </a:xfrm>
           <a:prstGeom prst="rect">
             <a:avLst/>
@@ -32070,65 +33554,30 @@
             <a:pPr algn="ctr"/>
             <a:r>
               <a:rPr lang="en-CA" b="1" dirty="0"/>
-              <a:t>Python ignores source code comments </a:t>
+              <a:t>Good comments </a:t>
             </a:r>
             <a:r>
               <a:rPr lang="en-CA" dirty="0"/>
-              <a:t>… it just reads over them. They’re for other humans.</a:t>
+              <a:t>make your code more </a:t>
+            </a:r>
+            <a:r>
+              <a:rPr lang="en-CA" b="1" dirty="0"/>
+              <a:t>readable</a:t>
+            </a:r>
+            <a:r>
+              <a:rPr lang="en-CA" dirty="0"/>
+              <a:t>.</a:t>
             </a:r>
             <a:endParaRPr lang="en-AU" dirty="0"/>
           </a:p>
         </p:txBody>
       </p:sp>
-      <p:cxnSp>
-        <p:nvCxnSpPr>
-          <p:cNvPr id="8" name="Straight Arrow Connector 7">
-            <a:extLst>
-              <a:ext uri="{FF2B5EF4-FFF2-40B4-BE49-F238E27FC236}">
-                <a16:creationId xmlns:a16="http://schemas.microsoft.com/office/drawing/2014/main" id="{6981BB04-4450-2F6F-4355-503A5A6C203A}"/>
-              </a:ext>
-            </a:extLst>
-          </p:cNvPr>
-          <p:cNvCxnSpPr>
-            <a:cxnSpLocks/>
-            <a:stCxn id="5" idx="1"/>
-            <a:endCxn id="3" idx="3"/>
-          </p:cNvCxnSpPr>
-          <p:nvPr/>
-        </p:nvCxnSpPr>
-        <p:spPr>
-          <a:xfrm flipH="1">
-            <a:off x="7351413" y="1103701"/>
-            <a:ext cx="787503" cy="1"/>
-          </a:xfrm>
-          <a:prstGeom prst="straightConnector1">
-            <a:avLst/>
-          </a:prstGeom>
-          <a:ln>
-            <a:tailEnd type="triangle"/>
-          </a:ln>
-        </p:spPr>
-        <p:style>
-          <a:lnRef idx="2">
-            <a:schemeClr val="accent1"/>
-          </a:lnRef>
-          <a:fillRef idx="0">
-            <a:schemeClr val="accent1"/>
-          </a:fillRef>
-          <a:effectRef idx="1">
-            <a:schemeClr val="accent1"/>
-          </a:effectRef>
-          <a:fontRef idx="minor">
-            <a:schemeClr val="tx1"/>
-          </a:fontRef>
-        </p:style>
-      </p:cxnSp>
       <p:sp>
         <p:nvSpPr>
-          <p:cNvPr id="12" name="TextBox 11">
-            <a:extLst>
-              <a:ext uri="{FF2B5EF4-FFF2-40B4-BE49-F238E27FC236}">
-                <a16:creationId xmlns:a16="http://schemas.microsoft.com/office/drawing/2014/main" id="{431A6EBB-A203-8787-4E34-76813F5D9DB4}"/>
+          <p:cNvPr id="15" name="TextBox 14">
+            <a:extLst>
+              <a:ext uri="{FF2B5EF4-FFF2-40B4-BE49-F238E27FC236}">
+                <a16:creationId xmlns:a16="http://schemas.microsoft.com/office/drawing/2014/main" id="{E92F2C95-4E44-8150-7503-55166FD05140}"/>
               </a:ext>
             </a:extLst>
           </p:cNvPr>
@@ -32137,8 +33586,8 @@
         </p:nvSpPr>
         <p:spPr>
           <a:xfrm>
-            <a:off x="465666" y="2163839"/>
-            <a:ext cx="1988524" cy="923330"/>
+            <a:off x="9481408" y="2362474"/>
+            <a:ext cx="2369577" cy="1200329"/>
           </a:xfrm>
           <a:prstGeom prst="rect">
             <a:avLst/>
@@ -32158,20 +33607,16 @@
           <a:p>
             <a:pPr algn="ctr"/>
             <a:r>
+              <a:rPr lang="en-CA" dirty="0"/>
+              <a:t>These comments are </a:t>
+            </a:r>
+            <a:r>
               <a:rPr lang="en-CA" b="1" dirty="0"/>
-              <a:t>Good comments </a:t>
+              <a:t>questionable</a:t>
             </a:r>
             <a:r>
               <a:rPr lang="en-CA" dirty="0"/>
-              <a:t>make your code more </a:t>
-            </a:r>
-            <a:r>
-              <a:rPr lang="en-CA" b="1" dirty="0"/>
-              <a:t>readable</a:t>
-            </a:r>
-            <a:r>
-              <a:rPr lang="en-CA" dirty="0"/>
-              <a:t>.</a:t>
+              <a:t>: the code is already pretty clear.</a:t>
             </a:r>
             <a:endParaRPr lang="en-AU" dirty="0"/>
           </a:p>
@@ -32179,10 +33624,166 @@
       </p:sp>
       <p:sp>
         <p:nvSpPr>
-          <p:cNvPr id="15" name="TextBox 14">
-            <a:extLst>
-              <a:ext uri="{FF2B5EF4-FFF2-40B4-BE49-F238E27FC236}">
-                <a16:creationId xmlns:a16="http://schemas.microsoft.com/office/drawing/2014/main" id="{E92F2C95-4E44-8150-7503-55166FD05140}"/>
+          <p:cNvPr id="21" name="Rectangle 20">
+            <a:extLst>
+              <a:ext uri="{FF2B5EF4-FFF2-40B4-BE49-F238E27FC236}">
+                <a16:creationId xmlns:a16="http://schemas.microsoft.com/office/drawing/2014/main" id="{286214AB-C7A1-060C-58B0-2EB7C8546BB4}"/>
+              </a:ext>
+            </a:extLst>
+          </p:cNvPr>
+          <p:cNvSpPr/>
+          <p:nvPr/>
+        </p:nvSpPr>
+        <p:spPr>
+          <a:xfrm>
+            <a:off x="3270249" y="2399529"/>
+            <a:ext cx="4597212" cy="563109"/>
+          </a:xfrm>
+          <a:prstGeom prst="rect">
+            <a:avLst/>
+          </a:prstGeom>
+          <a:noFill/>
+          <a:ln>
+            <a:solidFill>
+              <a:srgbClr val="00B050"/>
+            </a:solidFill>
+          </a:ln>
+        </p:spPr>
+        <p:style>
+          <a:lnRef idx="2">
+            <a:schemeClr val="accent1">
+              <a:shade val="15000"/>
+            </a:schemeClr>
+          </a:lnRef>
+          <a:fillRef idx="1">
+            <a:schemeClr val="accent1"/>
+          </a:fillRef>
+          <a:effectRef idx="0">
+            <a:schemeClr val="accent1"/>
+          </a:effectRef>
+          <a:fontRef idx="minor">
+            <a:schemeClr val="lt1"/>
+          </a:fontRef>
+        </p:style>
+        <p:txBody>
+          <a:bodyPr rtlCol="0" anchor="ctr"/>
+          <a:lstStyle/>
+          <a:p>
+            <a:pPr algn="ctr"/>
+            <a:endParaRPr lang="en-AU"/>
+          </a:p>
+        </p:txBody>
+      </p:sp>
+      <p:sp>
+        <p:nvSpPr>
+          <p:cNvPr id="22" name="Rectangle 21">
+            <a:extLst>
+              <a:ext uri="{FF2B5EF4-FFF2-40B4-BE49-F238E27FC236}">
+                <a16:creationId xmlns:a16="http://schemas.microsoft.com/office/drawing/2014/main" id="{1F01744D-64D4-FDEA-99EB-411094AB7619}"/>
+              </a:ext>
+            </a:extLst>
+          </p:cNvPr>
+          <p:cNvSpPr/>
+          <p:nvPr/>
+        </p:nvSpPr>
+        <p:spPr>
+          <a:xfrm>
+            <a:off x="3270249" y="3232447"/>
+            <a:ext cx="4597212" cy="563109"/>
+          </a:xfrm>
+          <a:prstGeom prst="rect">
+            <a:avLst/>
+          </a:prstGeom>
+          <a:noFill/>
+          <a:ln>
+            <a:solidFill>
+              <a:srgbClr val="00B050"/>
+            </a:solidFill>
+          </a:ln>
+        </p:spPr>
+        <p:style>
+          <a:lnRef idx="2">
+            <a:schemeClr val="accent1">
+              <a:shade val="15000"/>
+            </a:schemeClr>
+          </a:lnRef>
+          <a:fillRef idx="1">
+            <a:schemeClr val="accent1"/>
+          </a:fillRef>
+          <a:effectRef idx="0">
+            <a:schemeClr val="accent1"/>
+          </a:effectRef>
+          <a:fontRef idx="minor">
+            <a:schemeClr val="lt1"/>
+          </a:fontRef>
+        </p:style>
+        <p:txBody>
+          <a:bodyPr rtlCol="0" anchor="ctr"/>
+          <a:lstStyle/>
+          <a:p>
+            <a:pPr algn="ctr"/>
+            <a:endParaRPr lang="en-AU"/>
+          </a:p>
+        </p:txBody>
+      </p:sp>
+      <p:sp>
+        <p:nvSpPr>
+          <p:cNvPr id="23" name="Rectangle 22">
+            <a:extLst>
+              <a:ext uri="{FF2B5EF4-FFF2-40B4-BE49-F238E27FC236}">
+                <a16:creationId xmlns:a16="http://schemas.microsoft.com/office/drawing/2014/main" id="{B8953D3C-02E6-8A4B-35B8-462588357060}"/>
+              </a:ext>
+            </a:extLst>
+          </p:cNvPr>
+          <p:cNvSpPr/>
+          <p:nvPr/>
+        </p:nvSpPr>
+        <p:spPr>
+          <a:xfrm>
+            <a:off x="3245974" y="5139242"/>
+            <a:ext cx="4597212" cy="563109"/>
+          </a:xfrm>
+          <a:prstGeom prst="rect">
+            <a:avLst/>
+          </a:prstGeom>
+          <a:noFill/>
+          <a:ln>
+            <a:solidFill>
+              <a:srgbClr val="00B050"/>
+            </a:solidFill>
+          </a:ln>
+        </p:spPr>
+        <p:style>
+          <a:lnRef idx="2">
+            <a:schemeClr val="accent1">
+              <a:shade val="15000"/>
+            </a:schemeClr>
+          </a:lnRef>
+          <a:fillRef idx="1">
+            <a:schemeClr val="accent1"/>
+          </a:fillRef>
+          <a:effectRef idx="0">
+            <a:schemeClr val="accent1"/>
+          </a:effectRef>
+          <a:fontRef idx="minor">
+            <a:schemeClr val="lt1"/>
+          </a:fontRef>
+        </p:style>
+        <p:txBody>
+          <a:bodyPr rtlCol="0" anchor="ctr"/>
+          <a:lstStyle/>
+          <a:p>
+            <a:pPr algn="ctr"/>
+            <a:endParaRPr lang="en-AU"/>
+          </a:p>
+        </p:txBody>
+      </p:sp>
+      <p:sp>
+        <p:nvSpPr>
+          <p:cNvPr id="24" name="TextBox 23">
+            <a:extLst>
+              <a:ext uri="{FF2B5EF4-FFF2-40B4-BE49-F238E27FC236}">
+                <a16:creationId xmlns:a16="http://schemas.microsoft.com/office/drawing/2014/main" id="{7DB721F2-2E0A-64ED-6547-A519EF5B3697}"/>
               </a:ext>
             </a:extLst>
           </p:cNvPr>
@@ -32191,7 +33792,7 @@
         </p:nvSpPr>
         <p:spPr>
           <a:xfrm>
-            <a:off x="9481408" y="2362474"/>
+            <a:off x="9481407" y="4359412"/>
             <a:ext cx="2369577" cy="1200329"/>
           </a:xfrm>
           <a:prstGeom prst="rect">
@@ -32213,182 +33814,195 @@
             <a:pPr algn="ctr"/>
             <a:r>
               <a:rPr lang="en-CA" dirty="0"/>
-              <a:t>These comments are </a:t>
+              <a:t>The variables have </a:t>
             </a:r>
             <a:r>
               <a:rPr lang="en-CA" b="1" dirty="0"/>
-              <a:t>questionable</a:t>
+              <a:t>self-descriptive names</a:t>
             </a:r>
             <a:r>
               <a:rPr lang="en-CA" dirty="0"/>
-              <a:t>: the code is already pretty clear.</a:t>
+              <a:t>, which helps a lot with </a:t>
+            </a:r>
+            <a:r>
+              <a:rPr lang="en-CA" b="1" dirty="0"/>
+              <a:t>readability.</a:t>
             </a:r>
             <a:endParaRPr lang="en-AU" dirty="0"/>
           </a:p>
         </p:txBody>
       </p:sp>
+      <p:cxnSp>
+        <p:nvCxnSpPr>
+          <p:cNvPr id="26" name="Straight Arrow Connector 25">
+            <a:extLst>
+              <a:ext uri="{FF2B5EF4-FFF2-40B4-BE49-F238E27FC236}">
+                <a16:creationId xmlns:a16="http://schemas.microsoft.com/office/drawing/2014/main" id="{C366BC28-BACF-3B85-F793-5EBC821E260F}"/>
+              </a:ext>
+            </a:extLst>
+          </p:cNvPr>
+          <p:cNvCxnSpPr>
+            <a:cxnSpLocks/>
+            <a:stCxn id="24" idx="0"/>
+            <a:endCxn id="15" idx="2"/>
+          </p:cNvCxnSpPr>
+          <p:nvPr/>
+        </p:nvCxnSpPr>
+        <p:spPr>
+          <a:xfrm flipV="1">
+            <a:off x="10666196" y="3562803"/>
+            <a:ext cx="1" cy="796609"/>
+          </a:xfrm>
+          <a:prstGeom prst="straightConnector1">
+            <a:avLst/>
+          </a:prstGeom>
+          <a:ln>
+            <a:tailEnd type="triangle"/>
+          </a:ln>
+        </p:spPr>
+        <p:style>
+          <a:lnRef idx="2">
+            <a:schemeClr val="accent1"/>
+          </a:lnRef>
+          <a:fillRef idx="0">
+            <a:schemeClr val="accent1"/>
+          </a:fillRef>
+          <a:effectRef idx="1">
+            <a:schemeClr val="accent1"/>
+          </a:effectRef>
+          <a:fontRef idx="minor">
+            <a:schemeClr val="tx1"/>
+          </a:fontRef>
+        </p:style>
+      </p:cxnSp>
+      <p:cxnSp>
+        <p:nvCxnSpPr>
+          <p:cNvPr id="29" name="Straight Arrow Connector 28">
+            <a:extLst>
+              <a:ext uri="{FF2B5EF4-FFF2-40B4-BE49-F238E27FC236}">
+                <a16:creationId xmlns:a16="http://schemas.microsoft.com/office/drawing/2014/main" id="{3A8F9002-A448-D9B2-2D8E-3286A793562A}"/>
+              </a:ext>
+            </a:extLst>
+          </p:cNvPr>
+          <p:cNvCxnSpPr>
+            <a:endCxn id="21" idx="3"/>
+          </p:cNvCxnSpPr>
+          <p:nvPr/>
+        </p:nvCxnSpPr>
+        <p:spPr>
+          <a:xfrm flipH="1">
+            <a:off x="7867461" y="2625504"/>
+            <a:ext cx="1613946" cy="55580"/>
+          </a:xfrm>
+          <a:prstGeom prst="straightConnector1">
+            <a:avLst/>
+          </a:prstGeom>
+          <a:ln>
+            <a:tailEnd type="triangle"/>
+          </a:ln>
+        </p:spPr>
+        <p:style>
+          <a:lnRef idx="2">
+            <a:schemeClr val="accent1"/>
+          </a:lnRef>
+          <a:fillRef idx="0">
+            <a:schemeClr val="accent1"/>
+          </a:fillRef>
+          <a:effectRef idx="1">
+            <a:schemeClr val="accent1"/>
+          </a:effectRef>
+          <a:fontRef idx="minor">
+            <a:schemeClr val="tx1"/>
+          </a:fontRef>
+        </p:style>
+      </p:cxnSp>
+      <p:cxnSp>
+        <p:nvCxnSpPr>
+          <p:cNvPr id="31" name="Straight Arrow Connector 30">
+            <a:extLst>
+              <a:ext uri="{FF2B5EF4-FFF2-40B4-BE49-F238E27FC236}">
+                <a16:creationId xmlns:a16="http://schemas.microsoft.com/office/drawing/2014/main" id="{1100C525-50A7-733C-8BE1-2972CBA67814}"/>
+              </a:ext>
+            </a:extLst>
+          </p:cNvPr>
+          <p:cNvCxnSpPr>
+            <a:stCxn id="15" idx="1"/>
+            <a:endCxn id="22" idx="3"/>
+          </p:cNvCxnSpPr>
+          <p:nvPr/>
+        </p:nvCxnSpPr>
+        <p:spPr>
+          <a:xfrm flipH="1">
+            <a:off x="7867461" y="2962639"/>
+            <a:ext cx="1613947" cy="551363"/>
+          </a:xfrm>
+          <a:prstGeom prst="straightConnector1">
+            <a:avLst/>
+          </a:prstGeom>
+          <a:ln>
+            <a:tailEnd type="triangle"/>
+          </a:ln>
+        </p:spPr>
+        <p:style>
+          <a:lnRef idx="2">
+            <a:schemeClr val="accent1"/>
+          </a:lnRef>
+          <a:fillRef idx="0">
+            <a:schemeClr val="accent1"/>
+          </a:fillRef>
+          <a:effectRef idx="1">
+            <a:schemeClr val="accent1"/>
+          </a:effectRef>
+          <a:fontRef idx="minor">
+            <a:schemeClr val="tx1"/>
+          </a:fontRef>
+        </p:style>
+      </p:cxnSp>
+      <p:cxnSp>
+        <p:nvCxnSpPr>
+          <p:cNvPr id="33" name="Straight Arrow Connector 32">
+            <a:extLst>
+              <a:ext uri="{FF2B5EF4-FFF2-40B4-BE49-F238E27FC236}">
+                <a16:creationId xmlns:a16="http://schemas.microsoft.com/office/drawing/2014/main" id="{342A6E73-574F-7C5D-4A5A-816945E2863E}"/>
+              </a:ext>
+            </a:extLst>
+          </p:cNvPr>
+          <p:cNvCxnSpPr/>
+          <p:nvPr/>
+        </p:nvCxnSpPr>
+        <p:spPr>
+          <a:xfrm flipH="1">
+            <a:off x="7867461" y="3382193"/>
+            <a:ext cx="1613946" cy="1858938"/>
+          </a:xfrm>
+          <a:prstGeom prst="straightConnector1">
+            <a:avLst/>
+          </a:prstGeom>
+          <a:ln>
+            <a:tailEnd type="triangle"/>
+          </a:ln>
+        </p:spPr>
+        <p:style>
+          <a:lnRef idx="2">
+            <a:schemeClr val="accent1"/>
+          </a:lnRef>
+          <a:fillRef idx="0">
+            <a:schemeClr val="accent1"/>
+          </a:fillRef>
+          <a:effectRef idx="1">
+            <a:schemeClr val="accent1"/>
+          </a:effectRef>
+          <a:fontRef idx="minor">
+            <a:schemeClr val="tx1"/>
+          </a:fontRef>
+        </p:style>
+      </p:cxnSp>
       <p:sp>
         <p:nvSpPr>
-          <p:cNvPr id="21" name="Rectangle 20">
-            <a:extLst>
-              <a:ext uri="{FF2B5EF4-FFF2-40B4-BE49-F238E27FC236}">
-                <a16:creationId xmlns:a16="http://schemas.microsoft.com/office/drawing/2014/main" id="{286214AB-C7A1-060C-58B0-2EB7C8546BB4}"/>
-              </a:ext>
-            </a:extLst>
-          </p:cNvPr>
-          <p:cNvSpPr/>
-          <p:nvPr/>
-        </p:nvSpPr>
-        <p:spPr>
-          <a:xfrm>
-            <a:off x="3270249" y="2399529"/>
-            <a:ext cx="4597212" cy="563109"/>
-          </a:xfrm>
-          <a:prstGeom prst="rect">
-            <a:avLst/>
-          </a:prstGeom>
-          <a:noFill/>
-          <a:ln>
-            <a:solidFill>
-              <a:srgbClr val="00B050"/>
-            </a:solidFill>
-          </a:ln>
-        </p:spPr>
-        <p:style>
-          <a:lnRef idx="2">
-            <a:schemeClr val="accent1">
-              <a:shade val="15000"/>
-            </a:schemeClr>
-          </a:lnRef>
-          <a:fillRef idx="1">
-            <a:schemeClr val="accent1"/>
-          </a:fillRef>
-          <a:effectRef idx="0">
-            <a:schemeClr val="accent1"/>
-          </a:effectRef>
-          <a:fontRef idx="minor">
-            <a:schemeClr val="lt1"/>
-          </a:fontRef>
-        </p:style>
-        <p:txBody>
-          <a:bodyPr rtlCol="0" anchor="ctr"/>
-          <a:lstStyle/>
-          <a:p>
-            <a:pPr algn="ctr"/>
-            <a:endParaRPr lang="en-AU"/>
-          </a:p>
-        </p:txBody>
-      </p:sp>
-      <p:sp>
-        <p:nvSpPr>
-          <p:cNvPr id="22" name="Rectangle 21">
-            <a:extLst>
-              <a:ext uri="{FF2B5EF4-FFF2-40B4-BE49-F238E27FC236}">
-                <a16:creationId xmlns:a16="http://schemas.microsoft.com/office/drawing/2014/main" id="{1F01744D-64D4-FDEA-99EB-411094AB7619}"/>
-              </a:ext>
-            </a:extLst>
-          </p:cNvPr>
-          <p:cNvSpPr/>
-          <p:nvPr/>
-        </p:nvSpPr>
-        <p:spPr>
-          <a:xfrm>
-            <a:off x="3270249" y="3232447"/>
-            <a:ext cx="4597212" cy="563109"/>
-          </a:xfrm>
-          <a:prstGeom prst="rect">
-            <a:avLst/>
-          </a:prstGeom>
-          <a:noFill/>
-          <a:ln>
-            <a:solidFill>
-              <a:srgbClr val="00B050"/>
-            </a:solidFill>
-          </a:ln>
-        </p:spPr>
-        <p:style>
-          <a:lnRef idx="2">
-            <a:schemeClr val="accent1">
-              <a:shade val="15000"/>
-            </a:schemeClr>
-          </a:lnRef>
-          <a:fillRef idx="1">
-            <a:schemeClr val="accent1"/>
-          </a:fillRef>
-          <a:effectRef idx="0">
-            <a:schemeClr val="accent1"/>
-          </a:effectRef>
-          <a:fontRef idx="minor">
-            <a:schemeClr val="lt1"/>
-          </a:fontRef>
-        </p:style>
-        <p:txBody>
-          <a:bodyPr rtlCol="0" anchor="ctr"/>
-          <a:lstStyle/>
-          <a:p>
-            <a:pPr algn="ctr"/>
-            <a:endParaRPr lang="en-AU"/>
-          </a:p>
-        </p:txBody>
-      </p:sp>
-      <p:sp>
-        <p:nvSpPr>
-          <p:cNvPr id="23" name="Rectangle 22">
-            <a:extLst>
-              <a:ext uri="{FF2B5EF4-FFF2-40B4-BE49-F238E27FC236}">
-                <a16:creationId xmlns:a16="http://schemas.microsoft.com/office/drawing/2014/main" id="{B8953D3C-02E6-8A4B-35B8-462588357060}"/>
-              </a:ext>
-            </a:extLst>
-          </p:cNvPr>
-          <p:cNvSpPr/>
-          <p:nvPr/>
-        </p:nvSpPr>
-        <p:spPr>
-          <a:xfrm>
-            <a:off x="3245974" y="5139242"/>
-            <a:ext cx="4597212" cy="563109"/>
-          </a:xfrm>
-          <a:prstGeom prst="rect">
-            <a:avLst/>
-          </a:prstGeom>
-          <a:noFill/>
-          <a:ln>
-            <a:solidFill>
-              <a:srgbClr val="00B050"/>
-            </a:solidFill>
-          </a:ln>
-        </p:spPr>
-        <p:style>
-          <a:lnRef idx="2">
-            <a:schemeClr val="accent1">
-              <a:shade val="15000"/>
-            </a:schemeClr>
-          </a:lnRef>
-          <a:fillRef idx="1">
-            <a:schemeClr val="accent1"/>
-          </a:fillRef>
-          <a:effectRef idx="0">
-            <a:schemeClr val="accent1"/>
-          </a:effectRef>
-          <a:fontRef idx="minor">
-            <a:schemeClr val="lt1"/>
-          </a:fontRef>
-        </p:style>
-        <p:txBody>
-          <a:bodyPr rtlCol="0" anchor="ctr"/>
-          <a:lstStyle/>
-          <a:p>
-            <a:pPr algn="ctr"/>
-            <a:endParaRPr lang="en-AU"/>
-          </a:p>
-        </p:txBody>
-      </p:sp>
-      <p:sp>
-        <p:nvSpPr>
-          <p:cNvPr id="24" name="TextBox 23">
-            <a:extLst>
-              <a:ext uri="{FF2B5EF4-FFF2-40B4-BE49-F238E27FC236}">
-                <a16:creationId xmlns:a16="http://schemas.microsoft.com/office/drawing/2014/main" id="{7DB721F2-2E0A-64ED-6547-A519EF5B3697}"/>
+          <p:cNvPr id="6" name="TextBox 5">
+            <a:extLst>
+              <a:ext uri="{FF2B5EF4-FFF2-40B4-BE49-F238E27FC236}">
+                <a16:creationId xmlns:a16="http://schemas.microsoft.com/office/drawing/2014/main" id="{8AED4BCC-5322-034C-4295-990D254C4CB1}"/>
               </a:ext>
             </a:extLst>
           </p:cNvPr>
@@ -32397,8 +34011,8 @@
         </p:nvSpPr>
         <p:spPr>
           <a:xfrm>
-            <a:off x="9481407" y="4359412"/>
-            <a:ext cx="2369577" cy="1200329"/>
+            <a:off x="8138916" y="503536"/>
+            <a:ext cx="2920352" cy="923330"/>
           </a:xfrm>
           <a:prstGeom prst="rect">
             <a:avLst/>
@@ -32418,190 +34032,17 @@
           <a:p>
             <a:pPr algn="ctr"/>
             <a:r>
+              <a:rPr lang="en-CA" b="1" dirty="0"/>
+              <a:t>Python ignores source code comments </a:t>
+            </a:r>
+            <a:r>
               <a:rPr lang="en-CA" dirty="0"/>
-              <a:t>The variables have </a:t>
-            </a:r>
-            <a:r>
-              <a:rPr lang="en-CA" b="1" dirty="0"/>
-              <a:t>self-descriptive names</a:t>
-            </a:r>
-            <a:r>
-              <a:rPr lang="en-CA" dirty="0"/>
-              <a:t>, which helps a lot with </a:t>
-            </a:r>
-            <a:r>
-              <a:rPr lang="en-CA" b="1" dirty="0"/>
-              <a:t>readability.</a:t>
+              <a:t>… it just skips over them. </a:t>
             </a:r>
             <a:endParaRPr lang="en-AU" dirty="0"/>
           </a:p>
         </p:txBody>
       </p:sp>
-      <p:cxnSp>
-        <p:nvCxnSpPr>
-          <p:cNvPr id="26" name="Straight Arrow Connector 25">
-            <a:extLst>
-              <a:ext uri="{FF2B5EF4-FFF2-40B4-BE49-F238E27FC236}">
-                <a16:creationId xmlns:a16="http://schemas.microsoft.com/office/drawing/2014/main" id="{C366BC28-BACF-3B85-F793-5EBC821E260F}"/>
-              </a:ext>
-            </a:extLst>
-          </p:cNvPr>
-          <p:cNvCxnSpPr>
-            <a:cxnSpLocks/>
-            <a:stCxn id="24" idx="0"/>
-            <a:endCxn id="15" idx="2"/>
-          </p:cNvCxnSpPr>
-          <p:nvPr/>
-        </p:nvCxnSpPr>
-        <p:spPr>
-          <a:xfrm flipV="1">
-            <a:off x="10666196" y="3562803"/>
-            <a:ext cx="1" cy="796609"/>
-          </a:xfrm>
-          <a:prstGeom prst="straightConnector1">
-            <a:avLst/>
-          </a:prstGeom>
-          <a:ln>
-            <a:tailEnd type="triangle"/>
-          </a:ln>
-        </p:spPr>
-        <p:style>
-          <a:lnRef idx="2">
-            <a:schemeClr val="accent1"/>
-          </a:lnRef>
-          <a:fillRef idx="0">
-            <a:schemeClr val="accent1"/>
-          </a:fillRef>
-          <a:effectRef idx="1">
-            <a:schemeClr val="accent1"/>
-          </a:effectRef>
-          <a:fontRef idx="minor">
-            <a:schemeClr val="tx1"/>
-          </a:fontRef>
-        </p:style>
-      </p:cxnSp>
-      <p:cxnSp>
-        <p:nvCxnSpPr>
-          <p:cNvPr id="29" name="Straight Arrow Connector 28">
-            <a:extLst>
-              <a:ext uri="{FF2B5EF4-FFF2-40B4-BE49-F238E27FC236}">
-                <a16:creationId xmlns:a16="http://schemas.microsoft.com/office/drawing/2014/main" id="{3A8F9002-A448-D9B2-2D8E-3286A793562A}"/>
-              </a:ext>
-            </a:extLst>
-          </p:cNvPr>
-          <p:cNvCxnSpPr>
-            <a:endCxn id="21" idx="3"/>
-          </p:cNvCxnSpPr>
-          <p:nvPr/>
-        </p:nvCxnSpPr>
-        <p:spPr>
-          <a:xfrm flipH="1">
-            <a:off x="7867461" y="2625504"/>
-            <a:ext cx="1613946" cy="55580"/>
-          </a:xfrm>
-          <a:prstGeom prst="straightConnector1">
-            <a:avLst/>
-          </a:prstGeom>
-          <a:ln>
-            <a:tailEnd type="triangle"/>
-          </a:ln>
-        </p:spPr>
-        <p:style>
-          <a:lnRef idx="2">
-            <a:schemeClr val="accent1"/>
-          </a:lnRef>
-          <a:fillRef idx="0">
-            <a:schemeClr val="accent1"/>
-          </a:fillRef>
-          <a:effectRef idx="1">
-            <a:schemeClr val="accent1"/>
-          </a:effectRef>
-          <a:fontRef idx="minor">
-            <a:schemeClr val="tx1"/>
-          </a:fontRef>
-        </p:style>
-      </p:cxnSp>
-      <p:cxnSp>
-        <p:nvCxnSpPr>
-          <p:cNvPr id="31" name="Straight Arrow Connector 30">
-            <a:extLst>
-              <a:ext uri="{FF2B5EF4-FFF2-40B4-BE49-F238E27FC236}">
-                <a16:creationId xmlns:a16="http://schemas.microsoft.com/office/drawing/2014/main" id="{1100C525-50A7-733C-8BE1-2972CBA67814}"/>
-              </a:ext>
-            </a:extLst>
-          </p:cNvPr>
-          <p:cNvCxnSpPr>
-            <a:stCxn id="15" idx="1"/>
-            <a:endCxn id="22" idx="3"/>
-          </p:cNvCxnSpPr>
-          <p:nvPr/>
-        </p:nvCxnSpPr>
-        <p:spPr>
-          <a:xfrm flipH="1">
-            <a:off x="7867461" y="2962639"/>
-            <a:ext cx="1613947" cy="551363"/>
-          </a:xfrm>
-          <a:prstGeom prst="straightConnector1">
-            <a:avLst/>
-          </a:prstGeom>
-          <a:ln>
-            <a:tailEnd type="triangle"/>
-          </a:ln>
-        </p:spPr>
-        <p:style>
-          <a:lnRef idx="2">
-            <a:schemeClr val="accent1"/>
-          </a:lnRef>
-          <a:fillRef idx="0">
-            <a:schemeClr val="accent1"/>
-          </a:fillRef>
-          <a:effectRef idx="1">
-            <a:schemeClr val="accent1"/>
-          </a:effectRef>
-          <a:fontRef idx="minor">
-            <a:schemeClr val="tx1"/>
-          </a:fontRef>
-        </p:style>
-      </p:cxnSp>
-      <p:cxnSp>
-        <p:nvCxnSpPr>
-          <p:cNvPr id="33" name="Straight Arrow Connector 32">
-            <a:extLst>
-              <a:ext uri="{FF2B5EF4-FFF2-40B4-BE49-F238E27FC236}">
-                <a16:creationId xmlns:a16="http://schemas.microsoft.com/office/drawing/2014/main" id="{342A6E73-574F-7C5D-4A5A-816945E2863E}"/>
-              </a:ext>
-            </a:extLst>
-          </p:cNvPr>
-          <p:cNvCxnSpPr/>
-          <p:nvPr/>
-        </p:nvCxnSpPr>
-        <p:spPr>
-          <a:xfrm flipH="1">
-            <a:off x="7867461" y="3382193"/>
-            <a:ext cx="1613946" cy="1858938"/>
-          </a:xfrm>
-          <a:prstGeom prst="straightConnector1">
-            <a:avLst/>
-          </a:prstGeom>
-          <a:ln>
-            <a:tailEnd type="triangle"/>
-          </a:ln>
-        </p:spPr>
-        <p:style>
-          <a:lnRef idx="2">
-            <a:schemeClr val="accent1"/>
-          </a:lnRef>
-          <a:fillRef idx="0">
-            <a:schemeClr val="accent1"/>
-          </a:fillRef>
-          <a:effectRef idx="1">
-            <a:schemeClr val="accent1"/>
-          </a:effectRef>
-          <a:fontRef idx="minor">
-            <a:schemeClr val="tx1"/>
-          </a:fontRef>
-        </p:style>
-      </p:cxnSp>
     </p:spTree>
     <p:extLst>
       <p:ext uri="{BB962C8B-B14F-4D97-AF65-F5344CB8AC3E}">
@@ -32849,12 +34290,54 @@
           </a:p>
         </p:txBody>
       </p:sp>
+      <p:cxnSp>
+        <p:nvCxnSpPr>
+          <p:cNvPr id="8" name="Straight Arrow Connector 7">
+            <a:extLst>
+              <a:ext uri="{FF2B5EF4-FFF2-40B4-BE49-F238E27FC236}">
+                <a16:creationId xmlns:a16="http://schemas.microsoft.com/office/drawing/2014/main" id="{6981BB04-4450-2F6F-4355-503A5A6C203A}"/>
+              </a:ext>
+            </a:extLst>
+          </p:cNvPr>
+          <p:cNvCxnSpPr>
+            <a:cxnSpLocks/>
+            <a:endCxn id="3" idx="3"/>
+          </p:cNvCxnSpPr>
+          <p:nvPr/>
+        </p:nvCxnSpPr>
+        <p:spPr>
+          <a:xfrm flipH="1">
+            <a:off x="7351413" y="1103701"/>
+            <a:ext cx="787503" cy="1"/>
+          </a:xfrm>
+          <a:prstGeom prst="straightConnector1">
+            <a:avLst/>
+          </a:prstGeom>
+          <a:ln>
+            <a:tailEnd type="triangle"/>
+          </a:ln>
+        </p:spPr>
+        <p:style>
+          <a:lnRef idx="2">
+            <a:schemeClr val="accent1"/>
+          </a:lnRef>
+          <a:fillRef idx="0">
+            <a:schemeClr val="accent1"/>
+          </a:fillRef>
+          <a:effectRef idx="1">
+            <a:schemeClr val="accent1"/>
+          </a:effectRef>
+          <a:fontRef idx="minor">
+            <a:schemeClr val="tx1"/>
+          </a:fontRef>
+        </p:style>
+      </p:cxnSp>
       <p:sp>
         <p:nvSpPr>
-          <p:cNvPr id="5" name="TextBox 4">
-            <a:extLst>
-              <a:ext uri="{FF2B5EF4-FFF2-40B4-BE49-F238E27FC236}">
-                <a16:creationId xmlns:a16="http://schemas.microsoft.com/office/drawing/2014/main" id="{D00CB93A-3320-C18B-4C74-541FB845D35B}"/>
+          <p:cNvPr id="12" name="TextBox 11">
+            <a:extLst>
+              <a:ext uri="{FF2B5EF4-FFF2-40B4-BE49-F238E27FC236}">
+                <a16:creationId xmlns:a16="http://schemas.microsoft.com/office/drawing/2014/main" id="{431A6EBB-A203-8787-4E34-76813F5D9DB4}"/>
               </a:ext>
             </a:extLst>
           </p:cNvPr>
@@ -32863,8 +34346,8 @@
         </p:nvSpPr>
         <p:spPr>
           <a:xfrm>
-            <a:off x="8138916" y="503536"/>
-            <a:ext cx="2920352" cy="1200329"/>
+            <a:off x="465666" y="2163839"/>
+            <a:ext cx="1988524" cy="923330"/>
           </a:xfrm>
           <a:prstGeom prst="rect">
             <a:avLst/>
@@ -32885,65 +34368,30 @@
             <a:pPr algn="ctr"/>
             <a:r>
               <a:rPr lang="en-CA" b="1" dirty="0"/>
-              <a:t>Python ignores source code comments </a:t>
+              <a:t>Good comments </a:t>
             </a:r>
             <a:r>
               <a:rPr lang="en-CA" dirty="0"/>
-              <a:t>… it just reads over them. They’re for other humans.</a:t>
+              <a:t>make your code more </a:t>
+            </a:r>
+            <a:r>
+              <a:rPr lang="en-CA" b="1" dirty="0"/>
+              <a:t>readable</a:t>
+            </a:r>
+            <a:r>
+              <a:rPr lang="en-CA" dirty="0"/>
+              <a:t>.</a:t>
             </a:r>
             <a:endParaRPr lang="en-AU" dirty="0"/>
           </a:p>
         </p:txBody>
       </p:sp>
-      <p:cxnSp>
-        <p:nvCxnSpPr>
-          <p:cNvPr id="8" name="Straight Arrow Connector 7">
-            <a:extLst>
-              <a:ext uri="{FF2B5EF4-FFF2-40B4-BE49-F238E27FC236}">
-                <a16:creationId xmlns:a16="http://schemas.microsoft.com/office/drawing/2014/main" id="{6981BB04-4450-2F6F-4355-503A5A6C203A}"/>
-              </a:ext>
-            </a:extLst>
-          </p:cNvPr>
-          <p:cNvCxnSpPr>
-            <a:cxnSpLocks/>
-            <a:stCxn id="5" idx="1"/>
-            <a:endCxn id="3" idx="3"/>
-          </p:cNvCxnSpPr>
-          <p:nvPr/>
-        </p:nvCxnSpPr>
-        <p:spPr>
-          <a:xfrm flipH="1">
-            <a:off x="7351413" y="1103701"/>
-            <a:ext cx="787503" cy="1"/>
-          </a:xfrm>
-          <a:prstGeom prst="straightConnector1">
-            <a:avLst/>
-          </a:prstGeom>
-          <a:ln>
-            <a:tailEnd type="triangle"/>
-          </a:ln>
-        </p:spPr>
-        <p:style>
-          <a:lnRef idx="2">
-            <a:schemeClr val="accent1"/>
-          </a:lnRef>
-          <a:fillRef idx="0">
-            <a:schemeClr val="accent1"/>
-          </a:fillRef>
-          <a:effectRef idx="1">
-            <a:schemeClr val="accent1"/>
-          </a:effectRef>
-          <a:fontRef idx="minor">
-            <a:schemeClr val="tx1"/>
-          </a:fontRef>
-        </p:style>
-      </p:cxnSp>
       <p:sp>
         <p:nvSpPr>
-          <p:cNvPr id="12" name="TextBox 11">
-            <a:extLst>
-              <a:ext uri="{FF2B5EF4-FFF2-40B4-BE49-F238E27FC236}">
-                <a16:creationId xmlns:a16="http://schemas.microsoft.com/office/drawing/2014/main" id="{431A6EBB-A203-8787-4E34-76813F5D9DB4}"/>
+          <p:cNvPr id="15" name="TextBox 14">
+            <a:extLst>
+              <a:ext uri="{FF2B5EF4-FFF2-40B4-BE49-F238E27FC236}">
+                <a16:creationId xmlns:a16="http://schemas.microsoft.com/office/drawing/2014/main" id="{E92F2C95-4E44-8150-7503-55166FD05140}"/>
               </a:ext>
             </a:extLst>
           </p:cNvPr>
@@ -32952,8 +34400,8 @@
         </p:nvSpPr>
         <p:spPr>
           <a:xfrm>
-            <a:off x="465666" y="2163839"/>
-            <a:ext cx="1988524" cy="923330"/>
+            <a:off x="9481408" y="2362474"/>
+            <a:ext cx="2369577" cy="1477328"/>
           </a:xfrm>
           <a:prstGeom prst="rect">
             <a:avLst/>
@@ -32973,20 +34421,12 @@
           <a:p>
             <a:pPr algn="ctr"/>
             <a:r>
-              <a:rPr lang="en-CA" b="1" dirty="0"/>
-              <a:t>Good comments </a:t>
-            </a:r>
-            <a:r>
               <a:rPr lang="en-CA" dirty="0"/>
-              <a:t>make your code more </a:t>
-            </a:r>
-            <a:r>
-              <a:rPr lang="en-CA" b="1" dirty="0"/>
-              <a:t>readable</a:t>
-            </a:r>
-            <a:r>
-              <a:rPr lang="en-CA" dirty="0"/>
-              <a:t>.</a:t>
+              <a:t>This comment is more useful, since it explains the expression inside </a:t>
+            </a:r>
+            <a:r>
+              <a:rPr lang="en-CA" dirty="0" err="1"/>
+              <a:t>math.sqrt</a:t>
             </a:r>
             <a:endParaRPr lang="en-AU" dirty="0"/>
           </a:p>
@@ -32994,10 +34434,104 @@
       </p:sp>
       <p:sp>
         <p:nvSpPr>
-          <p:cNvPr id="15" name="TextBox 14">
-            <a:extLst>
-              <a:ext uri="{FF2B5EF4-FFF2-40B4-BE49-F238E27FC236}">
-                <a16:creationId xmlns:a16="http://schemas.microsoft.com/office/drawing/2014/main" id="{E92F2C95-4E44-8150-7503-55166FD05140}"/>
+          <p:cNvPr id="22" name="Rectangle 21">
+            <a:extLst>
+              <a:ext uri="{FF2B5EF4-FFF2-40B4-BE49-F238E27FC236}">
+                <a16:creationId xmlns:a16="http://schemas.microsoft.com/office/drawing/2014/main" id="{1F01744D-64D4-FDEA-99EB-411094AB7619}"/>
+              </a:ext>
+            </a:extLst>
+          </p:cNvPr>
+          <p:cNvSpPr/>
+          <p:nvPr/>
+        </p:nvSpPr>
+        <p:spPr>
+          <a:xfrm>
+            <a:off x="3245973" y="3981368"/>
+            <a:ext cx="5050645" cy="961824"/>
+          </a:xfrm>
+          <a:prstGeom prst="rect">
+            <a:avLst/>
+          </a:prstGeom>
+          <a:noFill/>
+          <a:ln>
+            <a:solidFill>
+              <a:srgbClr val="00B050"/>
+            </a:solidFill>
+          </a:ln>
+        </p:spPr>
+        <p:style>
+          <a:lnRef idx="2">
+            <a:schemeClr val="accent1">
+              <a:shade val="15000"/>
+            </a:schemeClr>
+          </a:lnRef>
+          <a:fillRef idx="1">
+            <a:schemeClr val="accent1"/>
+          </a:fillRef>
+          <a:effectRef idx="0">
+            <a:schemeClr val="accent1"/>
+          </a:effectRef>
+          <a:fontRef idx="minor">
+            <a:schemeClr val="lt1"/>
+          </a:fontRef>
+        </p:style>
+        <p:txBody>
+          <a:bodyPr rtlCol="0" anchor="ctr"/>
+          <a:lstStyle/>
+          <a:p>
+            <a:pPr algn="ctr"/>
+            <a:endParaRPr lang="en-AU"/>
+          </a:p>
+        </p:txBody>
+      </p:sp>
+      <p:cxnSp>
+        <p:nvCxnSpPr>
+          <p:cNvPr id="31" name="Straight Arrow Connector 30">
+            <a:extLst>
+              <a:ext uri="{FF2B5EF4-FFF2-40B4-BE49-F238E27FC236}">
+                <a16:creationId xmlns:a16="http://schemas.microsoft.com/office/drawing/2014/main" id="{1100C525-50A7-733C-8BE1-2972CBA67814}"/>
+              </a:ext>
+            </a:extLst>
+          </p:cNvPr>
+          <p:cNvCxnSpPr>
+            <a:cxnSpLocks/>
+            <a:stCxn id="15" idx="1"/>
+          </p:cNvCxnSpPr>
+          <p:nvPr/>
+        </p:nvCxnSpPr>
+        <p:spPr>
+          <a:xfrm flipH="1">
+            <a:off x="8296618" y="3101138"/>
+            <a:ext cx="1184790" cy="823325"/>
+          </a:xfrm>
+          <a:prstGeom prst="straightConnector1">
+            <a:avLst/>
+          </a:prstGeom>
+          <a:ln>
+            <a:tailEnd type="triangle"/>
+          </a:ln>
+        </p:spPr>
+        <p:style>
+          <a:lnRef idx="2">
+            <a:schemeClr val="accent1"/>
+          </a:lnRef>
+          <a:fillRef idx="0">
+            <a:schemeClr val="accent1"/>
+          </a:fillRef>
+          <a:effectRef idx="1">
+            <a:schemeClr val="accent1"/>
+          </a:effectRef>
+          <a:fontRef idx="minor">
+            <a:schemeClr val="tx1"/>
+          </a:fontRef>
+        </p:style>
+      </p:cxnSp>
+      <p:sp>
+        <p:nvSpPr>
+          <p:cNvPr id="6" name="TextBox 5">
+            <a:extLst>
+              <a:ext uri="{FF2B5EF4-FFF2-40B4-BE49-F238E27FC236}">
+                <a16:creationId xmlns:a16="http://schemas.microsoft.com/office/drawing/2014/main" id="{432A2FDA-9F3E-BDA1-7228-3285824944C9}"/>
               </a:ext>
             </a:extLst>
           </p:cNvPr>
@@ -33006,8 +34540,8 @@
         </p:nvSpPr>
         <p:spPr>
           <a:xfrm>
-            <a:off x="9481408" y="2362474"/>
-            <a:ext cx="2369577" cy="1477328"/>
+            <a:off x="8138916" y="503536"/>
+            <a:ext cx="2920352" cy="923330"/>
           </a:xfrm>
           <a:prstGeom prst="rect">
             <a:avLst/>
@@ -33027,111 +34561,17 @@
           <a:p>
             <a:pPr algn="ctr"/>
             <a:r>
+              <a:rPr lang="en-CA" b="1" dirty="0"/>
+              <a:t>Python ignores source code comments </a:t>
+            </a:r>
+            <a:r>
               <a:rPr lang="en-CA" dirty="0"/>
-              <a:t>This comment is more useful, since it explains the expression inside </a:t>
-            </a:r>
-            <a:r>
-              <a:rPr lang="en-CA" dirty="0" err="1"/>
-              <a:t>math.sqrt</a:t>
+              <a:t>… it just skips over them. </a:t>
             </a:r>
             <a:endParaRPr lang="en-AU" dirty="0"/>
           </a:p>
         </p:txBody>
       </p:sp>
-      <p:sp>
-        <p:nvSpPr>
-          <p:cNvPr id="22" name="Rectangle 21">
-            <a:extLst>
-              <a:ext uri="{FF2B5EF4-FFF2-40B4-BE49-F238E27FC236}">
-                <a16:creationId xmlns:a16="http://schemas.microsoft.com/office/drawing/2014/main" id="{1F01744D-64D4-FDEA-99EB-411094AB7619}"/>
-              </a:ext>
-            </a:extLst>
-          </p:cNvPr>
-          <p:cNvSpPr/>
-          <p:nvPr/>
-        </p:nvSpPr>
-        <p:spPr>
-          <a:xfrm>
-            <a:off x="3245973" y="3981368"/>
-            <a:ext cx="5050645" cy="961824"/>
-          </a:xfrm>
-          <a:prstGeom prst="rect">
-            <a:avLst/>
-          </a:prstGeom>
-          <a:noFill/>
-          <a:ln>
-            <a:solidFill>
-              <a:srgbClr val="00B050"/>
-            </a:solidFill>
-          </a:ln>
-        </p:spPr>
-        <p:style>
-          <a:lnRef idx="2">
-            <a:schemeClr val="accent1">
-              <a:shade val="15000"/>
-            </a:schemeClr>
-          </a:lnRef>
-          <a:fillRef idx="1">
-            <a:schemeClr val="accent1"/>
-          </a:fillRef>
-          <a:effectRef idx="0">
-            <a:schemeClr val="accent1"/>
-          </a:effectRef>
-          <a:fontRef idx="minor">
-            <a:schemeClr val="lt1"/>
-          </a:fontRef>
-        </p:style>
-        <p:txBody>
-          <a:bodyPr rtlCol="0" anchor="ctr"/>
-          <a:lstStyle/>
-          <a:p>
-            <a:pPr algn="ctr"/>
-            <a:endParaRPr lang="en-AU"/>
-          </a:p>
-        </p:txBody>
-      </p:sp>
-      <p:cxnSp>
-        <p:nvCxnSpPr>
-          <p:cNvPr id="31" name="Straight Arrow Connector 30">
-            <a:extLst>
-              <a:ext uri="{FF2B5EF4-FFF2-40B4-BE49-F238E27FC236}">
-                <a16:creationId xmlns:a16="http://schemas.microsoft.com/office/drawing/2014/main" id="{1100C525-50A7-733C-8BE1-2972CBA67814}"/>
-              </a:ext>
-            </a:extLst>
-          </p:cNvPr>
-          <p:cNvCxnSpPr>
-            <a:cxnSpLocks/>
-            <a:stCxn id="15" idx="1"/>
-          </p:cNvCxnSpPr>
-          <p:nvPr/>
-        </p:nvCxnSpPr>
-        <p:spPr>
-          <a:xfrm flipH="1">
-            <a:off x="8296618" y="3101138"/>
-            <a:ext cx="1184790" cy="823325"/>
-          </a:xfrm>
-          <a:prstGeom prst="straightConnector1">
-            <a:avLst/>
-          </a:prstGeom>
-          <a:ln>
-            <a:tailEnd type="triangle"/>
-          </a:ln>
-        </p:spPr>
-        <p:style>
-          <a:lnRef idx="2">
-            <a:schemeClr val="accent1"/>
-          </a:lnRef>
-          <a:fillRef idx="0">
-            <a:schemeClr val="accent1"/>
-          </a:fillRef>
-          <a:effectRef idx="1">
-            <a:schemeClr val="accent1"/>
-          </a:effectRef>
-          <a:fontRef idx="minor">
-            <a:schemeClr val="tx1"/>
-          </a:fontRef>
-        </p:style>
-      </p:cxnSp>
     </p:spTree>
     <p:extLst>
       <p:ext uri="{BB962C8B-B14F-4D97-AF65-F5344CB8AC3E}">
@@ -33380,7 +34820,7 @@
         <p:spPr>
           <a:xfrm>
             <a:off x="6621579" y="4956503"/>
-            <a:ext cx="3795847" cy="1200329"/>
+            <a:ext cx="2964914" cy="1200329"/>
           </a:xfrm>
           <a:prstGeom prst="rect">
             <a:avLst/>
@@ -33420,7 +34860,7 @@
             </a:r>
             <a:r>
               <a:rPr lang="en-US" dirty="0"/>
-              <a:t>(side1 ** 2 + side2 ** 2)</a:t>
+              <a:t>(a ** 2 + b ** 2)</a:t>
             </a:r>
           </a:p>
           <a:p>
@@ -33772,7 +35212,7 @@
             <a:pPr algn="ctr"/>
             <a:r>
               <a:rPr lang="en-CA" dirty="0"/>
-              <a:t>Which program do find to be the most  readable?</a:t>
+              <a:t>Which version do you find to be the most readable?</a:t>
             </a:r>
             <a:endParaRPr lang="en-AU" dirty="0"/>
           </a:p>
@@ -33875,10 +35315,10 @@
       </p:sp>
       <p:sp>
         <p:nvSpPr>
-          <p:cNvPr id="3" name="TextBox 2">
-            <a:extLst>
-              <a:ext uri="{FF2B5EF4-FFF2-40B4-BE49-F238E27FC236}">
-                <a16:creationId xmlns:a16="http://schemas.microsoft.com/office/drawing/2014/main" id="{6D93479A-CA2F-FB20-C0DB-0A9F7CF2E14F}"/>
+          <p:cNvPr id="13" name="TextBox 12">
+            <a:extLst>
+              <a:ext uri="{FF2B5EF4-FFF2-40B4-BE49-F238E27FC236}">
+                <a16:creationId xmlns:a16="http://schemas.microsoft.com/office/drawing/2014/main" id="{5C3CB041-437A-DDC4-FD22-B5E3515334BD}"/>
               </a:ext>
             </a:extLst>
           </p:cNvPr>
@@ -33887,8 +35327,80 @@
         </p:nvSpPr>
         <p:spPr>
           <a:xfrm>
-            <a:off x="4137284" y="503537"/>
-            <a:ext cx="3214129" cy="1200329"/>
+            <a:off x="3245974" y="2362474"/>
+            <a:ext cx="5170711" cy="2308324"/>
+          </a:xfrm>
+          <a:prstGeom prst="rect">
+            <a:avLst/>
+          </a:prstGeom>
+          <a:noFill/>
+        </p:spPr>
+        <p:txBody>
+          <a:bodyPr wrap="none" rtlCol="0">
+            <a:spAutoFit/>
+          </a:bodyPr>
+          <a:lstStyle/>
+          <a:p>
+            <a:r>
+              <a:rPr lang="en-US" b="1" dirty="0"/>
+              <a:t># set the length of side 1 of the right triangle</a:t>
+            </a:r>
+            <a:endParaRPr lang="en-US" dirty="0"/>
+          </a:p>
+          <a:p>
+            <a:endParaRPr lang="en-US" dirty="0"/>
+          </a:p>
+          <a:p>
+            <a:r>
+              <a:rPr lang="en-US" b="1" dirty="0"/>
+              <a:t># set the length of side 2 of the right triangle</a:t>
+            </a:r>
+            <a:endParaRPr lang="en-US" dirty="0"/>
+          </a:p>
+          <a:p>
+            <a:endParaRPr lang="en-US" dirty="0"/>
+          </a:p>
+          <a:p>
+            <a:r>
+              <a:rPr lang="en-US" b="1" dirty="0"/>
+              <a:t># calculate the hypotenuse of the triangle using </a:t>
+            </a:r>
+            <a:br>
+              <a:rPr lang="en-US" b="1" dirty="0"/>
+            </a:br>
+            <a:r>
+              <a:rPr lang="en-US" b="1" dirty="0"/>
+              <a:t># the Pythagorean theorem</a:t>
+            </a:r>
+            <a:br>
+              <a:rPr lang="en-US" b="1" dirty="0"/>
+            </a:br>
+            <a:endParaRPr lang="en-US" dirty="0"/>
+          </a:p>
+          <a:p>
+            <a:r>
+              <a:rPr lang="en-US" b="1" dirty="0"/>
+              <a:t># print the results</a:t>
+            </a:r>
+          </a:p>
+        </p:txBody>
+      </p:sp>
+      <p:sp>
+        <p:nvSpPr>
+          <p:cNvPr id="5" name="TextBox 4">
+            <a:extLst>
+              <a:ext uri="{FF2B5EF4-FFF2-40B4-BE49-F238E27FC236}">
+                <a16:creationId xmlns:a16="http://schemas.microsoft.com/office/drawing/2014/main" id="{E44F6A4F-48D2-9A0B-B9D7-889B8BBBF9EB}"/>
+              </a:ext>
+            </a:extLst>
+          </p:cNvPr>
+          <p:cNvSpPr txBox="1"/>
+          <p:nvPr/>
+        </p:nvSpPr>
+        <p:spPr>
+          <a:xfrm>
+            <a:off x="4028799" y="756040"/>
+            <a:ext cx="3250305" cy="1200329"/>
           </a:xfrm>
           <a:prstGeom prst="rect">
             <a:avLst/>
@@ -33908,27 +35420,18 @@
           <a:p>
             <a:pPr algn="ctr"/>
             <a:r>
-              <a:rPr lang="en-CA" dirty="0"/>
-              <a:t>A </a:t>
-            </a:r>
-            <a:r>
-              <a:rPr lang="en-CA" b="1" dirty="0"/>
-              <a:t>source code comment </a:t>
-            </a:r>
-            <a:r>
-              <a:rPr lang="en-CA" dirty="0"/>
-              <a:t>is a note that a programmer writes in their program that is just for them or other humans.</a:t>
-            </a:r>
-            <a:endParaRPr lang="en-AU" dirty="0"/>
+              <a:rPr lang="en-AU" dirty="0"/>
+              <a:t>A good way to write some programs is to write down each step in comments first, and then fill in the code …</a:t>
+            </a:r>
           </a:p>
         </p:txBody>
       </p:sp>
       <p:sp>
         <p:nvSpPr>
-          <p:cNvPr id="5" name="TextBox 4">
-            <a:extLst>
-              <a:ext uri="{FF2B5EF4-FFF2-40B4-BE49-F238E27FC236}">
-                <a16:creationId xmlns:a16="http://schemas.microsoft.com/office/drawing/2014/main" id="{D00CB93A-3320-C18B-4C74-541FB845D35B}"/>
+          <p:cNvPr id="3" name="TextBox 2">
+            <a:extLst>
+              <a:ext uri="{FF2B5EF4-FFF2-40B4-BE49-F238E27FC236}">
+                <a16:creationId xmlns:a16="http://schemas.microsoft.com/office/drawing/2014/main" id="{4079A83F-EC68-AFF0-6B91-95901D869450}"/>
               </a:ext>
             </a:extLst>
           </p:cNvPr>
@@ -33937,8 +35440,8 @@
         </p:nvSpPr>
         <p:spPr>
           <a:xfrm>
-            <a:off x="8138916" y="503536"/>
-            <a:ext cx="2920352" cy="1200329"/>
+            <a:off x="8941695" y="2967335"/>
+            <a:ext cx="3250305" cy="923330"/>
           </a:xfrm>
           <a:prstGeom prst="rect">
             <a:avLst/>
@@ -33958,197 +35461,75 @@
           <a:p>
             <a:pPr algn="ctr"/>
             <a:r>
-              <a:rPr lang="en-CA" b="1" dirty="0"/>
-              <a:t>Python ignores source code comments </a:t>
-            </a:r>
-            <a:r>
-              <a:rPr lang="en-CA" dirty="0"/>
-              <a:t>… it just reads over them. They’re for other humans.</a:t>
-            </a:r>
-            <a:endParaRPr lang="en-AU" dirty="0"/>
+              <a:rPr lang="en-AU" dirty="0"/>
+              <a:t>This is </a:t>
+            </a:r>
+            <a:r>
+              <a:rPr lang="en-AU" b="1" dirty="0"/>
+              <a:t>pseudocode</a:t>
+            </a:r>
+            <a:r>
+              <a:rPr lang="en-AU" dirty="0"/>
+              <a:t>: a program written in English-like form to be easy for humans to read.</a:t>
+            </a:r>
           </a:p>
         </p:txBody>
       </p:sp>
-      <p:cxnSp>
-        <p:nvCxnSpPr>
-          <p:cNvPr id="8" name="Straight Arrow Connector 7">
-            <a:extLst>
-              <a:ext uri="{FF2B5EF4-FFF2-40B4-BE49-F238E27FC236}">
-                <a16:creationId xmlns:a16="http://schemas.microsoft.com/office/drawing/2014/main" id="{6981BB04-4450-2F6F-4355-503A5A6C203A}"/>
-              </a:ext>
-            </a:extLst>
-          </p:cNvPr>
-          <p:cNvCxnSpPr>
-            <a:cxnSpLocks/>
-            <a:stCxn id="5" idx="1"/>
-            <a:endCxn id="3" idx="3"/>
-          </p:cNvCxnSpPr>
-          <p:nvPr/>
-        </p:nvCxnSpPr>
-        <p:spPr>
-          <a:xfrm flipH="1">
-            <a:off x="7351413" y="1103701"/>
-            <a:ext cx="787503" cy="1"/>
-          </a:xfrm>
-          <a:prstGeom prst="straightConnector1">
-            <a:avLst/>
-          </a:prstGeom>
-          <a:ln>
-            <a:tailEnd type="triangle"/>
-          </a:ln>
-        </p:spPr>
-        <p:style>
-          <a:lnRef idx="2">
-            <a:schemeClr val="accent1"/>
-          </a:lnRef>
-          <a:fillRef idx="0">
-            <a:schemeClr val="accent1"/>
-          </a:fillRef>
-          <a:effectRef idx="1">
-            <a:schemeClr val="accent1"/>
-          </a:effectRef>
-          <a:fontRef idx="minor">
-            <a:schemeClr val="tx1"/>
-          </a:fontRef>
-        </p:style>
-      </p:cxnSp>
-      <p:sp>
-        <p:nvSpPr>
-          <p:cNvPr id="12" name="TextBox 11">
-            <a:extLst>
-              <a:ext uri="{FF2B5EF4-FFF2-40B4-BE49-F238E27FC236}">
-                <a16:creationId xmlns:a16="http://schemas.microsoft.com/office/drawing/2014/main" id="{431A6EBB-A203-8787-4E34-76813F5D9DB4}"/>
-              </a:ext>
-            </a:extLst>
-          </p:cNvPr>
-          <p:cNvSpPr txBox="1"/>
-          <p:nvPr/>
-        </p:nvSpPr>
-        <p:spPr>
-          <a:xfrm>
-            <a:off x="230275" y="2697993"/>
-            <a:ext cx="2784528" cy="1200329"/>
-          </a:xfrm>
-          <a:prstGeom prst="rect">
-            <a:avLst/>
-          </a:prstGeom>
-          <a:solidFill>
-            <a:schemeClr val="accent2">
-              <a:lumMod val="40000"/>
-              <a:lumOff val="60000"/>
-            </a:schemeClr>
-          </a:solidFill>
-        </p:spPr>
-        <p:txBody>
-          <a:bodyPr wrap="square" rtlCol="0">
-            <a:spAutoFit/>
-          </a:bodyPr>
-          <a:lstStyle/>
-          <a:p>
-            <a:pPr algn="ctr"/>
-            <a:r>
-              <a:rPr lang="en-CA" dirty="0"/>
-              <a:t>These are comments are bad: they don’t anything that isn’t already clear in the code.</a:t>
-            </a:r>
-            <a:endParaRPr lang="en-AU" dirty="0"/>
-          </a:p>
-        </p:txBody>
-      </p:sp>
-      <p:sp>
-        <p:nvSpPr>
-          <p:cNvPr id="14" name="TextBox 13">
-            <a:extLst>
-              <a:ext uri="{FF2B5EF4-FFF2-40B4-BE49-F238E27FC236}">
-                <a16:creationId xmlns:a16="http://schemas.microsoft.com/office/drawing/2014/main" id="{33236FBD-1501-A0D8-6556-DC2951A5995C}"/>
-              </a:ext>
-            </a:extLst>
-          </p:cNvPr>
-          <p:cNvSpPr txBox="1"/>
-          <p:nvPr/>
-        </p:nvSpPr>
-        <p:spPr>
-          <a:xfrm>
-            <a:off x="3501584" y="2625504"/>
-            <a:ext cx="6097508" cy="1200329"/>
-          </a:xfrm>
-          <a:prstGeom prst="rect">
-            <a:avLst/>
-          </a:prstGeom>
-          <a:noFill/>
-          <a:ln>
-            <a:solidFill>
-              <a:schemeClr val="tx1"/>
-            </a:solidFill>
-          </a:ln>
-        </p:spPr>
-        <p:txBody>
-          <a:bodyPr wrap="square">
-            <a:spAutoFit/>
-          </a:bodyPr>
-          <a:lstStyle/>
-          <a:p>
-            <a:r>
-              <a:rPr lang="en-US" dirty="0" err="1"/>
-              <a:t>num_bars</a:t>
-            </a:r>
-            <a:r>
-              <a:rPr lang="en-US" dirty="0"/>
-              <a:t> = 5                                   # set </a:t>
-            </a:r>
-            <a:r>
-              <a:rPr lang="en-US" dirty="0" err="1"/>
-              <a:t>num_bars</a:t>
-            </a:r>
-            <a:r>
-              <a:rPr lang="en-US" dirty="0"/>
-              <a:t> to 5</a:t>
-            </a:r>
-          </a:p>
-          <a:p>
-            <a:r>
-              <a:rPr lang="en-US" dirty="0"/>
-              <a:t>cost = 6.99                                         # set cost to 6.99</a:t>
-            </a:r>
-          </a:p>
-          <a:p>
-            <a:r>
-              <a:rPr lang="en-US" dirty="0" err="1"/>
-              <a:t>total_cost</a:t>
-            </a:r>
-            <a:r>
-              <a:rPr lang="en-US" dirty="0"/>
-              <a:t> = </a:t>
-            </a:r>
-            <a:r>
-              <a:rPr lang="en-US" dirty="0" err="1"/>
-              <a:t>num_bars</a:t>
-            </a:r>
-            <a:r>
-              <a:rPr lang="en-US" dirty="0"/>
-              <a:t> * cost   # calculate the total cost</a:t>
-            </a:r>
-          </a:p>
-          <a:p>
-            <a:r>
-              <a:rPr lang="en-US" dirty="0"/>
-              <a:t>print(</a:t>
-            </a:r>
-            <a:r>
-              <a:rPr lang="en-US" dirty="0" err="1"/>
-              <a:t>total_cost</a:t>
-            </a:r>
-            <a:r>
-              <a:rPr lang="en-US" dirty="0"/>
-              <a:t>)                              # print the total cost</a:t>
-            </a:r>
-            <a:endParaRPr lang="en-AU" dirty="0"/>
-          </a:p>
-        </p:txBody>
-      </p:sp>
+      <mc:AlternateContent xmlns:mc="http://schemas.openxmlformats.org/markup-compatibility/2006">
+        <mc:Choice xmlns:p14="http://schemas.microsoft.com/office/powerpoint/2010/main" Requires="p14">
+          <p:contentPart p14:bwMode="auto" r:id="rId2">
+            <p14:nvContentPartPr>
+              <p14:cNvPr id="6" name="Ink 5">
+                <a:extLst>
+                  <a:ext uri="{FF2B5EF4-FFF2-40B4-BE49-F238E27FC236}">
+                    <a16:creationId xmlns:a16="http://schemas.microsoft.com/office/drawing/2014/main" id="{1E02A07E-C198-4823-2442-58184AA57E13}"/>
+                  </a:ext>
+                </a:extLst>
+              </p14:cNvPr>
+              <p14:cNvContentPartPr/>
+              <p14:nvPr/>
+            </p14:nvContentPartPr>
+            <p14:xfrm>
+              <a:off x="7973640" y="1101240"/>
+              <a:ext cx="3827160" cy="782280"/>
+            </p14:xfrm>
+          </p:contentPart>
+        </mc:Choice>
+        <mc:Fallback>
+          <p:pic>
+            <p:nvPicPr>
+              <p:cNvPr id="6" name="Ink 5">
+                <a:extLst>
+                  <a:ext uri="{FF2B5EF4-FFF2-40B4-BE49-F238E27FC236}">
+                    <a16:creationId xmlns:a16="http://schemas.microsoft.com/office/drawing/2014/main" id="{1E02A07E-C198-4823-2442-58184AA57E13}"/>
+                  </a:ext>
+                </a:extLst>
+              </p:cNvPr>
+              <p:cNvPicPr/>
+              <p:nvPr/>
+            </p:nvPicPr>
+            <p:blipFill>
+              <a:blip r:embed="rId3"/>
+              <a:stretch>
+                <a:fillRect/>
+              </a:stretch>
+            </p:blipFill>
+            <p:spPr>
+              <a:xfrm>
+                <a:off x="7964280" y="1091880"/>
+                <a:ext cx="3845880" cy="801000"/>
+              </a:xfrm>
+              <a:prstGeom prst="rect">
+                <a:avLst/>
+              </a:prstGeom>
+            </p:spPr>
+          </p:pic>
+        </mc:Fallback>
+      </mc:AlternateContent>
     </p:spTree>
     <p:extLst>
       <p:ext uri="{BB962C8B-B14F-4D97-AF65-F5344CB8AC3E}">
-        <p14:creationId xmlns:p14="http://schemas.microsoft.com/office/powerpoint/2010/main" val="1234247253"/>
+        <p14:creationId xmlns:p14="http://schemas.microsoft.com/office/powerpoint/2010/main" val="1963568937"/>
       </p:ext>
     </p:extLst>
   </p:cSld>
@@ -34472,10 +35853,10 @@
       </p:sp>
       <p:sp>
         <p:nvSpPr>
-          <p:cNvPr id="3" name="TextBox 2">
-            <a:extLst>
-              <a:ext uri="{FF2B5EF4-FFF2-40B4-BE49-F238E27FC236}">
-                <a16:creationId xmlns:a16="http://schemas.microsoft.com/office/drawing/2014/main" id="{6D93479A-CA2F-FB20-C0DB-0A9F7CF2E14F}"/>
+          <p:cNvPr id="13" name="TextBox 12">
+            <a:extLst>
+              <a:ext uri="{FF2B5EF4-FFF2-40B4-BE49-F238E27FC236}">
+                <a16:creationId xmlns:a16="http://schemas.microsoft.com/office/drawing/2014/main" id="{5C3CB041-437A-DDC4-FD22-B5E3515334BD}"/>
               </a:ext>
             </a:extLst>
           </p:cNvPr>
@@ -34484,8 +35865,88 @@
         </p:nvSpPr>
         <p:spPr>
           <a:xfrm>
-            <a:off x="4137284" y="503537"/>
-            <a:ext cx="3214129" cy="1200329"/>
+            <a:off x="3245974" y="2362474"/>
+            <a:ext cx="5170711" cy="2862322"/>
+          </a:xfrm>
+          <a:prstGeom prst="rect">
+            <a:avLst/>
+          </a:prstGeom>
+          <a:noFill/>
+        </p:spPr>
+        <p:txBody>
+          <a:bodyPr wrap="none" rtlCol="0">
+            <a:spAutoFit/>
+          </a:bodyPr>
+          <a:lstStyle/>
+          <a:p>
+            <a:r>
+              <a:rPr lang="en-US" b="1" dirty="0"/>
+              <a:t># set the length of side 1 of the right triangle</a:t>
+            </a:r>
+          </a:p>
+          <a:p>
+            <a:r>
+              <a:rPr lang="en-US" dirty="0"/>
+              <a:t>side1 = 3</a:t>
+            </a:r>
+          </a:p>
+          <a:p>
+            <a:endParaRPr lang="en-US" dirty="0"/>
+          </a:p>
+          <a:p>
+            <a:r>
+              <a:rPr lang="en-US" b="1" dirty="0"/>
+              <a:t># set the length of side 2 of the right triangle</a:t>
+            </a:r>
+            <a:endParaRPr lang="en-US" dirty="0"/>
+          </a:p>
+          <a:p>
+            <a:endParaRPr lang="en-US" dirty="0"/>
+          </a:p>
+          <a:p>
+            <a:r>
+              <a:rPr lang="en-US" b="1" dirty="0"/>
+              <a:t># calculate the hypotenuse of the triangle using </a:t>
+            </a:r>
+            <a:br>
+              <a:rPr lang="en-US" b="1" dirty="0"/>
+            </a:br>
+            <a:r>
+              <a:rPr lang="en-US" b="1" dirty="0"/>
+              <a:t># the Pythagorean theorem</a:t>
+            </a:r>
+            <a:endParaRPr lang="en-US" dirty="0"/>
+          </a:p>
+          <a:p>
+            <a:endParaRPr lang="en-US" dirty="0"/>
+          </a:p>
+          <a:p>
+            <a:r>
+              <a:rPr lang="en-US" b="1" dirty="0"/>
+              <a:t># print the results</a:t>
+            </a:r>
+          </a:p>
+          <a:p>
+            <a:endParaRPr lang="en-AU" dirty="0"/>
+          </a:p>
+        </p:txBody>
+      </p:sp>
+      <p:sp>
+        <p:nvSpPr>
+          <p:cNvPr id="5" name="TextBox 4">
+            <a:extLst>
+              <a:ext uri="{FF2B5EF4-FFF2-40B4-BE49-F238E27FC236}">
+                <a16:creationId xmlns:a16="http://schemas.microsoft.com/office/drawing/2014/main" id="{E44F6A4F-48D2-9A0B-B9D7-889B8BBBF9EB}"/>
+              </a:ext>
+            </a:extLst>
+          </p:cNvPr>
+          <p:cNvSpPr txBox="1"/>
+          <p:nvPr/>
+        </p:nvSpPr>
+        <p:spPr>
+          <a:xfrm>
+            <a:off x="4028799" y="756040"/>
+            <a:ext cx="3250305" cy="1200329"/>
           </a:xfrm>
           <a:prstGeom prst="rect">
             <a:avLst/>
@@ -34505,375 +35966,16 @@
           <a:p>
             <a:pPr algn="ctr"/>
             <a:r>
-              <a:rPr lang="en-CA" dirty="0"/>
-              <a:t>A </a:t>
-            </a:r>
-            <a:r>
-              <a:rPr lang="en-CA" b="1" dirty="0"/>
-              <a:t>source code comment </a:t>
-            </a:r>
-            <a:r>
-              <a:rPr lang="en-CA" dirty="0"/>
-              <a:t>is a note that a programmer writes in their program that is just for them or other humans.</a:t>
-            </a:r>
-            <a:endParaRPr lang="en-AU" dirty="0"/>
-          </a:p>
-        </p:txBody>
-      </p:sp>
-      <p:sp>
-        <p:nvSpPr>
-          <p:cNvPr id="5" name="TextBox 4">
-            <a:extLst>
-              <a:ext uri="{FF2B5EF4-FFF2-40B4-BE49-F238E27FC236}">
-                <a16:creationId xmlns:a16="http://schemas.microsoft.com/office/drawing/2014/main" id="{D00CB93A-3320-C18B-4C74-541FB845D35B}"/>
-              </a:ext>
-            </a:extLst>
-          </p:cNvPr>
-          <p:cNvSpPr txBox="1"/>
-          <p:nvPr/>
-        </p:nvSpPr>
-        <p:spPr>
-          <a:xfrm>
-            <a:off x="8138916" y="503536"/>
-            <a:ext cx="2920352" cy="1200329"/>
-          </a:xfrm>
-          <a:prstGeom prst="rect">
-            <a:avLst/>
-          </a:prstGeom>
-          <a:solidFill>
-            <a:schemeClr val="accent2">
-              <a:lumMod val="40000"/>
-              <a:lumOff val="60000"/>
-            </a:schemeClr>
-          </a:solidFill>
-        </p:spPr>
-        <p:txBody>
-          <a:bodyPr wrap="square" rtlCol="0">
-            <a:spAutoFit/>
-          </a:bodyPr>
-          <a:lstStyle/>
-          <a:p>
-            <a:pPr algn="ctr"/>
-            <a:r>
-              <a:rPr lang="en-CA" b="1" dirty="0"/>
-              <a:t>Python ignores source code comments </a:t>
-            </a:r>
-            <a:r>
-              <a:rPr lang="en-CA" dirty="0"/>
-              <a:t>… it just reads over them. They’re for other humans.</a:t>
-            </a:r>
-            <a:endParaRPr lang="en-AU" dirty="0"/>
-          </a:p>
-        </p:txBody>
-      </p:sp>
-      <p:cxnSp>
-        <p:nvCxnSpPr>
-          <p:cNvPr id="8" name="Straight Arrow Connector 7">
-            <a:extLst>
-              <a:ext uri="{FF2B5EF4-FFF2-40B4-BE49-F238E27FC236}">
-                <a16:creationId xmlns:a16="http://schemas.microsoft.com/office/drawing/2014/main" id="{6981BB04-4450-2F6F-4355-503A5A6C203A}"/>
-              </a:ext>
-            </a:extLst>
-          </p:cNvPr>
-          <p:cNvCxnSpPr>
-            <a:cxnSpLocks/>
-            <a:stCxn id="5" idx="1"/>
-            <a:endCxn id="3" idx="3"/>
-          </p:cNvCxnSpPr>
-          <p:nvPr/>
-        </p:nvCxnSpPr>
-        <p:spPr>
-          <a:xfrm flipH="1">
-            <a:off x="7351413" y="1103701"/>
-            <a:ext cx="787503" cy="1"/>
-          </a:xfrm>
-          <a:prstGeom prst="straightConnector1">
-            <a:avLst/>
-          </a:prstGeom>
-          <a:ln>
-            <a:tailEnd type="triangle"/>
-          </a:ln>
-        </p:spPr>
-        <p:style>
-          <a:lnRef idx="2">
-            <a:schemeClr val="accent1"/>
-          </a:lnRef>
-          <a:fillRef idx="0">
-            <a:schemeClr val="accent1"/>
-          </a:fillRef>
-          <a:effectRef idx="1">
-            <a:schemeClr val="accent1"/>
-          </a:effectRef>
-          <a:fontRef idx="minor">
-            <a:schemeClr val="tx1"/>
-          </a:fontRef>
-        </p:style>
-      </p:cxnSp>
-      <p:sp>
-        <p:nvSpPr>
-          <p:cNvPr id="12" name="TextBox 11">
-            <a:extLst>
-              <a:ext uri="{FF2B5EF4-FFF2-40B4-BE49-F238E27FC236}">
-                <a16:creationId xmlns:a16="http://schemas.microsoft.com/office/drawing/2014/main" id="{431A6EBB-A203-8787-4E34-76813F5D9DB4}"/>
-              </a:ext>
-            </a:extLst>
-          </p:cNvPr>
-          <p:cNvSpPr txBox="1"/>
-          <p:nvPr/>
-        </p:nvSpPr>
-        <p:spPr>
-          <a:xfrm>
-            <a:off x="230275" y="2697993"/>
-            <a:ext cx="2784528" cy="1200329"/>
-          </a:xfrm>
-          <a:prstGeom prst="rect">
-            <a:avLst/>
-          </a:prstGeom>
-          <a:solidFill>
-            <a:schemeClr val="accent2">
-              <a:lumMod val="40000"/>
-              <a:lumOff val="60000"/>
-            </a:schemeClr>
-          </a:solidFill>
-        </p:spPr>
-        <p:txBody>
-          <a:bodyPr wrap="square" rtlCol="0">
-            <a:spAutoFit/>
-          </a:bodyPr>
-          <a:lstStyle/>
-          <a:p>
-            <a:pPr algn="ctr"/>
-            <a:r>
-              <a:rPr lang="en-CA" dirty="0"/>
-              <a:t>These are comments are bad: they don’t anything that isn’t already clear in the code.</a:t>
-            </a:r>
-            <a:endParaRPr lang="en-AU" dirty="0"/>
-          </a:p>
-        </p:txBody>
-      </p:sp>
-      <p:sp>
-        <p:nvSpPr>
-          <p:cNvPr id="14" name="TextBox 13">
-            <a:extLst>
-              <a:ext uri="{FF2B5EF4-FFF2-40B4-BE49-F238E27FC236}">
-                <a16:creationId xmlns:a16="http://schemas.microsoft.com/office/drawing/2014/main" id="{33236FBD-1501-A0D8-6556-DC2951A5995C}"/>
-              </a:ext>
-            </a:extLst>
-          </p:cNvPr>
-          <p:cNvSpPr txBox="1"/>
-          <p:nvPr/>
-        </p:nvSpPr>
-        <p:spPr>
-          <a:xfrm>
-            <a:off x="3501584" y="2625504"/>
-            <a:ext cx="6097508" cy="1200329"/>
-          </a:xfrm>
-          <a:prstGeom prst="rect">
-            <a:avLst/>
-          </a:prstGeom>
-          <a:noFill/>
-          <a:ln>
-            <a:solidFill>
-              <a:schemeClr val="tx1"/>
-            </a:solidFill>
-          </a:ln>
-        </p:spPr>
-        <p:txBody>
-          <a:bodyPr wrap="square">
-            <a:spAutoFit/>
-          </a:bodyPr>
-          <a:lstStyle/>
-          <a:p>
-            <a:r>
-              <a:rPr lang="en-US" dirty="0" err="1"/>
-              <a:t>num_bars</a:t>
-            </a:r>
-            <a:r>
-              <a:rPr lang="en-US" dirty="0"/>
-              <a:t> = 5                                   # set </a:t>
-            </a:r>
-            <a:r>
-              <a:rPr lang="en-US" dirty="0" err="1"/>
-              <a:t>num_bars</a:t>
-            </a:r>
-            <a:r>
-              <a:rPr lang="en-US" dirty="0"/>
-              <a:t> to 5</a:t>
-            </a:r>
-          </a:p>
-          <a:p>
-            <a:r>
-              <a:rPr lang="en-US" dirty="0"/>
-              <a:t>cost = 6.99                                         # set cost to 6.99</a:t>
-            </a:r>
-          </a:p>
-          <a:p>
-            <a:r>
-              <a:rPr lang="en-US" dirty="0" err="1"/>
-              <a:t>total_cost</a:t>
-            </a:r>
-            <a:r>
-              <a:rPr lang="en-US" dirty="0"/>
-              <a:t> = </a:t>
-            </a:r>
-            <a:r>
-              <a:rPr lang="en-US" dirty="0" err="1"/>
-              <a:t>num_bars</a:t>
-            </a:r>
-            <a:r>
-              <a:rPr lang="en-US" dirty="0"/>
-              <a:t> * cost   # calculate the total cost</a:t>
-            </a:r>
-          </a:p>
-          <a:p>
-            <a:r>
-              <a:rPr lang="en-US" dirty="0"/>
-              <a:t>print(</a:t>
-            </a:r>
-            <a:r>
-              <a:rPr lang="en-US" dirty="0" err="1"/>
-              <a:t>total_cost</a:t>
-            </a:r>
-            <a:r>
-              <a:rPr lang="en-US" dirty="0"/>
-              <a:t>)                              # print the total cost</a:t>
-            </a:r>
-            <a:endParaRPr lang="en-AU" dirty="0"/>
-          </a:p>
-        </p:txBody>
-      </p:sp>
-      <p:sp>
-        <p:nvSpPr>
-          <p:cNvPr id="6" name="TextBox 5">
-            <a:extLst>
-              <a:ext uri="{FF2B5EF4-FFF2-40B4-BE49-F238E27FC236}">
-                <a16:creationId xmlns:a16="http://schemas.microsoft.com/office/drawing/2014/main" id="{EDC67DD5-8E05-1555-1A8E-6EBABA05B613}"/>
-              </a:ext>
-            </a:extLst>
-          </p:cNvPr>
-          <p:cNvSpPr txBox="1"/>
-          <p:nvPr/>
-        </p:nvSpPr>
-        <p:spPr>
-          <a:xfrm>
-            <a:off x="3501584" y="5032217"/>
-            <a:ext cx="6097508" cy="1200329"/>
-          </a:xfrm>
-          <a:prstGeom prst="rect">
-            <a:avLst/>
-          </a:prstGeom>
-          <a:noFill/>
-          <a:ln>
-            <a:solidFill>
-              <a:schemeClr val="tx1"/>
-            </a:solidFill>
-          </a:ln>
-        </p:spPr>
-        <p:txBody>
-          <a:bodyPr wrap="square">
-            <a:spAutoFit/>
-          </a:bodyPr>
-          <a:lstStyle/>
-          <a:p>
-            <a:r>
-              <a:rPr lang="en-US" dirty="0" err="1"/>
-              <a:t>num_bars</a:t>
-            </a:r>
-            <a:r>
-              <a:rPr lang="en-US" dirty="0"/>
-              <a:t> = 5                                   </a:t>
-            </a:r>
-            <a:br>
-              <a:rPr lang="en-US" dirty="0"/>
-            </a:br>
-            <a:r>
-              <a:rPr lang="en-US" dirty="0"/>
-              <a:t>cost = 6.99</a:t>
-            </a:r>
-          </a:p>
-          <a:p>
-            <a:r>
-              <a:rPr lang="en-US" dirty="0" err="1"/>
-              <a:t>total_cost</a:t>
-            </a:r>
-            <a:r>
-              <a:rPr lang="en-US" dirty="0"/>
-              <a:t> = </a:t>
-            </a:r>
-            <a:r>
-              <a:rPr lang="en-US" dirty="0" err="1"/>
-              <a:t>num_bars</a:t>
-            </a:r>
-            <a:r>
-              <a:rPr lang="en-US" dirty="0"/>
-              <a:t> * cost</a:t>
-            </a:r>
-          </a:p>
-          <a:p>
-            <a:r>
-              <a:rPr lang="en-US" dirty="0"/>
-              <a:t>print(</a:t>
-            </a:r>
-            <a:r>
-              <a:rPr lang="en-US" dirty="0" err="1"/>
-              <a:t>total_cost</a:t>
-            </a:r>
-            <a:r>
-              <a:rPr lang="en-US" dirty="0"/>
-              <a:t>)</a:t>
-            </a:r>
-            <a:endParaRPr lang="en-AU" dirty="0"/>
-          </a:p>
-        </p:txBody>
-      </p:sp>
-      <p:sp>
-        <p:nvSpPr>
-          <p:cNvPr id="7" name="TextBox 6">
-            <a:extLst>
-              <a:ext uri="{FF2B5EF4-FFF2-40B4-BE49-F238E27FC236}">
-                <a16:creationId xmlns:a16="http://schemas.microsoft.com/office/drawing/2014/main" id="{1EE28D83-3DB4-920E-B2DB-B27E5336C2B7}"/>
-              </a:ext>
-            </a:extLst>
-          </p:cNvPr>
-          <p:cNvSpPr txBox="1"/>
-          <p:nvPr/>
-        </p:nvSpPr>
-        <p:spPr>
-          <a:xfrm>
-            <a:off x="6902187" y="5347635"/>
-            <a:ext cx="898451" cy="369332"/>
-          </a:xfrm>
-          <a:prstGeom prst="rect">
-            <a:avLst/>
-          </a:prstGeom>
-          <a:noFill/>
-        </p:spPr>
-        <p:txBody>
-          <a:bodyPr wrap="none" rtlCol="0">
-            <a:spAutoFit/>
-          </a:bodyPr>
-          <a:lstStyle/>
-          <a:p>
-            <a:r>
-              <a:rPr lang="en-CA" b="1" dirty="0">
-                <a:solidFill>
-                  <a:srgbClr val="00B050"/>
-                </a:solidFill>
-              </a:rPr>
-              <a:t>Better!</a:t>
-            </a:r>
-            <a:endParaRPr lang="en-AU" b="1" dirty="0">
-              <a:solidFill>
-                <a:srgbClr val="00B050"/>
-              </a:solidFill>
-            </a:endParaRPr>
+              <a:rPr lang="en-AU" dirty="0"/>
+              <a:t>A good way to write some programs is to write down each step in comments first, and then fill in the code …</a:t>
+            </a:r>
           </a:p>
         </p:txBody>
       </p:sp>
     </p:spTree>
     <p:extLst>
       <p:ext uri="{BB962C8B-B14F-4D97-AF65-F5344CB8AC3E}">
-        <p14:creationId xmlns:p14="http://schemas.microsoft.com/office/powerpoint/2010/main" val="2540764007"/>
+        <p14:creationId xmlns:p14="http://schemas.microsoft.com/office/powerpoint/2010/main" val="155828000"/>
       </p:ext>
     </p:extLst>
   </p:cSld>
@@ -34967,10 +36069,10 @@
       </p:sp>
       <p:sp>
         <p:nvSpPr>
-          <p:cNvPr id="3" name="TextBox 2">
-            <a:extLst>
-              <a:ext uri="{FF2B5EF4-FFF2-40B4-BE49-F238E27FC236}">
-                <a16:creationId xmlns:a16="http://schemas.microsoft.com/office/drawing/2014/main" id="{6D93479A-CA2F-FB20-C0DB-0A9F7CF2E14F}"/>
+          <p:cNvPr id="13" name="TextBox 12">
+            <a:extLst>
+              <a:ext uri="{FF2B5EF4-FFF2-40B4-BE49-F238E27FC236}">
+                <a16:creationId xmlns:a16="http://schemas.microsoft.com/office/drawing/2014/main" id="{5C3CB041-437A-DDC4-FD22-B5E3515334BD}"/>
               </a:ext>
             </a:extLst>
           </p:cNvPr>
@@ -34979,8 +36081,103 @@
         </p:nvSpPr>
         <p:spPr>
           <a:xfrm>
-            <a:off x="4137284" y="503537"/>
-            <a:ext cx="3214129" cy="1200329"/>
+            <a:off x="3245974" y="2362474"/>
+            <a:ext cx="5170711" cy="3139321"/>
+          </a:xfrm>
+          <a:prstGeom prst="rect">
+            <a:avLst/>
+          </a:prstGeom>
+          <a:noFill/>
+        </p:spPr>
+        <p:txBody>
+          <a:bodyPr wrap="none" rtlCol="0">
+            <a:spAutoFit/>
+          </a:bodyPr>
+          <a:lstStyle/>
+          <a:p>
+            <a:r>
+              <a:rPr lang="en-US" b="1" dirty="0"/>
+              <a:t># set the length of side 1 of the right triangle</a:t>
+            </a:r>
+          </a:p>
+          <a:p>
+            <a:r>
+              <a:rPr lang="en-US" dirty="0"/>
+              <a:t>side1 = 3</a:t>
+            </a:r>
+          </a:p>
+          <a:p>
+            <a:endParaRPr lang="en-US" dirty="0"/>
+          </a:p>
+          <a:p>
+            <a:r>
+              <a:rPr lang="en-US" b="1" dirty="0"/>
+              <a:t># set the length of side 2 of the right triangle</a:t>
+            </a:r>
+          </a:p>
+          <a:p>
+            <a:r>
+              <a:rPr lang="en-US" dirty="0"/>
+              <a:t>side2 = 4</a:t>
+            </a:r>
+          </a:p>
+          <a:p>
+            <a:endParaRPr lang="en-US" dirty="0"/>
+          </a:p>
+          <a:p>
+            <a:r>
+              <a:rPr lang="en-US" b="1" dirty="0"/>
+              <a:t># calculate the hypotenuse of the triangle using </a:t>
+            </a:r>
+            <a:br>
+              <a:rPr lang="en-US" b="1" dirty="0"/>
+            </a:br>
+            <a:r>
+              <a:rPr lang="en-US" b="1" dirty="0"/>
+              <a:t># the Pythagorean theorem</a:t>
+            </a:r>
+          </a:p>
+          <a:p>
+            <a:r>
+              <a:rPr lang="en-US" dirty="0"/>
+              <a:t>hypotenuse = </a:t>
+            </a:r>
+            <a:r>
+              <a:rPr lang="en-US" dirty="0" err="1"/>
+              <a:t>math.sqrt</a:t>
+            </a:r>
+            <a:r>
+              <a:rPr lang="en-US" dirty="0"/>
+              <a:t>(side1 ** 2 + side2 ** 2)</a:t>
+            </a:r>
+          </a:p>
+          <a:p>
+            <a:endParaRPr lang="en-US" dirty="0"/>
+          </a:p>
+          <a:p>
+            <a:r>
+              <a:rPr lang="en-US" b="1" dirty="0"/>
+              <a:t># print the results</a:t>
+            </a:r>
+          </a:p>
+        </p:txBody>
+      </p:sp>
+      <p:sp>
+        <p:nvSpPr>
+          <p:cNvPr id="5" name="TextBox 4">
+            <a:extLst>
+              <a:ext uri="{FF2B5EF4-FFF2-40B4-BE49-F238E27FC236}">
+                <a16:creationId xmlns:a16="http://schemas.microsoft.com/office/drawing/2014/main" id="{E44F6A4F-48D2-9A0B-B9D7-889B8BBBF9EB}"/>
+              </a:ext>
+            </a:extLst>
+          </p:cNvPr>
+          <p:cNvSpPr txBox="1"/>
+          <p:nvPr/>
+        </p:nvSpPr>
+        <p:spPr>
+          <a:xfrm>
+            <a:off x="4028799" y="756040"/>
+            <a:ext cx="3250305" cy="1200329"/>
           </a:xfrm>
           <a:prstGeom prst="rect">
             <a:avLst/>
@@ -35000,282 +36197,16 @@
           <a:p>
             <a:pPr algn="ctr"/>
             <a:r>
-              <a:rPr lang="en-CA" dirty="0"/>
-              <a:t>A </a:t>
-            </a:r>
-            <a:r>
-              <a:rPr lang="en-CA" b="1" dirty="0"/>
-              <a:t>source code comment </a:t>
-            </a:r>
-            <a:r>
-              <a:rPr lang="en-CA" dirty="0"/>
-              <a:t>is a note that a programmer writes in their program that is just for them or other humans.</a:t>
-            </a:r>
-            <a:endParaRPr lang="en-AU" dirty="0"/>
-          </a:p>
-        </p:txBody>
-      </p:sp>
-      <p:sp>
-        <p:nvSpPr>
-          <p:cNvPr id="5" name="TextBox 4">
-            <a:extLst>
-              <a:ext uri="{FF2B5EF4-FFF2-40B4-BE49-F238E27FC236}">
-                <a16:creationId xmlns:a16="http://schemas.microsoft.com/office/drawing/2014/main" id="{D00CB93A-3320-C18B-4C74-541FB845D35B}"/>
-              </a:ext>
-            </a:extLst>
-          </p:cNvPr>
-          <p:cNvSpPr txBox="1"/>
-          <p:nvPr/>
-        </p:nvSpPr>
-        <p:spPr>
-          <a:xfrm>
-            <a:off x="8138916" y="503536"/>
-            <a:ext cx="2920352" cy="1200329"/>
-          </a:xfrm>
-          <a:prstGeom prst="rect">
-            <a:avLst/>
-          </a:prstGeom>
-          <a:solidFill>
-            <a:schemeClr val="accent2">
-              <a:lumMod val="40000"/>
-              <a:lumOff val="60000"/>
-            </a:schemeClr>
-          </a:solidFill>
-        </p:spPr>
-        <p:txBody>
-          <a:bodyPr wrap="square" rtlCol="0">
-            <a:spAutoFit/>
-          </a:bodyPr>
-          <a:lstStyle/>
-          <a:p>
-            <a:pPr algn="ctr"/>
-            <a:r>
-              <a:rPr lang="en-CA" b="1" dirty="0"/>
-              <a:t>Python ignores source code comments </a:t>
-            </a:r>
-            <a:r>
-              <a:rPr lang="en-CA" dirty="0"/>
-              <a:t>… it just reads over them. They’re for other humans.</a:t>
-            </a:r>
-            <a:endParaRPr lang="en-AU" dirty="0"/>
-          </a:p>
-        </p:txBody>
-      </p:sp>
-      <p:cxnSp>
-        <p:nvCxnSpPr>
-          <p:cNvPr id="8" name="Straight Arrow Connector 7">
-            <a:extLst>
-              <a:ext uri="{FF2B5EF4-FFF2-40B4-BE49-F238E27FC236}">
-                <a16:creationId xmlns:a16="http://schemas.microsoft.com/office/drawing/2014/main" id="{6981BB04-4450-2F6F-4355-503A5A6C203A}"/>
-              </a:ext>
-            </a:extLst>
-          </p:cNvPr>
-          <p:cNvCxnSpPr>
-            <a:cxnSpLocks/>
-            <a:stCxn id="5" idx="1"/>
-            <a:endCxn id="3" idx="3"/>
-          </p:cNvCxnSpPr>
-          <p:nvPr/>
-        </p:nvCxnSpPr>
-        <p:spPr>
-          <a:xfrm flipH="1">
-            <a:off x="7351413" y="1103701"/>
-            <a:ext cx="787503" cy="1"/>
-          </a:xfrm>
-          <a:prstGeom prst="straightConnector1">
-            <a:avLst/>
-          </a:prstGeom>
-          <a:ln>
-            <a:tailEnd type="triangle"/>
-          </a:ln>
-        </p:spPr>
-        <p:style>
-          <a:lnRef idx="2">
-            <a:schemeClr val="accent1"/>
-          </a:lnRef>
-          <a:fillRef idx="0">
-            <a:schemeClr val="accent1"/>
-          </a:fillRef>
-          <a:effectRef idx="1">
-            <a:schemeClr val="accent1"/>
-          </a:effectRef>
-          <a:fontRef idx="minor">
-            <a:schemeClr val="tx1"/>
-          </a:fontRef>
-        </p:style>
-      </p:cxnSp>
-      <p:sp>
-        <p:nvSpPr>
-          <p:cNvPr id="12" name="TextBox 11">
-            <a:extLst>
-              <a:ext uri="{FF2B5EF4-FFF2-40B4-BE49-F238E27FC236}">
-                <a16:creationId xmlns:a16="http://schemas.microsoft.com/office/drawing/2014/main" id="{431A6EBB-A203-8787-4E34-76813F5D9DB4}"/>
-              </a:ext>
-            </a:extLst>
-          </p:cNvPr>
-          <p:cNvSpPr txBox="1"/>
-          <p:nvPr/>
-        </p:nvSpPr>
-        <p:spPr>
-          <a:xfrm>
-            <a:off x="619574" y="4001692"/>
-            <a:ext cx="1987824" cy="646331"/>
-          </a:xfrm>
-          <a:prstGeom prst="rect">
-            <a:avLst/>
-          </a:prstGeom>
-          <a:solidFill>
-            <a:schemeClr val="accent2">
-              <a:lumMod val="40000"/>
-              <a:lumOff val="60000"/>
-            </a:schemeClr>
-          </a:solidFill>
-        </p:spPr>
-        <p:txBody>
-          <a:bodyPr wrap="square" rtlCol="0">
-            <a:spAutoFit/>
-          </a:bodyPr>
-          <a:lstStyle/>
-          <a:p>
-            <a:pPr algn="ctr"/>
-            <a:r>
-              <a:rPr lang="en-CA" dirty="0"/>
-              <a:t>Which program is more readable?</a:t>
-            </a:r>
-            <a:endParaRPr lang="en-AU" dirty="0"/>
-          </a:p>
-        </p:txBody>
-      </p:sp>
-      <p:sp>
-        <p:nvSpPr>
-          <p:cNvPr id="14" name="TextBox 13">
-            <a:extLst>
-              <a:ext uri="{FF2B5EF4-FFF2-40B4-BE49-F238E27FC236}">
-                <a16:creationId xmlns:a16="http://schemas.microsoft.com/office/drawing/2014/main" id="{33236FBD-1501-A0D8-6556-DC2951A5995C}"/>
-              </a:ext>
-            </a:extLst>
-          </p:cNvPr>
-          <p:cNvSpPr txBox="1"/>
-          <p:nvPr/>
-        </p:nvSpPr>
-        <p:spPr>
-          <a:xfrm>
-            <a:off x="3501584" y="2625504"/>
-            <a:ext cx="6097508" cy="1200329"/>
-          </a:xfrm>
-          <a:prstGeom prst="rect">
-            <a:avLst/>
-          </a:prstGeom>
-          <a:noFill/>
-          <a:ln>
-            <a:solidFill>
-              <a:schemeClr val="tx1"/>
-            </a:solidFill>
-          </a:ln>
-        </p:spPr>
-        <p:txBody>
-          <a:bodyPr wrap="square">
-            <a:spAutoFit/>
-          </a:bodyPr>
-          <a:lstStyle/>
-          <a:p>
-            <a:r>
-              <a:rPr lang="en-US" dirty="0"/>
-              <a:t>a = 5          # set </a:t>
-            </a:r>
-            <a:r>
-              <a:rPr lang="en-US" dirty="0" err="1"/>
-              <a:t>num_bars</a:t>
-            </a:r>
-            <a:r>
-              <a:rPr lang="en-US" dirty="0"/>
-              <a:t> to 5</a:t>
-            </a:r>
-          </a:p>
-          <a:p>
-            <a:r>
-              <a:rPr lang="en-US" dirty="0"/>
-              <a:t>b = 6.99   # set cost to 6.99</a:t>
-            </a:r>
-          </a:p>
-          <a:p>
-            <a:r>
-              <a:rPr lang="en-US" dirty="0"/>
-              <a:t>c = a * b   # calculate the total cost</a:t>
-            </a:r>
-          </a:p>
-          <a:p>
-            <a:r>
-              <a:rPr lang="en-US" dirty="0"/>
-              <a:t>print(c)    # print the total cost</a:t>
-            </a:r>
-            <a:endParaRPr lang="en-AU" dirty="0"/>
-          </a:p>
-        </p:txBody>
-      </p:sp>
-      <p:sp>
-        <p:nvSpPr>
-          <p:cNvPr id="9" name="TextBox 8">
-            <a:extLst>
-              <a:ext uri="{FF2B5EF4-FFF2-40B4-BE49-F238E27FC236}">
-                <a16:creationId xmlns:a16="http://schemas.microsoft.com/office/drawing/2014/main" id="{9AEAE99D-FA46-F515-38F6-153F6499C93E}"/>
-              </a:ext>
-            </a:extLst>
-          </p:cNvPr>
-          <p:cNvSpPr txBox="1"/>
-          <p:nvPr/>
-        </p:nvSpPr>
-        <p:spPr>
-          <a:xfrm>
-            <a:off x="3501584" y="4648023"/>
-            <a:ext cx="6097508" cy="1200329"/>
-          </a:xfrm>
-          <a:prstGeom prst="rect">
-            <a:avLst/>
-          </a:prstGeom>
-          <a:noFill/>
-          <a:ln>
-            <a:solidFill>
-              <a:schemeClr val="tx1"/>
-            </a:solidFill>
-          </a:ln>
-        </p:spPr>
-        <p:txBody>
-          <a:bodyPr wrap="square">
-            <a:spAutoFit/>
-          </a:bodyPr>
-          <a:lstStyle/>
-          <a:p>
-            <a:r>
-              <a:rPr lang="en-US" dirty="0"/>
-              <a:t>a = 5           </a:t>
-            </a:r>
-          </a:p>
-          <a:p>
-            <a:r>
-              <a:rPr lang="en-US" dirty="0"/>
-              <a:t>b = 6.99    </a:t>
-            </a:r>
-          </a:p>
-          <a:p>
-            <a:r>
-              <a:rPr lang="en-US" dirty="0"/>
-              <a:t>c = a * b    </a:t>
-            </a:r>
-          </a:p>
-          <a:p>
-            <a:r>
-              <a:rPr lang="en-US" dirty="0"/>
-              <a:t>print(c)     </a:t>
-            </a:r>
-            <a:endParaRPr lang="en-AU" dirty="0"/>
+              <a:rPr lang="en-AU" dirty="0"/>
+              <a:t>A good way to write some programs is to write down each step in comments first, and then fill in the code …</a:t>
+            </a:r>
           </a:p>
         </p:txBody>
       </p:sp>
     </p:spTree>
     <p:extLst>
       <p:ext uri="{BB962C8B-B14F-4D97-AF65-F5344CB8AC3E}">
-        <p14:creationId xmlns:p14="http://schemas.microsoft.com/office/powerpoint/2010/main" val="280561526"/>
+        <p14:creationId xmlns:p14="http://schemas.microsoft.com/office/powerpoint/2010/main" val="3184009082"/>
       </p:ext>
     </p:extLst>
   </p:cSld>
@@ -35369,10 +36300,10 @@
       </p:sp>
       <p:sp>
         <p:nvSpPr>
-          <p:cNvPr id="14" name="TextBox 13">
-            <a:extLst>
-              <a:ext uri="{FF2B5EF4-FFF2-40B4-BE49-F238E27FC236}">
-                <a16:creationId xmlns:a16="http://schemas.microsoft.com/office/drawing/2014/main" id="{33236FBD-1501-A0D8-6556-DC2951A5995C}"/>
+          <p:cNvPr id="13" name="TextBox 12">
+            <a:extLst>
+              <a:ext uri="{FF2B5EF4-FFF2-40B4-BE49-F238E27FC236}">
+                <a16:creationId xmlns:a16="http://schemas.microsoft.com/office/drawing/2014/main" id="{5C3CB041-437A-DDC4-FD22-B5E3515334BD}"/>
               </a:ext>
             </a:extLst>
           </p:cNvPr>
@@ -35381,309 +36312,8 @@
         </p:nvSpPr>
         <p:spPr>
           <a:xfrm>
-            <a:off x="4436198" y="3575956"/>
-            <a:ext cx="6097508" cy="1200329"/>
-          </a:xfrm>
-          <a:prstGeom prst="rect">
-            <a:avLst/>
-          </a:prstGeom>
-          <a:noFill/>
-          <a:ln>
-            <a:solidFill>
-              <a:schemeClr val="tx1"/>
-            </a:solidFill>
-          </a:ln>
-        </p:spPr>
-        <p:txBody>
-          <a:bodyPr wrap="square">
-            <a:spAutoFit/>
-          </a:bodyPr>
-          <a:lstStyle/>
-          <a:p>
-            <a:r>
-              <a:rPr lang="en-US" dirty="0"/>
-              <a:t>a = 5          # set </a:t>
-            </a:r>
-            <a:r>
-              <a:rPr lang="en-US" dirty="0" err="1"/>
-              <a:t>num_bars</a:t>
-            </a:r>
-            <a:r>
-              <a:rPr lang="en-US" dirty="0"/>
-              <a:t> to 5</a:t>
-            </a:r>
-          </a:p>
-          <a:p>
-            <a:r>
-              <a:rPr lang="en-US" dirty="0"/>
-              <a:t>b = 6.99   # set cost to 6.99</a:t>
-            </a:r>
-          </a:p>
-          <a:p>
-            <a:r>
-              <a:rPr lang="en-US" dirty="0"/>
-              <a:t>c = a * b   # calculate the total cost</a:t>
-            </a:r>
-          </a:p>
-          <a:p>
-            <a:r>
-              <a:rPr lang="en-US" dirty="0"/>
-              <a:t>print(c)    # print the total cost</a:t>
-            </a:r>
-            <a:endParaRPr lang="en-AU" dirty="0"/>
-          </a:p>
-        </p:txBody>
-      </p:sp>
-      <p:sp>
-        <p:nvSpPr>
-          <p:cNvPr id="9" name="TextBox 8">
-            <a:extLst>
-              <a:ext uri="{FF2B5EF4-FFF2-40B4-BE49-F238E27FC236}">
-                <a16:creationId xmlns:a16="http://schemas.microsoft.com/office/drawing/2014/main" id="{9AEAE99D-FA46-F515-38F6-153F6499C93E}"/>
-              </a:ext>
-            </a:extLst>
-          </p:cNvPr>
-          <p:cNvSpPr txBox="1"/>
-          <p:nvPr/>
-        </p:nvSpPr>
-        <p:spPr>
-          <a:xfrm>
-            <a:off x="4436198" y="5017450"/>
-            <a:ext cx="6097508" cy="1200329"/>
-          </a:xfrm>
-          <a:prstGeom prst="rect">
-            <a:avLst/>
-          </a:prstGeom>
-          <a:noFill/>
-          <a:ln>
-            <a:solidFill>
-              <a:schemeClr val="tx1"/>
-            </a:solidFill>
-          </a:ln>
-        </p:spPr>
-        <p:txBody>
-          <a:bodyPr wrap="square">
-            <a:spAutoFit/>
-          </a:bodyPr>
-          <a:lstStyle/>
-          <a:p>
-            <a:r>
-              <a:rPr lang="en-US" dirty="0"/>
-              <a:t>a = 5           </a:t>
-            </a:r>
-          </a:p>
-          <a:p>
-            <a:r>
-              <a:rPr lang="en-US" dirty="0"/>
-              <a:t>b = 6.99    </a:t>
-            </a:r>
-          </a:p>
-          <a:p>
-            <a:r>
-              <a:rPr lang="en-US" dirty="0"/>
-              <a:t>c = a * b    </a:t>
-            </a:r>
-          </a:p>
-          <a:p>
-            <a:r>
-              <a:rPr lang="en-US" dirty="0"/>
-              <a:t>print(c)     </a:t>
-            </a:r>
-            <a:endParaRPr lang="en-AU" dirty="0"/>
-          </a:p>
-        </p:txBody>
-      </p:sp>
-      <p:sp>
-        <p:nvSpPr>
-          <p:cNvPr id="6" name="TextBox 5">
-            <a:extLst>
-              <a:ext uri="{FF2B5EF4-FFF2-40B4-BE49-F238E27FC236}">
-                <a16:creationId xmlns:a16="http://schemas.microsoft.com/office/drawing/2014/main" id="{EC474749-3ED0-4F01-B666-AB2B0A73C9C9}"/>
-              </a:ext>
-            </a:extLst>
-          </p:cNvPr>
-          <p:cNvSpPr txBox="1"/>
-          <p:nvPr/>
-        </p:nvSpPr>
-        <p:spPr>
-          <a:xfrm>
-            <a:off x="4436198" y="692968"/>
-            <a:ext cx="6097508" cy="1200329"/>
-          </a:xfrm>
-          <a:prstGeom prst="rect">
-            <a:avLst/>
-          </a:prstGeom>
-          <a:noFill/>
-          <a:ln>
-            <a:solidFill>
-              <a:schemeClr val="tx1"/>
-            </a:solidFill>
-          </a:ln>
-        </p:spPr>
-        <p:txBody>
-          <a:bodyPr wrap="square">
-            <a:spAutoFit/>
-          </a:bodyPr>
-          <a:lstStyle/>
-          <a:p>
-            <a:r>
-              <a:rPr lang="en-US" dirty="0" err="1"/>
-              <a:t>num_bars</a:t>
-            </a:r>
-            <a:r>
-              <a:rPr lang="en-US" dirty="0"/>
-              <a:t> = 5                                   </a:t>
-            </a:r>
-            <a:br>
-              <a:rPr lang="en-US" dirty="0"/>
-            </a:br>
-            <a:r>
-              <a:rPr lang="en-US" dirty="0"/>
-              <a:t>cost = 6.99</a:t>
-            </a:r>
-          </a:p>
-          <a:p>
-            <a:r>
-              <a:rPr lang="en-US" dirty="0" err="1"/>
-              <a:t>total_cost</a:t>
-            </a:r>
-            <a:r>
-              <a:rPr lang="en-US" dirty="0"/>
-              <a:t> = </a:t>
-            </a:r>
-            <a:r>
-              <a:rPr lang="en-US" dirty="0" err="1"/>
-              <a:t>num_bars</a:t>
-            </a:r>
-            <a:r>
-              <a:rPr lang="en-US" dirty="0"/>
-              <a:t> * cost</a:t>
-            </a:r>
-          </a:p>
-          <a:p>
-            <a:r>
-              <a:rPr lang="en-US" dirty="0"/>
-              <a:t>print(</a:t>
-            </a:r>
-            <a:r>
-              <a:rPr lang="en-US" dirty="0" err="1"/>
-              <a:t>total_cost</a:t>
-            </a:r>
-            <a:r>
-              <a:rPr lang="en-US" dirty="0"/>
-              <a:t>)</a:t>
-            </a:r>
-            <a:endParaRPr lang="en-AU" dirty="0"/>
-          </a:p>
-        </p:txBody>
-      </p:sp>
-      <p:sp>
-        <p:nvSpPr>
-          <p:cNvPr id="7" name="TextBox 6">
-            <a:extLst>
-              <a:ext uri="{FF2B5EF4-FFF2-40B4-BE49-F238E27FC236}">
-                <a16:creationId xmlns:a16="http://schemas.microsoft.com/office/drawing/2014/main" id="{96DA67F4-4440-EC20-A452-F4BAE70D324F}"/>
-              </a:ext>
-            </a:extLst>
-          </p:cNvPr>
-          <p:cNvSpPr txBox="1"/>
-          <p:nvPr/>
-        </p:nvSpPr>
-        <p:spPr>
-          <a:xfrm>
-            <a:off x="4433182" y="2134462"/>
-            <a:ext cx="6097508" cy="1200329"/>
-          </a:xfrm>
-          <a:prstGeom prst="rect">
-            <a:avLst/>
-          </a:prstGeom>
-          <a:noFill/>
-          <a:ln>
-            <a:solidFill>
-              <a:schemeClr val="tx1"/>
-            </a:solidFill>
-          </a:ln>
-        </p:spPr>
-        <p:txBody>
-          <a:bodyPr wrap="square">
-            <a:spAutoFit/>
-          </a:bodyPr>
-          <a:lstStyle/>
-          <a:p>
-            <a:r>
-              <a:rPr lang="en-US" dirty="0" err="1"/>
-              <a:t>num_bars</a:t>
-            </a:r>
-            <a:r>
-              <a:rPr lang="en-US" dirty="0"/>
-              <a:t> = 5                                   # set </a:t>
-            </a:r>
-            <a:r>
-              <a:rPr lang="en-US" dirty="0" err="1"/>
-              <a:t>num_bars</a:t>
-            </a:r>
-            <a:r>
-              <a:rPr lang="en-US" dirty="0"/>
-              <a:t> to 5</a:t>
-            </a:r>
-          </a:p>
-          <a:p>
-            <a:r>
-              <a:rPr lang="en-US" dirty="0"/>
-              <a:t>cost = 6.99                                         # set cost to 6.99</a:t>
-            </a:r>
-          </a:p>
-          <a:p>
-            <a:r>
-              <a:rPr lang="en-US" dirty="0" err="1"/>
-              <a:t>total_cost</a:t>
-            </a:r>
-            <a:r>
-              <a:rPr lang="en-US" dirty="0"/>
-              <a:t> = </a:t>
-            </a:r>
-            <a:r>
-              <a:rPr lang="en-US" dirty="0" err="1"/>
-              <a:t>num_bars</a:t>
-            </a:r>
-            <a:r>
-              <a:rPr lang="en-US" dirty="0"/>
-              <a:t> * cost   # calculate the total cost</a:t>
-            </a:r>
-          </a:p>
-          <a:p>
-            <a:r>
-              <a:rPr lang="en-US" dirty="0"/>
-              <a:t>print(</a:t>
-            </a:r>
-            <a:r>
-              <a:rPr lang="en-US" dirty="0" err="1"/>
-              <a:t>total_cost</a:t>
-            </a:r>
-            <a:r>
-              <a:rPr lang="en-US" dirty="0"/>
-              <a:t>)                              # print the total cost</a:t>
-            </a:r>
-            <a:endParaRPr lang="en-AU" dirty="0"/>
-          </a:p>
-        </p:txBody>
-      </p:sp>
-      <p:sp>
-        <p:nvSpPr>
-          <p:cNvPr id="10" name="TextBox 9">
-            <a:extLst>
-              <a:ext uri="{FF2B5EF4-FFF2-40B4-BE49-F238E27FC236}">
-                <a16:creationId xmlns:a16="http://schemas.microsoft.com/office/drawing/2014/main" id="{6EB72D95-DD1F-3846-2F23-847D578BDBAA}"/>
-              </a:ext>
-            </a:extLst>
-          </p:cNvPr>
-          <p:cNvSpPr txBox="1"/>
-          <p:nvPr/>
-        </p:nvSpPr>
-        <p:spPr>
-          <a:xfrm>
-            <a:off x="3486949" y="1062299"/>
-            <a:ext cx="812082" cy="461665"/>
+            <a:off x="3245974" y="2362474"/>
+            <a:ext cx="5170711" cy="3416320"/>
           </a:xfrm>
           <a:prstGeom prst="rect">
             <a:avLst/>
@@ -35697,27 +36327,85 @@
           <a:lstStyle/>
           <a:p>
             <a:r>
-              <a:rPr lang="en-CA" sz="2400" b="1" dirty="0">
-                <a:solidFill>
-                  <a:srgbClr val="00B050"/>
-                </a:solidFill>
-              </a:rPr>
-              <a:t>Best</a:t>
-            </a:r>
-            <a:endParaRPr lang="en-AU" sz="2400" b="1" dirty="0">
-              <a:solidFill>
-                <a:srgbClr val="00B050"/>
-              </a:solidFill>
-            </a:endParaRPr>
+              <a:rPr lang="en-US" b="1" dirty="0"/>
+              <a:t># set the length of side 1 of the right triangle</a:t>
+            </a:r>
+          </a:p>
+          <a:p>
+            <a:r>
+              <a:rPr lang="en-US" dirty="0"/>
+              <a:t>side1 = 3</a:t>
+            </a:r>
+          </a:p>
+          <a:p>
+            <a:endParaRPr lang="en-US" dirty="0"/>
+          </a:p>
+          <a:p>
+            <a:r>
+              <a:rPr lang="en-US" b="1" dirty="0"/>
+              <a:t># set the length of side 2 of the right triangle</a:t>
+            </a:r>
+          </a:p>
+          <a:p>
+            <a:r>
+              <a:rPr lang="en-US" dirty="0"/>
+              <a:t>side2 = 4</a:t>
+            </a:r>
+          </a:p>
+          <a:p>
+            <a:endParaRPr lang="en-US" dirty="0"/>
+          </a:p>
+          <a:p>
+            <a:r>
+              <a:rPr lang="en-US" b="1" dirty="0"/>
+              <a:t># calculate the hypotenuse of the triangle using </a:t>
+            </a:r>
+            <a:br>
+              <a:rPr lang="en-US" b="1" dirty="0"/>
+            </a:br>
+            <a:r>
+              <a:rPr lang="en-US" b="1" dirty="0"/>
+              <a:t># the Pythagorean theorem</a:t>
+            </a:r>
+          </a:p>
+          <a:p>
+            <a:r>
+              <a:rPr lang="en-US" dirty="0"/>
+              <a:t>hypotenuse = </a:t>
+            </a:r>
+            <a:r>
+              <a:rPr lang="en-US" dirty="0" err="1"/>
+              <a:t>math.sqrt</a:t>
+            </a:r>
+            <a:r>
+              <a:rPr lang="en-US" dirty="0"/>
+              <a:t>(side1 ** 2 + side2 ** 2)</a:t>
+            </a:r>
+          </a:p>
+          <a:p>
+            <a:endParaRPr lang="en-US" dirty="0"/>
+          </a:p>
+          <a:p>
+            <a:r>
+              <a:rPr lang="en-US" b="1" dirty="0"/>
+              <a:t># print the results</a:t>
+            </a:r>
+          </a:p>
+          <a:p>
+            <a:r>
+              <a:rPr lang="en-US" dirty="0"/>
+              <a:t>print(hypotenuse)</a:t>
+            </a:r>
+            <a:endParaRPr lang="en-AU" dirty="0"/>
           </a:p>
         </p:txBody>
       </p:sp>
       <p:sp>
         <p:nvSpPr>
-          <p:cNvPr id="11" name="TextBox 10">
-            <a:extLst>
-              <a:ext uri="{FF2B5EF4-FFF2-40B4-BE49-F238E27FC236}">
-                <a16:creationId xmlns:a16="http://schemas.microsoft.com/office/drawing/2014/main" id="{4D36F270-4589-9098-9DDA-D7F613D05FE0}"/>
+          <p:cNvPr id="5" name="TextBox 4">
+            <a:extLst>
+              <a:ext uri="{FF2B5EF4-FFF2-40B4-BE49-F238E27FC236}">
+                <a16:creationId xmlns:a16="http://schemas.microsoft.com/office/drawing/2014/main" id="{E44F6A4F-48D2-9A0B-B9D7-889B8BBBF9EB}"/>
               </a:ext>
             </a:extLst>
           </p:cNvPr>
@@ -35726,82 +36414,88 @@
         </p:nvSpPr>
         <p:spPr>
           <a:xfrm>
-            <a:off x="3374131" y="5264645"/>
-            <a:ext cx="1016432" cy="461665"/>
+            <a:off x="4028799" y="756040"/>
+            <a:ext cx="3250305" cy="1200329"/>
           </a:xfrm>
           <a:prstGeom prst="rect">
             <a:avLst/>
           </a:prstGeom>
-          <a:noFill/>
+          <a:solidFill>
+            <a:schemeClr val="accent2">
+              <a:lumMod val="40000"/>
+              <a:lumOff val="60000"/>
+            </a:schemeClr>
+          </a:solidFill>
         </p:spPr>
         <p:txBody>
-          <a:bodyPr wrap="none" rtlCol="0">
+          <a:bodyPr wrap="square" rtlCol="0">
             <a:spAutoFit/>
           </a:bodyPr>
           <a:lstStyle/>
           <a:p>
-            <a:r>
-              <a:rPr lang="en-CA" sz="2400" b="1" dirty="0">
-                <a:solidFill>
-                  <a:srgbClr val="00B050"/>
-                </a:solidFill>
-              </a:rPr>
-              <a:t>Worst</a:t>
-            </a:r>
-            <a:endParaRPr lang="en-AU" sz="2400" b="1" dirty="0">
-              <a:solidFill>
-                <a:srgbClr val="00B050"/>
-              </a:solidFill>
-            </a:endParaRPr>
+            <a:pPr algn="ctr"/>
+            <a:r>
+              <a:rPr lang="en-AU" dirty="0"/>
+              <a:t>A good way to write some programs is to write down each step in comments first, and then fill in the code …</a:t>
+            </a:r>
           </a:p>
         </p:txBody>
       </p:sp>
-      <p:cxnSp>
-        <p:nvCxnSpPr>
-          <p:cNvPr id="15" name="Straight Arrow Connector 14">
-            <a:extLst>
-              <a:ext uri="{FF2B5EF4-FFF2-40B4-BE49-F238E27FC236}">
-                <a16:creationId xmlns:a16="http://schemas.microsoft.com/office/drawing/2014/main" id="{42E03929-487C-7FD3-34A9-9129425F4BE7}"/>
-              </a:ext>
-            </a:extLst>
-          </p:cNvPr>
-          <p:cNvCxnSpPr>
-            <a:stCxn id="10" idx="2"/>
-            <a:endCxn id="11" idx="0"/>
-          </p:cNvCxnSpPr>
-          <p:nvPr/>
-        </p:nvCxnSpPr>
-        <p:spPr>
-          <a:xfrm flipH="1">
-            <a:off x="3882347" y="1523964"/>
-            <a:ext cx="10643" cy="3740681"/>
-          </a:xfrm>
-          <a:prstGeom prst="straightConnector1">
-            <a:avLst/>
-          </a:prstGeom>
-          <a:ln>
-            <a:tailEnd type="triangle"/>
-          </a:ln>
-        </p:spPr>
-        <p:style>
-          <a:lnRef idx="2">
-            <a:schemeClr val="accent1"/>
-          </a:lnRef>
-          <a:fillRef idx="0">
-            <a:schemeClr val="accent1"/>
-          </a:fillRef>
-          <a:effectRef idx="1">
-            <a:schemeClr val="accent1"/>
-          </a:effectRef>
-          <a:fontRef idx="minor">
-            <a:schemeClr val="tx1"/>
-          </a:fontRef>
-        </p:style>
-      </p:cxnSp>
+      <mc:AlternateContent xmlns:mc="http://schemas.openxmlformats.org/markup-compatibility/2006">
+        <mc:Choice xmlns:p14="http://schemas.microsoft.com/office/powerpoint/2010/main" Requires="p14">
+          <p:contentPart p14:bwMode="auto" r:id="rId2">
+            <p14:nvContentPartPr>
+              <p14:cNvPr id="3" name="Ink 2">
+                <a:extLst>
+                  <a:ext uri="{FF2B5EF4-FFF2-40B4-BE49-F238E27FC236}">
+                    <a16:creationId xmlns:a16="http://schemas.microsoft.com/office/drawing/2014/main" id="{E34D4937-849C-F770-CE42-5C276621B2C7}"/>
+                  </a:ext>
+                </a:extLst>
+              </p14:cNvPr>
+              <p14:cNvContentPartPr/>
+              <p14:nvPr/>
+            </p14:nvContentPartPr>
+            <p14:xfrm>
+              <a:off x="7926840" y="726480"/>
+              <a:ext cx="3230280" cy="2341080"/>
+            </p14:xfrm>
+          </p:contentPart>
+        </mc:Choice>
+        <mc:Fallback>
+          <p:pic>
+            <p:nvPicPr>
+              <p:cNvPr id="3" name="Ink 2">
+                <a:extLst>
+                  <a:ext uri="{FF2B5EF4-FFF2-40B4-BE49-F238E27FC236}">
+                    <a16:creationId xmlns:a16="http://schemas.microsoft.com/office/drawing/2014/main" id="{E34D4937-849C-F770-CE42-5C276621B2C7}"/>
+                  </a:ext>
+                </a:extLst>
+              </p:cNvPr>
+              <p:cNvPicPr/>
+              <p:nvPr/>
+            </p:nvPicPr>
+            <p:blipFill>
+              <a:blip r:embed="rId3"/>
+              <a:stretch>
+                <a:fillRect/>
+              </a:stretch>
+            </p:blipFill>
+            <p:spPr>
+              <a:xfrm>
+                <a:off x="7917480" y="717120"/>
+                <a:ext cx="3249000" cy="2359800"/>
+              </a:xfrm>
+              <a:prstGeom prst="rect">
+                <a:avLst/>
+              </a:prstGeom>
+            </p:spPr>
+          </p:pic>
+        </mc:Fallback>
+      </mc:AlternateContent>
     </p:spTree>
     <p:extLst>
       <p:ext uri="{BB962C8B-B14F-4D97-AF65-F5344CB8AC3E}">
-        <p14:creationId xmlns:p14="http://schemas.microsoft.com/office/powerpoint/2010/main" val="988044877"/>
+        <p14:creationId xmlns:p14="http://schemas.microsoft.com/office/powerpoint/2010/main" val="3885649669"/>
       </p:ext>
     </p:extLst>
   </p:cSld>

--- a/lecture_notes/chapter2/chapter2.pptx
+++ b/lecture_notes/chapter2/chapter2.pptx
@@ -1501,7 +1501,7 @@
   <pc:docChgLst>
     <pc:chgData name="Toby Donaldson" userId="2e6e5431-bb17-4c41-9985-d39c50d83c73" providerId="ADAL" clId="{B9F33DEE-EC52-4B89-A8C8-427ED27EC638}"/>
     <pc:docChg chg="undo redo custSel addSld delSld modSld sldOrd addSection modSection">
-      <pc:chgData name="Toby Donaldson" userId="2e6e5431-bb17-4c41-9985-d39c50d83c73" providerId="ADAL" clId="{B9F33DEE-EC52-4B89-A8C8-427ED27EC638}" dt="2024-09-19T00:59:35.686" v="9057" actId="11529"/>
+      <pc:chgData name="Toby Donaldson" userId="2e6e5431-bb17-4c41-9985-d39c50d83c73" providerId="ADAL" clId="{B9F33DEE-EC52-4B89-A8C8-427ED27EC638}" dt="2024-09-19T01:04:45.862" v="9058" actId="21"/>
       <pc:docMkLst>
         <pc:docMk/>
       </pc:docMkLst>
@@ -4711,8 +4711,8 @@
           </ac:cxnSpMkLst>
         </pc:cxnChg>
       </pc:sldChg>
-      <pc:sldChg chg="addSp modSp add mod">
-        <pc:chgData name="Toby Donaldson" userId="2e6e5431-bb17-4c41-9985-d39c50d83c73" providerId="ADAL" clId="{B9F33DEE-EC52-4B89-A8C8-427ED27EC638}" dt="2024-09-17T21:40:40.321" v="7246" actId="11529"/>
+      <pc:sldChg chg="addSp delSp modSp add mod">
+        <pc:chgData name="Toby Donaldson" userId="2e6e5431-bb17-4c41-9985-d39c50d83c73" providerId="ADAL" clId="{B9F33DEE-EC52-4B89-A8C8-427ED27EC638}" dt="2024-09-19T01:04:45.862" v="9058" actId="21"/>
         <pc:sldMkLst>
           <pc:docMk/>
           <pc:sldMk cId="302167807" sldId="299"/>
@@ -4733,6 +4733,14 @@
             <ac:spMk id="10" creationId="{FF13CE6D-890C-D19C-6C6E-B80716A9E764}"/>
           </ac:spMkLst>
         </pc:spChg>
+        <pc:inkChg chg="del">
+          <ac:chgData name="Toby Donaldson" userId="2e6e5431-bb17-4c41-9985-d39c50d83c73" providerId="ADAL" clId="{B9F33DEE-EC52-4B89-A8C8-427ED27EC638}" dt="2024-09-19T01:04:45.862" v="9058" actId="21"/>
+          <ac:inkMkLst>
+            <pc:docMk/>
+            <pc:sldMk cId="302167807" sldId="299"/>
+            <ac:inkMk id="12" creationId="{F731033A-1FF7-12B6-FF02-080DE7AC82FF}"/>
+          </ac:inkMkLst>
+        </pc:inkChg>
         <pc:cxnChg chg="add mod">
           <ac:chgData name="Toby Donaldson" userId="2e6e5431-bb17-4c41-9985-d39c50d83c73" providerId="ADAL" clId="{B9F33DEE-EC52-4B89-A8C8-427ED27EC638}" dt="2024-09-17T21:40:14.910" v="7242" actId="1076"/>
           <ac:cxnSpMkLst>
@@ -6275,59 +6283,6 @@
           <inkml:channelProperty channel="T" name="resolution" value="1" units="1/dev"/>
         </inkml:channelProperties>
       </inkml:inkSource>
-      <inkml:timestamp xml:id="ts0" timeString="2024-09-18T21:42:24.285"/>
-    </inkml:context>
-    <inkml:brush xml:id="br0">
-      <inkml:brushProperty name="width" value="0.05292" units="cm"/>
-      <inkml:brushProperty name="height" value="0.05292" units="cm"/>
-      <inkml:brushProperty name="color" value="#FF0000"/>
-    </inkml:brush>
-  </inkml:definitions>
-  <inkml:trace contextRef="#ctx0" brushRef="#br0">23986 3115 11 0,'0'0'0'0,"0"0"0"0,0 0 0 0,0 0 0 0,0 0 1 0,0 0-1 0,0 0 1 0,0 0-1 0,0 0 0 0,0 0 0 0,19-31 0 0,-24 26 0 0,2-1 1 0,0 3-1 0,-2-11 1 0,2 8-1 0,-5-2 0 0,2 2 0 0,1 1 75 15,5 2 1-15,0 3 0 0,0 0 1 0,0 0-77 0,-6-6 0 0,6 6 0 0,0-8 0 0,0 8 35 0,0 0 1 0,0 0 0 0,0 0 0 0,0 0-36 0,11 0 0 0,-11 0 0 0,0 0 0 0,0 0 45 0,0 8 2 0,0 1-1 0,0 2 0 0,3-3-46 0,8 35 0 0,-11-7 0 16,0 1 20-16,3 47 1 15,-6-50-1-15,3 3 1 0,0 33-21 0,0-19 0 16,3-1-2-16,-1-2 1 0,-2 11-1 16,-2-3 1-16,-1 1 1 0,3 58 0 15,0-67 0-15,0-3-13 0,8 45 0 16,-5-51 0-16,0 1 1 16,-3 19 12-16,0-31 0 0,0-6 15 15,-3 12 1-15,3-25 0 0,0-9 0 0,-6 0-16 0,6 0 0 0,0 0 7 16,3-9 0-16,0 1 0 0,5-6 1 0,-2-34-8 15,2 3 0-15,0-12-3 0,1 1 1 16,-1 0-1-16,-5 8 1 0,-1 3 2 0,7-67 0 16,-4 52 0-16,-2-4-8 0,8-68 1 15,-5 67-1-15,2 6 1 0,3-3 7 16,-3 11 0-16,3 1 0 0,3 2 6 0,5 3 0 16,1-3 0-16,-6 6 1 0,2 2-7 0,31-41 0 15,-25 44 0-15,6 6 0 0,33-17 0 16,-37 26 0-16,-4 13 1 0,24-2-1 15,-22 3 0-15,3 2 9 0,25 3 1 16,-23-2-1-16,-5-1 0 0,34 6-9 16,-29 0 0-16,4 6-136 0,21 8 1 15,-33-14-1-15,4 5-28 0,21-2 136 0,-25-6 0 16,-19 3-92-16</inkml:trace>
-  <inkml:trace contextRef="#ctx0" brushRef="#br0" timeOffset="258.86">25022 3073 11 0,'0'0'0'0,"0"0"0"0,0 0 0 0,5 34 0 0,1 8 1 0,-6-20-1 0,0-22-9 0</inkml:trace>
-  <inkml:trace contextRef="#ctx0" brushRef="#br0" timeOffset="483.17">25022 3363 370 0,'11'28'0'0,"3"23"0"0,5 8 53 0,0-3 1 0,-8 0 0 0,3 3 0 0,3 9-54 0,19 53 0 0,-11-71 0 0,8 1 82 0,27 22 0 0,-29-48 1 0,-1-2-1 15,39-3-82-15,-38-26 0 0,-1-2 33 0,28-32 0 16,-30 18 0-16,-9-1 1 0,0-11-34 16,1-2 0-16,-1-6 0 0,-8-3 27 0,6-62 0 15,-15 50 0-15,-4-7 0 0,-7-63-27 0,-2 62 0 16,3 4 0-16,-3 1 0 0,-3-4 0 0,0-1 0 16,-11 3 0-16,-21-59 0 0,21 76 0 0,-8 6-8 15,-39-15 1-15,30 49-1 0,1 13 1 16,-50 34 7-16,46-14 0 0,7 15-104 15,-1 7 1-15,9-7 0 0,8-10 0 0,2 4 103 16,1 42 0-16,19-37 0 0,0-6-113 16,11 35-1-16,-3-40 1 0,-8-31-167 15</inkml:trace>
-  <inkml:trace contextRef="#ctx0" brushRef="#br0" timeOffset="933.39">25842 2735 11 0,'0'0'0'0,"0"0"0"0,0 0 37 0,0 0 0 0,-8 28 0 0,2-5 0 0,1 0-37 0,-6 10 0 15,3 4 0-15,2 5 166 0,0 3-1 0,4 3 1 16,7-12 0-16,9 7-166 0,11 35 0 16,-14-30 0-16,-3 3 103 0,20 45 1 15,-17-49-1-15,0 4 1 0,19 42-104 16,-13-57 0-16,5-2 90 0,-3 0-1 0,6-9 0 0,-5 1 2 16,4-12-91-16,4 0 0 0,2-14 0 0,-2 0 0 15,0-14 42-15,30-29 1 0,-39 15-1 16,6 0 1-16,14-37-43 0,-28 29 0 15,2-3-17-15,7-43 0 0,-12 40 0 16,0 0 1-16,-2-1 16 0,5-7 0 0,0 2 0 0,3 3-66 16,22-54 0-16,-20 57-1 0,4 6 2 15,18-40 65-15,-24 50 0 0,0-2-133 16,5 0 0-16,-13 14 1 0,-6 14-1 16,0 0 133-16,0 0 0 0,0 0-146 15,5 8 1-15,-5-2-1 0,3 3-44 0,8 5 145 16,-5 0 0-16,-6-14-95 0</inkml:trace>
-  <inkml:trace contextRef="#ctx0" brushRef="#br0" timeOffset="1318.28">26815 2865 617 0,'0'0'0'16,"0"0"0"-16,11-6 52 16,2 3 1-16,-13 3 1 0,6 9-1 15,-1-4-53-15,1 4 0 0,-3-6 0 0,2 8 87 0,1 3 1 16,-1 8 1-16,4 7-1 0,-4 4-88 0,14 60 0 15,-13-42 0-15,-3-1 71 0,5 49 2 16,-2-48-1-16,-1-9 0 0,12 37-72 16,-9-48 0-16,-8-3-17 0,8 19 1 15,-2-32-1-15,-1-7 1 0,1-8 16 16,-6 0 0-16,5-6 11 0,4-8 1 16,-1-3-1-16,3-11 1 0,8-42-12 0,-13 25 0 15,2-3-23-15,-2-39 0 0,-4 53 0 16,4 6 1-16,-1 0 22 0,-5 5 0 0,6 1 0 15,-6 8 5-15,3 0 0 0,2 0 0 0,1 5 0 16,-1-2-5-16,1 8 0 0,2-2 0 0,3-4 0 0,3 3-3 16,0 1 0-16,0 5 0 0,2 5 0 0,4 1 3 15,26 8 0-15,-26 0 0 0,-1 9-15 16,20 22 1-16,-20-20-1 0,-5 6 1 16,19 39 14-16,-19-36 0 0,3-3-105 0,5 39 2 15,-6-41-2-15,4-1 2 0,13 22 103 16,-14-27 0-16,0-1-146 0,20 12 2 15,-31-28-1-15,-8-6-198 0</inkml:trace>
-  <inkml:trace contextRef="#ctx0" brushRef="#br0" timeOffset="1883.38">27958 2851 336 0,'0'0'0'0,"0"0"0"0,-41 5 9 0,-23 9 1 0,26 3 0 0,2-3 0 0,-3 6-10 0,3 8 0 0,6-5 0 0,2 5 57 0,-22 28 1 15,25-19 1-15,3 8-1 0,-8 59-58 0,22-54 0 16,8 7 31-16,0 58 1 0,8-64 0 15,6 2 0-15,2 1-32 0,4-7 0 0,2-10 0 16,8-3 12-16,1-6 1 0,4-14 1 0,4-6-1 0,5-8-13 16,1-8 0-16,-7-6 0 0,1-6 0 0,-6-14 23 15,28-47 0-15,-34 33 0 0,1-11 0 16,11-62-23-16,-20 59 0 0,0 6 16 16,-5-9 1-16,0-5-1 0,5-3 1 0,1-6-17 15,16-90 0-15,-17 82 0 0,0-12-7 16,17-100 1-16,-19 97 0 0,-3 9 0 0,10-98 6 15,-10 107 0-15,-8 11 42 0,2-6 1 16,-2 25 0-16,-4 9 0 0,-2 12-43 0,0 10 0 16,-2 9 0-16,2 6 0 0,0 8-3 0,-20 22 0 15,15-13 0-15,-1 10 0 0,-8 37 3 16,6-13 0-16,3 16 19 0,-9 67 1 16,14-69-1-16,5 2 1 0,4-3-20 0,-4 14 0 15,-5 1 0-15,3 7 69 0,-6 86 2 16,-2-72-2-16,-6 1 1 0,2 3-70 0,-2 2 0 15,3 4 0-15,0 5-52 0,-12 98 0 16,9-121-1-16,0 1 2 0,3 2 51 0,0-22 0 16,5-9 0-16,3-14-153 0,-3-5 0 0,6-3 0 15,8-12 0-15,3-8 63 0,2-8-1 0,1-12 1 16,-1-8-1-16,-16 14-99 0</inkml:trace>
-  <inkml:trace contextRef="#ctx0" brushRef="#br0" timeOffset="2222.17">29453 1939 11 0,'0'0'0'0,"0"0"0"0,0 0 0 0,-34 28 1 16,7-11-1-16,-15 9 1 0,-52 38-1 0,59-36 0 0,7 0 129 0,3-5 1 0,0 11-1 0,-2 2 2 0,-4 7-131 0,-24 44 0 15,25-45 0-15,2 9 106 0,-19 64 0 16,28-48 1-16,8 7 0 0,-3-1-107 16,8 3 0-16,6 2 0 0,9 1 78 0,24 70-1 15,-11-87 0-15,5-3 0 0,40 40-77 16,-31-49 0-16,5 1-60 0,59 33 0 15,-45-47 0-15,8-3 0 0,6-6 60 0,0-6 0 16,-5-5 0-16,-1 3-169 0,7-12 1 0,-15 4 1 16,-11-9-1-16,-44-3-99 0</inkml:trace>
-  <inkml:trace contextRef="#ctx0" brushRef="#br0" timeOffset="2436.34">29826 2637 11 0,'0'0'0'0,"0"0"0"16,0 0 0-16,33-51 1 0,-31 32-1 0,-2 19-9 15</inkml:trace>
-  <inkml:trace contextRef="#ctx0" brushRef="#br0" timeOffset="2650.13">29919 2401 820 0,'0'0'0'0,"0"0"0"0,6-6 0 0,5 6 29 0,3-6 1 16,2 3 0-16,-2 3 0 16,-5 9-30-16,-4-3 0 0,1-4 0 0,-1 4 0 0,3 2 54 0,14 29 1 15,-2-12-1-15,5 12 1 0,30 36-55 16,-27-39 0-16,-4-3 10 0,32 36 0 0,-26-27 0 0,9-1 1 0,-6-2-11 0,0 5 0 15,-3 0 0-15,-5 3 15 0,3 3 0 0,-3-3 0 16,-3-3 1-16,-6 6-16 0,9 39 0 16,-16-39 0-16,-4-3-19 0,-13 53 0 15,8-55 0-15,0 2 1 0,-3 39 18 16,3-50 0-16,-3-6-201 0,1 9 2 0,4-9-1 16,1-6 0-16,3-8 153 0,-1 0 0 0,1-8-1 15,2 2 1-15,-8-8-100 0</inkml:trace>
-  <inkml:trace contextRef="#ctx0" brushRef="#br0" timeOffset="3050.06">30392 2631 11 0,'0'0'0'0,"0"0"0"0,0 0 0 16,0 0 1-16,16 34-1 0,-16-31 1 16,0 8-1-16,0-2 0 0,6-4 146 0,-1 9 1 15,-2-5-1-15,3-4 1 0,-4 18-147 16,-2-9 0-16,0 0 137 0,-2 23 2 15,-4-23-1-15,-2 14 1 0,2 3-139 0,-7 2 0 16,2 1 0-16,-3 3 82 0,-19 42 2 16,13-46-1-16,1 4 0 0,-6 33-83 15,11-30 0-15,3-1-3 0,-8 34 1 16,13-39 0-16,4-3 0 0,-4 39 2 16,1-36 0-16,-1 2-149 0,3 35 0 15,3-43 0-15,0-3-138 0,0 1 151 0,0-10-1 16,3-4 1-16,-3-12-114 0</inkml:trace>
-  <inkml:trace contextRef="#ctx0" brushRef="#br0" timeOffset="3735.1">30889 1877 11 0,'0'0'0'0,"0"0"0"0,0 0 0 0,30 20 1 0,-24-12-1 0,8 6 1 0,16 20-1 0,-8-20 0 0,9 0 84 15,40 15 1-15,-37-21 0 0,-4-2 0 0,36 16-85 0,-27-2 0 0,0 5 63 16,38 45 0-16,-30-27 1 0,5-1-1 16,56 65-63-16,-55-57 0 0,7 7 49 0,65 58 1 15,-59-53-1-15,-5-3 2 0,2 6-51 16,-10-3 0-16,-1 2 0 0,-5-2 29 0,20 73 1 15,-59-67-1-15,-16 2 1 0,-42 79-30 16,8-73 0-16,-10 6-142 0,-6 8 0 0,-8-11-1 16,2-6 2-16,64-73-125 0</inkml:trace>
-  <inkml:trace contextRef="#ctx0" brushRef="#br0" timeOffset="4983.54">24464 5470 11 0,'0'0'0'0,"0"0"0"0,0 0 6 0,0 0 0 0,0 0 0 0,0 0 0 0,0 0-6 15,0 0 0-15,0 0 113 0,0 0 2 0,0 0-1 0,0 0 0 0,0 0-114 0,0 0 0 0,0 0 73 16,0 0 0-16,0 0-1 0,0 0 2 15,-6 87-74-15,1-50 0 16,5 5 107-16,-3 48 1 0,3-45 1 0,3-3-1 16,2 3-108-16,-5 9 0 0,0 2 0 0,0 9 29 15,-5 64 1-15,2-70 0 0,0 3 0 16,-5 53-30-16,0-67 0 0,2-3 0 0,1-3 1 16,5-8-1-16,0-11 1 0,0-9-1 0,-6 0 0 15,6-14 0-15,6 0 0 0,-6-6 13 0,5-25 1 16,-5-5-1-16,6-12 1 0,7-65-14 15,-7 49 0-15,8-7-76 0,-6-2 0 16,3 3 1-16,-3-3 0 0,6-3 75 0,17-76 0 16,-12 73 0-16,6 3-61 0,22-67 0 15,-22 81 0-15,2 17 1 0,4-3 60 0,-9 11 0 16,3 1 0-16,-1 10 25 0,-4 4 0 16,5 5 0-16,0 3 1 15,2 0-26 1,1 8 0-16,2 12 0 15,-5-6 0-15,3 8-64 0,-1-2 0 0,4 8-1 0,-7-6 1 0,4 12 64 0,22 17 0 0,-31-23 0 0,-2 3-114 16,13 22 0-16,-11-17 0 0,-5 7 0 0,25 27 114 16,-14-34 0-16,2 7-28 0,23 16 0 15,-30-26 0-15,-20-19-84 0</inkml:trace>
-  <inkml:trace contextRef="#ctx0" brushRef="#br0" timeOffset="5400.78">25538 5400 493 0,'0'0'0'0,"0"0"0"0,0 0 35 0,-13 22 0 0,-1-8 0 0,-3 6 0 0,-22 31-35 0,17-21 0 0,0 4 61 0,-14 39 1 0,23-25 0 0,7 0 0 0,0 6-62 16,6 2 0-16,0 0 0 0,6 0 21 15,8 57 1-15,0-63 0 0,5 1 0 0,25 34-22 16,-24-49 0-16,4-8 7 0,43 17 0 16,-34-25 0-16,-3-14 1 0,42-4-8 15,-31-10 0-15,4-6 46 0,38-37 0 16,-53 17-1-16,0-8 1 0,1-3-46 16,-6-5 0-16,-3-4 0 0,-6-2 20 0,4-62 0 15,-20 61 0-15,-6 1 1 0,-27-70-21 16,14 67 0-16,-1-3-12 15,-32-48 1-15,27 62 0 16,-6-3 0-16,4 9 11 0,-6 11 0 0,0 12 0 0,2 5-11 0,-2 8 0 0,0 3 0 16,8 3 1-16,0 9 10 0,0-4 0 0,11 6 0 15,6 1 0-15,3-4-202 0,5 20 2 16,0-14-1-16,5 6-45 0,12 11 201 0,-6-11-1 16,-11-20-128-16</inkml:trace>
-  <inkml:trace contextRef="#ctx0" brushRef="#br0" timeOffset="5734.78">26185 5377 517 0,'0'0'0'0,"0"0"0"16,30 31-1-16,6 11 1 15,-22-19-1-15,-3 5 1 0,14 42 0 0,-6-28 0 0,-5 9 116 0,5 5 0 16,1 1 1-16,-1-4-1 0,6 3-116 0,27 48 0 16,-30-61 0-16,9-7 30 0,32 20 1 15,-38-41-1-15,3-7 1 0,21-8-31 16,-21-8 0-16,-3-7 91 0,0 1 2 16,2-14-1-16,7 0 0 0,-4-8-92 0,28-57 0 15,-30 36 0-15,-9 1-43 0,20-65 1 16,-20 57-1-16,0 2 1 0,-5 3 42 0,0 2 0 15,-3 15 0-15,3-3-114 0,0-3 2 0,2 12-1 16,-2-1 1-16,0 12 112 0,-9 2 0 0,9 9 0 16,5-3 0-16,1 12-135 0,-6-4 1 0,-1 6-1 15,1 3 2-15,-14 0-102 0</inkml:trace>
-  <inkml:trace contextRef="#ctx0" brushRef="#br0" timeOffset="6183.48">27582 5349 752 0,'0'0'0'16,"0"0"0"-16,6 39 21 0,0 15 0 15,-9-18-1-15,0 7 1 0,-16 44-21 0,10-37 0 0,4 7 117 16,-1 5 2-16,6 2-1 0,0 1 1 15,0 0-119-15,3 61 0 0,-6-69 0 16,3-12 25-16,-11 33 1 0,6-49-1 0,2-10 1 0,-11 4-26 16,14-23 0-16,0 0 19 0,3-23 1 15,2 1-1-15,1-6 1 0,-6-6-20 0,8-17 0 16,6-14 0-16,5-16-7 0,17-77 1 16,-16 85 0-16,-7 0 0 0,26-73 6 15,-17 81 0-15,3 6 0 0,0-3 1 0,0 17-1 16,-6 11 1-16,1 6-1 0,-1 6 0 0,-8 8 0 15,-3 5 0-15,-2 12-1 0,2 11 0 16,-2-8 0-16,-4 8 1 0,9 28 0 16,-5-6 0-16,2 7 41 0,9 58 2 15,-9-59-2-15,0 0 1 0,3 37-42 16,-2-45 0-16,2 2 26 0,0 1 0 0,-3 0 0 16,0-4 0-16,3 4-26 0,0-3 0 0,0-9 0 0,1 3 0 15,1-2-164-15,1 2-1 0,-3-14 0 0,0 0 1 16,3-6-6-16,-8-5 0 0,2 3 1 0,0-1-1 15,-8-5-128-15</inkml:trace>
-  <inkml:trace contextRef="#ctx0" brushRef="#br0" timeOffset="6734.16">28533 5642 898 0,'0'0'0'0,"0"0"0"0,0 0 81 16,0 0 2-16,0 0-1 0,-39-43 0 0,0 10-82 0,20 19 0 0,0 5 36 0,-25-5 1 15,21 14-1-15,1 6 1 0,-16 16-37 16,16-2 0-16,-6 11 54 0,3 5 0 0,0 18 0 16,11 5 1-16,3 6-55 0,11 75 0 15,6-81 0-15,-1 3-19 0,29 48 0 16,-21-57-1-16,4-8 1 0,19 40 19 15,-14-57 0-15,-3-8 30 0,23 11 0 16,-17-31-1-16,8 0 1 0,25-37-30 16,-36 1 0-16,3-12 19 0,0-14 0 0,8-3 0 15,0-2 0-15,3-4-19 0,36-92 0 16,-42 70 0-16,6 0 11 0,-3-11 0 0,3 0 0 16,-8 0 0-16,2-3-11 0,28-112 0 0,-33 117 0 15,2 1 19-15,-2-3 1 0,3 22 0 0,-3 12 0 16,2 8-20-16,-2 6 0 0,-5 17 0 0,-7 5 0 15,-2 20 7-15,-2 5 1 0,2 4-1 0,-8 5 1 16,-1 0-8-16,-4 33 0 0,2-4 0 0,-3 10 0 0,3 14 11 16,-14 82 1-16,8-61-1 0,1 4 1 15,-3 1-12-15,2 20 0 0,-2-7 0 0,0 7 34 16,-9 101 0-16,6-105 0 0,0 1 0 16,-3 0-34-16,6-3 0 0,-9-3 0 0,6-6-9 0,-14 82 0 15,14-101 0-15,0-9 0 16,-5 42 9-16,10-61 0 0,6-9-142 0,0 0 0 15,0-28 1-15,6 3-1 0,30-45 142 16,-12 5 0-16,12-13-152 0,6-9 0 16,-4-6 0-16,-4-3 1 0,-34 68-474 0</inkml:trace>
-  <inkml:trace contextRef="#ctx0" brushRef="#br0" timeOffset="6950.92">29820 4817 11 0,'0'0'0'0,"0"0"0"0,39-31 0 0,-14 6 1 0,-3 2-1 0,-9 1 1 0,-13 22-11 0</inkml:trace>
-  <inkml:trace contextRef="#ctx0" brushRef="#br0" timeOffset="7100.25">29751 4753 1101 0,'-3'5'0'0,"-5"23"0"15,-3 17 98-15,-6 3 1 16,1 3-1-16,-1 5 0 16,1 9-98-16,-15 78 0 0,15-64 0 0,7 5 62 0,-5 94 0 0,6-77-1 0,8 11 1 15,8 94-62-15,-2-119 0 0,8-14-17 16,25 62 1-16,-20-81-1 0,0-4 1 15,6-5 16-15,8-2 0 0,0-7 0 0,0 1-157 0,6 2 1 16,8-2-1-16,8-6 1 0,3 0 19 0,0 0 1 16,-2 2-1-16,-1 4 1 0,-55-37-242 0</inkml:trace>
-  <inkml:trace contextRef="#ctx0" brushRef="#br0" timeOffset="7727.74">30290 5628 11 0,'0'0'0'0,"0"0"0"0,0 0 0 0,0 0 1 0,0 0-1 0,0 0 1 0,41 0-1 0,-30-9 0 0,8 3 87 0,31-22 0 16,-19 6 1-16,2 2 0 0,25-31-88 16,-33 29 0-16,-1-3 74 0,10-18 2 15,-21 27-1-15,1 1 0 0,0 7-75 16,3-6 0-16,-9 0 0 0,3 8 55 0,-6 6 1 0,4 0-1 15,-1-5 1-15,0 2-56 0,9 17 0 16,-6 0 0-16,-3 8 96 0,14 38 1 16,-11-18-1-16,6 8 1 0,5 63-97 15,-11-62 0-15,0 2 37 0,-3 1-1 0,1 2 0 16,2 0 0-16,-8 0-36 0,8 65 0 16,-6-70 0-16,1 0 49 0,10 39 0 15,1-48 1-15,2-3-1 0,25 29-49 16,-22-37 0-16,3-3-130 0,3-9 1 0,-3-4-1 15,0-4 2-15,-1-8 128 0,21-6 0 0,-29-6 0 16,-5 1-177-16,9-34 0 16,-18 19 1-16,-2 23-249 15</inkml:trace>
-  <inkml:trace contextRef="#ctx0" brushRef="#br0" timeOffset="8033.3">31273 5279 584 0,'0'0'0'0,"0"0"0"16,0 0 0-16,0 0-6 0,0 0 1 0,0 0 0 0,0 0 0 15,0 0 5-15,-50 64 0 0,25-36 0 0,-2 3 150 0,-31 45 1 16,19-31-1-16,3 9 2 0,-41 47-152 15,38-42 0-15,1 3 79 0,-4-3 1 0,1 3-1 16,-4-6 1-16,1 3-80 0,-47 62 0 16,47-59 0-16,2-8 29 0,-32 56 2 15,41-68-2-15,-6-3 1 0,9 0-30 0,2-8 0 16,0-8 0-16,6-12-150 0,6-2 2 0,10-15-1 16,6-2 0-16,6-9-9 0,21-45-1 15,-7 20 1-15,-20 42-242 0</inkml:trace>
-  <inkml:trace contextRef="#ctx0" brushRef="#br0" timeOffset="8517.06">31580 6339 741 0,'0'0'0'0,"0"0"0"0,0 0-98 0,30 0 0 0,-24 9-1 0,-6-4 2 0,-6 4 97 0,0-1 0 0,-2 6 131 0,0 6 2 0,-6 0-2 0,-2 5 2 0,-4 9-133 0,1 8 0 0,8-5 0 16,-3-4 0-16,3-2 114 0,-14 34 2 15,17-31-1-15,-6-1 1 0,-11 32-116 0,17-34 0 16,2 3-30-16,-19 11 0 0,17-25 0 16,5-15 1-16,1 4 29 0,2-9 0 15,-6 3-204-15,1-3 1 0,5 0-1 16,0 0-47-16,2-3 204 0,1-3 0 16,-3 6-151-16</inkml:trace>
-  <inkml:trace contextRef="#ctx0" brushRef="#br0" timeOffset="9334.81">32259 5186 685 0,'0'0'0'0,"0"0"0"0,0 0 0 0,39-6-34 0,-14 1 1 0,0 2-1 0,-3-6 1 0,-3 9 33 0,0 9 0 0,1-1 0 0,-1-2 0 0,-2 2 146 0,-1 1 2 0,4 10-2 0,4 1 2 0,7 11-148 0,24 39 0 0,-36-27 0 0,-2-7 82 15,2 43 1-15,-16-31-1 0,0 2 0 0,-9 52-82 16,-10-46 0-16,-1-5 42 0,-5 2 1 15,-6 6-1-15,-2-8 1 0,-6 5-43 0,-41 45 0 16,38-53 0-16,-5-6 40 0,-39 37 0 16,50-48 0-16,0-6 2 0,-31 15-42 15,37-26 0-15,7-3-1 0,-24-5 0 16,33-9 0-16,8-6 0 0,-16-21 1 16,11 10 0-16,2-3 15 15,1-41 1-15,10 24 0 16,9-5 0-16,-6-11-16 0,9 5 0 0,5 9 0 0,8 0 5 0,-5-3 1 15,0 17-1-15,-3 0 1 0,3 8-6 0,0 0 0 0,-3 9 0 16,-3 5 0-16,1 6 1 0,-1 0 1 0,0 6 0 16,1-3 0-16,-1 2-2 0,-3 4 0 0,7 11 0 15,4-6 0-15,9 2-58 0,-3 4 0 0,-8 3 1 16,3-1 0-16,-1 4 57 0,29 24 0 0,-29-33 0 16,9 8-49-16,33 12 0 0,-38-31-1 15,-1-4 1-15,22-4 49 0,-27 2 0 16,-5-6-176-16,-4-8-1 0,1 0 0 0,2 0 1 0,3-6 59 15,-5-2 1-15,-1-7-1 0,1-2 1 0,-17 31-101 16</inkml:trace>
-  <inkml:trace contextRef="#ctx0" brushRef="#br0" timeOffset="9627.75">32776 4632 11 0,'0'0'0'0,"0"0"0"0,0 0 0 0,38 5 0 0,20 9 1 0,-33 0-1 0,-25-14-9 0</inkml:trace>
-  <inkml:trace contextRef="#ctx0" brushRef="#br0" timeOffset="9700.06">33107 4859 1112 0,'14'29'0'0,"14"27"0"0,-1 14 98 0,-2-11 2 0,-6 3-1 0,-2 3 0 0,0 2-99 0,-6 80 0 0,-14-69 0 0,-5 1 68 0,-12 0 0 0,4 5-1 0,-4-2 1 0,-2 2-68 0,-27 80 0 0,21-74 0 0,-2-3 78 0,2-3-1 0,0-11 0 0,3 3 2 15,6-5-79-15,-28 67 0 0,25-74 0 16,0-2-114-16,-22 48 1 0,24-68-1 15,1-5 1-15,-31 25 113 0,23-40 0 0,27-22-1228 16</inkml:trace>
-</inkml:ink>
-</file>
-
-<file path=ppt/ink/ink4.xml><?xml version="1.0" encoding="utf-8"?>
-<inkml:ink xmlns:inkml="http://www.w3.org/2003/InkML">
-  <inkml:definitions>
-    <inkml:context xml:id="ctx0">
-      <inkml:inkSource xml:id="inkSrc0">
-        <inkml:traceFormat>
-          <inkml:channel name="X" type="integer" max="19200" units="cm"/>
-          <inkml:channel name="Y" type="integer" max="11776" units="cm"/>
-          <inkml:channel name="F" type="integer" max="4096" units="dev"/>
-          <inkml:channel name="T" type="integer" max="2.14748E9" units="dev"/>
-        </inkml:traceFormat>
-        <inkml:channelProperties>
-          <inkml:channelProperty channel="X" name="resolution" value="635.7616" units="1/cm"/>
-          <inkml:channelProperty channel="Y" name="resolution" value="623.06879" units="1/cm"/>
-          <inkml:channelProperty channel="F" name="resolution" value="0" units="1/dev"/>
-          <inkml:channelProperty channel="T" name="resolution" value="1" units="1/dev"/>
-        </inkml:channelProperties>
-      </inkml:inkSource>
       <inkml:timestamp xml:id="ts0" timeString="2024-09-18T21:52:46.702"/>
     </inkml:context>
     <inkml:brush xml:id="br0">
@@ -6349,7 +6304,7 @@
 </inkml:ink>
 </file>
 
-<file path=ppt/ink/ink5.xml><?xml version="1.0" encoding="utf-8"?>
+<file path=ppt/ink/ink4.xml><?xml version="1.0" encoding="utf-8"?>
 <inkml:ink xmlns:inkml="http://www.w3.org/2003/InkML">
   <inkml:definitions>
     <inkml:context xml:id="ctx0">
@@ -30005,57 +29960,6 @@
           </a:fontRef>
         </p:style>
       </p:cxnSp>
-      <mc:AlternateContent xmlns:mc="http://schemas.openxmlformats.org/markup-compatibility/2006">
-        <mc:Choice xmlns:p14="http://schemas.microsoft.com/office/powerpoint/2010/main" Requires="p14">
-          <p:contentPart p14:bwMode="auto" r:id="rId2">
-            <p14:nvContentPartPr>
-              <p14:cNvPr id="12" name="Ink 11">
-                <a:extLst>
-                  <a:ext uri="{FF2B5EF4-FFF2-40B4-BE49-F238E27FC236}">
-                    <a16:creationId xmlns:a16="http://schemas.microsoft.com/office/drawing/2014/main" id="{F731033A-1FF7-12B6-FF02-080DE7AC82FF}"/>
-                  </a:ext>
-                </a:extLst>
-              </p14:cNvPr>
-              <p14:cNvContentPartPr/>
-              <p14:nvPr/>
-            </p14:nvContentPartPr>
-            <p14:xfrm>
-              <a:off x="8625960" y="592920"/>
-              <a:ext cx="3349800" cy="1956960"/>
-            </p14:xfrm>
-          </p:contentPart>
-        </mc:Choice>
-        <mc:Fallback>
-          <p:pic>
-            <p:nvPicPr>
-              <p:cNvPr id="12" name="Ink 11">
-                <a:extLst>
-                  <a:ext uri="{FF2B5EF4-FFF2-40B4-BE49-F238E27FC236}">
-                    <a16:creationId xmlns:a16="http://schemas.microsoft.com/office/drawing/2014/main" id="{F731033A-1FF7-12B6-FF02-080DE7AC82FF}"/>
-                  </a:ext>
-                </a:extLst>
-              </p:cNvPr>
-              <p:cNvPicPr/>
-              <p:nvPr/>
-            </p:nvPicPr>
-            <p:blipFill>
-              <a:blip r:embed="rId3"/>
-              <a:stretch>
-                <a:fillRect/>
-              </a:stretch>
-            </p:blipFill>
-            <p:spPr>
-              <a:xfrm>
-                <a:off x="8616600" y="583560"/>
-                <a:ext cx="3368520" cy="1975680"/>
-              </a:xfrm>
-              <a:prstGeom prst="rect">
-                <a:avLst/>
-              </a:prstGeom>
-            </p:spPr>
-          </p:pic>
-        </mc:Fallback>
-      </mc:AlternateContent>
     </p:spTree>
     <p:extLst>
       <p:ext uri="{BB962C8B-B14F-4D97-AF65-F5344CB8AC3E}">
